--- a/WIP/Users/AnhDD/DDL_Slide_v1.0.pptx
+++ b/WIP/Users/AnhDD/DDL_Slide_v1.0.pptx
@@ -5,7 +5,7 @@
     <p:sldMasterId id="2147483648" r:id="rId1"/>
   </p:sldMasterIdLst>
   <p:notesMasterIdLst>
-    <p:notesMasterId r:id="rId35"/>
+    <p:notesMasterId r:id="rId38"/>
   </p:notesMasterIdLst>
   <p:sldIdLst>
     <p:sldId id="268" r:id="rId2"/>
@@ -21,26 +21,29 @@
     <p:sldId id="284" r:id="rId12"/>
     <p:sldId id="260" r:id="rId13"/>
     <p:sldId id="298" r:id="rId14"/>
-    <p:sldId id="299" r:id="rId15"/>
-    <p:sldId id="300" r:id="rId16"/>
-    <p:sldId id="301" r:id="rId17"/>
-    <p:sldId id="302" r:id="rId18"/>
-    <p:sldId id="303" r:id="rId19"/>
-    <p:sldId id="285" r:id="rId20"/>
-    <p:sldId id="286" r:id="rId21"/>
-    <p:sldId id="266" r:id="rId22"/>
-    <p:sldId id="287" r:id="rId23"/>
-    <p:sldId id="288" r:id="rId24"/>
-    <p:sldId id="267" r:id="rId25"/>
-    <p:sldId id="289" r:id="rId26"/>
-    <p:sldId id="290" r:id="rId27"/>
-    <p:sldId id="265" r:id="rId28"/>
-    <p:sldId id="291" r:id="rId29"/>
-    <p:sldId id="292" r:id="rId30"/>
-    <p:sldId id="263" r:id="rId31"/>
-    <p:sldId id="293" r:id="rId32"/>
-    <p:sldId id="294" r:id="rId33"/>
-    <p:sldId id="264" r:id="rId34"/>
+    <p:sldId id="305" r:id="rId15"/>
+    <p:sldId id="304" r:id="rId16"/>
+    <p:sldId id="299" r:id="rId17"/>
+    <p:sldId id="300" r:id="rId18"/>
+    <p:sldId id="301" r:id="rId19"/>
+    <p:sldId id="306" r:id="rId20"/>
+    <p:sldId id="302" r:id="rId21"/>
+    <p:sldId id="303" r:id="rId22"/>
+    <p:sldId id="285" r:id="rId23"/>
+    <p:sldId id="286" r:id="rId24"/>
+    <p:sldId id="266" r:id="rId25"/>
+    <p:sldId id="287" r:id="rId26"/>
+    <p:sldId id="288" r:id="rId27"/>
+    <p:sldId id="267" r:id="rId28"/>
+    <p:sldId id="289" r:id="rId29"/>
+    <p:sldId id="290" r:id="rId30"/>
+    <p:sldId id="265" r:id="rId31"/>
+    <p:sldId id="291" r:id="rId32"/>
+    <p:sldId id="292" r:id="rId33"/>
+    <p:sldId id="263" r:id="rId34"/>
+    <p:sldId id="293" r:id="rId35"/>
+    <p:sldId id="294" r:id="rId36"/>
+    <p:sldId id="264" r:id="rId37"/>
   </p:sldIdLst>
   <p:sldSz cx="9144000" cy="6858000" type="screen4x3"/>
   <p:notesSz cx="6858000" cy="9144000"/>
@@ -169,9 +172,12 @@
             <p14:sldId id="284"/>
             <p14:sldId id="260"/>
             <p14:sldId id="298"/>
+            <p14:sldId id="305"/>
+            <p14:sldId id="304"/>
             <p14:sldId id="299"/>
             <p14:sldId id="300"/>
             <p14:sldId id="301"/>
+            <p14:sldId id="306"/>
             <p14:sldId id="302"/>
             <p14:sldId id="303"/>
           </p14:sldIdLst>
@@ -10189,7 +10195,7 @@
         <p:spPr>
           <a:xfrm>
             <a:off x="381000" y="131503"/>
-            <a:ext cx="8382000" cy="868362"/>
+            <a:ext cx="8382000" cy="478097"/>
           </a:xfrm>
         </p:spPr>
         <p:txBody>
@@ -10200,65 +10206,47 @@
           <a:p>
             <a:pPr lvl="0"/>
             <a:r>
-              <a:rPr lang="vi-VN" sz="3400" dirty="0">
+              <a:rPr lang="en-US" sz="3000" dirty="0">
                 <a:solidFill>
                   <a:schemeClr val="bg1"/>
                 </a:solidFill>
-                <a:cs typeface="Times New Roman" panose="02020603050405020304" pitchFamily="18" charset="0"/>
-              </a:rPr>
-              <a:t>3.2 :</a:t>
-            </a:r>
-            <a:r>
-              <a:rPr lang="ja-JP" altLang="en-US" sz="3400" b="1" dirty="0">
+                <a:latin typeface="Times New Roman" pitchFamily="18" charset="0"/>
+                <a:cs typeface="Times New Roman" pitchFamily="18" charset="0"/>
+              </a:rPr>
+              <a:t>3.1 </a:t>
+            </a:r>
+            <a:r>
+              <a:rPr lang="ja-JP" altLang="en-US" sz="3000" b="1" dirty="0">
                 <a:solidFill>
                   <a:schemeClr val="bg1"/>
                 </a:solidFill>
+                <a:latin typeface="SimSun" panose="02010600030101010101" pitchFamily="2" charset="-122"/>
+                <a:ea typeface="SimSun" panose="02010600030101010101" pitchFamily="2" charset="-122"/>
+                <a:cs typeface="Times New Roman" panose="02020603050405020304" pitchFamily="18" charset="0"/>
+              </a:rPr>
+              <a:t>ビジネスプロセ  </a:t>
+            </a:r>
+            <a:r>
+              <a:rPr lang="en-US" altLang="ja-JP" sz="3000" dirty="0">
+                <a:solidFill>
+                  <a:schemeClr val="bg1"/>
+                </a:solidFill>
                 <a:latin typeface="Times New Roman" panose="02020603050405020304" pitchFamily="18" charset="0"/>
-                <a:ea typeface="SimSun" panose="02010600030101010101" pitchFamily="2" charset="-122"/>
-                <a:cs typeface="Times New Roman" panose="02020603050405020304" pitchFamily="18" charset="0"/>
-              </a:rPr>
-              <a:t>システムのユーザ</a:t>
-            </a:r>
-            <a:r>
-              <a:rPr lang="ja-JP" altLang="en-US" sz="3400" b="1" dirty="0">
+                <a:cs typeface="Times New Roman" panose="02020603050405020304" pitchFamily="18" charset="0"/>
+              </a:rPr>
+              <a:t>-   </a:t>
+            </a:r>
+            <a:r>
+              <a:rPr lang="en-US" sz="3000" dirty="0">
                 <a:solidFill>
                   <a:schemeClr val="bg1"/>
                 </a:solidFill>
-                <a:ea typeface="SimSun" panose="02010600030101010101" pitchFamily="2" charset="-122"/>
-                <a:cs typeface="Times New Roman" panose="02020603050405020304" pitchFamily="18" charset="0"/>
-              </a:rPr>
-              <a:t>  </a:t>
-            </a:r>
-            <a:r>
-              <a:rPr lang="en-US" altLang="ja-JP" sz="3400" dirty="0">
-                <a:solidFill>
-                  <a:schemeClr val="bg1"/>
-                </a:solidFill>
                 <a:latin typeface="Times New Roman" panose="02020603050405020304" pitchFamily="18" charset="0"/>
                 <a:cs typeface="Times New Roman" panose="02020603050405020304" pitchFamily="18" charset="0"/>
               </a:rPr>
-              <a:t>-   System Users</a:t>
-            </a:r>
-            <a:r>
-              <a:rPr lang="en-US" sz="3400" dirty="0">
-                <a:solidFill>
-                  <a:schemeClr val="bg1"/>
-                </a:solidFill>
-                <a:latin typeface="Times New Roman" panose="02020603050405020304" pitchFamily="18" charset="0"/>
-                <a:cs typeface="Times New Roman" panose="02020603050405020304" pitchFamily="18" charset="0"/>
-              </a:rPr>
-              <a:t/>
-            </a:r>
-            <a:br>
-              <a:rPr lang="en-US" sz="3400" dirty="0">
-                <a:solidFill>
-                  <a:schemeClr val="bg1"/>
-                </a:solidFill>
-                <a:latin typeface="Times New Roman" panose="02020603050405020304" pitchFamily="18" charset="0"/>
-                <a:cs typeface="Times New Roman" panose="02020603050405020304" pitchFamily="18" charset="0"/>
-              </a:rPr>
-            </a:br>
-            <a:endParaRPr lang="en-US" sz="3400" dirty="0">
+              <a:t>Business Process</a:t>
+            </a:r>
+            <a:endParaRPr lang="en-US" sz="3000" dirty="0">
               <a:solidFill>
                 <a:schemeClr val="bg1"/>
               </a:solidFill>
@@ -10660,6 +10648,258 @@
       </p:grpSpPr>
       <p:sp>
         <p:nvSpPr>
+          <p:cNvPr id="2" name="Title 1"/>
+          <p:cNvSpPr>
+            <a:spLocks noGrp="1"/>
+          </p:cNvSpPr>
+          <p:nvPr>
+            <p:ph type="title"/>
+          </p:nvPr>
+        </p:nvSpPr>
+        <p:spPr/>
+        <p:txBody>
+          <a:bodyPr/>
+          <a:lstStyle/>
+          <a:p>
+            <a:endParaRPr lang="en-US" dirty="0"/>
+          </a:p>
+        </p:txBody>
+      </p:sp>
+      <p:pic>
+        <p:nvPicPr>
+          <p:cNvPr id="4" name="Picture 3" descr="C:\Users\Chinh\Desktop\report1\Approve-Suspend.png"/>
+          <p:cNvPicPr/>
+          <p:nvPr/>
+        </p:nvPicPr>
+        <p:blipFill>
+          <a:blip r:embed="rId2">
+            <a:extLst>
+              <a:ext uri="{28A0092B-C50C-407E-A947-70E740481C1C}">
+                <a14:useLocalDpi xmlns:a14="http://schemas.microsoft.com/office/drawing/2010/main" val="0"/>
+              </a:ext>
+            </a:extLst>
+          </a:blip>
+          <a:srcRect/>
+          <a:stretch>
+            <a:fillRect/>
+          </a:stretch>
+        </p:blipFill>
+        <p:spPr bwMode="auto">
+          <a:xfrm>
+            <a:off x="745424" y="846138"/>
+            <a:ext cx="3538353" cy="5562600"/>
+          </a:xfrm>
+          <a:prstGeom prst="rect">
+            <a:avLst/>
+          </a:prstGeom>
+          <a:noFill/>
+          <a:ln>
+            <a:noFill/>
+          </a:ln>
+        </p:spPr>
+      </p:pic>
+      <p:pic>
+        <p:nvPicPr>
+          <p:cNvPr id="5" name="Content Placeholder 4" descr="Create"/>
+          <p:cNvPicPr>
+            <a:picLocks noGrp="1"/>
+          </p:cNvPicPr>
+          <p:nvPr>
+            <p:ph idx="1"/>
+          </p:nvPr>
+        </p:nvPicPr>
+        <p:blipFill>
+          <a:blip r:embed="rId3">
+            <a:extLst>
+              <a:ext uri="{28A0092B-C50C-407E-A947-70E740481C1C}">
+                <a14:useLocalDpi xmlns:a14="http://schemas.microsoft.com/office/drawing/2010/main" val="0"/>
+              </a:ext>
+            </a:extLst>
+          </a:blip>
+          <a:srcRect/>
+          <a:stretch>
+            <a:fillRect/>
+          </a:stretch>
+        </p:blipFill>
+        <p:spPr bwMode="auto">
+          <a:xfrm>
+            <a:off x="4572000" y="1417638"/>
+            <a:ext cx="4419600" cy="3687762"/>
+          </a:xfrm>
+          <a:prstGeom prst="rect">
+            <a:avLst/>
+          </a:prstGeom>
+          <a:noFill/>
+          <a:ln>
+            <a:noFill/>
+          </a:ln>
+        </p:spPr>
+      </p:pic>
+    </p:spTree>
+    <p:extLst>
+      <p:ext uri="{BB962C8B-B14F-4D97-AF65-F5344CB8AC3E}">
+        <p14:creationId xmlns:p14="http://schemas.microsoft.com/office/powerpoint/2010/main" val="394079022"/>
+      </p:ext>
+    </p:extLst>
+  </p:cSld>
+  <p:clrMapOvr>
+    <a:masterClrMapping/>
+  </p:clrMapOvr>
+  <p:timing>
+    <p:tnLst>
+      <p:par>
+        <p:cTn id="1" dur="indefinite" restart="never" nodeType="tmRoot"/>
+      </p:par>
+    </p:tnLst>
+  </p:timing>
+</p:sld>
+</file>
+
+<file path=ppt/slides/slide15.xml><?xml version="1.0" encoding="utf-8"?>
+<p:sld xmlns:a="http://schemas.openxmlformats.org/drawingml/2006/main" xmlns:r="http://schemas.openxmlformats.org/officeDocument/2006/relationships" xmlns:p="http://schemas.openxmlformats.org/presentationml/2006/main">
+  <p:cSld>
+    <p:spTree>
+      <p:nvGrpSpPr>
+        <p:cNvPr id="1" name=""/>
+        <p:cNvGrpSpPr/>
+        <p:nvPr/>
+      </p:nvGrpSpPr>
+      <p:grpSpPr>
+        <a:xfrm>
+          <a:off x="0" y="0"/>
+          <a:ext cx="0" cy="0"/>
+          <a:chOff x="0" y="0"/>
+          <a:chExt cx="0" cy="0"/>
+        </a:xfrm>
+      </p:grpSpPr>
+      <p:sp>
+        <p:nvSpPr>
+          <p:cNvPr id="2" name="Title 1"/>
+          <p:cNvSpPr>
+            <a:spLocks noGrp="1"/>
+          </p:cNvSpPr>
+          <p:nvPr>
+            <p:ph type="title"/>
+          </p:nvPr>
+        </p:nvSpPr>
+        <p:spPr>
+          <a:xfrm>
+            <a:off x="457200" y="14524"/>
+            <a:ext cx="8229600" cy="655638"/>
+          </a:xfrm>
+        </p:spPr>
+        <p:txBody>
+          <a:bodyPr>
+            <a:normAutofit/>
+          </a:bodyPr>
+          <a:lstStyle/>
+          <a:p>
+            <a:r>
+              <a:rPr lang="en-US" sz="2800" dirty="0" smtClean="0">
+                <a:solidFill>
+                  <a:schemeClr val="bg1"/>
+                </a:solidFill>
+              </a:rPr>
+              <a:t>Screen Flow</a:t>
+            </a:r>
+            <a:endParaRPr lang="en-US" sz="2800" dirty="0">
+              <a:solidFill>
+                <a:schemeClr val="bg1"/>
+              </a:solidFill>
+            </a:endParaRPr>
+          </a:p>
+        </p:txBody>
+      </p:sp>
+      <p:sp>
+        <p:nvSpPr>
+          <p:cNvPr id="3" name="Content Placeholder 2"/>
+          <p:cNvSpPr>
+            <a:spLocks noGrp="1"/>
+          </p:cNvSpPr>
+          <p:nvPr>
+            <p:ph idx="1"/>
+          </p:nvPr>
+        </p:nvSpPr>
+        <p:spPr/>
+        <p:txBody>
+          <a:bodyPr/>
+          <a:lstStyle/>
+          <a:p>
+            <a:endParaRPr lang="en-US" dirty="0"/>
+          </a:p>
+        </p:txBody>
+      </p:sp>
+      <p:pic>
+        <p:nvPicPr>
+          <p:cNvPr id="6" name="Picture 5"/>
+          <p:cNvPicPr/>
+          <p:nvPr/>
+        </p:nvPicPr>
+        <p:blipFill>
+          <a:blip r:embed="rId2">
+            <a:extLst>
+              <a:ext uri="{28A0092B-C50C-407E-A947-70E740481C1C}">
+                <a14:useLocalDpi xmlns:a14="http://schemas.microsoft.com/office/drawing/2010/main" val="0"/>
+              </a:ext>
+            </a:extLst>
+          </a:blip>
+          <a:stretch>
+            <a:fillRect/>
+          </a:stretch>
+        </p:blipFill>
+        <p:spPr bwMode="auto">
+          <a:xfrm>
+            <a:off x="3276600" y="676275"/>
+            <a:ext cx="3154680" cy="6181725"/>
+          </a:xfrm>
+          <a:prstGeom prst="rect">
+            <a:avLst/>
+          </a:prstGeom>
+          <a:noFill/>
+          <a:ln>
+            <a:noFill/>
+          </a:ln>
+        </p:spPr>
+      </p:pic>
+    </p:spTree>
+    <p:extLst>
+      <p:ext uri="{BB962C8B-B14F-4D97-AF65-F5344CB8AC3E}">
+        <p14:creationId xmlns:p14="http://schemas.microsoft.com/office/powerpoint/2010/main" val="816919225"/>
+      </p:ext>
+    </p:extLst>
+  </p:cSld>
+  <p:clrMapOvr>
+    <a:masterClrMapping/>
+  </p:clrMapOvr>
+  <p:timing>
+    <p:tnLst>
+      <p:par>
+        <p:cTn id="1" dur="indefinite" restart="never" nodeType="tmRoot"/>
+      </p:par>
+    </p:tnLst>
+  </p:timing>
+</p:sld>
+</file>
+
+<file path=ppt/slides/slide16.xml><?xml version="1.0" encoding="utf-8"?>
+<p:sld xmlns:a="http://schemas.openxmlformats.org/drawingml/2006/main" xmlns:r="http://schemas.openxmlformats.org/officeDocument/2006/relationships" xmlns:p="http://schemas.openxmlformats.org/presentationml/2006/main">
+  <p:cSld>
+    <p:spTree>
+      <p:nvGrpSpPr>
+        <p:cNvPr id="1" name=""/>
+        <p:cNvGrpSpPr/>
+        <p:nvPr/>
+      </p:nvGrpSpPr>
+      <p:grpSpPr>
+        <a:xfrm>
+          <a:off x="0" y="0"/>
+          <a:ext cx="0" cy="0"/>
+          <a:chOff x="0" y="0"/>
+          <a:chExt cx="0" cy="0"/>
+        </a:xfrm>
+      </p:grpSpPr>
+      <p:sp>
+        <p:nvSpPr>
           <p:cNvPr id="2" name="Tiêu đề 1"/>
           <p:cNvSpPr>
             <a:spLocks noGrp="1"/>
@@ -10731,17 +10971,7 @@
                 <a:latin typeface="Times New Roman" panose="02020603050405020304" pitchFamily="18" charset="0"/>
                 <a:cs typeface="Times New Roman" panose="02020603050405020304" pitchFamily="18" charset="0"/>
               </a:rPr>
-              <a:t>- </a:t>
-            </a:r>
-            <a:r>
-              <a:rPr lang="en-US" altLang="ja-JP" sz="2800" dirty="0" smtClean="0">
-                <a:solidFill>
-                  <a:schemeClr val="bg1"/>
-                </a:solidFill>
-                <a:latin typeface="Times New Roman" panose="02020603050405020304" pitchFamily="18" charset="0"/>
-                <a:cs typeface="Times New Roman" panose="02020603050405020304" pitchFamily="18" charset="0"/>
-              </a:rPr>
-              <a:t>Functional</a:t>
+              <a:t>- Functional</a:t>
             </a:r>
             <a:r>
               <a:rPr lang="en-US" sz="2800" dirty="0" smtClean="0">
@@ -11533,6 +11763,30 @@
           </a:p>
         </p:txBody>
       </p:sp>
+      <p:pic>
+        <p:nvPicPr>
+          <p:cNvPr id="6" name="Picture 5"/>
+          <p:cNvPicPr>
+            <a:picLocks noChangeAspect="1"/>
+          </p:cNvPicPr>
+          <p:nvPr/>
+        </p:nvPicPr>
+        <p:blipFill>
+          <a:blip r:embed="rId2"/>
+          <a:stretch>
+            <a:fillRect/>
+          </a:stretch>
+        </p:blipFill>
+        <p:spPr>
+          <a:xfrm>
+            <a:off x="5410201" y="745870"/>
+            <a:ext cx="3200400" cy="6109855"/>
+          </a:xfrm>
+          <a:prstGeom prst="rect">
+            <a:avLst/>
+          </a:prstGeom>
+        </p:spPr>
+      </p:pic>
     </p:spTree>
     <p:extLst>
       <p:ext uri="{BB962C8B-B14F-4D97-AF65-F5344CB8AC3E}">
@@ -11627,7 +11881,7 @@
 </p:sld>
 </file>
 
-<file path=ppt/slides/slide15.xml><?xml version="1.0" encoding="utf-8"?>
+<file path=ppt/slides/slide17.xml><?xml version="1.0" encoding="utf-8"?>
 <p:sld xmlns:a="http://schemas.openxmlformats.org/drawingml/2006/main" xmlns:r="http://schemas.openxmlformats.org/officeDocument/2006/relationships" xmlns:p="http://schemas.openxmlformats.org/presentationml/2006/main">
   <p:cSld>
     <p:spTree>
@@ -11735,7 +11989,7 @@
         </p:nvSpPr>
         <p:spPr>
           <a:xfrm>
-            <a:off x="914400" y="1143000"/>
+            <a:off x="4953000" y="1295400"/>
             <a:ext cx="4572000" cy="623248"/>
           </a:xfrm>
           <a:prstGeom prst="rect">
@@ -11785,7 +12039,7 @@
         </p:nvSpPr>
         <p:spPr>
           <a:xfrm>
-            <a:off x="884830" y="2895600"/>
+            <a:off x="4953000" y="1918648"/>
             <a:ext cx="3738093" cy="1524000"/>
           </a:xfrm>
           <a:prstGeom prst="rect">
@@ -12263,6 +12517,30 @@
           </a:p>
         </p:txBody>
       </p:sp>
+      <p:pic>
+        <p:nvPicPr>
+          <p:cNvPr id="7" name="Picture 6"/>
+          <p:cNvPicPr>
+            <a:picLocks noChangeAspect="1"/>
+          </p:cNvPicPr>
+          <p:nvPr/>
+        </p:nvPicPr>
+        <p:blipFill>
+          <a:blip r:embed="rId2"/>
+          <a:stretch>
+            <a:fillRect/>
+          </a:stretch>
+        </p:blipFill>
+        <p:spPr>
+          <a:xfrm>
+            <a:off x="914400" y="935083"/>
+            <a:ext cx="3381375" cy="5476875"/>
+          </a:xfrm>
+          <a:prstGeom prst="rect">
+            <a:avLst/>
+          </a:prstGeom>
+        </p:spPr>
+      </p:pic>
     </p:spTree>
     <p:extLst>
       <p:ext uri="{BB962C8B-B14F-4D97-AF65-F5344CB8AC3E}">
@@ -12357,7 +12635,7 @@
 </p:sld>
 </file>
 
-<file path=ppt/slides/slide16.xml><?xml version="1.0" encoding="utf-8"?>
+<file path=ppt/slides/slide18.xml><?xml version="1.0" encoding="utf-8"?>
 <p:sld xmlns:a="http://schemas.openxmlformats.org/drawingml/2006/main" xmlns:r="http://schemas.openxmlformats.org/officeDocument/2006/relationships" xmlns:p="http://schemas.openxmlformats.org/presentationml/2006/main">
   <p:cSld>
     <p:spTree>
@@ -12453,8 +12731,8 @@
         </p:nvSpPr>
         <p:spPr>
           <a:xfrm>
-            <a:off x="685800" y="1295400"/>
-            <a:ext cx="8077200" cy="4724400"/>
+            <a:off x="609600" y="609600"/>
+            <a:ext cx="8077200" cy="6019800"/>
           </a:xfrm>
         </p:spPr>
         <p:txBody>
@@ -12463,257 +12741,375 @@
           </a:bodyPr>
           <a:lstStyle/>
           <a:p>
-            <a:pPr marL="34290" indent="0">
+            <a:pPr marL="457200" lvl="1" indent="0">
               <a:buNone/>
             </a:pPr>
             <a:r>
-              <a:rPr lang="ja-JP" altLang="en-US" sz="2400" b="1" dirty="0">
-                <a:solidFill>
-                  <a:srgbClr val="002060"/>
+              <a:rPr lang="en-US" sz="2400" b="1" dirty="0" smtClean="0">
+                <a:solidFill>
+                  <a:schemeClr val="tx2"/>
                 </a:solidFill>
                 <a:latin typeface="Times New Roman" panose="02020603050405020304" pitchFamily="18" charset="0"/>
-                <a:ea typeface="SimSun" panose="02010600030101010101" pitchFamily="2" charset="-122"/>
-                <a:cs typeface="Times New Roman" panose="02020603050405020304" pitchFamily="18" charset="0"/>
-              </a:rPr>
-              <a:t>ユーザーインターフェース</a:t>
-            </a:r>
-            <a:r>
-              <a:rPr lang="ja-JP" altLang="en-US" sz="2400" dirty="0">
-                <a:solidFill>
-                  <a:srgbClr val="002060"/>
+                <a:cs typeface="Times New Roman" panose="02020603050405020304" pitchFamily="18" charset="0"/>
+              </a:rPr>
+              <a:t>Performance </a:t>
+            </a:r>
+            <a:r>
+              <a:rPr lang="en-US" sz="2400" b="1" dirty="0">
+                <a:solidFill>
+                  <a:schemeClr val="tx2"/>
                 </a:solidFill>
                 <a:latin typeface="Times New Roman" panose="02020603050405020304" pitchFamily="18" charset="0"/>
                 <a:cs typeface="Times New Roman" panose="02020603050405020304" pitchFamily="18" charset="0"/>
               </a:rPr>
-              <a:t>   </a:t>
-            </a:r>
-            <a:r>
-              <a:rPr lang="en-US" altLang="ja-JP" sz="2400" dirty="0">
-                <a:solidFill>
-                  <a:srgbClr val="002060"/>
+              <a:t>Requirements</a:t>
+            </a:r>
+          </a:p>
+          <a:p>
+            <a:pPr lvl="2"/>
+            <a:r>
+              <a:rPr lang="en-US" sz="2000" b="1" dirty="0">
+                <a:solidFill>
+                  <a:schemeClr val="tx2"/>
                 </a:solidFill>
                 <a:latin typeface="Times New Roman" panose="02020603050405020304" pitchFamily="18" charset="0"/>
                 <a:cs typeface="Times New Roman" panose="02020603050405020304" pitchFamily="18" charset="0"/>
               </a:rPr>
-              <a:t>-  </a:t>
-            </a:r>
-            <a:r>
-              <a:rPr lang="en-US" sz="2400" dirty="0">
-                <a:solidFill>
-                  <a:srgbClr val="002060"/>
+              <a:t>Availability </a:t>
+            </a:r>
+          </a:p>
+          <a:p>
+            <a:pPr marL="0" indent="0">
+              <a:buNone/>
+            </a:pPr>
+            <a:r>
+              <a:rPr lang="en-US" sz="1900" dirty="0" smtClean="0">
+                <a:solidFill>
+                  <a:schemeClr val="tx2"/>
                 </a:solidFill>
                 <a:latin typeface="Times New Roman" panose="02020603050405020304" pitchFamily="18" charset="0"/>
                 <a:cs typeface="Times New Roman" panose="02020603050405020304" pitchFamily="18" charset="0"/>
               </a:rPr>
-              <a:t>User </a:t>
-            </a:r>
-            <a:r>
-              <a:rPr lang="en-US" sz="2400" dirty="0" smtClean="0">
-                <a:solidFill>
-                  <a:srgbClr val="002060"/>
+              <a:t>	 </a:t>
+            </a:r>
+            <a:r>
+              <a:rPr lang="en-US" sz="1900" dirty="0">
+                <a:solidFill>
+                  <a:schemeClr val="tx2"/>
                 </a:solidFill>
                 <a:latin typeface="Times New Roman" panose="02020603050405020304" pitchFamily="18" charset="0"/>
                 <a:cs typeface="Times New Roman" panose="02020603050405020304" pitchFamily="18" charset="0"/>
               </a:rPr>
-              <a:t>Interfaces</a:t>
-            </a:r>
-            <a:endParaRPr lang="en-US" sz="2400" dirty="0">
+              <a:t>The application must be available 95% of time. Users can access to it </a:t>
+            </a:r>
+            <a:r>
+              <a:rPr lang="en-US" sz="1900" dirty="0" smtClean="0">
+                <a:solidFill>
+                  <a:schemeClr val="tx2"/>
+                </a:solidFill>
+                <a:latin typeface="Times New Roman" panose="02020603050405020304" pitchFamily="18" charset="0"/>
+                <a:cs typeface="Times New Roman" panose="02020603050405020304" pitchFamily="18" charset="0"/>
+              </a:rPr>
+              <a:t>	everywhere </a:t>
+            </a:r>
+            <a:r>
+              <a:rPr lang="en-US" sz="1900" dirty="0">
+                <a:solidFill>
+                  <a:schemeClr val="tx2"/>
+                </a:solidFill>
+                <a:latin typeface="Times New Roman" panose="02020603050405020304" pitchFamily="18" charset="0"/>
+                <a:cs typeface="Times New Roman" panose="02020603050405020304" pitchFamily="18" charset="0"/>
+              </a:rPr>
+              <a:t>from their </a:t>
+            </a:r>
+          </a:p>
+          <a:p>
+            <a:pPr marL="0" indent="0">
+              <a:buNone/>
+            </a:pPr>
+            <a:r>
+              <a:rPr lang="en-US" sz="1900" dirty="0" smtClean="0">
+                <a:solidFill>
+                  <a:schemeClr val="tx2"/>
+                </a:solidFill>
+                <a:latin typeface="Times New Roman" panose="02020603050405020304" pitchFamily="18" charset="0"/>
+                <a:cs typeface="Times New Roman" panose="02020603050405020304" pitchFamily="18" charset="0"/>
+              </a:rPr>
+              <a:t>	Web </a:t>
+            </a:r>
+            <a:r>
+              <a:rPr lang="en-US" sz="1900" dirty="0">
+                <a:solidFill>
+                  <a:schemeClr val="tx2"/>
+                </a:solidFill>
+                <a:latin typeface="Times New Roman" panose="02020603050405020304" pitchFamily="18" charset="0"/>
+                <a:cs typeface="Times New Roman" panose="02020603050405020304" pitchFamily="18" charset="0"/>
+              </a:rPr>
+              <a:t>browser with internet connection.</a:t>
+            </a:r>
+          </a:p>
+          <a:p>
+            <a:pPr lvl="2"/>
+            <a:r>
+              <a:rPr lang="en-US" sz="2000" b="1" dirty="0">
+                <a:solidFill>
+                  <a:schemeClr val="tx2"/>
+                </a:solidFill>
+                <a:latin typeface="Times New Roman" panose="02020603050405020304" pitchFamily="18" charset="0"/>
+                <a:cs typeface="Times New Roman" panose="02020603050405020304" pitchFamily="18" charset="0"/>
+              </a:rPr>
+              <a:t>Response time</a:t>
+            </a:r>
+          </a:p>
+          <a:p>
+            <a:pPr marL="0" indent="0">
+              <a:buNone/>
+            </a:pPr>
+            <a:r>
+              <a:rPr lang="en-US" sz="1900" dirty="0">
+                <a:solidFill>
+                  <a:schemeClr val="tx2"/>
+                </a:solidFill>
+                <a:latin typeface="Times New Roman" panose="02020603050405020304" pitchFamily="18" charset="0"/>
+                <a:cs typeface="Times New Roman" panose="02020603050405020304" pitchFamily="18" charset="0"/>
+              </a:rPr>
+              <a:t> </a:t>
+            </a:r>
+            <a:r>
+              <a:rPr lang="en-US" sz="1900" dirty="0" smtClean="0">
+                <a:solidFill>
+                  <a:schemeClr val="tx2"/>
+                </a:solidFill>
+                <a:latin typeface="Times New Roman" panose="02020603050405020304" pitchFamily="18" charset="0"/>
+                <a:cs typeface="Times New Roman" panose="02020603050405020304" pitchFamily="18" charset="0"/>
+              </a:rPr>
+              <a:t>	</a:t>
+            </a:r>
+            <a:r>
+              <a:rPr lang="en-US" sz="1800" dirty="0" smtClean="0">
+                <a:solidFill>
+                  <a:schemeClr val="tx2"/>
+                </a:solidFill>
+                <a:latin typeface="Times New Roman" panose="02020603050405020304" pitchFamily="18" charset="0"/>
+                <a:cs typeface="Times New Roman" panose="02020603050405020304" pitchFamily="18" charset="0"/>
+              </a:rPr>
+              <a:t>In </a:t>
+            </a:r>
+            <a:r>
+              <a:rPr lang="en-US" sz="1800" dirty="0">
+                <a:solidFill>
+                  <a:schemeClr val="tx2"/>
+                </a:solidFill>
+                <a:latin typeface="Times New Roman" panose="02020603050405020304" pitchFamily="18" charset="0"/>
+                <a:cs typeface="Times New Roman" panose="02020603050405020304" pitchFamily="18" charset="0"/>
+              </a:rPr>
+              <a:t>term of response time, waiting time of processing will be 2 to 5 </a:t>
+            </a:r>
+            <a:r>
+              <a:rPr lang="en-US" sz="1800" dirty="0" smtClean="0">
+                <a:solidFill>
+                  <a:schemeClr val="tx2"/>
+                </a:solidFill>
+                <a:latin typeface="Times New Roman" panose="02020603050405020304" pitchFamily="18" charset="0"/>
+                <a:cs typeface="Times New Roman" panose="02020603050405020304" pitchFamily="18" charset="0"/>
+              </a:rPr>
+              <a:t>	seconds</a:t>
+            </a:r>
+            <a:r>
+              <a:rPr lang="en-US" sz="1800" dirty="0">
+                <a:solidFill>
+                  <a:schemeClr val="tx2"/>
+                </a:solidFill>
+                <a:latin typeface="Times New Roman" panose="02020603050405020304" pitchFamily="18" charset="0"/>
+                <a:cs typeface="Times New Roman" panose="02020603050405020304" pitchFamily="18" charset="0"/>
+              </a:rPr>
+              <a:t>; time to process any functions will not exceed 7 seconds.</a:t>
+            </a:r>
+          </a:p>
+          <a:p>
+            <a:pPr lvl="2"/>
+            <a:r>
+              <a:rPr lang="en-US" sz="2000" b="1" dirty="0">
+                <a:solidFill>
+                  <a:schemeClr val="tx2"/>
+                </a:solidFill>
+                <a:latin typeface="Times New Roman" panose="02020603050405020304" pitchFamily="18" charset="0"/>
+                <a:cs typeface="Times New Roman" panose="02020603050405020304" pitchFamily="18" charset="0"/>
+              </a:rPr>
+              <a:t>Maintainability</a:t>
+            </a:r>
+          </a:p>
+          <a:p>
+            <a:pPr marL="0" lvl="0" indent="0">
+              <a:buNone/>
+            </a:pPr>
+            <a:r>
+              <a:rPr lang="en-US" sz="1900" b="1" dirty="0">
+                <a:solidFill>
+                  <a:schemeClr val="tx2"/>
+                </a:solidFill>
+                <a:latin typeface="Times New Roman" panose="02020603050405020304" pitchFamily="18" charset="0"/>
+                <a:cs typeface="Times New Roman" panose="02020603050405020304" pitchFamily="18" charset="0"/>
+              </a:rPr>
+              <a:t> </a:t>
+            </a:r>
+            <a:r>
+              <a:rPr lang="en-US" sz="1900" b="1" dirty="0" smtClean="0">
+                <a:solidFill>
+                  <a:schemeClr val="tx2"/>
+                </a:solidFill>
+                <a:latin typeface="Times New Roman" panose="02020603050405020304" pitchFamily="18" charset="0"/>
+                <a:cs typeface="Times New Roman" panose="02020603050405020304" pitchFamily="18" charset="0"/>
+              </a:rPr>
+              <a:t>      	</a:t>
+            </a:r>
+            <a:r>
+              <a:rPr lang="en-US" sz="1800" b="1" dirty="0" smtClean="0">
+                <a:solidFill>
+                  <a:schemeClr val="tx2"/>
+                </a:solidFill>
+                <a:latin typeface="Times New Roman" panose="02020603050405020304" pitchFamily="18" charset="0"/>
+                <a:cs typeface="Times New Roman" panose="02020603050405020304" pitchFamily="18" charset="0"/>
+              </a:rPr>
+              <a:t>Coding </a:t>
+            </a:r>
+            <a:r>
+              <a:rPr lang="en-US" sz="1800" b="1" dirty="0">
+                <a:solidFill>
+                  <a:schemeClr val="tx2"/>
+                </a:solidFill>
+                <a:latin typeface="Times New Roman" panose="02020603050405020304" pitchFamily="18" charset="0"/>
+                <a:cs typeface="Times New Roman" panose="02020603050405020304" pitchFamily="18" charset="0"/>
+              </a:rPr>
+              <a:t>standards and naming </a:t>
+            </a:r>
+            <a:r>
+              <a:rPr lang="en-US" sz="1800" b="1" dirty="0" smtClean="0">
+                <a:solidFill>
+                  <a:schemeClr val="tx2"/>
+                </a:solidFill>
+                <a:latin typeface="Times New Roman" panose="02020603050405020304" pitchFamily="18" charset="0"/>
+                <a:cs typeface="Times New Roman" panose="02020603050405020304" pitchFamily="18" charset="0"/>
+              </a:rPr>
+              <a:t>conventions</a:t>
+            </a:r>
+            <a:endParaRPr lang="en-US" sz="1800" dirty="0">
               <a:solidFill>
-                <a:srgbClr val="002060"/>
+                <a:schemeClr val="tx2"/>
               </a:solidFill>
               <a:latin typeface="Times New Roman" panose="02020603050405020304" pitchFamily="18" charset="0"/>
               <a:cs typeface="Times New Roman" panose="02020603050405020304" pitchFamily="18" charset="0"/>
             </a:endParaRPr>
           </a:p>
           <a:p>
-            <a:pPr lvl="2">
-              <a:lnSpc>
-                <a:spcPct val="110000"/>
-              </a:lnSpc>
-              <a:buFont typeface="Wingdings" panose="05000000000000000000" pitchFamily="2" charset="2"/>
-              <a:buChar char="§"/>
-            </a:pPr>
-            <a:r>
-              <a:rPr lang="ja-JP" altLang="en-US" b="1" dirty="0">
-                <a:solidFill>
-                  <a:srgbClr val="002060"/>
+            <a:pPr lvl="3"/>
+            <a:r>
+              <a:rPr lang="en-US" sz="1800" dirty="0">
+                <a:solidFill>
+                  <a:schemeClr val="tx2"/>
                 </a:solidFill>
                 <a:latin typeface="Times New Roman" panose="02020603050405020304" pitchFamily="18" charset="0"/>
-                <a:ea typeface="SimSun" panose="02010600030101010101" pitchFamily="2" charset="-122"/>
-                <a:cs typeface="Times New Roman" panose="02020603050405020304" pitchFamily="18" charset="0"/>
-              </a:rPr>
-              <a:t>友好的で簡単な界面   </a:t>
-            </a:r>
-            <a:r>
-              <a:rPr lang="en-US" altLang="ja-JP" dirty="0">
-                <a:solidFill>
-                  <a:srgbClr val="002060"/>
+                <a:cs typeface="Times New Roman" panose="02020603050405020304" pitchFamily="18" charset="0"/>
+              </a:rPr>
+              <a:t>If some components are reused, the documentations of those components must also be included</a:t>
+            </a:r>
+            <a:r>
+              <a:rPr lang="en-US" sz="1800" dirty="0" smtClean="0">
+                <a:solidFill>
+                  <a:schemeClr val="tx2"/>
                 </a:solidFill>
                 <a:latin typeface="Times New Roman" panose="02020603050405020304" pitchFamily="18" charset="0"/>
                 <a:cs typeface="Times New Roman" panose="02020603050405020304" pitchFamily="18" charset="0"/>
               </a:rPr>
-              <a:t>-   </a:t>
-            </a:r>
-            <a:r>
-              <a:rPr lang="en-US" dirty="0">
-                <a:solidFill>
-                  <a:srgbClr val="002060"/>
-                </a:solidFill>
-                <a:latin typeface="Times New Roman" panose="02020603050405020304" pitchFamily="18" charset="0"/>
-                <a:cs typeface="Times New Roman" panose="02020603050405020304" pitchFamily="18" charset="0"/>
-              </a:rPr>
-              <a:t>Friendly and simply interface</a:t>
+              <a:t>.</a:t>
             </a:r>
           </a:p>
           <a:p>
-            <a:pPr lvl="2">
-              <a:lnSpc>
-                <a:spcPct val="110000"/>
-              </a:lnSpc>
-              <a:buFont typeface="Wingdings" panose="05000000000000000000" pitchFamily="2" charset="2"/>
-              <a:buChar char="§"/>
-            </a:pPr>
-            <a:r>
-              <a:rPr lang="ja-JP" altLang="en-US" b="1" dirty="0">
-                <a:solidFill>
-                  <a:srgbClr val="002060"/>
+            <a:pPr lvl="3"/>
+            <a:r>
+              <a:rPr lang="en-US" sz="1800" dirty="0">
+                <a:solidFill>
+                  <a:schemeClr val="tx2"/>
                 </a:solidFill>
                 <a:latin typeface="Times New Roman" panose="02020603050405020304" pitchFamily="18" charset="0"/>
-                <a:ea typeface="SimSun" panose="02010600030101010101" pitchFamily="2" charset="-122"/>
-                <a:cs typeface="Times New Roman" panose="02020603050405020304" pitchFamily="18" charset="0"/>
-              </a:rPr>
-              <a:t>色が上品で、派手ではありません  </a:t>
-            </a:r>
-            <a:r>
-              <a:rPr lang="en-US" altLang="ja-JP" dirty="0">
-                <a:solidFill>
-                  <a:srgbClr val="002060"/>
+                <a:cs typeface="Times New Roman" panose="02020603050405020304" pitchFamily="18" charset="0"/>
+              </a:rPr>
+              <a:t>Output of the project must include coding standards and naming conventions documentations. Implementation code must be easy to maintain</a:t>
+            </a:r>
+            <a:r>
+              <a:rPr lang="en-US" sz="1800" dirty="0" smtClean="0">
+                <a:solidFill>
+                  <a:schemeClr val="tx2"/>
                 </a:solidFill>
                 <a:latin typeface="Times New Roman" panose="02020603050405020304" pitchFamily="18" charset="0"/>
                 <a:cs typeface="Times New Roman" panose="02020603050405020304" pitchFamily="18" charset="0"/>
               </a:rPr>
-              <a:t>-   </a:t>
-            </a:r>
-            <a:r>
-              <a:rPr lang="en-US" dirty="0">
-                <a:solidFill>
-                  <a:srgbClr val="002060"/>
-                </a:solidFill>
-                <a:latin typeface="Times New Roman" panose="02020603050405020304" pitchFamily="18" charset="0"/>
-                <a:cs typeface="Times New Roman" panose="02020603050405020304" pitchFamily="18" charset="0"/>
-              </a:rPr>
-              <a:t>The color is elegant, not flashy</a:t>
-            </a:r>
+              <a:t>.</a:t>
+            </a:r>
+            <a:endParaRPr lang="en-US" sz="1800" dirty="0">
+              <a:solidFill>
+                <a:schemeClr val="tx2"/>
+              </a:solidFill>
+              <a:latin typeface="Times New Roman" panose="02020603050405020304" pitchFamily="18" charset="0"/>
+              <a:cs typeface="Times New Roman" panose="02020603050405020304" pitchFamily="18" charset="0"/>
+            </a:endParaRPr>
           </a:p>
           <a:p>
-            <a:pPr lvl="2">
-              <a:lnSpc>
-                <a:spcPct val="110000"/>
-              </a:lnSpc>
-              <a:buFont typeface="Wingdings" panose="05000000000000000000" pitchFamily="2" charset="2"/>
-              <a:buChar char="§"/>
+            <a:pPr marL="0" lvl="0" indent="0">
+              <a:buNone/>
             </a:pPr>
             <a:r>
-              <a:rPr lang="ja-JP" altLang="en-US" b="1" dirty="0">
-                <a:solidFill>
-                  <a:srgbClr val="002060"/>
+              <a:rPr lang="en-US" sz="1600" b="1" dirty="0" smtClean="0">
+                <a:solidFill>
+                  <a:schemeClr val="tx2"/>
                 </a:solidFill>
                 <a:latin typeface="Times New Roman" panose="02020603050405020304" pitchFamily="18" charset="0"/>
-                <a:ea typeface="SimSun" panose="02010600030101010101" pitchFamily="2" charset="-122"/>
-                <a:cs typeface="Times New Roman" panose="02020603050405020304" pitchFamily="18" charset="0"/>
-              </a:rPr>
-              <a:t>言語は英語です  </a:t>
-            </a:r>
-            <a:r>
-              <a:rPr lang="en-US" altLang="ja-JP" dirty="0">
-                <a:solidFill>
-                  <a:srgbClr val="002060"/>
+                <a:cs typeface="Times New Roman" panose="02020603050405020304" pitchFamily="18" charset="0"/>
+              </a:rPr>
+              <a:t>	</a:t>
+            </a:r>
+            <a:r>
+              <a:rPr lang="en-US" sz="1800" b="1" dirty="0" smtClean="0">
+                <a:solidFill>
+                  <a:schemeClr val="tx2"/>
                 </a:solidFill>
                 <a:latin typeface="Times New Roman" panose="02020603050405020304" pitchFamily="18" charset="0"/>
                 <a:cs typeface="Times New Roman" panose="02020603050405020304" pitchFamily="18" charset="0"/>
               </a:rPr>
-              <a:t>-    </a:t>
-            </a:r>
-            <a:r>
-              <a:rPr lang="en-US" dirty="0">
-                <a:solidFill>
-                  <a:srgbClr val="002060"/>
-                </a:solidFill>
-                <a:latin typeface="Times New Roman" panose="02020603050405020304" pitchFamily="18" charset="0"/>
-                <a:cs typeface="Times New Roman" panose="02020603050405020304" pitchFamily="18" charset="0"/>
-              </a:rPr>
-              <a:t>Language is English</a:t>
-            </a:r>
+              <a:t>Design</a:t>
+            </a:r>
+            <a:endParaRPr lang="en-US" sz="1800" dirty="0">
+              <a:solidFill>
+                <a:schemeClr val="tx2"/>
+              </a:solidFill>
+              <a:latin typeface="Times New Roman" panose="02020603050405020304" pitchFamily="18" charset="0"/>
+              <a:cs typeface="Times New Roman" panose="02020603050405020304" pitchFamily="18" charset="0"/>
+            </a:endParaRPr>
           </a:p>
           <a:p>
-            <a:pPr lvl="2">
-              <a:lnSpc>
-                <a:spcPct val="110000"/>
-              </a:lnSpc>
-              <a:buFont typeface="Wingdings" panose="05000000000000000000" pitchFamily="2" charset="2"/>
-              <a:buChar char="§"/>
-            </a:pPr>
-            <a:r>
-              <a:rPr lang="ja-JP" altLang="en-US" b="1" dirty="0">
-                <a:solidFill>
-                  <a:srgbClr val="002060"/>
+            <a:pPr lvl="3"/>
+            <a:r>
+              <a:rPr lang="en-US" sz="1800" dirty="0">
+                <a:solidFill>
+                  <a:schemeClr val="tx2"/>
                 </a:solidFill>
                 <a:latin typeface="Times New Roman" panose="02020603050405020304" pitchFamily="18" charset="0"/>
-                <a:ea typeface="SimSun" panose="02010600030101010101" pitchFamily="2" charset="-122"/>
-                <a:cs typeface="Times New Roman" panose="02020603050405020304" pitchFamily="18" charset="0"/>
-              </a:rPr>
-              <a:t>データセキュリティ機能と高いパフォーマンスを確認しなければなりません </a:t>
-            </a:r>
-            <a:r>
-              <a:rPr lang="en-US" dirty="0">
-                <a:solidFill>
-                  <a:srgbClr val="002060"/>
-                </a:solidFill>
-                <a:latin typeface="Times New Roman" panose="02020603050405020304" pitchFamily="18" charset="0"/>
-                <a:cs typeface="Times New Roman" panose="02020603050405020304" pitchFamily="18" charset="0"/>
-              </a:rPr>
-              <a:t>- Ensure data security capabilities, high performance</a:t>
+                <a:cs typeface="Times New Roman" panose="02020603050405020304" pitchFamily="18" charset="0"/>
+              </a:rPr>
+              <a:t>The design of the system must be loosely coupled that chances on some module will not affect others.</a:t>
             </a:r>
           </a:p>
           <a:p>
-            <a:pPr lvl="2">
-              <a:lnSpc>
-                <a:spcPct val="110000"/>
-              </a:lnSpc>
-              <a:buFont typeface="Wingdings" panose="05000000000000000000" pitchFamily="2" charset="2"/>
-              <a:buChar char="§"/>
+            <a:pPr marL="0" lvl="0" indent="0">
+              <a:buNone/>
             </a:pPr>
-            <a:r>
-              <a:rPr lang="ja-JP" altLang="en-US" b="1" dirty="0">
-                <a:solidFill>
-                  <a:srgbClr val="002060"/>
-                </a:solidFill>
-                <a:latin typeface="Times New Roman" panose="02020603050405020304" pitchFamily="18" charset="0"/>
-                <a:ea typeface="SimSun" panose="02010600030101010101" pitchFamily="2" charset="-122"/>
-                <a:cs typeface="Times New Roman" panose="02020603050405020304" pitchFamily="18" charset="0"/>
-              </a:rPr>
-              <a:t>開発の可能 </a:t>
-            </a:r>
-            <a:r>
-              <a:rPr lang="en-US" altLang="ja-JP" dirty="0">
-                <a:solidFill>
-                  <a:srgbClr val="002060"/>
-                </a:solidFill>
-                <a:latin typeface="Times New Roman" panose="02020603050405020304" pitchFamily="18" charset="0"/>
-                <a:cs typeface="Times New Roman" panose="02020603050405020304" pitchFamily="18" charset="0"/>
-              </a:rPr>
-              <a:t>- </a:t>
-            </a:r>
-            <a:r>
-              <a:rPr lang="en-US" dirty="0">
-                <a:solidFill>
-                  <a:srgbClr val="002060"/>
-                </a:solidFill>
-                <a:latin typeface="Times New Roman" panose="02020603050405020304" pitchFamily="18" charset="0"/>
-                <a:cs typeface="Times New Roman" panose="02020603050405020304" pitchFamily="18" charset="0"/>
-              </a:rPr>
-              <a:t>Scalability system</a:t>
-            </a:r>
+            <a:endParaRPr lang="en-US" sz="1900" dirty="0">
+              <a:solidFill>
+                <a:schemeClr val="tx2"/>
+              </a:solidFill>
+              <a:latin typeface="Times New Roman" panose="02020603050405020304" pitchFamily="18" charset="0"/>
+              <a:cs typeface="Times New Roman" panose="02020603050405020304" pitchFamily="18" charset="0"/>
+            </a:endParaRPr>
           </a:p>
         </p:txBody>
       </p:sp>
@@ -12737,7 +13133,2515 @@
 </p:sld>
 </file>
 
-<file path=ppt/slides/slide17.xml><?xml version="1.0" encoding="utf-8"?>
+<file path=ppt/slides/slide19.xml><?xml version="1.0" encoding="utf-8"?>
+<p:sld xmlns:a="http://schemas.openxmlformats.org/drawingml/2006/main" xmlns:r="http://schemas.openxmlformats.org/officeDocument/2006/relationships" xmlns:p="http://schemas.openxmlformats.org/presentationml/2006/main">
+  <p:cSld>
+    <p:spTree>
+      <p:nvGrpSpPr>
+        <p:cNvPr id="1" name=""/>
+        <p:cNvGrpSpPr/>
+        <p:nvPr/>
+      </p:nvGrpSpPr>
+      <p:grpSpPr>
+        <a:xfrm>
+          <a:off x="0" y="0"/>
+          <a:ext cx="0" cy="0"/>
+          <a:chOff x="0" y="0"/>
+          <a:chExt cx="0" cy="0"/>
+        </a:xfrm>
+      </p:grpSpPr>
+      <p:sp>
+        <p:nvSpPr>
+          <p:cNvPr id="4" name="Content Placeholder 2"/>
+          <p:cNvSpPr>
+            <a:spLocks noGrp="1"/>
+          </p:cNvSpPr>
+          <p:nvPr>
+            <p:ph idx="1"/>
+          </p:nvPr>
+        </p:nvSpPr>
+        <p:spPr>
+          <a:xfrm>
+            <a:off x="152400" y="533400"/>
+            <a:ext cx="8077200" cy="6019800"/>
+          </a:xfrm>
+        </p:spPr>
+        <p:txBody>
+          <a:bodyPr>
+            <a:noAutofit/>
+          </a:bodyPr>
+          <a:lstStyle/>
+          <a:p>
+            <a:pPr lvl="2"/>
+            <a:r>
+              <a:rPr lang="en-US" sz="2000" b="1" dirty="0" smtClean="0">
+                <a:solidFill>
+                  <a:schemeClr val="tx2"/>
+                </a:solidFill>
+                <a:latin typeface="Times New Roman" panose="02020603050405020304" pitchFamily="18" charset="0"/>
+                <a:cs typeface="Times New Roman" panose="02020603050405020304" pitchFamily="18" charset="0"/>
+              </a:rPr>
+              <a:t>Usability</a:t>
+            </a:r>
+          </a:p>
+          <a:p>
+            <a:pPr marL="0" lvl="0" indent="0">
+              <a:buNone/>
+            </a:pPr>
+            <a:r>
+              <a:rPr lang="en-US" sz="1900" b="1" dirty="0" smtClean="0">
+                <a:solidFill>
+                  <a:schemeClr val="tx2"/>
+                </a:solidFill>
+                <a:latin typeface="Times New Roman" panose="02020603050405020304" pitchFamily="18" charset="0"/>
+                <a:cs typeface="Times New Roman" panose="02020603050405020304" pitchFamily="18" charset="0"/>
+              </a:rPr>
+              <a:t>       	Efficiency of use</a:t>
+            </a:r>
+            <a:endParaRPr lang="en-US" sz="1800" dirty="0" smtClean="0">
+              <a:solidFill>
+                <a:schemeClr val="tx2"/>
+              </a:solidFill>
+              <a:latin typeface="Times New Roman" panose="02020603050405020304" pitchFamily="18" charset="0"/>
+              <a:cs typeface="Times New Roman" panose="02020603050405020304" pitchFamily="18" charset="0"/>
+            </a:endParaRPr>
+          </a:p>
+          <a:p>
+            <a:pPr lvl="3"/>
+            <a:r>
+              <a:rPr lang="en-US" sz="1800" dirty="0" smtClean="0">
+                <a:solidFill>
+                  <a:schemeClr val="tx2"/>
+                </a:solidFill>
+                <a:latin typeface="Times New Roman" panose="02020603050405020304" pitchFamily="18" charset="0"/>
+                <a:cs typeface="Times New Roman" panose="02020603050405020304" pitchFamily="18" charset="0"/>
+              </a:rPr>
+              <a:t>user </a:t>
+            </a:r>
+            <a:r>
+              <a:rPr lang="en-US" sz="1800" dirty="0">
+                <a:solidFill>
+                  <a:schemeClr val="tx2"/>
+                </a:solidFill>
+                <a:latin typeface="Times New Roman" panose="02020603050405020304" pitchFamily="18" charset="0"/>
+                <a:cs typeface="Times New Roman" panose="02020603050405020304" pitchFamily="18" charset="0"/>
+              </a:rPr>
+              <a:t>can complete each function in less than 12 </a:t>
+            </a:r>
+            <a:r>
+              <a:rPr lang="en-US" sz="1800" dirty="0" smtClean="0">
+                <a:solidFill>
+                  <a:schemeClr val="tx2"/>
+                </a:solidFill>
+                <a:latin typeface="Times New Roman" panose="02020603050405020304" pitchFamily="18" charset="0"/>
+                <a:cs typeface="Times New Roman" panose="02020603050405020304" pitchFamily="18" charset="0"/>
+              </a:rPr>
+              <a:t>actions</a:t>
+            </a:r>
+          </a:p>
+          <a:p>
+            <a:pPr lvl="3"/>
+            <a:r>
+              <a:rPr lang="en-US" sz="1800" dirty="0" smtClean="0">
+                <a:solidFill>
+                  <a:schemeClr val="tx2"/>
+                </a:solidFill>
+                <a:latin typeface="Times New Roman" panose="02020603050405020304" pitchFamily="18" charset="0"/>
+                <a:cs typeface="Times New Roman" panose="02020603050405020304" pitchFamily="18" charset="0"/>
+              </a:rPr>
+              <a:t>Output </a:t>
+            </a:r>
+            <a:r>
+              <a:rPr lang="en-US" sz="1800" dirty="0">
+                <a:solidFill>
+                  <a:schemeClr val="tx2"/>
+                </a:solidFill>
+                <a:latin typeface="Times New Roman" panose="02020603050405020304" pitchFamily="18" charset="0"/>
+                <a:cs typeface="Times New Roman" panose="02020603050405020304" pitchFamily="18" charset="0"/>
+              </a:rPr>
+              <a:t>of the project must include coding standards and naming conventions documentations. Implementation code must be easy to maintain.</a:t>
+            </a:r>
+          </a:p>
+          <a:p>
+            <a:pPr marL="0" lvl="0" indent="0">
+              <a:buNone/>
+            </a:pPr>
+            <a:r>
+              <a:rPr lang="en-US" sz="1600" b="1" dirty="0">
+                <a:solidFill>
+                  <a:schemeClr val="tx2"/>
+                </a:solidFill>
+                <a:latin typeface="Times New Roman" panose="02020603050405020304" pitchFamily="18" charset="0"/>
+                <a:cs typeface="Times New Roman" panose="02020603050405020304" pitchFamily="18" charset="0"/>
+              </a:rPr>
+              <a:t>	</a:t>
+            </a:r>
+            <a:r>
+              <a:rPr lang="en-US" sz="1900" b="1" dirty="0">
+                <a:solidFill>
+                  <a:schemeClr val="tx2"/>
+                </a:solidFill>
+                <a:latin typeface="Times New Roman" panose="02020603050405020304" pitchFamily="18" charset="0"/>
+                <a:cs typeface="Times New Roman" panose="02020603050405020304" pitchFamily="18" charset="0"/>
+              </a:rPr>
+              <a:t>Intuitiveness</a:t>
+            </a:r>
+            <a:endParaRPr lang="en-US" sz="1900" dirty="0" smtClean="0">
+              <a:solidFill>
+                <a:schemeClr val="tx2"/>
+              </a:solidFill>
+              <a:latin typeface="Times New Roman" panose="02020603050405020304" pitchFamily="18" charset="0"/>
+              <a:cs typeface="Times New Roman" panose="02020603050405020304" pitchFamily="18" charset="0"/>
+            </a:endParaRPr>
+          </a:p>
+          <a:p>
+            <a:pPr lvl="3"/>
+            <a:r>
+              <a:rPr lang="en-US" sz="1800" dirty="0" smtClean="0">
+                <a:solidFill>
+                  <a:schemeClr val="tx2"/>
+                </a:solidFill>
+                <a:latin typeface="Times New Roman" panose="02020603050405020304" pitchFamily="18" charset="0"/>
+                <a:cs typeface="Times New Roman" panose="02020603050405020304" pitchFamily="18" charset="0"/>
+              </a:rPr>
+              <a:t>User </a:t>
+            </a:r>
+            <a:r>
+              <a:rPr lang="en-US" sz="1800" dirty="0">
+                <a:solidFill>
+                  <a:schemeClr val="tx2"/>
+                </a:solidFill>
+                <a:latin typeface="Times New Roman" panose="02020603050405020304" pitchFamily="18" charset="0"/>
+                <a:cs typeface="Times New Roman" panose="02020603050405020304" pitchFamily="18" charset="0"/>
+              </a:rPr>
+              <a:t>can understand approximately 90% help/ error </a:t>
+            </a:r>
+            <a:r>
+              <a:rPr lang="en-US" sz="1800" dirty="0" smtClean="0">
+                <a:solidFill>
+                  <a:schemeClr val="tx2"/>
+                </a:solidFill>
+                <a:latin typeface="Times New Roman" panose="02020603050405020304" pitchFamily="18" charset="0"/>
+                <a:cs typeface="Times New Roman" panose="02020603050405020304" pitchFamily="18" charset="0"/>
+              </a:rPr>
+              <a:t>messages</a:t>
+            </a:r>
+          </a:p>
+          <a:p>
+            <a:pPr marL="1371600" lvl="3" indent="0">
+              <a:buNone/>
+            </a:pPr>
+            <a:endParaRPr lang="en-US" sz="2000" b="1" dirty="0">
+              <a:solidFill>
+                <a:schemeClr val="tx2"/>
+              </a:solidFill>
+              <a:latin typeface="Times New Roman" panose="02020603050405020304" pitchFamily="18" charset="0"/>
+              <a:cs typeface="Times New Roman" panose="02020603050405020304" pitchFamily="18" charset="0"/>
+            </a:endParaRPr>
+          </a:p>
+          <a:p>
+            <a:pPr lvl="2"/>
+            <a:r>
+              <a:rPr lang="en-US" sz="2000" b="1" dirty="0">
+                <a:solidFill>
+                  <a:schemeClr val="tx2"/>
+                </a:solidFill>
+                <a:latin typeface="Times New Roman" panose="02020603050405020304" pitchFamily="18" charset="0"/>
+                <a:cs typeface="Times New Roman" panose="02020603050405020304" pitchFamily="18" charset="0"/>
+              </a:rPr>
+              <a:t>Security Requirements</a:t>
+            </a:r>
+          </a:p>
+          <a:p>
+            <a:pPr lvl="3">
+              <a:buFontTx/>
+              <a:buChar char="-"/>
+            </a:pPr>
+            <a:r>
+              <a:rPr lang="en-US" sz="1800" b="1" dirty="0" smtClean="0">
+                <a:solidFill>
+                  <a:schemeClr val="tx2"/>
+                </a:solidFill>
+                <a:latin typeface="Times New Roman" panose="02020603050405020304" pitchFamily="18" charset="0"/>
+                <a:cs typeface="Times New Roman" panose="02020603050405020304" pitchFamily="18" charset="0"/>
+              </a:rPr>
+              <a:t>User authorize :</a:t>
+            </a:r>
+          </a:p>
+          <a:p>
+            <a:pPr marL="1371600" lvl="3" indent="0">
+              <a:buNone/>
+            </a:pPr>
+            <a:r>
+              <a:rPr lang="en-US" sz="1800" dirty="0">
+                <a:solidFill>
+                  <a:schemeClr val="tx2"/>
+                </a:solidFill>
+                <a:latin typeface="Times New Roman" panose="02020603050405020304" pitchFamily="18" charset="0"/>
+                <a:cs typeface="Times New Roman" panose="02020603050405020304" pitchFamily="18" charset="0"/>
+              </a:rPr>
+              <a:t>: Each function must be distributed system access and manipulate the individual parts. To edit information, user must declare their username and password before the operation. Functions will be show after users login dependencies user’s role and permission of each user.</a:t>
+            </a:r>
+            <a:endParaRPr lang="en-US" sz="1800" b="1" dirty="0" smtClean="0">
+              <a:solidFill>
+                <a:schemeClr val="tx2"/>
+              </a:solidFill>
+              <a:latin typeface="Times New Roman" panose="02020603050405020304" pitchFamily="18" charset="0"/>
+              <a:cs typeface="Times New Roman" panose="02020603050405020304" pitchFamily="18" charset="0"/>
+            </a:endParaRPr>
+          </a:p>
+          <a:p>
+            <a:pPr lvl="3">
+              <a:buFontTx/>
+              <a:buChar char="-"/>
+            </a:pPr>
+            <a:r>
+              <a:rPr lang="en-US" sz="1800" b="1" dirty="0">
+                <a:solidFill>
+                  <a:schemeClr val="tx2"/>
+                </a:solidFill>
+                <a:latin typeface="Times New Roman" panose="02020603050405020304" pitchFamily="18" charset="0"/>
+                <a:cs typeface="Times New Roman" panose="02020603050405020304" pitchFamily="18" charset="0"/>
+              </a:rPr>
+              <a:t>Manage Data </a:t>
+            </a:r>
+            <a:r>
+              <a:rPr lang="en-US" sz="1800" b="1" dirty="0" smtClean="0">
+                <a:solidFill>
+                  <a:schemeClr val="tx2"/>
+                </a:solidFill>
+                <a:latin typeface="Times New Roman" panose="02020603050405020304" pitchFamily="18" charset="0"/>
+                <a:cs typeface="Times New Roman" panose="02020603050405020304" pitchFamily="18" charset="0"/>
+              </a:rPr>
+              <a:t>Layer :</a:t>
+            </a:r>
+          </a:p>
+          <a:p>
+            <a:pPr marL="1371600" lvl="3" indent="0">
+              <a:buNone/>
+            </a:pPr>
+            <a:r>
+              <a:rPr lang="en-US" sz="1800" dirty="0">
+                <a:solidFill>
+                  <a:schemeClr val="tx2"/>
+                </a:solidFill>
+                <a:latin typeface="Times New Roman" panose="02020603050405020304" pitchFamily="18" charset="0"/>
+                <a:cs typeface="Times New Roman" panose="02020603050405020304" pitchFamily="18" charset="0"/>
+              </a:rPr>
+              <a:t>Only Administrator can modify database system.</a:t>
+            </a:r>
+          </a:p>
+          <a:p>
+            <a:pPr lvl="3">
+              <a:buFontTx/>
+              <a:buChar char="-"/>
+            </a:pPr>
+            <a:endParaRPr lang="en-US" sz="1800" dirty="0" smtClean="0">
+              <a:solidFill>
+                <a:schemeClr val="tx2"/>
+              </a:solidFill>
+              <a:latin typeface="Times New Roman" panose="02020603050405020304" pitchFamily="18" charset="0"/>
+              <a:cs typeface="Times New Roman" panose="02020603050405020304" pitchFamily="18" charset="0"/>
+            </a:endParaRPr>
+          </a:p>
+        </p:txBody>
+      </p:sp>
+    </p:spTree>
+    <p:extLst>
+      <p:ext uri="{BB962C8B-B14F-4D97-AF65-F5344CB8AC3E}">
+        <p14:creationId xmlns:p14="http://schemas.microsoft.com/office/powerpoint/2010/main" val="1085024707"/>
+      </p:ext>
+    </p:extLst>
+  </p:cSld>
+  <p:clrMapOvr>
+    <a:masterClrMapping/>
+  </p:clrMapOvr>
+</p:sld>
+</file>
+
+<file path=ppt/slides/slide2.xml><?xml version="1.0" encoding="utf-8"?>
+<p:sld xmlns:a="http://schemas.openxmlformats.org/drawingml/2006/main" xmlns:r="http://schemas.openxmlformats.org/officeDocument/2006/relationships" xmlns:p="http://schemas.openxmlformats.org/presentationml/2006/main">
+  <p:cSld>
+    <p:spTree>
+      <p:nvGrpSpPr>
+        <p:cNvPr id="1" name=""/>
+        <p:cNvGrpSpPr/>
+        <p:nvPr/>
+      </p:nvGrpSpPr>
+      <p:grpSpPr>
+        <a:xfrm>
+          <a:off x="0" y="0"/>
+          <a:ext cx="0" cy="0"/>
+          <a:chOff x="0" y="0"/>
+          <a:chExt cx="0" cy="0"/>
+        </a:xfrm>
+      </p:grpSpPr>
+      <p:graphicFrame>
+        <p:nvGraphicFramePr>
+          <p:cNvPr id="9" name="Table 8"/>
+          <p:cNvGraphicFramePr>
+            <a:graphicFrameLocks noGrp="1"/>
+          </p:cNvGraphicFramePr>
+          <p:nvPr>
+            <p:extLst>
+              <p:ext uri="{D42A27DB-BD31-4B8C-83A1-F6EECF244321}">
+                <p14:modId xmlns:p14="http://schemas.microsoft.com/office/powerpoint/2010/main" val="2244436259"/>
+              </p:ext>
+            </p:extLst>
+          </p:nvPr>
+        </p:nvGraphicFramePr>
+        <p:xfrm>
+          <a:off x="10134600" y="120232"/>
+          <a:ext cx="6096000" cy="2176046"/>
+        </p:xfrm>
+        <a:graphic>
+          <a:graphicData uri="http://schemas.openxmlformats.org/drawingml/2006/table">
+            <a:tbl>
+              <a:tblPr firstRow="1" bandRow="1"/>
+              <a:tblGrid>
+                <a:gridCol w="2050473"/>
+                <a:gridCol w="4045527"/>
+              </a:tblGrid>
+              <a:tr h="2176046">
+                <a:tc>
+                  <a:txBody>
+                    <a:bodyPr/>
+                    <a:lstStyle/>
+                    <a:p>
+                      <a:pPr marL="0" marR="0" indent="0" algn="l" defTabSz="914400" rtl="0" eaLnBrk="1" fontAlgn="auto" latinLnBrk="0" hangingPunct="1">
+                        <a:lnSpc>
+                          <a:spcPct val="100000"/>
+                        </a:lnSpc>
+                        <a:spcBef>
+                          <a:spcPts val="0"/>
+                        </a:spcBef>
+                        <a:spcAft>
+                          <a:spcPts val="0"/>
+                        </a:spcAft>
+                        <a:buClrTx/>
+                        <a:buSzTx/>
+                        <a:buFontTx/>
+                        <a:buNone/>
+                        <a:tabLst/>
+                        <a:defRPr/>
+                      </a:pPr>
+                      <a:endParaRPr lang="en-US" sz="1800" dirty="0">
+                        <a:solidFill>
+                          <a:schemeClr val="bg1"/>
+                        </a:solidFill>
+                      </a:endParaRPr>
+                    </a:p>
+                  </a:txBody>
+                  <a:tcPr>
+                    <a:lnL w="9525" cap="flat" cmpd="sng">
+                      <a:noFill/>
+                      <a:prstDash val="solid"/>
+                      <a:round/>
+                      <a:headEnd type="none" w="med" len="med"/>
+                      <a:tailEnd type="none" w="med" len="med"/>
+                    </a:lnL>
+                    <a:lnR w="9525" cap="flat" cmpd="sng">
+                      <a:noFill/>
+                      <a:prstDash val="solid"/>
+                      <a:round/>
+                      <a:headEnd type="none" w="med" len="med"/>
+                      <a:tailEnd type="none" w="med" len="med"/>
+                    </a:lnR>
+                    <a:lnT w="9525" cap="flat" cmpd="sng">
+                      <a:noFill/>
+                      <a:prstDash val="solid"/>
+                      <a:round/>
+                      <a:headEnd type="none" w="med" len="med"/>
+                      <a:tailEnd type="none" w="med" len="med"/>
+                    </a:lnT>
+                    <a:lnB w="9525" cap="flat" cmpd="sng">
+                      <a:noFill/>
+                      <a:prstDash val="solid"/>
+                      <a:round/>
+                      <a:headEnd type="none" w="med" len="med"/>
+                      <a:tailEnd type="none" w="med" len="med"/>
+                    </a:lnB>
+                    <a:lnTlToBr w="12700" cmpd="sng">
+                      <a:noFill/>
+                      <a:prstDash val="solid"/>
+                    </a:lnTlToBr>
+                    <a:lnBlToTr w="12700" cmpd="sng">
+                      <a:noFill/>
+                      <a:prstDash val="solid"/>
+                    </a:lnBlToTr>
+                  </a:tcPr>
+                </a:tc>
+                <a:tc>
+                  <a:txBody>
+                    <a:bodyPr/>
+                    <a:lstStyle/>
+                    <a:p>
+                      <a:pPr marL="0" marR="0" indent="0" algn="l" defTabSz="914400" rtl="0" eaLnBrk="1" fontAlgn="auto" latinLnBrk="0" hangingPunct="1">
+                        <a:lnSpc>
+                          <a:spcPct val="100000"/>
+                        </a:lnSpc>
+                        <a:spcBef>
+                          <a:spcPts val="0"/>
+                        </a:spcBef>
+                        <a:spcAft>
+                          <a:spcPts val="0"/>
+                        </a:spcAft>
+                        <a:buClrTx/>
+                        <a:buSzTx/>
+                        <a:buFontTx/>
+                        <a:buNone/>
+                        <a:tabLst/>
+                        <a:defRPr/>
+                      </a:pPr>
+                      <a:endParaRPr lang="en-US" sz="1600" dirty="0">
+                        <a:solidFill>
+                          <a:schemeClr val="bg1"/>
+                        </a:solidFill>
+                      </a:endParaRPr>
+                    </a:p>
+                  </a:txBody>
+                  <a:tcPr>
+                    <a:lnL w="9525" cap="flat" cmpd="sng">
+                      <a:noFill/>
+                      <a:prstDash val="solid"/>
+                      <a:round/>
+                      <a:headEnd type="none" w="med" len="med"/>
+                      <a:tailEnd type="none" w="med" len="med"/>
+                    </a:lnL>
+                    <a:lnR w="9525" cap="flat" cmpd="sng">
+                      <a:noFill/>
+                      <a:prstDash val="solid"/>
+                      <a:round/>
+                      <a:headEnd type="none" w="med" len="med"/>
+                      <a:tailEnd type="none" w="med" len="med"/>
+                    </a:lnR>
+                    <a:lnT w="9525" cap="flat" cmpd="sng">
+                      <a:noFill/>
+                      <a:prstDash val="solid"/>
+                      <a:round/>
+                      <a:headEnd type="none" w="med" len="med"/>
+                      <a:tailEnd type="none" w="med" len="med"/>
+                    </a:lnT>
+                    <a:lnB w="9525" cap="flat" cmpd="sng">
+                      <a:noFill/>
+                      <a:prstDash val="solid"/>
+                      <a:round/>
+                      <a:headEnd type="none" w="med" len="med"/>
+                      <a:tailEnd type="none" w="med" len="med"/>
+                    </a:lnB>
+                    <a:lnTlToBr w="12700" cmpd="sng">
+                      <a:noFill/>
+                      <a:prstDash val="solid"/>
+                    </a:lnTlToBr>
+                    <a:lnBlToTr w="12700" cmpd="sng">
+                      <a:noFill/>
+                      <a:prstDash val="solid"/>
+                    </a:lnBlToTr>
+                  </a:tcPr>
+                </a:tc>
+              </a:tr>
+            </a:tbl>
+          </a:graphicData>
+        </a:graphic>
+      </p:graphicFrame>
+      <p:sp>
+        <p:nvSpPr>
+          <p:cNvPr id="21" name="TextBox 20"/>
+          <p:cNvSpPr txBox="1"/>
+          <p:nvPr/>
+        </p:nvSpPr>
+        <p:spPr>
+          <a:xfrm>
+            <a:off x="609600" y="-36731"/>
+            <a:ext cx="1907895" cy="646331"/>
+          </a:xfrm>
+          <a:prstGeom prst="rect">
+            <a:avLst/>
+          </a:prstGeom>
+          <a:noFill/>
+        </p:spPr>
+        <p:txBody>
+          <a:bodyPr wrap="none" rtlCol="0">
+            <a:spAutoFit/>
+          </a:bodyPr>
+          <a:lstStyle/>
+          <a:p>
+            <a:r>
+              <a:rPr lang="en-US" sz="3600" b="1" dirty="0" smtClean="0">
+                <a:solidFill>
+                  <a:schemeClr val="bg1"/>
+                </a:solidFill>
+              </a:rPr>
+              <a:t>About us</a:t>
+            </a:r>
+            <a:endParaRPr lang="en-US" sz="3600" b="1" dirty="0">
+              <a:solidFill>
+                <a:schemeClr val="bg1"/>
+              </a:solidFill>
+            </a:endParaRPr>
+          </a:p>
+        </p:txBody>
+      </p:sp>
+      <p:grpSp>
+        <p:nvGrpSpPr>
+          <p:cNvPr id="75" name="Group 74"/>
+          <p:cNvGrpSpPr/>
+          <p:nvPr/>
+        </p:nvGrpSpPr>
+        <p:grpSpPr>
+          <a:xfrm>
+            <a:off x="2743200" y="2091908"/>
+            <a:ext cx="6324600" cy="4689892"/>
+            <a:chOff x="2438400" y="2091908"/>
+            <a:chExt cx="6324600" cy="4689892"/>
+          </a:xfrm>
+        </p:grpSpPr>
+        <p:grpSp>
+          <p:nvGrpSpPr>
+            <p:cNvPr id="45" name="Group 44"/>
+            <p:cNvGrpSpPr/>
+            <p:nvPr/>
+          </p:nvGrpSpPr>
+          <p:grpSpPr>
+            <a:xfrm>
+              <a:off x="2514600" y="2378702"/>
+              <a:ext cx="1828801" cy="2117098"/>
+              <a:chOff x="2743199" y="4653034"/>
+              <a:chExt cx="1828801" cy="2117098"/>
+            </a:xfrm>
+          </p:grpSpPr>
+          <p:grpSp>
+            <p:nvGrpSpPr>
+              <p:cNvPr id="27" name="Group 26"/>
+              <p:cNvGrpSpPr/>
+              <p:nvPr/>
+            </p:nvGrpSpPr>
+            <p:grpSpPr>
+              <a:xfrm>
+                <a:off x="2804448" y="4653034"/>
+                <a:ext cx="1747766" cy="1747766"/>
+                <a:chOff x="2862941" y="1609725"/>
+                <a:chExt cx="2748301" cy="2748301"/>
+              </a:xfrm>
+            </p:grpSpPr>
+            <p:sp>
+              <p:nvSpPr>
+                <p:cNvPr id="23" name="Oval 22"/>
+                <p:cNvSpPr/>
+                <p:nvPr/>
+              </p:nvSpPr>
+              <p:spPr>
+                <a:xfrm>
+                  <a:off x="2862941" y="1609725"/>
+                  <a:ext cx="2748301" cy="2748301"/>
+                </a:xfrm>
+                <a:prstGeom prst="ellipse">
+                  <a:avLst/>
+                </a:prstGeom>
+                <a:solidFill>
+                  <a:schemeClr val="bg1"/>
+                </a:solidFill>
+                <a:ln w="25400">
+                  <a:prstDash val="sysDash"/>
+                </a:ln>
+              </p:spPr>
+              <p:style>
+                <a:lnRef idx="2">
+                  <a:schemeClr val="accent1">
+                    <a:shade val="50000"/>
+                  </a:schemeClr>
+                </a:lnRef>
+                <a:fillRef idx="1">
+                  <a:schemeClr val="accent1"/>
+                </a:fillRef>
+                <a:effectRef idx="0">
+                  <a:schemeClr val="accent1"/>
+                </a:effectRef>
+                <a:fontRef idx="minor">
+                  <a:schemeClr val="lt1"/>
+                </a:fontRef>
+              </p:style>
+              <p:txBody>
+                <a:bodyPr rtlCol="0" anchor="ctr"/>
+                <a:lstStyle/>
+                <a:p>
+                  <a:pPr algn="ctr"/>
+                  <a:endParaRPr lang="en-US"/>
+                </a:p>
+              </p:txBody>
+            </p:sp>
+            <p:sp>
+              <p:nvSpPr>
+                <p:cNvPr id="26" name="Oval 25"/>
+                <p:cNvSpPr/>
+                <p:nvPr/>
+              </p:nvSpPr>
+              <p:spPr>
+                <a:xfrm>
+                  <a:off x="2966472" y="1718244"/>
+                  <a:ext cx="2548956" cy="2548956"/>
+                </a:xfrm>
+                <a:prstGeom prst="ellipse">
+                  <a:avLst/>
+                </a:prstGeom>
+                <a:blipFill>
+                  <a:blip r:embed="rId2"/>
+                  <a:stretch>
+                    <a:fillRect/>
+                  </a:stretch>
+                </a:blipFill>
+                <a:ln w="25400">
+                  <a:noFill/>
+                  <a:prstDash val="solid"/>
+                </a:ln>
+              </p:spPr>
+              <p:style>
+                <a:lnRef idx="2">
+                  <a:schemeClr val="accent1">
+                    <a:shade val="50000"/>
+                  </a:schemeClr>
+                </a:lnRef>
+                <a:fillRef idx="1">
+                  <a:schemeClr val="accent1"/>
+                </a:fillRef>
+                <a:effectRef idx="0">
+                  <a:schemeClr val="accent1"/>
+                </a:effectRef>
+                <a:fontRef idx="minor">
+                  <a:schemeClr val="lt1"/>
+                </a:fontRef>
+              </p:style>
+              <p:txBody>
+                <a:bodyPr rtlCol="0" anchor="ctr"/>
+                <a:lstStyle/>
+                <a:p>
+                  <a:pPr algn="ctr"/>
+                  <a:endParaRPr lang="en-US"/>
+                </a:p>
+              </p:txBody>
+            </p:sp>
+          </p:grpSp>
+          <p:sp>
+            <p:nvSpPr>
+              <p:cNvPr id="44" name="TextBox 43"/>
+              <p:cNvSpPr txBox="1"/>
+              <p:nvPr/>
+            </p:nvSpPr>
+            <p:spPr>
+              <a:xfrm>
+                <a:off x="2743199" y="6400800"/>
+                <a:ext cx="1828801" cy="369332"/>
+              </a:xfrm>
+              <a:prstGeom prst="rect">
+                <a:avLst/>
+              </a:prstGeom>
+              <a:noFill/>
+            </p:spPr>
+            <p:txBody>
+              <a:bodyPr wrap="square" rtlCol="0">
+                <a:spAutoFit/>
+              </a:bodyPr>
+              <a:lstStyle/>
+              <a:p>
+                <a:pPr algn="ctr"/>
+                <a:r>
+                  <a:rPr lang="en-US" b="1" dirty="0" smtClean="0">
+                    <a:solidFill>
+                      <a:srgbClr val="0070C0"/>
+                    </a:solidFill>
+                  </a:rPr>
+                  <a:t>Luu Ngoc Manh</a:t>
+                </a:r>
+                <a:endParaRPr lang="en-US" b="1" dirty="0">
+                  <a:solidFill>
+                    <a:srgbClr val="0070C0"/>
+                  </a:solidFill>
+                </a:endParaRPr>
+              </a:p>
+            </p:txBody>
+          </p:sp>
+        </p:grpSp>
+        <p:grpSp>
+          <p:nvGrpSpPr>
+            <p:cNvPr id="46" name="Group 45"/>
+            <p:cNvGrpSpPr/>
+            <p:nvPr/>
+          </p:nvGrpSpPr>
+          <p:grpSpPr>
+            <a:xfrm>
+              <a:off x="4495800" y="2362200"/>
+              <a:ext cx="1924245" cy="2117098"/>
+              <a:chOff x="2686244" y="4653034"/>
+              <a:chExt cx="1924245" cy="2117098"/>
+            </a:xfrm>
+          </p:grpSpPr>
+          <p:grpSp>
+            <p:nvGrpSpPr>
+              <p:cNvPr id="47" name="Group 46"/>
+              <p:cNvGrpSpPr/>
+              <p:nvPr/>
+            </p:nvGrpSpPr>
+            <p:grpSpPr>
+              <a:xfrm>
+                <a:off x="2804448" y="4653034"/>
+                <a:ext cx="1747766" cy="1747766"/>
+                <a:chOff x="2862941" y="1609725"/>
+                <a:chExt cx="2748301" cy="2748301"/>
+              </a:xfrm>
+            </p:grpSpPr>
+            <p:sp>
+              <p:nvSpPr>
+                <p:cNvPr id="49" name="Oval 48"/>
+                <p:cNvSpPr/>
+                <p:nvPr/>
+              </p:nvSpPr>
+              <p:spPr>
+                <a:xfrm>
+                  <a:off x="2862941" y="1609725"/>
+                  <a:ext cx="2748301" cy="2748301"/>
+                </a:xfrm>
+                <a:prstGeom prst="ellipse">
+                  <a:avLst/>
+                </a:prstGeom>
+                <a:solidFill>
+                  <a:schemeClr val="bg1"/>
+                </a:solidFill>
+                <a:ln w="25400">
+                  <a:prstDash val="sysDash"/>
+                </a:ln>
+              </p:spPr>
+              <p:style>
+                <a:lnRef idx="2">
+                  <a:schemeClr val="accent1">
+                    <a:shade val="50000"/>
+                  </a:schemeClr>
+                </a:lnRef>
+                <a:fillRef idx="1">
+                  <a:schemeClr val="accent1"/>
+                </a:fillRef>
+                <a:effectRef idx="0">
+                  <a:schemeClr val="accent1"/>
+                </a:effectRef>
+                <a:fontRef idx="minor">
+                  <a:schemeClr val="lt1"/>
+                </a:fontRef>
+              </p:style>
+              <p:txBody>
+                <a:bodyPr rtlCol="0" anchor="ctr"/>
+                <a:lstStyle/>
+                <a:p>
+                  <a:pPr algn="ctr"/>
+                  <a:endParaRPr lang="en-US"/>
+                </a:p>
+              </p:txBody>
+            </p:sp>
+            <p:sp>
+              <p:nvSpPr>
+                <p:cNvPr id="50" name="Oval 49"/>
+                <p:cNvSpPr/>
+                <p:nvPr/>
+              </p:nvSpPr>
+              <p:spPr>
+                <a:xfrm>
+                  <a:off x="2966472" y="1718244"/>
+                  <a:ext cx="2548956" cy="2548956"/>
+                </a:xfrm>
+                <a:prstGeom prst="ellipse">
+                  <a:avLst/>
+                </a:prstGeom>
+                <a:blipFill>
+                  <a:blip r:embed="rId2"/>
+                  <a:stretch>
+                    <a:fillRect/>
+                  </a:stretch>
+                </a:blipFill>
+                <a:ln w="25400">
+                  <a:noFill/>
+                  <a:prstDash val="solid"/>
+                </a:ln>
+              </p:spPr>
+              <p:style>
+                <a:lnRef idx="2">
+                  <a:schemeClr val="accent1">
+                    <a:shade val="50000"/>
+                  </a:schemeClr>
+                </a:lnRef>
+                <a:fillRef idx="1">
+                  <a:schemeClr val="accent1"/>
+                </a:fillRef>
+                <a:effectRef idx="0">
+                  <a:schemeClr val="accent1"/>
+                </a:effectRef>
+                <a:fontRef idx="minor">
+                  <a:schemeClr val="lt1"/>
+                </a:fontRef>
+              </p:style>
+              <p:txBody>
+                <a:bodyPr rtlCol="0" anchor="ctr"/>
+                <a:lstStyle/>
+                <a:p>
+                  <a:pPr algn="ctr"/>
+                  <a:endParaRPr lang="en-US"/>
+                </a:p>
+              </p:txBody>
+            </p:sp>
+          </p:grpSp>
+          <p:sp>
+            <p:nvSpPr>
+              <p:cNvPr id="48" name="TextBox 47"/>
+              <p:cNvSpPr txBox="1"/>
+              <p:nvPr/>
+            </p:nvSpPr>
+            <p:spPr>
+              <a:xfrm>
+                <a:off x="2686244" y="6400800"/>
+                <a:ext cx="1924245" cy="369332"/>
+              </a:xfrm>
+              <a:prstGeom prst="rect">
+                <a:avLst/>
+              </a:prstGeom>
+              <a:noFill/>
+            </p:spPr>
+            <p:txBody>
+              <a:bodyPr wrap="square" rtlCol="0">
+                <a:spAutoFit/>
+              </a:bodyPr>
+              <a:lstStyle/>
+              <a:p>
+                <a:pPr algn="ctr"/>
+                <a:r>
+                  <a:rPr lang="en-US" b="1" dirty="0" smtClean="0">
+                    <a:solidFill>
+                      <a:srgbClr val="0070C0"/>
+                    </a:solidFill>
+                  </a:rPr>
+                  <a:t>Nguyen Minh Huy</a:t>
+                </a:r>
+                <a:endParaRPr lang="en-US" b="1" dirty="0">
+                  <a:solidFill>
+                    <a:srgbClr val="0070C0"/>
+                  </a:solidFill>
+                </a:endParaRPr>
+              </a:p>
+            </p:txBody>
+          </p:sp>
+        </p:grpSp>
+        <p:grpSp>
+          <p:nvGrpSpPr>
+            <p:cNvPr id="51" name="Group 50"/>
+            <p:cNvGrpSpPr/>
+            <p:nvPr/>
+          </p:nvGrpSpPr>
+          <p:grpSpPr>
+            <a:xfrm>
+              <a:off x="6741824" y="2286000"/>
+              <a:ext cx="1828801" cy="2117098"/>
+              <a:chOff x="2743199" y="4653034"/>
+              <a:chExt cx="1828801" cy="2117098"/>
+            </a:xfrm>
+          </p:grpSpPr>
+          <p:grpSp>
+            <p:nvGrpSpPr>
+              <p:cNvPr id="52" name="Group 51"/>
+              <p:cNvGrpSpPr/>
+              <p:nvPr/>
+            </p:nvGrpSpPr>
+            <p:grpSpPr>
+              <a:xfrm>
+                <a:off x="2804448" y="4653034"/>
+                <a:ext cx="1747766" cy="1747766"/>
+                <a:chOff x="2862941" y="1609725"/>
+                <a:chExt cx="2748301" cy="2748301"/>
+              </a:xfrm>
+            </p:grpSpPr>
+            <p:sp>
+              <p:nvSpPr>
+                <p:cNvPr id="54" name="Oval 53"/>
+                <p:cNvSpPr/>
+                <p:nvPr/>
+              </p:nvSpPr>
+              <p:spPr>
+                <a:xfrm>
+                  <a:off x="2862941" y="1609725"/>
+                  <a:ext cx="2748301" cy="2748301"/>
+                </a:xfrm>
+                <a:prstGeom prst="ellipse">
+                  <a:avLst/>
+                </a:prstGeom>
+                <a:solidFill>
+                  <a:schemeClr val="bg1"/>
+                </a:solidFill>
+                <a:ln w="25400">
+                  <a:prstDash val="sysDash"/>
+                </a:ln>
+              </p:spPr>
+              <p:style>
+                <a:lnRef idx="2">
+                  <a:schemeClr val="accent1">
+                    <a:shade val="50000"/>
+                  </a:schemeClr>
+                </a:lnRef>
+                <a:fillRef idx="1">
+                  <a:schemeClr val="accent1"/>
+                </a:fillRef>
+                <a:effectRef idx="0">
+                  <a:schemeClr val="accent1"/>
+                </a:effectRef>
+                <a:fontRef idx="minor">
+                  <a:schemeClr val="lt1"/>
+                </a:fontRef>
+              </p:style>
+              <p:txBody>
+                <a:bodyPr rtlCol="0" anchor="ctr"/>
+                <a:lstStyle/>
+                <a:p>
+                  <a:pPr algn="ctr"/>
+                  <a:endParaRPr lang="en-US"/>
+                </a:p>
+              </p:txBody>
+            </p:sp>
+            <p:sp>
+              <p:nvSpPr>
+                <p:cNvPr id="55" name="Oval 54"/>
+                <p:cNvSpPr/>
+                <p:nvPr/>
+              </p:nvSpPr>
+              <p:spPr>
+                <a:xfrm>
+                  <a:off x="2966472" y="1718244"/>
+                  <a:ext cx="2548956" cy="2548956"/>
+                </a:xfrm>
+                <a:prstGeom prst="ellipse">
+                  <a:avLst/>
+                </a:prstGeom>
+                <a:blipFill>
+                  <a:blip r:embed="rId2"/>
+                  <a:stretch>
+                    <a:fillRect/>
+                  </a:stretch>
+                </a:blipFill>
+                <a:ln w="25400">
+                  <a:noFill/>
+                  <a:prstDash val="solid"/>
+                </a:ln>
+              </p:spPr>
+              <p:style>
+                <a:lnRef idx="2">
+                  <a:schemeClr val="accent1">
+                    <a:shade val="50000"/>
+                  </a:schemeClr>
+                </a:lnRef>
+                <a:fillRef idx="1">
+                  <a:schemeClr val="accent1"/>
+                </a:fillRef>
+                <a:effectRef idx="0">
+                  <a:schemeClr val="accent1"/>
+                </a:effectRef>
+                <a:fontRef idx="minor">
+                  <a:schemeClr val="lt1"/>
+                </a:fontRef>
+              </p:style>
+              <p:txBody>
+                <a:bodyPr rtlCol="0" anchor="ctr"/>
+                <a:lstStyle/>
+                <a:p>
+                  <a:pPr algn="ctr"/>
+                  <a:endParaRPr lang="en-US"/>
+                </a:p>
+              </p:txBody>
+            </p:sp>
+          </p:grpSp>
+          <p:sp>
+            <p:nvSpPr>
+              <p:cNvPr id="53" name="TextBox 52"/>
+              <p:cNvSpPr txBox="1"/>
+              <p:nvPr/>
+            </p:nvSpPr>
+            <p:spPr>
+              <a:xfrm>
+                <a:off x="2743199" y="6400800"/>
+                <a:ext cx="1828801" cy="369332"/>
+              </a:xfrm>
+              <a:prstGeom prst="rect">
+                <a:avLst/>
+              </a:prstGeom>
+              <a:noFill/>
+            </p:spPr>
+            <p:txBody>
+              <a:bodyPr wrap="square" rtlCol="0">
+                <a:spAutoFit/>
+              </a:bodyPr>
+              <a:lstStyle/>
+              <a:p>
+                <a:pPr algn="ctr"/>
+                <a:r>
+                  <a:rPr lang="en-US" b="1" dirty="0" smtClean="0">
+                    <a:solidFill>
+                      <a:srgbClr val="0070C0"/>
+                    </a:solidFill>
+                  </a:rPr>
+                  <a:t>Vu Ngoc Trung</a:t>
+                </a:r>
+                <a:endParaRPr lang="en-US" b="1" dirty="0">
+                  <a:solidFill>
+                    <a:srgbClr val="0070C0"/>
+                  </a:solidFill>
+                </a:endParaRPr>
+              </a:p>
+            </p:txBody>
+          </p:sp>
+        </p:grpSp>
+        <p:grpSp>
+          <p:nvGrpSpPr>
+            <p:cNvPr id="56" name="Group 55"/>
+            <p:cNvGrpSpPr/>
+            <p:nvPr/>
+          </p:nvGrpSpPr>
+          <p:grpSpPr>
+            <a:xfrm>
+              <a:off x="2514600" y="4512302"/>
+              <a:ext cx="1828801" cy="2117098"/>
+              <a:chOff x="2743199" y="4653034"/>
+              <a:chExt cx="1828801" cy="2117098"/>
+            </a:xfrm>
+          </p:grpSpPr>
+          <p:grpSp>
+            <p:nvGrpSpPr>
+              <p:cNvPr id="57" name="Group 56"/>
+              <p:cNvGrpSpPr/>
+              <p:nvPr/>
+            </p:nvGrpSpPr>
+            <p:grpSpPr>
+              <a:xfrm>
+                <a:off x="2804448" y="4653034"/>
+                <a:ext cx="1747766" cy="1747766"/>
+                <a:chOff x="2862941" y="1609725"/>
+                <a:chExt cx="2748301" cy="2748301"/>
+              </a:xfrm>
+            </p:grpSpPr>
+            <p:sp>
+              <p:nvSpPr>
+                <p:cNvPr id="59" name="Oval 58"/>
+                <p:cNvSpPr/>
+                <p:nvPr/>
+              </p:nvSpPr>
+              <p:spPr>
+                <a:xfrm>
+                  <a:off x="2862941" y="1609725"/>
+                  <a:ext cx="2748301" cy="2748301"/>
+                </a:xfrm>
+                <a:prstGeom prst="ellipse">
+                  <a:avLst/>
+                </a:prstGeom>
+                <a:solidFill>
+                  <a:schemeClr val="bg1"/>
+                </a:solidFill>
+                <a:ln w="25400">
+                  <a:prstDash val="sysDash"/>
+                </a:ln>
+              </p:spPr>
+              <p:style>
+                <a:lnRef idx="2">
+                  <a:schemeClr val="accent1">
+                    <a:shade val="50000"/>
+                  </a:schemeClr>
+                </a:lnRef>
+                <a:fillRef idx="1">
+                  <a:schemeClr val="accent1"/>
+                </a:fillRef>
+                <a:effectRef idx="0">
+                  <a:schemeClr val="accent1"/>
+                </a:effectRef>
+                <a:fontRef idx="minor">
+                  <a:schemeClr val="lt1"/>
+                </a:fontRef>
+              </p:style>
+              <p:txBody>
+                <a:bodyPr rtlCol="0" anchor="ctr"/>
+                <a:lstStyle/>
+                <a:p>
+                  <a:pPr algn="ctr"/>
+                  <a:endParaRPr lang="en-US"/>
+                </a:p>
+              </p:txBody>
+            </p:sp>
+            <p:sp>
+              <p:nvSpPr>
+                <p:cNvPr id="60" name="Oval 59"/>
+                <p:cNvSpPr/>
+                <p:nvPr/>
+              </p:nvSpPr>
+              <p:spPr>
+                <a:xfrm>
+                  <a:off x="2966472" y="1718244"/>
+                  <a:ext cx="2548956" cy="2548956"/>
+                </a:xfrm>
+                <a:prstGeom prst="ellipse">
+                  <a:avLst/>
+                </a:prstGeom>
+                <a:blipFill>
+                  <a:blip r:embed="rId2"/>
+                  <a:stretch>
+                    <a:fillRect/>
+                  </a:stretch>
+                </a:blipFill>
+                <a:ln w="25400">
+                  <a:noFill/>
+                  <a:prstDash val="solid"/>
+                </a:ln>
+              </p:spPr>
+              <p:style>
+                <a:lnRef idx="2">
+                  <a:schemeClr val="accent1">
+                    <a:shade val="50000"/>
+                  </a:schemeClr>
+                </a:lnRef>
+                <a:fillRef idx="1">
+                  <a:schemeClr val="accent1"/>
+                </a:fillRef>
+                <a:effectRef idx="0">
+                  <a:schemeClr val="accent1"/>
+                </a:effectRef>
+                <a:fontRef idx="minor">
+                  <a:schemeClr val="lt1"/>
+                </a:fontRef>
+              </p:style>
+              <p:txBody>
+                <a:bodyPr rtlCol="0" anchor="ctr"/>
+                <a:lstStyle/>
+                <a:p>
+                  <a:pPr algn="ctr"/>
+                  <a:endParaRPr lang="en-US"/>
+                </a:p>
+              </p:txBody>
+            </p:sp>
+          </p:grpSp>
+          <p:sp>
+            <p:nvSpPr>
+              <p:cNvPr id="58" name="TextBox 57"/>
+              <p:cNvSpPr txBox="1"/>
+              <p:nvPr/>
+            </p:nvSpPr>
+            <p:spPr>
+              <a:xfrm>
+                <a:off x="2743199" y="6400800"/>
+                <a:ext cx="1828801" cy="369332"/>
+              </a:xfrm>
+              <a:prstGeom prst="rect">
+                <a:avLst/>
+              </a:prstGeom>
+              <a:noFill/>
+            </p:spPr>
+            <p:txBody>
+              <a:bodyPr wrap="square" rtlCol="0">
+                <a:spAutoFit/>
+              </a:bodyPr>
+              <a:lstStyle/>
+              <a:p>
+                <a:pPr algn="ctr"/>
+                <a:r>
+                  <a:rPr lang="en-US" b="1" dirty="0" smtClean="0">
+                    <a:solidFill>
+                      <a:srgbClr val="0070C0"/>
+                    </a:solidFill>
+                  </a:rPr>
+                  <a:t>Duong Duc Anh</a:t>
+                </a:r>
+                <a:endParaRPr lang="en-US" b="1" dirty="0">
+                  <a:solidFill>
+                    <a:srgbClr val="0070C0"/>
+                  </a:solidFill>
+                </a:endParaRPr>
+              </a:p>
+            </p:txBody>
+          </p:sp>
+        </p:grpSp>
+        <p:grpSp>
+          <p:nvGrpSpPr>
+            <p:cNvPr id="61" name="Group 60"/>
+            <p:cNvGrpSpPr/>
+            <p:nvPr/>
+          </p:nvGrpSpPr>
+          <p:grpSpPr>
+            <a:xfrm>
+              <a:off x="4552755" y="4503168"/>
+              <a:ext cx="1828801" cy="2117098"/>
+              <a:chOff x="2743199" y="4653034"/>
+              <a:chExt cx="1828801" cy="2117098"/>
+            </a:xfrm>
+          </p:grpSpPr>
+          <p:grpSp>
+            <p:nvGrpSpPr>
+              <p:cNvPr id="62" name="Group 61"/>
+              <p:cNvGrpSpPr/>
+              <p:nvPr/>
+            </p:nvGrpSpPr>
+            <p:grpSpPr>
+              <a:xfrm>
+                <a:off x="2804448" y="4653034"/>
+                <a:ext cx="1747766" cy="1747766"/>
+                <a:chOff x="2862941" y="1609725"/>
+                <a:chExt cx="2748301" cy="2748301"/>
+              </a:xfrm>
+            </p:grpSpPr>
+            <p:sp>
+              <p:nvSpPr>
+                <p:cNvPr id="64" name="Oval 63"/>
+                <p:cNvSpPr/>
+                <p:nvPr/>
+              </p:nvSpPr>
+              <p:spPr>
+                <a:xfrm>
+                  <a:off x="2862941" y="1609725"/>
+                  <a:ext cx="2748301" cy="2748301"/>
+                </a:xfrm>
+                <a:prstGeom prst="ellipse">
+                  <a:avLst/>
+                </a:prstGeom>
+                <a:solidFill>
+                  <a:schemeClr val="bg1"/>
+                </a:solidFill>
+                <a:ln w="25400">
+                  <a:prstDash val="sysDash"/>
+                </a:ln>
+              </p:spPr>
+              <p:style>
+                <a:lnRef idx="2">
+                  <a:schemeClr val="accent1">
+                    <a:shade val="50000"/>
+                  </a:schemeClr>
+                </a:lnRef>
+                <a:fillRef idx="1">
+                  <a:schemeClr val="accent1"/>
+                </a:fillRef>
+                <a:effectRef idx="0">
+                  <a:schemeClr val="accent1"/>
+                </a:effectRef>
+                <a:fontRef idx="minor">
+                  <a:schemeClr val="lt1"/>
+                </a:fontRef>
+              </p:style>
+              <p:txBody>
+                <a:bodyPr rtlCol="0" anchor="ctr"/>
+                <a:lstStyle/>
+                <a:p>
+                  <a:pPr algn="ctr"/>
+                  <a:endParaRPr lang="en-US"/>
+                </a:p>
+              </p:txBody>
+            </p:sp>
+            <p:sp>
+              <p:nvSpPr>
+                <p:cNvPr id="65" name="Oval 64"/>
+                <p:cNvSpPr/>
+                <p:nvPr/>
+              </p:nvSpPr>
+              <p:spPr>
+                <a:xfrm>
+                  <a:off x="2966472" y="1718244"/>
+                  <a:ext cx="2548956" cy="2548956"/>
+                </a:xfrm>
+                <a:prstGeom prst="ellipse">
+                  <a:avLst/>
+                </a:prstGeom>
+                <a:blipFill>
+                  <a:blip r:embed="rId2"/>
+                  <a:stretch>
+                    <a:fillRect/>
+                  </a:stretch>
+                </a:blipFill>
+                <a:ln w="25400">
+                  <a:noFill/>
+                  <a:prstDash val="solid"/>
+                </a:ln>
+              </p:spPr>
+              <p:style>
+                <a:lnRef idx="2">
+                  <a:schemeClr val="accent1">
+                    <a:shade val="50000"/>
+                  </a:schemeClr>
+                </a:lnRef>
+                <a:fillRef idx="1">
+                  <a:schemeClr val="accent1"/>
+                </a:fillRef>
+                <a:effectRef idx="0">
+                  <a:schemeClr val="accent1"/>
+                </a:effectRef>
+                <a:fontRef idx="minor">
+                  <a:schemeClr val="lt1"/>
+                </a:fontRef>
+              </p:style>
+              <p:txBody>
+                <a:bodyPr rtlCol="0" anchor="ctr"/>
+                <a:lstStyle/>
+                <a:p>
+                  <a:pPr algn="ctr"/>
+                  <a:endParaRPr lang="en-US"/>
+                </a:p>
+              </p:txBody>
+            </p:sp>
+          </p:grpSp>
+          <p:sp>
+            <p:nvSpPr>
+              <p:cNvPr id="63" name="TextBox 62"/>
+              <p:cNvSpPr txBox="1"/>
+              <p:nvPr/>
+            </p:nvSpPr>
+            <p:spPr>
+              <a:xfrm>
+                <a:off x="2743199" y="6400800"/>
+                <a:ext cx="1828801" cy="369332"/>
+              </a:xfrm>
+              <a:prstGeom prst="rect">
+                <a:avLst/>
+              </a:prstGeom>
+              <a:noFill/>
+            </p:spPr>
+            <p:txBody>
+              <a:bodyPr wrap="square" rtlCol="0">
+                <a:spAutoFit/>
+              </a:bodyPr>
+              <a:lstStyle/>
+              <a:p>
+                <a:pPr algn="ctr"/>
+                <a:r>
+                  <a:rPr lang="en-US" b="1" dirty="0" smtClean="0">
+                    <a:solidFill>
+                      <a:srgbClr val="0070C0"/>
+                    </a:solidFill>
+                  </a:rPr>
+                  <a:t>Vu Cong Chinh</a:t>
+                </a:r>
+                <a:endParaRPr lang="en-US" b="1" dirty="0">
+                  <a:solidFill>
+                    <a:srgbClr val="0070C0"/>
+                  </a:solidFill>
+                </a:endParaRPr>
+              </a:p>
+            </p:txBody>
+          </p:sp>
+        </p:grpSp>
+        <p:grpSp>
+          <p:nvGrpSpPr>
+            <p:cNvPr id="66" name="Group 65"/>
+            <p:cNvGrpSpPr/>
+            <p:nvPr/>
+          </p:nvGrpSpPr>
+          <p:grpSpPr>
+            <a:xfrm>
+              <a:off x="6612420" y="4512302"/>
+              <a:ext cx="2150580" cy="2117098"/>
+              <a:chOff x="2613795" y="4653034"/>
+              <a:chExt cx="2150580" cy="2117098"/>
+            </a:xfrm>
+          </p:grpSpPr>
+          <p:grpSp>
+            <p:nvGrpSpPr>
+              <p:cNvPr id="67" name="Group 66"/>
+              <p:cNvGrpSpPr/>
+              <p:nvPr/>
+            </p:nvGrpSpPr>
+            <p:grpSpPr>
+              <a:xfrm>
+                <a:off x="2804448" y="4653034"/>
+                <a:ext cx="1747766" cy="1747766"/>
+                <a:chOff x="2862941" y="1609725"/>
+                <a:chExt cx="2748301" cy="2748301"/>
+              </a:xfrm>
+            </p:grpSpPr>
+            <p:sp>
+              <p:nvSpPr>
+                <p:cNvPr id="69" name="Oval 68"/>
+                <p:cNvSpPr/>
+                <p:nvPr/>
+              </p:nvSpPr>
+              <p:spPr>
+                <a:xfrm>
+                  <a:off x="2862941" y="1609725"/>
+                  <a:ext cx="2748301" cy="2748301"/>
+                </a:xfrm>
+                <a:prstGeom prst="ellipse">
+                  <a:avLst/>
+                </a:prstGeom>
+                <a:solidFill>
+                  <a:schemeClr val="bg1"/>
+                </a:solidFill>
+                <a:ln w="25400">
+                  <a:prstDash val="sysDash"/>
+                </a:ln>
+              </p:spPr>
+              <p:style>
+                <a:lnRef idx="2">
+                  <a:schemeClr val="accent1">
+                    <a:shade val="50000"/>
+                  </a:schemeClr>
+                </a:lnRef>
+                <a:fillRef idx="1">
+                  <a:schemeClr val="accent1"/>
+                </a:fillRef>
+                <a:effectRef idx="0">
+                  <a:schemeClr val="accent1"/>
+                </a:effectRef>
+                <a:fontRef idx="minor">
+                  <a:schemeClr val="lt1"/>
+                </a:fontRef>
+              </p:style>
+              <p:txBody>
+                <a:bodyPr rtlCol="0" anchor="ctr"/>
+                <a:lstStyle/>
+                <a:p>
+                  <a:pPr algn="ctr"/>
+                  <a:endParaRPr lang="en-US"/>
+                </a:p>
+              </p:txBody>
+            </p:sp>
+            <p:sp>
+              <p:nvSpPr>
+                <p:cNvPr id="70" name="Oval 69"/>
+                <p:cNvSpPr/>
+                <p:nvPr/>
+              </p:nvSpPr>
+              <p:spPr>
+                <a:xfrm>
+                  <a:off x="2966472" y="1718244"/>
+                  <a:ext cx="2548956" cy="2548956"/>
+                </a:xfrm>
+                <a:prstGeom prst="ellipse">
+                  <a:avLst/>
+                </a:prstGeom>
+                <a:blipFill>
+                  <a:blip r:embed="rId2"/>
+                  <a:stretch>
+                    <a:fillRect/>
+                  </a:stretch>
+                </a:blipFill>
+                <a:ln w="25400">
+                  <a:noFill/>
+                  <a:prstDash val="solid"/>
+                </a:ln>
+              </p:spPr>
+              <p:style>
+                <a:lnRef idx="2">
+                  <a:schemeClr val="accent1">
+                    <a:shade val="50000"/>
+                  </a:schemeClr>
+                </a:lnRef>
+                <a:fillRef idx="1">
+                  <a:schemeClr val="accent1"/>
+                </a:fillRef>
+                <a:effectRef idx="0">
+                  <a:schemeClr val="accent1"/>
+                </a:effectRef>
+                <a:fontRef idx="minor">
+                  <a:schemeClr val="lt1"/>
+                </a:fontRef>
+              </p:style>
+              <p:txBody>
+                <a:bodyPr rtlCol="0" anchor="ctr"/>
+                <a:lstStyle/>
+                <a:p>
+                  <a:pPr algn="ctr"/>
+                  <a:endParaRPr lang="en-US"/>
+                </a:p>
+              </p:txBody>
+            </p:sp>
+          </p:grpSp>
+          <p:sp>
+            <p:nvSpPr>
+              <p:cNvPr id="68" name="TextBox 67"/>
+              <p:cNvSpPr txBox="1"/>
+              <p:nvPr/>
+            </p:nvSpPr>
+            <p:spPr>
+              <a:xfrm>
+                <a:off x="2613795" y="6400800"/>
+                <a:ext cx="2150580" cy="369332"/>
+              </a:xfrm>
+              <a:prstGeom prst="rect">
+                <a:avLst/>
+              </a:prstGeom>
+              <a:noFill/>
+            </p:spPr>
+            <p:txBody>
+              <a:bodyPr wrap="square" rtlCol="0">
+                <a:spAutoFit/>
+              </a:bodyPr>
+              <a:lstStyle/>
+              <a:p>
+                <a:pPr algn="ctr"/>
+                <a:r>
+                  <a:rPr lang="en-US" b="1" dirty="0" smtClean="0">
+                    <a:solidFill>
+                      <a:srgbClr val="0070C0"/>
+                    </a:solidFill>
+                  </a:rPr>
+                  <a:t>Cao Thi Phuong Mai</a:t>
+                </a:r>
+                <a:endParaRPr lang="en-US" b="1" dirty="0">
+                  <a:solidFill>
+                    <a:srgbClr val="0070C0"/>
+                  </a:solidFill>
+                </a:endParaRPr>
+              </a:p>
+            </p:txBody>
+          </p:sp>
+        </p:grpSp>
+        <p:sp>
+          <p:nvSpPr>
+            <p:cNvPr id="71" name="Rectangle 70"/>
+            <p:cNvSpPr/>
+            <p:nvPr/>
+          </p:nvSpPr>
+          <p:spPr>
+            <a:xfrm>
+              <a:off x="2438400" y="2091908"/>
+              <a:ext cx="6324600" cy="4689892"/>
+            </a:xfrm>
+            <a:prstGeom prst="rect">
+              <a:avLst/>
+            </a:prstGeom>
+            <a:noFill/>
+            <a:ln w="25400" cmpd="sng">
+              <a:solidFill>
+                <a:srgbClr val="0070C0"/>
+              </a:solidFill>
+              <a:prstDash val="solid"/>
+            </a:ln>
+          </p:spPr>
+          <p:style>
+            <a:lnRef idx="2">
+              <a:schemeClr val="accent1">
+                <a:shade val="50000"/>
+              </a:schemeClr>
+            </a:lnRef>
+            <a:fillRef idx="1">
+              <a:schemeClr val="accent1"/>
+            </a:fillRef>
+            <a:effectRef idx="0">
+              <a:schemeClr val="accent1"/>
+            </a:effectRef>
+            <a:fontRef idx="minor">
+              <a:schemeClr val="lt1"/>
+            </a:fontRef>
+          </p:style>
+          <p:txBody>
+            <a:bodyPr rtlCol="0" anchor="ctr"/>
+            <a:lstStyle/>
+            <a:p>
+              <a:pPr algn="ctr"/>
+              <a:endParaRPr lang="en-US"/>
+            </a:p>
+          </p:txBody>
+        </p:sp>
+      </p:grpSp>
+      <p:sp>
+        <p:nvSpPr>
+          <p:cNvPr id="72" name="Rectangle 71"/>
+          <p:cNvSpPr/>
+          <p:nvPr/>
+        </p:nvSpPr>
+        <p:spPr>
+          <a:xfrm>
+            <a:off x="2743200" y="1380292"/>
+            <a:ext cx="6324600" cy="677108"/>
+          </a:xfrm>
+          <a:prstGeom prst="rect">
+            <a:avLst/>
+          </a:prstGeom>
+        </p:spPr>
+        <p:txBody>
+          <a:bodyPr wrap="square">
+            <a:spAutoFit/>
+          </a:bodyPr>
+          <a:lstStyle/>
+          <a:p>
+            <a:pPr>
+              <a:defRPr/>
+            </a:pPr>
+            <a:r>
+              <a:rPr lang="en-US" b="1" dirty="0">
+                <a:solidFill>
+                  <a:srgbClr val="0070C0"/>
+                </a:solidFill>
+                <a:latin typeface="Muli"/>
+                <a:ea typeface="Muli"/>
+                <a:cs typeface="Muli"/>
+                <a:sym typeface="Arial"/>
+                <a:rtl val="0"/>
+              </a:rPr>
+              <a:t>Team member </a:t>
+            </a:r>
+            <a:r>
+              <a:rPr lang="en-US" b="1" kern="0" dirty="0">
+                <a:solidFill>
+                  <a:srgbClr val="0070C0"/>
+                </a:solidFill>
+              </a:rPr>
+              <a:t>	      </a:t>
+            </a:r>
+          </a:p>
+          <a:p>
+            <a:pPr>
+              <a:defRPr/>
+            </a:pPr>
+            <a:r>
+              <a:rPr lang="ja-JP" altLang="en-US" sz="2000" b="1" kern="0" dirty="0">
+                <a:solidFill>
+                  <a:srgbClr val="0070C0"/>
+                </a:solidFill>
+                <a:latin typeface="News Cycle" panose="02000803000000000000" pitchFamily="2" charset="2"/>
+              </a:rPr>
+              <a:t>チームメンバ</a:t>
+            </a:r>
+            <a:r>
+              <a:rPr lang="ja-JP" altLang="en-US" sz="2000" b="1" kern="0" dirty="0">
+                <a:solidFill>
+                  <a:schemeClr val="bg1"/>
+                </a:solidFill>
+                <a:latin typeface="News Cycle" panose="02000803000000000000" pitchFamily="2" charset="2"/>
+              </a:rPr>
+              <a:t>ー </a:t>
+            </a:r>
+            <a:endParaRPr lang="en-US" sz="2000" b="1" dirty="0">
+              <a:solidFill>
+                <a:schemeClr val="bg1"/>
+              </a:solidFill>
+            </a:endParaRPr>
+          </a:p>
+        </p:txBody>
+      </p:sp>
+      <p:sp>
+        <p:nvSpPr>
+          <p:cNvPr id="73" name="Rectangle 72"/>
+          <p:cNvSpPr/>
+          <p:nvPr/>
+        </p:nvSpPr>
+        <p:spPr>
+          <a:xfrm>
+            <a:off x="609600" y="1379195"/>
+            <a:ext cx="1600200" cy="677108"/>
+          </a:xfrm>
+          <a:prstGeom prst="rect">
+            <a:avLst/>
+          </a:prstGeom>
+        </p:spPr>
+        <p:txBody>
+          <a:bodyPr wrap="square">
+            <a:spAutoFit/>
+          </a:bodyPr>
+          <a:lstStyle/>
+          <a:p>
+            <a:pPr>
+              <a:defRPr/>
+            </a:pPr>
+            <a:r>
+              <a:rPr lang="en-US" b="1" dirty="0">
+                <a:solidFill>
+                  <a:srgbClr val="0070C0"/>
+                </a:solidFill>
+                <a:latin typeface="Muli"/>
+                <a:ea typeface="Muli"/>
+                <a:cs typeface="Muli"/>
+                <a:sym typeface="Arial"/>
+                <a:rtl val="0"/>
+              </a:rPr>
+              <a:t>Supervisor</a:t>
+            </a:r>
+            <a:r>
+              <a:rPr lang="en-US" b="1" kern="0" dirty="0">
+                <a:solidFill>
+                  <a:srgbClr val="0070C0"/>
+                </a:solidFill>
+                <a:latin typeface="Roke1984" pitchFamily="50" charset="0"/>
+              </a:rPr>
+              <a:t> </a:t>
+            </a:r>
+          </a:p>
+          <a:p>
+            <a:pPr>
+              <a:defRPr/>
+            </a:pPr>
+            <a:r>
+              <a:rPr lang="ja-JP" altLang="en-US" sz="2000" b="1" kern="0" dirty="0">
+                <a:solidFill>
+                  <a:srgbClr val="0070C0"/>
+                </a:solidFill>
+              </a:rPr>
+              <a:t>指導教員</a:t>
+            </a:r>
+            <a:endParaRPr lang="en-US" altLang="ja-JP" sz="2000" b="1" kern="0" dirty="0">
+              <a:solidFill>
+                <a:srgbClr val="0070C0"/>
+              </a:solidFill>
+            </a:endParaRPr>
+          </a:p>
+        </p:txBody>
+      </p:sp>
+      <p:grpSp>
+        <p:nvGrpSpPr>
+          <p:cNvPr id="76" name="Group 75"/>
+          <p:cNvGrpSpPr/>
+          <p:nvPr/>
+        </p:nvGrpSpPr>
+        <p:grpSpPr>
+          <a:xfrm>
+            <a:off x="685800" y="2148377"/>
+            <a:ext cx="1524000" cy="1828800"/>
+            <a:chOff x="762000" y="2148377"/>
+            <a:chExt cx="1524000" cy="1828800"/>
+          </a:xfrm>
+        </p:grpSpPr>
+        <p:sp>
+          <p:nvSpPr>
+            <p:cNvPr id="19" name="Rectangle 18"/>
+            <p:cNvSpPr/>
+            <p:nvPr/>
+          </p:nvSpPr>
+          <p:spPr>
+            <a:xfrm>
+              <a:off x="762000" y="2148377"/>
+              <a:ext cx="1524000" cy="1828800"/>
+            </a:xfrm>
+            <a:prstGeom prst="rect">
+              <a:avLst/>
+            </a:prstGeom>
+            <a:noFill/>
+            <a:ln>
+              <a:solidFill>
+                <a:srgbClr val="0070C0"/>
+              </a:solidFill>
+              <a:prstDash val="solid"/>
+            </a:ln>
+          </p:spPr>
+          <p:style>
+            <a:lnRef idx="2">
+              <a:schemeClr val="accent1">
+                <a:shade val="50000"/>
+              </a:schemeClr>
+            </a:lnRef>
+            <a:fillRef idx="1">
+              <a:schemeClr val="accent1"/>
+            </a:fillRef>
+            <a:effectRef idx="0">
+              <a:schemeClr val="accent1"/>
+            </a:effectRef>
+            <a:fontRef idx="minor">
+              <a:schemeClr val="lt1"/>
+            </a:fontRef>
+          </p:style>
+          <p:txBody>
+            <a:bodyPr rtlCol="0" anchor="ctr"/>
+            <a:lstStyle/>
+            <a:p>
+              <a:pPr algn="ctr"/>
+              <a:endParaRPr lang="en-US" u="sng" dirty="0">
+                <a:solidFill>
+                  <a:srgbClr val="0070C0"/>
+                </a:solidFill>
+              </a:endParaRPr>
+            </a:p>
+          </p:txBody>
+        </p:sp>
+        <p:sp>
+          <p:nvSpPr>
+            <p:cNvPr id="74" name="Rectangle 73"/>
+            <p:cNvSpPr/>
+            <p:nvPr/>
+          </p:nvSpPr>
+          <p:spPr>
+            <a:xfrm>
+              <a:off x="838200" y="2224577"/>
+              <a:ext cx="1371600" cy="1676400"/>
+            </a:xfrm>
+            <a:prstGeom prst="rect">
+              <a:avLst/>
+            </a:prstGeom>
+            <a:blipFill>
+              <a:blip r:embed="rId2"/>
+              <a:stretch>
+                <a:fillRect/>
+              </a:stretch>
+            </a:blipFill>
+            <a:ln>
+              <a:noFill/>
+              <a:prstDash val="solid"/>
+            </a:ln>
+          </p:spPr>
+          <p:style>
+            <a:lnRef idx="2">
+              <a:schemeClr val="accent1">
+                <a:shade val="50000"/>
+              </a:schemeClr>
+            </a:lnRef>
+            <a:fillRef idx="1">
+              <a:schemeClr val="accent1"/>
+            </a:fillRef>
+            <a:effectRef idx="0">
+              <a:schemeClr val="accent1"/>
+            </a:effectRef>
+            <a:fontRef idx="minor">
+              <a:schemeClr val="lt1"/>
+            </a:fontRef>
+          </p:style>
+          <p:txBody>
+            <a:bodyPr rtlCol="0" anchor="ctr"/>
+            <a:lstStyle/>
+            <a:p>
+              <a:pPr algn="ctr"/>
+              <a:endParaRPr lang="en-US" u="sng" dirty="0"/>
+            </a:p>
+          </p:txBody>
+        </p:sp>
+      </p:grpSp>
+      <p:sp>
+        <p:nvSpPr>
+          <p:cNvPr id="77" name="TextBox 76"/>
+          <p:cNvSpPr txBox="1"/>
+          <p:nvPr/>
+        </p:nvSpPr>
+        <p:spPr>
+          <a:xfrm>
+            <a:off x="533400" y="4038600"/>
+            <a:ext cx="1828801" cy="369332"/>
+          </a:xfrm>
+          <a:prstGeom prst="rect">
+            <a:avLst/>
+          </a:prstGeom>
+          <a:noFill/>
+          <a:ln>
+            <a:noFill/>
+          </a:ln>
+        </p:spPr>
+        <p:txBody>
+          <a:bodyPr wrap="square" rtlCol="0">
+            <a:spAutoFit/>
+          </a:bodyPr>
+          <a:lstStyle/>
+          <a:p>
+            <a:pPr algn="ctr"/>
+            <a:r>
+              <a:rPr lang="en-US" b="1" dirty="0" smtClean="0">
+                <a:solidFill>
+                  <a:srgbClr val="0070C0"/>
+                </a:solidFill>
+              </a:rPr>
+              <a:t>Nguyen Van Sang</a:t>
+            </a:r>
+            <a:endParaRPr lang="en-US" b="1" dirty="0">
+              <a:solidFill>
+                <a:srgbClr val="0070C0"/>
+              </a:solidFill>
+            </a:endParaRPr>
+          </a:p>
+        </p:txBody>
+      </p:sp>
+      <p:cxnSp>
+        <p:nvCxnSpPr>
+          <p:cNvPr id="81" name="Elbow Connector 80"/>
+          <p:cNvCxnSpPr>
+            <a:stCxn id="19" idx="3"/>
+            <a:endCxn id="71" idx="1"/>
+          </p:cNvCxnSpPr>
+          <p:nvPr/>
+        </p:nvCxnSpPr>
+        <p:spPr>
+          <a:xfrm>
+            <a:off x="2209800" y="3062777"/>
+            <a:ext cx="533400" cy="1374077"/>
+          </a:xfrm>
+          <a:prstGeom prst="bentConnector3">
+            <a:avLst>
+              <a:gd name="adj1" fmla="val 50000"/>
+            </a:avLst>
+          </a:prstGeom>
+          <a:ln w="25400">
+            <a:prstDash val="dash"/>
+          </a:ln>
+        </p:spPr>
+        <p:style>
+          <a:lnRef idx="1">
+            <a:schemeClr val="accent1"/>
+          </a:lnRef>
+          <a:fillRef idx="0">
+            <a:schemeClr val="accent1"/>
+          </a:fillRef>
+          <a:effectRef idx="0">
+            <a:schemeClr val="accent1"/>
+          </a:effectRef>
+          <a:fontRef idx="minor">
+            <a:schemeClr val="tx1"/>
+          </a:fontRef>
+        </p:style>
+      </p:cxnSp>
+      <p:pic>
+        <p:nvPicPr>
+          <p:cNvPr id="86" name="Picture 2" descr="C:\Users\Chinh\Desktop\logo_dandelion3.png"/>
+          <p:cNvPicPr>
+            <a:picLocks noChangeAspect="1" noChangeArrowheads="1"/>
+          </p:cNvPicPr>
+          <p:nvPr/>
+        </p:nvPicPr>
+        <p:blipFill>
+          <a:blip r:embed="rId3" cstate="print">
+            <a:extLst>
+              <a:ext uri="{28A0092B-C50C-407E-A947-70E740481C1C}">
+                <a14:useLocalDpi xmlns:a14="http://schemas.microsoft.com/office/drawing/2010/main" val="0"/>
+              </a:ext>
+            </a:extLst>
+          </a:blip>
+          <a:srcRect/>
+          <a:stretch>
+            <a:fillRect/>
+          </a:stretch>
+        </p:blipFill>
+        <p:spPr bwMode="auto">
+          <a:xfrm>
+            <a:off x="141360" y="25854"/>
+            <a:ext cx="350693" cy="517080"/>
+          </a:xfrm>
+          <a:prstGeom prst="rect">
+            <a:avLst/>
+          </a:prstGeom>
+          <a:noFill/>
+          <a:extLst>
+            <a:ext uri="{909E8E84-426E-40DD-AFC4-6F175D3DCCD1}">
+              <a14:hiddenFill xmlns:a14="http://schemas.microsoft.com/office/drawing/2010/main">
+                <a:solidFill>
+                  <a:srgbClr val="FFFFFF"/>
+                </a:solidFill>
+              </a14:hiddenFill>
+            </a:ext>
+          </a:extLst>
+        </p:spPr>
+      </p:pic>
+    </p:spTree>
+    <p:extLst>
+      <p:ext uri="{BB962C8B-B14F-4D97-AF65-F5344CB8AC3E}">
+        <p14:creationId xmlns:p14="http://schemas.microsoft.com/office/powerpoint/2010/main" val="3993365249"/>
+      </p:ext>
+    </p:extLst>
+  </p:cSld>
+  <p:clrMapOvr>
+    <a:masterClrMapping/>
+  </p:clrMapOvr>
+  <p:timing>
+    <p:tnLst>
+      <p:par>
+        <p:cTn id="1" dur="indefinite" restart="never" nodeType="tmRoot">
+          <p:childTnLst>
+            <p:seq concurrent="1" nextAc="seek">
+              <p:cTn id="2" dur="indefinite" nodeType="mainSeq">
+                <p:childTnLst>
+                  <p:par>
+                    <p:cTn id="3" fill="hold">
+                      <p:stCondLst>
+                        <p:cond delay="indefinite"/>
+                        <p:cond evt="onBegin" delay="0">
+                          <p:tn val="2"/>
+                        </p:cond>
+                      </p:stCondLst>
+                      <p:childTnLst>
+                        <p:par>
+                          <p:cTn id="4" fill="hold">
+                            <p:stCondLst>
+                              <p:cond delay="0"/>
+                            </p:stCondLst>
+                            <p:childTnLst>
+                              <p:par>
+                                <p:cTn id="5" presetID="53" presetClass="entr" presetSubtype="16" fill="hold" nodeType="withEffect">
+                                  <p:stCondLst>
+                                    <p:cond delay="0"/>
+                                  </p:stCondLst>
+                                  <p:childTnLst>
+                                    <p:set>
+                                      <p:cBhvr>
+                                        <p:cTn id="6" dur="1" fill="hold">
+                                          <p:stCondLst>
+                                            <p:cond delay="0"/>
+                                          </p:stCondLst>
+                                        </p:cTn>
+                                        <p:tgtEl>
+                                          <p:spTgt spid="76"/>
+                                        </p:tgtEl>
+                                        <p:attrNameLst>
+                                          <p:attrName>style.visibility</p:attrName>
+                                        </p:attrNameLst>
+                                      </p:cBhvr>
+                                      <p:to>
+                                        <p:strVal val="visible"/>
+                                      </p:to>
+                                    </p:set>
+                                    <p:anim calcmode="lin" valueType="num">
+                                      <p:cBhvr>
+                                        <p:cTn id="7" dur="500" fill="hold"/>
+                                        <p:tgtEl>
+                                          <p:spTgt spid="76"/>
+                                        </p:tgtEl>
+                                        <p:attrNameLst>
+                                          <p:attrName>ppt_w</p:attrName>
+                                        </p:attrNameLst>
+                                      </p:cBhvr>
+                                      <p:tavLst>
+                                        <p:tav tm="0">
+                                          <p:val>
+                                            <p:fltVal val="0"/>
+                                          </p:val>
+                                        </p:tav>
+                                        <p:tav tm="100000">
+                                          <p:val>
+                                            <p:strVal val="#ppt_w"/>
+                                          </p:val>
+                                        </p:tav>
+                                      </p:tavLst>
+                                    </p:anim>
+                                    <p:anim calcmode="lin" valueType="num">
+                                      <p:cBhvr>
+                                        <p:cTn id="8" dur="500" fill="hold"/>
+                                        <p:tgtEl>
+                                          <p:spTgt spid="76"/>
+                                        </p:tgtEl>
+                                        <p:attrNameLst>
+                                          <p:attrName>ppt_h</p:attrName>
+                                        </p:attrNameLst>
+                                      </p:cBhvr>
+                                      <p:tavLst>
+                                        <p:tav tm="0">
+                                          <p:val>
+                                            <p:fltVal val="0"/>
+                                          </p:val>
+                                        </p:tav>
+                                        <p:tav tm="100000">
+                                          <p:val>
+                                            <p:strVal val="#ppt_h"/>
+                                          </p:val>
+                                        </p:tav>
+                                      </p:tavLst>
+                                    </p:anim>
+                                    <p:animEffect transition="in" filter="fade">
+                                      <p:cBhvr>
+                                        <p:cTn id="9" dur="500"/>
+                                        <p:tgtEl>
+                                          <p:spTgt spid="76"/>
+                                        </p:tgtEl>
+                                      </p:cBhvr>
+                                    </p:animEffect>
+                                  </p:childTnLst>
+                                </p:cTn>
+                              </p:par>
+                              <p:par>
+                                <p:cTn id="10" presetID="53" presetClass="entr" presetSubtype="16" fill="hold" grpId="0" nodeType="withEffect">
+                                  <p:stCondLst>
+                                    <p:cond delay="0"/>
+                                  </p:stCondLst>
+                                  <p:childTnLst>
+                                    <p:set>
+                                      <p:cBhvr>
+                                        <p:cTn id="11" dur="1" fill="hold">
+                                          <p:stCondLst>
+                                            <p:cond delay="0"/>
+                                          </p:stCondLst>
+                                        </p:cTn>
+                                        <p:tgtEl>
+                                          <p:spTgt spid="77"/>
+                                        </p:tgtEl>
+                                        <p:attrNameLst>
+                                          <p:attrName>style.visibility</p:attrName>
+                                        </p:attrNameLst>
+                                      </p:cBhvr>
+                                      <p:to>
+                                        <p:strVal val="visible"/>
+                                      </p:to>
+                                    </p:set>
+                                    <p:anim calcmode="lin" valueType="num">
+                                      <p:cBhvr>
+                                        <p:cTn id="12" dur="500" fill="hold"/>
+                                        <p:tgtEl>
+                                          <p:spTgt spid="77"/>
+                                        </p:tgtEl>
+                                        <p:attrNameLst>
+                                          <p:attrName>ppt_w</p:attrName>
+                                        </p:attrNameLst>
+                                      </p:cBhvr>
+                                      <p:tavLst>
+                                        <p:tav tm="0">
+                                          <p:val>
+                                            <p:fltVal val="0"/>
+                                          </p:val>
+                                        </p:tav>
+                                        <p:tav tm="100000">
+                                          <p:val>
+                                            <p:strVal val="#ppt_w"/>
+                                          </p:val>
+                                        </p:tav>
+                                      </p:tavLst>
+                                    </p:anim>
+                                    <p:anim calcmode="lin" valueType="num">
+                                      <p:cBhvr>
+                                        <p:cTn id="13" dur="500" fill="hold"/>
+                                        <p:tgtEl>
+                                          <p:spTgt spid="77"/>
+                                        </p:tgtEl>
+                                        <p:attrNameLst>
+                                          <p:attrName>ppt_h</p:attrName>
+                                        </p:attrNameLst>
+                                      </p:cBhvr>
+                                      <p:tavLst>
+                                        <p:tav tm="0">
+                                          <p:val>
+                                            <p:fltVal val="0"/>
+                                          </p:val>
+                                        </p:tav>
+                                        <p:tav tm="100000">
+                                          <p:val>
+                                            <p:strVal val="#ppt_h"/>
+                                          </p:val>
+                                        </p:tav>
+                                      </p:tavLst>
+                                    </p:anim>
+                                    <p:animEffect transition="in" filter="fade">
+                                      <p:cBhvr>
+                                        <p:cTn id="14" dur="500"/>
+                                        <p:tgtEl>
+                                          <p:spTgt spid="77"/>
+                                        </p:tgtEl>
+                                      </p:cBhvr>
+                                    </p:animEffect>
+                                  </p:childTnLst>
+                                </p:cTn>
+                              </p:par>
+                              <p:par>
+                                <p:cTn id="15" presetID="53" presetClass="entr" presetSubtype="16" fill="hold" grpId="0" nodeType="withEffect">
+                                  <p:stCondLst>
+                                    <p:cond delay="0"/>
+                                  </p:stCondLst>
+                                  <p:childTnLst>
+                                    <p:set>
+                                      <p:cBhvr>
+                                        <p:cTn id="16" dur="1" fill="hold">
+                                          <p:stCondLst>
+                                            <p:cond delay="0"/>
+                                          </p:stCondLst>
+                                        </p:cTn>
+                                        <p:tgtEl>
+                                          <p:spTgt spid="73"/>
+                                        </p:tgtEl>
+                                        <p:attrNameLst>
+                                          <p:attrName>style.visibility</p:attrName>
+                                        </p:attrNameLst>
+                                      </p:cBhvr>
+                                      <p:to>
+                                        <p:strVal val="visible"/>
+                                      </p:to>
+                                    </p:set>
+                                    <p:anim calcmode="lin" valueType="num">
+                                      <p:cBhvr>
+                                        <p:cTn id="17" dur="500" fill="hold"/>
+                                        <p:tgtEl>
+                                          <p:spTgt spid="73"/>
+                                        </p:tgtEl>
+                                        <p:attrNameLst>
+                                          <p:attrName>ppt_w</p:attrName>
+                                        </p:attrNameLst>
+                                      </p:cBhvr>
+                                      <p:tavLst>
+                                        <p:tav tm="0">
+                                          <p:val>
+                                            <p:fltVal val="0"/>
+                                          </p:val>
+                                        </p:tav>
+                                        <p:tav tm="100000">
+                                          <p:val>
+                                            <p:strVal val="#ppt_w"/>
+                                          </p:val>
+                                        </p:tav>
+                                      </p:tavLst>
+                                    </p:anim>
+                                    <p:anim calcmode="lin" valueType="num">
+                                      <p:cBhvr>
+                                        <p:cTn id="18" dur="500" fill="hold"/>
+                                        <p:tgtEl>
+                                          <p:spTgt spid="73"/>
+                                        </p:tgtEl>
+                                        <p:attrNameLst>
+                                          <p:attrName>ppt_h</p:attrName>
+                                        </p:attrNameLst>
+                                      </p:cBhvr>
+                                      <p:tavLst>
+                                        <p:tav tm="0">
+                                          <p:val>
+                                            <p:fltVal val="0"/>
+                                          </p:val>
+                                        </p:tav>
+                                        <p:tav tm="100000">
+                                          <p:val>
+                                            <p:strVal val="#ppt_h"/>
+                                          </p:val>
+                                        </p:tav>
+                                      </p:tavLst>
+                                    </p:anim>
+                                    <p:animEffect transition="in" filter="fade">
+                                      <p:cBhvr>
+                                        <p:cTn id="19" dur="500"/>
+                                        <p:tgtEl>
+                                          <p:spTgt spid="73"/>
+                                        </p:tgtEl>
+                                      </p:cBhvr>
+                                    </p:animEffect>
+                                  </p:childTnLst>
+                                </p:cTn>
+                              </p:par>
+                            </p:childTnLst>
+                          </p:cTn>
+                        </p:par>
+                        <p:par>
+                          <p:cTn id="20" fill="hold">
+                            <p:stCondLst>
+                              <p:cond delay="500"/>
+                            </p:stCondLst>
+                            <p:childTnLst>
+                              <p:par>
+                                <p:cTn id="21" presetID="22" presetClass="entr" presetSubtype="8" fill="hold" nodeType="afterEffect">
+                                  <p:stCondLst>
+                                    <p:cond delay="0"/>
+                                  </p:stCondLst>
+                                  <p:childTnLst>
+                                    <p:set>
+                                      <p:cBhvr>
+                                        <p:cTn id="22" dur="1" fill="hold">
+                                          <p:stCondLst>
+                                            <p:cond delay="0"/>
+                                          </p:stCondLst>
+                                        </p:cTn>
+                                        <p:tgtEl>
+                                          <p:spTgt spid="81"/>
+                                        </p:tgtEl>
+                                        <p:attrNameLst>
+                                          <p:attrName>style.visibility</p:attrName>
+                                        </p:attrNameLst>
+                                      </p:cBhvr>
+                                      <p:to>
+                                        <p:strVal val="visible"/>
+                                      </p:to>
+                                    </p:set>
+                                    <p:animEffect transition="in" filter="wipe(left)">
+                                      <p:cBhvr>
+                                        <p:cTn id="23" dur="500"/>
+                                        <p:tgtEl>
+                                          <p:spTgt spid="81"/>
+                                        </p:tgtEl>
+                                      </p:cBhvr>
+                                    </p:animEffect>
+                                  </p:childTnLst>
+                                </p:cTn>
+                              </p:par>
+                            </p:childTnLst>
+                          </p:cTn>
+                        </p:par>
+                        <p:par>
+                          <p:cTn id="24" fill="hold">
+                            <p:stCondLst>
+                              <p:cond delay="1000"/>
+                            </p:stCondLst>
+                            <p:childTnLst>
+                              <p:par>
+                                <p:cTn id="25" presetID="42" presetClass="entr" presetSubtype="0" fill="hold" nodeType="afterEffect">
+                                  <p:stCondLst>
+                                    <p:cond delay="0"/>
+                                  </p:stCondLst>
+                                  <p:childTnLst>
+                                    <p:set>
+                                      <p:cBhvr>
+                                        <p:cTn id="26" dur="1" fill="hold">
+                                          <p:stCondLst>
+                                            <p:cond delay="0"/>
+                                          </p:stCondLst>
+                                        </p:cTn>
+                                        <p:tgtEl>
+                                          <p:spTgt spid="75"/>
+                                        </p:tgtEl>
+                                        <p:attrNameLst>
+                                          <p:attrName>style.visibility</p:attrName>
+                                        </p:attrNameLst>
+                                      </p:cBhvr>
+                                      <p:to>
+                                        <p:strVal val="visible"/>
+                                      </p:to>
+                                    </p:set>
+                                    <p:animEffect transition="in" filter="fade">
+                                      <p:cBhvr>
+                                        <p:cTn id="27" dur="1000"/>
+                                        <p:tgtEl>
+                                          <p:spTgt spid="75"/>
+                                        </p:tgtEl>
+                                      </p:cBhvr>
+                                    </p:animEffect>
+                                    <p:anim calcmode="lin" valueType="num">
+                                      <p:cBhvr>
+                                        <p:cTn id="28" dur="1000" fill="hold"/>
+                                        <p:tgtEl>
+                                          <p:spTgt spid="75"/>
+                                        </p:tgtEl>
+                                        <p:attrNameLst>
+                                          <p:attrName>ppt_x</p:attrName>
+                                        </p:attrNameLst>
+                                      </p:cBhvr>
+                                      <p:tavLst>
+                                        <p:tav tm="0">
+                                          <p:val>
+                                            <p:strVal val="#ppt_x"/>
+                                          </p:val>
+                                        </p:tav>
+                                        <p:tav tm="100000">
+                                          <p:val>
+                                            <p:strVal val="#ppt_x"/>
+                                          </p:val>
+                                        </p:tav>
+                                      </p:tavLst>
+                                    </p:anim>
+                                    <p:anim calcmode="lin" valueType="num">
+                                      <p:cBhvr>
+                                        <p:cTn id="29" dur="1000" fill="hold"/>
+                                        <p:tgtEl>
+                                          <p:spTgt spid="75"/>
+                                        </p:tgtEl>
+                                        <p:attrNameLst>
+                                          <p:attrName>ppt_y</p:attrName>
+                                        </p:attrNameLst>
+                                      </p:cBhvr>
+                                      <p:tavLst>
+                                        <p:tav tm="0">
+                                          <p:val>
+                                            <p:strVal val="#ppt_y+.1"/>
+                                          </p:val>
+                                        </p:tav>
+                                        <p:tav tm="100000">
+                                          <p:val>
+                                            <p:strVal val="#ppt_y"/>
+                                          </p:val>
+                                        </p:tav>
+                                      </p:tavLst>
+                                    </p:anim>
+                                  </p:childTnLst>
+                                </p:cTn>
+                              </p:par>
+                              <p:par>
+                                <p:cTn id="30" presetID="42" presetClass="entr" presetSubtype="0" fill="hold" grpId="0" nodeType="withEffect">
+                                  <p:stCondLst>
+                                    <p:cond delay="0"/>
+                                  </p:stCondLst>
+                                  <p:childTnLst>
+                                    <p:set>
+                                      <p:cBhvr>
+                                        <p:cTn id="31" dur="1" fill="hold">
+                                          <p:stCondLst>
+                                            <p:cond delay="0"/>
+                                          </p:stCondLst>
+                                        </p:cTn>
+                                        <p:tgtEl>
+                                          <p:spTgt spid="72"/>
+                                        </p:tgtEl>
+                                        <p:attrNameLst>
+                                          <p:attrName>style.visibility</p:attrName>
+                                        </p:attrNameLst>
+                                      </p:cBhvr>
+                                      <p:to>
+                                        <p:strVal val="visible"/>
+                                      </p:to>
+                                    </p:set>
+                                    <p:animEffect transition="in" filter="fade">
+                                      <p:cBhvr>
+                                        <p:cTn id="32" dur="1000"/>
+                                        <p:tgtEl>
+                                          <p:spTgt spid="72"/>
+                                        </p:tgtEl>
+                                      </p:cBhvr>
+                                    </p:animEffect>
+                                    <p:anim calcmode="lin" valueType="num">
+                                      <p:cBhvr>
+                                        <p:cTn id="33" dur="1000" fill="hold"/>
+                                        <p:tgtEl>
+                                          <p:spTgt spid="72"/>
+                                        </p:tgtEl>
+                                        <p:attrNameLst>
+                                          <p:attrName>ppt_x</p:attrName>
+                                        </p:attrNameLst>
+                                      </p:cBhvr>
+                                      <p:tavLst>
+                                        <p:tav tm="0">
+                                          <p:val>
+                                            <p:strVal val="#ppt_x"/>
+                                          </p:val>
+                                        </p:tav>
+                                        <p:tav tm="100000">
+                                          <p:val>
+                                            <p:strVal val="#ppt_x"/>
+                                          </p:val>
+                                        </p:tav>
+                                      </p:tavLst>
+                                    </p:anim>
+                                    <p:anim calcmode="lin" valueType="num">
+                                      <p:cBhvr>
+                                        <p:cTn id="34" dur="1000" fill="hold"/>
+                                        <p:tgtEl>
+                                          <p:spTgt spid="72"/>
+                                        </p:tgtEl>
+                                        <p:attrNameLst>
+                                          <p:attrName>ppt_y</p:attrName>
+                                        </p:attrNameLst>
+                                      </p:cBhvr>
+                                      <p:tavLst>
+                                        <p:tav tm="0">
+                                          <p:val>
+                                            <p:strVal val="#ppt_y+.1"/>
+                                          </p:val>
+                                        </p:tav>
+                                        <p:tav tm="100000">
+                                          <p:val>
+                                            <p:strVal val="#ppt_y"/>
+                                          </p:val>
+                                        </p:tav>
+                                      </p:tavLst>
+                                    </p:anim>
+                                  </p:childTnLst>
+                                </p:cTn>
+                              </p:par>
+                            </p:childTnLst>
+                          </p:cTn>
+                        </p:par>
+                      </p:childTnLst>
+                    </p:cTn>
+                  </p:par>
+                </p:childTnLst>
+              </p:cTn>
+              <p:prevCondLst>
+                <p:cond evt="onPrev" delay="0">
+                  <p:tgtEl>
+                    <p:sldTgt/>
+                  </p:tgtEl>
+                </p:cond>
+              </p:prevCondLst>
+              <p:nextCondLst>
+                <p:cond evt="onNext" delay="0">
+                  <p:tgtEl>
+                    <p:sldTgt/>
+                  </p:tgtEl>
+                </p:cond>
+              </p:nextCondLst>
+            </p:seq>
+          </p:childTnLst>
+        </p:cTn>
+      </p:par>
+    </p:tnLst>
+    <p:bldLst>
+      <p:bldP spid="72" grpId="0"/>
+      <p:bldP spid="73" grpId="0"/>
+      <p:bldP spid="77" grpId="0"/>
+    </p:bldLst>
+  </p:timing>
+</p:sld>
+</file>
+
+<file path=ppt/slides/slide20.xml><?xml version="1.0" encoding="utf-8"?>
 <p:sld xmlns:a="http://schemas.openxmlformats.org/drawingml/2006/main" xmlns:r="http://schemas.openxmlformats.org/officeDocument/2006/relationships" xmlns:p="http://schemas.openxmlformats.org/presentationml/2006/main">
   <p:cSld>
     <p:spTree>
@@ -13059,7 +15963,7 @@
 </p:sld>
 </file>
 
-<file path=ppt/slides/slide18.xml><?xml version="1.0" encoding="utf-8"?>
+<file path=ppt/slides/slide21.xml><?xml version="1.0" encoding="utf-8"?>
 <p:sld xmlns:a="http://schemas.openxmlformats.org/drawingml/2006/main" xmlns:r="http://schemas.openxmlformats.org/officeDocument/2006/relationships" xmlns:p="http://schemas.openxmlformats.org/presentationml/2006/main">
   <p:cSld>
     <p:spTree>
@@ -13165,11 +16069,12 @@
           </a:bodyPr>
           <a:lstStyle/>
           <a:p>
-            <a:pPr marL="34290" indent="0">
-              <a:buNone/>
+            <a:pPr marL="377190">
+              <a:buFontTx/>
+              <a:buChar char="-"/>
             </a:pPr>
             <a:r>
-              <a:rPr lang="ja-JP" altLang="en-US" sz="2400" b="1" dirty="0">
+              <a:rPr lang="en-US" altLang="ja-JP" sz="2400" dirty="0" smtClean="0">
                 <a:solidFill>
                   <a:srgbClr val="002060"/>
                 </a:solidFill>
@@ -13177,18 +16082,7 @@
                 <a:ea typeface="SimSun" panose="02010600030101010101" pitchFamily="2" charset="-122"/>
                 <a:cs typeface="Times New Roman" panose="02020603050405020304" pitchFamily="18" charset="0"/>
               </a:rPr>
-              <a:t>ハードウェア要求  </a:t>
-            </a:r>
-            <a:r>
-              <a:rPr lang="en-US" altLang="ja-JP" sz="2400" dirty="0">
-                <a:solidFill>
-                  <a:srgbClr val="002060"/>
-                </a:solidFill>
-                <a:latin typeface="Times New Roman" panose="02020603050405020304" pitchFamily="18" charset="0"/>
-                <a:ea typeface="SimSun" panose="02010600030101010101" pitchFamily="2" charset="-122"/>
-                <a:cs typeface="Times New Roman" panose="02020603050405020304" pitchFamily="18" charset="0"/>
-              </a:rPr>
-              <a:t>-  Hardware Requirements</a:t>
+              <a:t>Hardware Requirements</a:t>
             </a:r>
           </a:p>
           <a:p>
@@ -13196,7 +16090,7 @@
               <a:buNone/>
             </a:pPr>
             <a:r>
-              <a:rPr lang="en-US" altLang="ja-JP" sz="2400" b="1" dirty="0" smtClean="0">
+              <a:rPr lang="ja-JP" altLang="en-US" sz="2400" b="1" dirty="0" smtClean="0">
                 <a:solidFill>
                   <a:srgbClr val="002060"/>
                 </a:solidFill>
@@ -13204,84 +16098,37 @@
                 <a:ea typeface="SimSun" panose="02010600030101010101" pitchFamily="2" charset="-122"/>
                 <a:cs typeface="Times New Roman" panose="02020603050405020304" pitchFamily="18" charset="0"/>
               </a:rPr>
+              <a:t> </a:t>
+            </a:r>
+            <a:r>
+              <a:rPr lang="en-US" altLang="ja-JP" sz="2400" dirty="0" smtClean="0">
+                <a:solidFill>
+                  <a:srgbClr val="002060"/>
+                </a:solidFill>
+                <a:latin typeface="Times New Roman" panose="02020603050405020304" pitchFamily="18" charset="0"/>
+                <a:cs typeface="Times New Roman" panose="02020603050405020304" pitchFamily="18" charset="0"/>
+              </a:rPr>
               <a:t>PC</a:t>
             </a:r>
             <a:r>
-              <a:rPr lang="en-US" altLang="ja-JP" sz="2400" b="1" dirty="0">
+              <a:rPr lang="en-US" altLang="ja-JP" sz="2400" dirty="0">
                 <a:solidFill>
                   <a:srgbClr val="002060"/>
                 </a:solidFill>
                 <a:latin typeface="Times New Roman" panose="02020603050405020304" pitchFamily="18" charset="0"/>
-                <a:ea typeface="SimSun" panose="02010600030101010101" pitchFamily="2" charset="-122"/>
                 <a:cs typeface="Times New Roman" panose="02020603050405020304" pitchFamily="18" charset="0"/>
               </a:rPr>
               <a:t>, </a:t>
             </a:r>
             <a:r>
-              <a:rPr lang="ja-JP" altLang="en-US" sz="2400" b="1" dirty="0">
+              <a:rPr lang="en-US" altLang="ja-JP" sz="2400" dirty="0" smtClean="0">
                 <a:solidFill>
                   <a:srgbClr val="002060"/>
                 </a:solidFill>
                 <a:latin typeface="Times New Roman" panose="02020603050405020304" pitchFamily="18" charset="0"/>
-                <a:ea typeface="SimSun" panose="02010600030101010101" pitchFamily="2" charset="-122"/>
-                <a:cs typeface="Times New Roman" panose="02020603050405020304" pitchFamily="18" charset="0"/>
-              </a:rPr>
-              <a:t>ラップトップは インターネット接続があります</a:t>
-            </a:r>
-            <a:r>
-              <a:rPr lang="ja-JP" altLang="en-US" sz="2400" b="1" dirty="0" smtClean="0">
-                <a:solidFill>
-                  <a:srgbClr val="002060"/>
-                </a:solidFill>
-                <a:latin typeface="Times New Roman" panose="02020603050405020304" pitchFamily="18" charset="0"/>
-                <a:ea typeface="SimSun" panose="02010600030101010101" pitchFamily="2" charset="-122"/>
-                <a:cs typeface="Times New Roman" panose="02020603050405020304" pitchFamily="18" charset="0"/>
-              </a:rPr>
-              <a:t>。</a:t>
-            </a:r>
-            <a:endParaRPr lang="en-US" altLang="ja-JP" sz="2400" b="1" dirty="0">
-              <a:solidFill>
-                <a:srgbClr val="002060"/>
-              </a:solidFill>
-              <a:latin typeface="Times New Roman" panose="02020603050405020304" pitchFamily="18" charset="0"/>
-              <a:ea typeface="SimSun" panose="02010600030101010101" pitchFamily="2" charset="-122"/>
-              <a:cs typeface="Times New Roman" panose="02020603050405020304" pitchFamily="18" charset="0"/>
-            </a:endParaRPr>
-          </a:p>
-          <a:p>
-            <a:pPr marL="34290" indent="0">
-              <a:buNone/>
-            </a:pPr>
-            <a:r>
-              <a:rPr lang="ja-JP" altLang="en-US" sz="2400" b="1" dirty="0" smtClean="0">
-                <a:solidFill>
-                  <a:srgbClr val="002060"/>
-                </a:solidFill>
-                <a:latin typeface="Times New Roman" panose="02020603050405020304" pitchFamily="18" charset="0"/>
-                <a:ea typeface="SimSun" panose="02010600030101010101" pitchFamily="2" charset="-122"/>
-                <a:cs typeface="Times New Roman" panose="02020603050405020304" pitchFamily="18" charset="0"/>
-              </a:rPr>
-              <a:t> </a:t>
-            </a:r>
-            <a:r>
-              <a:rPr lang="en-US" altLang="ja-JP" sz="2400" dirty="0" smtClean="0">
-                <a:solidFill>
-                  <a:srgbClr val="002060"/>
-                </a:solidFill>
-                <a:latin typeface="Times New Roman" panose="02020603050405020304" pitchFamily="18" charset="0"/>
-                <a:cs typeface="Times New Roman" panose="02020603050405020304" pitchFamily="18" charset="0"/>
-              </a:rPr>
-              <a:t>PC</a:t>
-            </a:r>
-            <a:r>
-              <a:rPr lang="en-US" altLang="ja-JP" sz="2400" dirty="0">
-                <a:solidFill>
-                  <a:srgbClr val="002060"/>
-                </a:solidFill>
-                <a:latin typeface="Times New Roman" panose="02020603050405020304" pitchFamily="18" charset="0"/>
-                <a:cs typeface="Times New Roman" panose="02020603050405020304" pitchFamily="18" charset="0"/>
-              </a:rPr>
-              <a:t>, Laptop </a:t>
+                <a:cs typeface="Times New Roman" panose="02020603050405020304" pitchFamily="18" charset="0"/>
+              </a:rPr>
+              <a:t>Laptop , Smartphone </a:t>
             </a:r>
             <a:r>
               <a:rPr lang="en-US" altLang="ja-JP" sz="2400" dirty="0" smtClean="0">
@@ -13326,7 +16173,7 @@
               <a:buFont typeface="Wingdings" panose="05000000000000000000" pitchFamily="2" charset="2"/>
               <a:buChar char="ü"/>
             </a:pPr>
-            <a:endParaRPr lang="en-US" sz="2400" dirty="0">
+            <a:endParaRPr lang="en-US" sz="2400" dirty="0" smtClean="0">
               <a:solidFill>
                 <a:srgbClr val="002060"/>
               </a:solidFill>
@@ -13457,7 +16304,7 @@
 </p:sld>
 </file>
 
-<file path=ppt/slides/slide19.xml><?xml version="1.0" encoding="utf-8"?>
+<file path=ppt/slides/slide22.xml><?xml version="1.0" encoding="utf-8"?>
 <p:sld xmlns:a="http://schemas.openxmlformats.org/drawingml/2006/main" xmlns:r="http://schemas.openxmlformats.org/officeDocument/2006/relationships" xmlns:p="http://schemas.openxmlformats.org/presentationml/2006/main">
   <p:cSld>
     <p:spTree>
@@ -14953,2189 +17800,7 @@
 </p:sld>
 </file>
 
-<file path=ppt/slides/slide2.xml><?xml version="1.0" encoding="utf-8"?>
-<p:sld xmlns:a="http://schemas.openxmlformats.org/drawingml/2006/main" xmlns:r="http://schemas.openxmlformats.org/officeDocument/2006/relationships" xmlns:p="http://schemas.openxmlformats.org/presentationml/2006/main">
-  <p:cSld>
-    <p:spTree>
-      <p:nvGrpSpPr>
-        <p:cNvPr id="1" name=""/>
-        <p:cNvGrpSpPr/>
-        <p:nvPr/>
-      </p:nvGrpSpPr>
-      <p:grpSpPr>
-        <a:xfrm>
-          <a:off x="0" y="0"/>
-          <a:ext cx="0" cy="0"/>
-          <a:chOff x="0" y="0"/>
-          <a:chExt cx="0" cy="0"/>
-        </a:xfrm>
-      </p:grpSpPr>
-      <p:graphicFrame>
-        <p:nvGraphicFramePr>
-          <p:cNvPr id="9" name="Table 8"/>
-          <p:cNvGraphicFramePr>
-            <a:graphicFrameLocks noGrp="1"/>
-          </p:cNvGraphicFramePr>
-          <p:nvPr>
-            <p:extLst>
-              <p:ext uri="{D42A27DB-BD31-4B8C-83A1-F6EECF244321}">
-                <p14:modId xmlns:p14="http://schemas.microsoft.com/office/powerpoint/2010/main" val="2244436259"/>
-              </p:ext>
-            </p:extLst>
-          </p:nvPr>
-        </p:nvGraphicFramePr>
-        <p:xfrm>
-          <a:off x="10134600" y="120232"/>
-          <a:ext cx="6096000" cy="2176046"/>
-        </p:xfrm>
-        <a:graphic>
-          <a:graphicData uri="http://schemas.openxmlformats.org/drawingml/2006/table">
-            <a:tbl>
-              <a:tblPr firstRow="1" bandRow="1"/>
-              <a:tblGrid>
-                <a:gridCol w="2050473"/>
-                <a:gridCol w="4045527"/>
-              </a:tblGrid>
-              <a:tr h="2176046">
-                <a:tc>
-                  <a:txBody>
-                    <a:bodyPr/>
-                    <a:lstStyle/>
-                    <a:p>
-                      <a:pPr marL="0" marR="0" indent="0" algn="l" defTabSz="914400" rtl="0" eaLnBrk="1" fontAlgn="auto" latinLnBrk="0" hangingPunct="1">
-                        <a:lnSpc>
-                          <a:spcPct val="100000"/>
-                        </a:lnSpc>
-                        <a:spcBef>
-                          <a:spcPts val="0"/>
-                        </a:spcBef>
-                        <a:spcAft>
-                          <a:spcPts val="0"/>
-                        </a:spcAft>
-                        <a:buClrTx/>
-                        <a:buSzTx/>
-                        <a:buFontTx/>
-                        <a:buNone/>
-                        <a:tabLst/>
-                        <a:defRPr/>
-                      </a:pPr>
-                      <a:endParaRPr lang="en-US" sz="1800" dirty="0">
-                        <a:solidFill>
-                          <a:schemeClr val="bg1"/>
-                        </a:solidFill>
-                      </a:endParaRPr>
-                    </a:p>
-                  </a:txBody>
-                  <a:tcPr>
-                    <a:lnL w="9525" cap="flat" cmpd="sng">
-                      <a:noFill/>
-                      <a:prstDash val="solid"/>
-                      <a:round/>
-                      <a:headEnd type="none" w="med" len="med"/>
-                      <a:tailEnd type="none" w="med" len="med"/>
-                    </a:lnL>
-                    <a:lnR w="9525" cap="flat" cmpd="sng">
-                      <a:noFill/>
-                      <a:prstDash val="solid"/>
-                      <a:round/>
-                      <a:headEnd type="none" w="med" len="med"/>
-                      <a:tailEnd type="none" w="med" len="med"/>
-                    </a:lnR>
-                    <a:lnT w="9525" cap="flat" cmpd="sng">
-                      <a:noFill/>
-                      <a:prstDash val="solid"/>
-                      <a:round/>
-                      <a:headEnd type="none" w="med" len="med"/>
-                      <a:tailEnd type="none" w="med" len="med"/>
-                    </a:lnT>
-                    <a:lnB w="9525" cap="flat" cmpd="sng">
-                      <a:noFill/>
-                      <a:prstDash val="solid"/>
-                      <a:round/>
-                      <a:headEnd type="none" w="med" len="med"/>
-                      <a:tailEnd type="none" w="med" len="med"/>
-                    </a:lnB>
-                    <a:lnTlToBr w="12700" cmpd="sng">
-                      <a:noFill/>
-                      <a:prstDash val="solid"/>
-                    </a:lnTlToBr>
-                    <a:lnBlToTr w="12700" cmpd="sng">
-                      <a:noFill/>
-                      <a:prstDash val="solid"/>
-                    </a:lnBlToTr>
-                  </a:tcPr>
-                </a:tc>
-                <a:tc>
-                  <a:txBody>
-                    <a:bodyPr/>
-                    <a:lstStyle/>
-                    <a:p>
-                      <a:pPr marL="0" marR="0" indent="0" algn="l" defTabSz="914400" rtl="0" eaLnBrk="1" fontAlgn="auto" latinLnBrk="0" hangingPunct="1">
-                        <a:lnSpc>
-                          <a:spcPct val="100000"/>
-                        </a:lnSpc>
-                        <a:spcBef>
-                          <a:spcPts val="0"/>
-                        </a:spcBef>
-                        <a:spcAft>
-                          <a:spcPts val="0"/>
-                        </a:spcAft>
-                        <a:buClrTx/>
-                        <a:buSzTx/>
-                        <a:buFontTx/>
-                        <a:buNone/>
-                        <a:tabLst/>
-                        <a:defRPr/>
-                      </a:pPr>
-                      <a:endParaRPr lang="en-US" sz="1600" dirty="0">
-                        <a:solidFill>
-                          <a:schemeClr val="bg1"/>
-                        </a:solidFill>
-                      </a:endParaRPr>
-                    </a:p>
-                  </a:txBody>
-                  <a:tcPr>
-                    <a:lnL w="9525" cap="flat" cmpd="sng">
-                      <a:noFill/>
-                      <a:prstDash val="solid"/>
-                      <a:round/>
-                      <a:headEnd type="none" w="med" len="med"/>
-                      <a:tailEnd type="none" w="med" len="med"/>
-                    </a:lnL>
-                    <a:lnR w="9525" cap="flat" cmpd="sng">
-                      <a:noFill/>
-                      <a:prstDash val="solid"/>
-                      <a:round/>
-                      <a:headEnd type="none" w="med" len="med"/>
-                      <a:tailEnd type="none" w="med" len="med"/>
-                    </a:lnR>
-                    <a:lnT w="9525" cap="flat" cmpd="sng">
-                      <a:noFill/>
-                      <a:prstDash val="solid"/>
-                      <a:round/>
-                      <a:headEnd type="none" w="med" len="med"/>
-                      <a:tailEnd type="none" w="med" len="med"/>
-                    </a:lnT>
-                    <a:lnB w="9525" cap="flat" cmpd="sng">
-                      <a:noFill/>
-                      <a:prstDash val="solid"/>
-                      <a:round/>
-                      <a:headEnd type="none" w="med" len="med"/>
-                      <a:tailEnd type="none" w="med" len="med"/>
-                    </a:lnB>
-                    <a:lnTlToBr w="12700" cmpd="sng">
-                      <a:noFill/>
-                      <a:prstDash val="solid"/>
-                    </a:lnTlToBr>
-                    <a:lnBlToTr w="12700" cmpd="sng">
-                      <a:noFill/>
-                      <a:prstDash val="solid"/>
-                    </a:lnBlToTr>
-                  </a:tcPr>
-                </a:tc>
-              </a:tr>
-            </a:tbl>
-          </a:graphicData>
-        </a:graphic>
-      </p:graphicFrame>
-      <p:sp>
-        <p:nvSpPr>
-          <p:cNvPr id="21" name="TextBox 20"/>
-          <p:cNvSpPr txBox="1"/>
-          <p:nvPr/>
-        </p:nvSpPr>
-        <p:spPr>
-          <a:xfrm>
-            <a:off x="609600" y="-36731"/>
-            <a:ext cx="1907895" cy="646331"/>
-          </a:xfrm>
-          <a:prstGeom prst="rect">
-            <a:avLst/>
-          </a:prstGeom>
-          <a:noFill/>
-        </p:spPr>
-        <p:txBody>
-          <a:bodyPr wrap="none" rtlCol="0">
-            <a:spAutoFit/>
-          </a:bodyPr>
-          <a:lstStyle/>
-          <a:p>
-            <a:r>
-              <a:rPr lang="en-US" sz="3600" b="1" dirty="0" smtClean="0">
-                <a:solidFill>
-                  <a:schemeClr val="bg1"/>
-                </a:solidFill>
-              </a:rPr>
-              <a:t>About us</a:t>
-            </a:r>
-            <a:endParaRPr lang="en-US" sz="3600" b="1" dirty="0">
-              <a:solidFill>
-                <a:schemeClr val="bg1"/>
-              </a:solidFill>
-            </a:endParaRPr>
-          </a:p>
-        </p:txBody>
-      </p:sp>
-      <p:grpSp>
-        <p:nvGrpSpPr>
-          <p:cNvPr id="75" name="Group 74"/>
-          <p:cNvGrpSpPr/>
-          <p:nvPr/>
-        </p:nvGrpSpPr>
-        <p:grpSpPr>
-          <a:xfrm>
-            <a:off x="2743200" y="2091908"/>
-            <a:ext cx="6324600" cy="4689892"/>
-            <a:chOff x="2438400" y="2091908"/>
-            <a:chExt cx="6324600" cy="4689892"/>
-          </a:xfrm>
-        </p:grpSpPr>
-        <p:grpSp>
-          <p:nvGrpSpPr>
-            <p:cNvPr id="45" name="Group 44"/>
-            <p:cNvGrpSpPr/>
-            <p:nvPr/>
-          </p:nvGrpSpPr>
-          <p:grpSpPr>
-            <a:xfrm>
-              <a:off x="2514600" y="2378702"/>
-              <a:ext cx="1828801" cy="2117098"/>
-              <a:chOff x="2743199" y="4653034"/>
-              <a:chExt cx="1828801" cy="2117098"/>
-            </a:xfrm>
-          </p:grpSpPr>
-          <p:grpSp>
-            <p:nvGrpSpPr>
-              <p:cNvPr id="27" name="Group 26"/>
-              <p:cNvGrpSpPr/>
-              <p:nvPr/>
-            </p:nvGrpSpPr>
-            <p:grpSpPr>
-              <a:xfrm>
-                <a:off x="2804448" y="4653034"/>
-                <a:ext cx="1747766" cy="1747766"/>
-                <a:chOff x="2862941" y="1609725"/>
-                <a:chExt cx="2748301" cy="2748301"/>
-              </a:xfrm>
-            </p:grpSpPr>
-            <p:sp>
-              <p:nvSpPr>
-                <p:cNvPr id="23" name="Oval 22"/>
-                <p:cNvSpPr/>
-                <p:nvPr/>
-              </p:nvSpPr>
-              <p:spPr>
-                <a:xfrm>
-                  <a:off x="2862941" y="1609725"/>
-                  <a:ext cx="2748301" cy="2748301"/>
-                </a:xfrm>
-                <a:prstGeom prst="ellipse">
-                  <a:avLst/>
-                </a:prstGeom>
-                <a:solidFill>
-                  <a:schemeClr val="bg1"/>
-                </a:solidFill>
-                <a:ln w="25400">
-                  <a:prstDash val="sysDash"/>
-                </a:ln>
-              </p:spPr>
-              <p:style>
-                <a:lnRef idx="2">
-                  <a:schemeClr val="accent1">
-                    <a:shade val="50000"/>
-                  </a:schemeClr>
-                </a:lnRef>
-                <a:fillRef idx="1">
-                  <a:schemeClr val="accent1"/>
-                </a:fillRef>
-                <a:effectRef idx="0">
-                  <a:schemeClr val="accent1"/>
-                </a:effectRef>
-                <a:fontRef idx="minor">
-                  <a:schemeClr val="lt1"/>
-                </a:fontRef>
-              </p:style>
-              <p:txBody>
-                <a:bodyPr rtlCol="0" anchor="ctr"/>
-                <a:lstStyle/>
-                <a:p>
-                  <a:pPr algn="ctr"/>
-                  <a:endParaRPr lang="en-US"/>
-                </a:p>
-              </p:txBody>
-            </p:sp>
-            <p:sp>
-              <p:nvSpPr>
-                <p:cNvPr id="26" name="Oval 25"/>
-                <p:cNvSpPr/>
-                <p:nvPr/>
-              </p:nvSpPr>
-              <p:spPr>
-                <a:xfrm>
-                  <a:off x="2966472" y="1718244"/>
-                  <a:ext cx="2548956" cy="2548956"/>
-                </a:xfrm>
-                <a:prstGeom prst="ellipse">
-                  <a:avLst/>
-                </a:prstGeom>
-                <a:blipFill>
-                  <a:blip r:embed="rId2"/>
-                  <a:stretch>
-                    <a:fillRect/>
-                  </a:stretch>
-                </a:blipFill>
-                <a:ln w="25400">
-                  <a:noFill/>
-                  <a:prstDash val="solid"/>
-                </a:ln>
-              </p:spPr>
-              <p:style>
-                <a:lnRef idx="2">
-                  <a:schemeClr val="accent1">
-                    <a:shade val="50000"/>
-                  </a:schemeClr>
-                </a:lnRef>
-                <a:fillRef idx="1">
-                  <a:schemeClr val="accent1"/>
-                </a:fillRef>
-                <a:effectRef idx="0">
-                  <a:schemeClr val="accent1"/>
-                </a:effectRef>
-                <a:fontRef idx="minor">
-                  <a:schemeClr val="lt1"/>
-                </a:fontRef>
-              </p:style>
-              <p:txBody>
-                <a:bodyPr rtlCol="0" anchor="ctr"/>
-                <a:lstStyle/>
-                <a:p>
-                  <a:pPr algn="ctr"/>
-                  <a:endParaRPr lang="en-US"/>
-                </a:p>
-              </p:txBody>
-            </p:sp>
-          </p:grpSp>
-          <p:sp>
-            <p:nvSpPr>
-              <p:cNvPr id="44" name="TextBox 43"/>
-              <p:cNvSpPr txBox="1"/>
-              <p:nvPr/>
-            </p:nvSpPr>
-            <p:spPr>
-              <a:xfrm>
-                <a:off x="2743199" y="6400800"/>
-                <a:ext cx="1828801" cy="369332"/>
-              </a:xfrm>
-              <a:prstGeom prst="rect">
-                <a:avLst/>
-              </a:prstGeom>
-              <a:noFill/>
-            </p:spPr>
-            <p:txBody>
-              <a:bodyPr wrap="square" rtlCol="0">
-                <a:spAutoFit/>
-              </a:bodyPr>
-              <a:lstStyle/>
-              <a:p>
-                <a:pPr algn="ctr"/>
-                <a:r>
-                  <a:rPr lang="en-US" b="1" dirty="0" smtClean="0">
-                    <a:solidFill>
-                      <a:srgbClr val="0070C0"/>
-                    </a:solidFill>
-                  </a:rPr>
-                  <a:t>Luu Ngoc Manh</a:t>
-                </a:r>
-                <a:endParaRPr lang="en-US" b="1" dirty="0">
-                  <a:solidFill>
-                    <a:srgbClr val="0070C0"/>
-                  </a:solidFill>
-                </a:endParaRPr>
-              </a:p>
-            </p:txBody>
-          </p:sp>
-        </p:grpSp>
-        <p:grpSp>
-          <p:nvGrpSpPr>
-            <p:cNvPr id="46" name="Group 45"/>
-            <p:cNvGrpSpPr/>
-            <p:nvPr/>
-          </p:nvGrpSpPr>
-          <p:grpSpPr>
-            <a:xfrm>
-              <a:off x="4495800" y="2362200"/>
-              <a:ext cx="1924245" cy="2117098"/>
-              <a:chOff x="2686244" y="4653034"/>
-              <a:chExt cx="1924245" cy="2117098"/>
-            </a:xfrm>
-          </p:grpSpPr>
-          <p:grpSp>
-            <p:nvGrpSpPr>
-              <p:cNvPr id="47" name="Group 46"/>
-              <p:cNvGrpSpPr/>
-              <p:nvPr/>
-            </p:nvGrpSpPr>
-            <p:grpSpPr>
-              <a:xfrm>
-                <a:off x="2804448" y="4653034"/>
-                <a:ext cx="1747766" cy="1747766"/>
-                <a:chOff x="2862941" y="1609725"/>
-                <a:chExt cx="2748301" cy="2748301"/>
-              </a:xfrm>
-            </p:grpSpPr>
-            <p:sp>
-              <p:nvSpPr>
-                <p:cNvPr id="49" name="Oval 48"/>
-                <p:cNvSpPr/>
-                <p:nvPr/>
-              </p:nvSpPr>
-              <p:spPr>
-                <a:xfrm>
-                  <a:off x="2862941" y="1609725"/>
-                  <a:ext cx="2748301" cy="2748301"/>
-                </a:xfrm>
-                <a:prstGeom prst="ellipse">
-                  <a:avLst/>
-                </a:prstGeom>
-                <a:solidFill>
-                  <a:schemeClr val="bg1"/>
-                </a:solidFill>
-                <a:ln w="25400">
-                  <a:prstDash val="sysDash"/>
-                </a:ln>
-              </p:spPr>
-              <p:style>
-                <a:lnRef idx="2">
-                  <a:schemeClr val="accent1">
-                    <a:shade val="50000"/>
-                  </a:schemeClr>
-                </a:lnRef>
-                <a:fillRef idx="1">
-                  <a:schemeClr val="accent1"/>
-                </a:fillRef>
-                <a:effectRef idx="0">
-                  <a:schemeClr val="accent1"/>
-                </a:effectRef>
-                <a:fontRef idx="minor">
-                  <a:schemeClr val="lt1"/>
-                </a:fontRef>
-              </p:style>
-              <p:txBody>
-                <a:bodyPr rtlCol="0" anchor="ctr"/>
-                <a:lstStyle/>
-                <a:p>
-                  <a:pPr algn="ctr"/>
-                  <a:endParaRPr lang="en-US"/>
-                </a:p>
-              </p:txBody>
-            </p:sp>
-            <p:sp>
-              <p:nvSpPr>
-                <p:cNvPr id="50" name="Oval 49"/>
-                <p:cNvSpPr/>
-                <p:nvPr/>
-              </p:nvSpPr>
-              <p:spPr>
-                <a:xfrm>
-                  <a:off x="2966472" y="1718244"/>
-                  <a:ext cx="2548956" cy="2548956"/>
-                </a:xfrm>
-                <a:prstGeom prst="ellipse">
-                  <a:avLst/>
-                </a:prstGeom>
-                <a:blipFill>
-                  <a:blip r:embed="rId2"/>
-                  <a:stretch>
-                    <a:fillRect/>
-                  </a:stretch>
-                </a:blipFill>
-                <a:ln w="25400">
-                  <a:noFill/>
-                  <a:prstDash val="solid"/>
-                </a:ln>
-              </p:spPr>
-              <p:style>
-                <a:lnRef idx="2">
-                  <a:schemeClr val="accent1">
-                    <a:shade val="50000"/>
-                  </a:schemeClr>
-                </a:lnRef>
-                <a:fillRef idx="1">
-                  <a:schemeClr val="accent1"/>
-                </a:fillRef>
-                <a:effectRef idx="0">
-                  <a:schemeClr val="accent1"/>
-                </a:effectRef>
-                <a:fontRef idx="minor">
-                  <a:schemeClr val="lt1"/>
-                </a:fontRef>
-              </p:style>
-              <p:txBody>
-                <a:bodyPr rtlCol="0" anchor="ctr"/>
-                <a:lstStyle/>
-                <a:p>
-                  <a:pPr algn="ctr"/>
-                  <a:endParaRPr lang="en-US"/>
-                </a:p>
-              </p:txBody>
-            </p:sp>
-          </p:grpSp>
-          <p:sp>
-            <p:nvSpPr>
-              <p:cNvPr id="48" name="TextBox 47"/>
-              <p:cNvSpPr txBox="1"/>
-              <p:nvPr/>
-            </p:nvSpPr>
-            <p:spPr>
-              <a:xfrm>
-                <a:off x="2686244" y="6400800"/>
-                <a:ext cx="1924245" cy="369332"/>
-              </a:xfrm>
-              <a:prstGeom prst="rect">
-                <a:avLst/>
-              </a:prstGeom>
-              <a:noFill/>
-            </p:spPr>
-            <p:txBody>
-              <a:bodyPr wrap="square" rtlCol="0">
-                <a:spAutoFit/>
-              </a:bodyPr>
-              <a:lstStyle/>
-              <a:p>
-                <a:pPr algn="ctr"/>
-                <a:r>
-                  <a:rPr lang="en-US" b="1" dirty="0" smtClean="0">
-                    <a:solidFill>
-                      <a:srgbClr val="0070C0"/>
-                    </a:solidFill>
-                  </a:rPr>
-                  <a:t>Nguyen Minh Huy</a:t>
-                </a:r>
-                <a:endParaRPr lang="en-US" b="1" dirty="0">
-                  <a:solidFill>
-                    <a:srgbClr val="0070C0"/>
-                  </a:solidFill>
-                </a:endParaRPr>
-              </a:p>
-            </p:txBody>
-          </p:sp>
-        </p:grpSp>
-        <p:grpSp>
-          <p:nvGrpSpPr>
-            <p:cNvPr id="51" name="Group 50"/>
-            <p:cNvGrpSpPr/>
-            <p:nvPr/>
-          </p:nvGrpSpPr>
-          <p:grpSpPr>
-            <a:xfrm>
-              <a:off x="6741824" y="2286000"/>
-              <a:ext cx="1828801" cy="2117098"/>
-              <a:chOff x="2743199" y="4653034"/>
-              <a:chExt cx="1828801" cy="2117098"/>
-            </a:xfrm>
-          </p:grpSpPr>
-          <p:grpSp>
-            <p:nvGrpSpPr>
-              <p:cNvPr id="52" name="Group 51"/>
-              <p:cNvGrpSpPr/>
-              <p:nvPr/>
-            </p:nvGrpSpPr>
-            <p:grpSpPr>
-              <a:xfrm>
-                <a:off x="2804448" y="4653034"/>
-                <a:ext cx="1747766" cy="1747766"/>
-                <a:chOff x="2862941" y="1609725"/>
-                <a:chExt cx="2748301" cy="2748301"/>
-              </a:xfrm>
-            </p:grpSpPr>
-            <p:sp>
-              <p:nvSpPr>
-                <p:cNvPr id="54" name="Oval 53"/>
-                <p:cNvSpPr/>
-                <p:nvPr/>
-              </p:nvSpPr>
-              <p:spPr>
-                <a:xfrm>
-                  <a:off x="2862941" y="1609725"/>
-                  <a:ext cx="2748301" cy="2748301"/>
-                </a:xfrm>
-                <a:prstGeom prst="ellipse">
-                  <a:avLst/>
-                </a:prstGeom>
-                <a:solidFill>
-                  <a:schemeClr val="bg1"/>
-                </a:solidFill>
-                <a:ln w="25400">
-                  <a:prstDash val="sysDash"/>
-                </a:ln>
-              </p:spPr>
-              <p:style>
-                <a:lnRef idx="2">
-                  <a:schemeClr val="accent1">
-                    <a:shade val="50000"/>
-                  </a:schemeClr>
-                </a:lnRef>
-                <a:fillRef idx="1">
-                  <a:schemeClr val="accent1"/>
-                </a:fillRef>
-                <a:effectRef idx="0">
-                  <a:schemeClr val="accent1"/>
-                </a:effectRef>
-                <a:fontRef idx="minor">
-                  <a:schemeClr val="lt1"/>
-                </a:fontRef>
-              </p:style>
-              <p:txBody>
-                <a:bodyPr rtlCol="0" anchor="ctr"/>
-                <a:lstStyle/>
-                <a:p>
-                  <a:pPr algn="ctr"/>
-                  <a:endParaRPr lang="en-US"/>
-                </a:p>
-              </p:txBody>
-            </p:sp>
-            <p:sp>
-              <p:nvSpPr>
-                <p:cNvPr id="55" name="Oval 54"/>
-                <p:cNvSpPr/>
-                <p:nvPr/>
-              </p:nvSpPr>
-              <p:spPr>
-                <a:xfrm>
-                  <a:off x="2966472" y="1718244"/>
-                  <a:ext cx="2548956" cy="2548956"/>
-                </a:xfrm>
-                <a:prstGeom prst="ellipse">
-                  <a:avLst/>
-                </a:prstGeom>
-                <a:blipFill>
-                  <a:blip r:embed="rId2"/>
-                  <a:stretch>
-                    <a:fillRect/>
-                  </a:stretch>
-                </a:blipFill>
-                <a:ln w="25400">
-                  <a:noFill/>
-                  <a:prstDash val="solid"/>
-                </a:ln>
-              </p:spPr>
-              <p:style>
-                <a:lnRef idx="2">
-                  <a:schemeClr val="accent1">
-                    <a:shade val="50000"/>
-                  </a:schemeClr>
-                </a:lnRef>
-                <a:fillRef idx="1">
-                  <a:schemeClr val="accent1"/>
-                </a:fillRef>
-                <a:effectRef idx="0">
-                  <a:schemeClr val="accent1"/>
-                </a:effectRef>
-                <a:fontRef idx="minor">
-                  <a:schemeClr val="lt1"/>
-                </a:fontRef>
-              </p:style>
-              <p:txBody>
-                <a:bodyPr rtlCol="0" anchor="ctr"/>
-                <a:lstStyle/>
-                <a:p>
-                  <a:pPr algn="ctr"/>
-                  <a:endParaRPr lang="en-US"/>
-                </a:p>
-              </p:txBody>
-            </p:sp>
-          </p:grpSp>
-          <p:sp>
-            <p:nvSpPr>
-              <p:cNvPr id="53" name="TextBox 52"/>
-              <p:cNvSpPr txBox="1"/>
-              <p:nvPr/>
-            </p:nvSpPr>
-            <p:spPr>
-              <a:xfrm>
-                <a:off x="2743199" y="6400800"/>
-                <a:ext cx="1828801" cy="369332"/>
-              </a:xfrm>
-              <a:prstGeom prst="rect">
-                <a:avLst/>
-              </a:prstGeom>
-              <a:noFill/>
-            </p:spPr>
-            <p:txBody>
-              <a:bodyPr wrap="square" rtlCol="0">
-                <a:spAutoFit/>
-              </a:bodyPr>
-              <a:lstStyle/>
-              <a:p>
-                <a:pPr algn="ctr"/>
-                <a:r>
-                  <a:rPr lang="en-US" b="1" dirty="0" smtClean="0">
-                    <a:solidFill>
-                      <a:srgbClr val="0070C0"/>
-                    </a:solidFill>
-                  </a:rPr>
-                  <a:t>Vu Ngoc Trung</a:t>
-                </a:r>
-                <a:endParaRPr lang="en-US" b="1" dirty="0">
-                  <a:solidFill>
-                    <a:srgbClr val="0070C0"/>
-                  </a:solidFill>
-                </a:endParaRPr>
-              </a:p>
-            </p:txBody>
-          </p:sp>
-        </p:grpSp>
-        <p:grpSp>
-          <p:nvGrpSpPr>
-            <p:cNvPr id="56" name="Group 55"/>
-            <p:cNvGrpSpPr/>
-            <p:nvPr/>
-          </p:nvGrpSpPr>
-          <p:grpSpPr>
-            <a:xfrm>
-              <a:off x="2514600" y="4512302"/>
-              <a:ext cx="1828801" cy="2117098"/>
-              <a:chOff x="2743199" y="4653034"/>
-              <a:chExt cx="1828801" cy="2117098"/>
-            </a:xfrm>
-          </p:grpSpPr>
-          <p:grpSp>
-            <p:nvGrpSpPr>
-              <p:cNvPr id="57" name="Group 56"/>
-              <p:cNvGrpSpPr/>
-              <p:nvPr/>
-            </p:nvGrpSpPr>
-            <p:grpSpPr>
-              <a:xfrm>
-                <a:off x="2804448" y="4653034"/>
-                <a:ext cx="1747766" cy="1747766"/>
-                <a:chOff x="2862941" y="1609725"/>
-                <a:chExt cx="2748301" cy="2748301"/>
-              </a:xfrm>
-            </p:grpSpPr>
-            <p:sp>
-              <p:nvSpPr>
-                <p:cNvPr id="59" name="Oval 58"/>
-                <p:cNvSpPr/>
-                <p:nvPr/>
-              </p:nvSpPr>
-              <p:spPr>
-                <a:xfrm>
-                  <a:off x="2862941" y="1609725"/>
-                  <a:ext cx="2748301" cy="2748301"/>
-                </a:xfrm>
-                <a:prstGeom prst="ellipse">
-                  <a:avLst/>
-                </a:prstGeom>
-                <a:solidFill>
-                  <a:schemeClr val="bg1"/>
-                </a:solidFill>
-                <a:ln w="25400">
-                  <a:prstDash val="sysDash"/>
-                </a:ln>
-              </p:spPr>
-              <p:style>
-                <a:lnRef idx="2">
-                  <a:schemeClr val="accent1">
-                    <a:shade val="50000"/>
-                  </a:schemeClr>
-                </a:lnRef>
-                <a:fillRef idx="1">
-                  <a:schemeClr val="accent1"/>
-                </a:fillRef>
-                <a:effectRef idx="0">
-                  <a:schemeClr val="accent1"/>
-                </a:effectRef>
-                <a:fontRef idx="minor">
-                  <a:schemeClr val="lt1"/>
-                </a:fontRef>
-              </p:style>
-              <p:txBody>
-                <a:bodyPr rtlCol="0" anchor="ctr"/>
-                <a:lstStyle/>
-                <a:p>
-                  <a:pPr algn="ctr"/>
-                  <a:endParaRPr lang="en-US"/>
-                </a:p>
-              </p:txBody>
-            </p:sp>
-            <p:sp>
-              <p:nvSpPr>
-                <p:cNvPr id="60" name="Oval 59"/>
-                <p:cNvSpPr/>
-                <p:nvPr/>
-              </p:nvSpPr>
-              <p:spPr>
-                <a:xfrm>
-                  <a:off x="2966472" y="1718244"/>
-                  <a:ext cx="2548956" cy="2548956"/>
-                </a:xfrm>
-                <a:prstGeom prst="ellipse">
-                  <a:avLst/>
-                </a:prstGeom>
-                <a:blipFill>
-                  <a:blip r:embed="rId2"/>
-                  <a:stretch>
-                    <a:fillRect/>
-                  </a:stretch>
-                </a:blipFill>
-                <a:ln w="25400">
-                  <a:noFill/>
-                  <a:prstDash val="solid"/>
-                </a:ln>
-              </p:spPr>
-              <p:style>
-                <a:lnRef idx="2">
-                  <a:schemeClr val="accent1">
-                    <a:shade val="50000"/>
-                  </a:schemeClr>
-                </a:lnRef>
-                <a:fillRef idx="1">
-                  <a:schemeClr val="accent1"/>
-                </a:fillRef>
-                <a:effectRef idx="0">
-                  <a:schemeClr val="accent1"/>
-                </a:effectRef>
-                <a:fontRef idx="minor">
-                  <a:schemeClr val="lt1"/>
-                </a:fontRef>
-              </p:style>
-              <p:txBody>
-                <a:bodyPr rtlCol="0" anchor="ctr"/>
-                <a:lstStyle/>
-                <a:p>
-                  <a:pPr algn="ctr"/>
-                  <a:endParaRPr lang="en-US"/>
-                </a:p>
-              </p:txBody>
-            </p:sp>
-          </p:grpSp>
-          <p:sp>
-            <p:nvSpPr>
-              <p:cNvPr id="58" name="TextBox 57"/>
-              <p:cNvSpPr txBox="1"/>
-              <p:nvPr/>
-            </p:nvSpPr>
-            <p:spPr>
-              <a:xfrm>
-                <a:off x="2743199" y="6400800"/>
-                <a:ext cx="1828801" cy="369332"/>
-              </a:xfrm>
-              <a:prstGeom prst="rect">
-                <a:avLst/>
-              </a:prstGeom>
-              <a:noFill/>
-            </p:spPr>
-            <p:txBody>
-              <a:bodyPr wrap="square" rtlCol="0">
-                <a:spAutoFit/>
-              </a:bodyPr>
-              <a:lstStyle/>
-              <a:p>
-                <a:pPr algn="ctr"/>
-                <a:r>
-                  <a:rPr lang="en-US" b="1" dirty="0" smtClean="0">
-                    <a:solidFill>
-                      <a:srgbClr val="0070C0"/>
-                    </a:solidFill>
-                  </a:rPr>
-                  <a:t>Duong Duc Anh</a:t>
-                </a:r>
-                <a:endParaRPr lang="en-US" b="1" dirty="0">
-                  <a:solidFill>
-                    <a:srgbClr val="0070C0"/>
-                  </a:solidFill>
-                </a:endParaRPr>
-              </a:p>
-            </p:txBody>
-          </p:sp>
-        </p:grpSp>
-        <p:grpSp>
-          <p:nvGrpSpPr>
-            <p:cNvPr id="61" name="Group 60"/>
-            <p:cNvGrpSpPr/>
-            <p:nvPr/>
-          </p:nvGrpSpPr>
-          <p:grpSpPr>
-            <a:xfrm>
-              <a:off x="4552755" y="4503168"/>
-              <a:ext cx="1828801" cy="2117098"/>
-              <a:chOff x="2743199" y="4653034"/>
-              <a:chExt cx="1828801" cy="2117098"/>
-            </a:xfrm>
-          </p:grpSpPr>
-          <p:grpSp>
-            <p:nvGrpSpPr>
-              <p:cNvPr id="62" name="Group 61"/>
-              <p:cNvGrpSpPr/>
-              <p:nvPr/>
-            </p:nvGrpSpPr>
-            <p:grpSpPr>
-              <a:xfrm>
-                <a:off x="2804448" y="4653034"/>
-                <a:ext cx="1747766" cy="1747766"/>
-                <a:chOff x="2862941" y="1609725"/>
-                <a:chExt cx="2748301" cy="2748301"/>
-              </a:xfrm>
-            </p:grpSpPr>
-            <p:sp>
-              <p:nvSpPr>
-                <p:cNvPr id="64" name="Oval 63"/>
-                <p:cNvSpPr/>
-                <p:nvPr/>
-              </p:nvSpPr>
-              <p:spPr>
-                <a:xfrm>
-                  <a:off x="2862941" y="1609725"/>
-                  <a:ext cx="2748301" cy="2748301"/>
-                </a:xfrm>
-                <a:prstGeom prst="ellipse">
-                  <a:avLst/>
-                </a:prstGeom>
-                <a:solidFill>
-                  <a:schemeClr val="bg1"/>
-                </a:solidFill>
-                <a:ln w="25400">
-                  <a:prstDash val="sysDash"/>
-                </a:ln>
-              </p:spPr>
-              <p:style>
-                <a:lnRef idx="2">
-                  <a:schemeClr val="accent1">
-                    <a:shade val="50000"/>
-                  </a:schemeClr>
-                </a:lnRef>
-                <a:fillRef idx="1">
-                  <a:schemeClr val="accent1"/>
-                </a:fillRef>
-                <a:effectRef idx="0">
-                  <a:schemeClr val="accent1"/>
-                </a:effectRef>
-                <a:fontRef idx="minor">
-                  <a:schemeClr val="lt1"/>
-                </a:fontRef>
-              </p:style>
-              <p:txBody>
-                <a:bodyPr rtlCol="0" anchor="ctr"/>
-                <a:lstStyle/>
-                <a:p>
-                  <a:pPr algn="ctr"/>
-                  <a:endParaRPr lang="en-US"/>
-                </a:p>
-              </p:txBody>
-            </p:sp>
-            <p:sp>
-              <p:nvSpPr>
-                <p:cNvPr id="65" name="Oval 64"/>
-                <p:cNvSpPr/>
-                <p:nvPr/>
-              </p:nvSpPr>
-              <p:spPr>
-                <a:xfrm>
-                  <a:off x="2966472" y="1718244"/>
-                  <a:ext cx="2548956" cy="2548956"/>
-                </a:xfrm>
-                <a:prstGeom prst="ellipse">
-                  <a:avLst/>
-                </a:prstGeom>
-                <a:blipFill>
-                  <a:blip r:embed="rId2"/>
-                  <a:stretch>
-                    <a:fillRect/>
-                  </a:stretch>
-                </a:blipFill>
-                <a:ln w="25400">
-                  <a:noFill/>
-                  <a:prstDash val="solid"/>
-                </a:ln>
-              </p:spPr>
-              <p:style>
-                <a:lnRef idx="2">
-                  <a:schemeClr val="accent1">
-                    <a:shade val="50000"/>
-                  </a:schemeClr>
-                </a:lnRef>
-                <a:fillRef idx="1">
-                  <a:schemeClr val="accent1"/>
-                </a:fillRef>
-                <a:effectRef idx="0">
-                  <a:schemeClr val="accent1"/>
-                </a:effectRef>
-                <a:fontRef idx="minor">
-                  <a:schemeClr val="lt1"/>
-                </a:fontRef>
-              </p:style>
-              <p:txBody>
-                <a:bodyPr rtlCol="0" anchor="ctr"/>
-                <a:lstStyle/>
-                <a:p>
-                  <a:pPr algn="ctr"/>
-                  <a:endParaRPr lang="en-US"/>
-                </a:p>
-              </p:txBody>
-            </p:sp>
-          </p:grpSp>
-          <p:sp>
-            <p:nvSpPr>
-              <p:cNvPr id="63" name="TextBox 62"/>
-              <p:cNvSpPr txBox="1"/>
-              <p:nvPr/>
-            </p:nvSpPr>
-            <p:spPr>
-              <a:xfrm>
-                <a:off x="2743199" y="6400800"/>
-                <a:ext cx="1828801" cy="369332"/>
-              </a:xfrm>
-              <a:prstGeom prst="rect">
-                <a:avLst/>
-              </a:prstGeom>
-              <a:noFill/>
-            </p:spPr>
-            <p:txBody>
-              <a:bodyPr wrap="square" rtlCol="0">
-                <a:spAutoFit/>
-              </a:bodyPr>
-              <a:lstStyle/>
-              <a:p>
-                <a:pPr algn="ctr"/>
-                <a:r>
-                  <a:rPr lang="en-US" b="1" dirty="0" smtClean="0">
-                    <a:solidFill>
-                      <a:srgbClr val="0070C0"/>
-                    </a:solidFill>
-                  </a:rPr>
-                  <a:t>Vu Cong Chinh</a:t>
-                </a:r>
-                <a:endParaRPr lang="en-US" b="1" dirty="0">
-                  <a:solidFill>
-                    <a:srgbClr val="0070C0"/>
-                  </a:solidFill>
-                </a:endParaRPr>
-              </a:p>
-            </p:txBody>
-          </p:sp>
-        </p:grpSp>
-        <p:grpSp>
-          <p:nvGrpSpPr>
-            <p:cNvPr id="66" name="Group 65"/>
-            <p:cNvGrpSpPr/>
-            <p:nvPr/>
-          </p:nvGrpSpPr>
-          <p:grpSpPr>
-            <a:xfrm>
-              <a:off x="6612420" y="4512302"/>
-              <a:ext cx="2150580" cy="2117098"/>
-              <a:chOff x="2613795" y="4653034"/>
-              <a:chExt cx="2150580" cy="2117098"/>
-            </a:xfrm>
-          </p:grpSpPr>
-          <p:grpSp>
-            <p:nvGrpSpPr>
-              <p:cNvPr id="67" name="Group 66"/>
-              <p:cNvGrpSpPr/>
-              <p:nvPr/>
-            </p:nvGrpSpPr>
-            <p:grpSpPr>
-              <a:xfrm>
-                <a:off x="2804448" y="4653034"/>
-                <a:ext cx="1747766" cy="1747766"/>
-                <a:chOff x="2862941" y="1609725"/>
-                <a:chExt cx="2748301" cy="2748301"/>
-              </a:xfrm>
-            </p:grpSpPr>
-            <p:sp>
-              <p:nvSpPr>
-                <p:cNvPr id="69" name="Oval 68"/>
-                <p:cNvSpPr/>
-                <p:nvPr/>
-              </p:nvSpPr>
-              <p:spPr>
-                <a:xfrm>
-                  <a:off x="2862941" y="1609725"/>
-                  <a:ext cx="2748301" cy="2748301"/>
-                </a:xfrm>
-                <a:prstGeom prst="ellipse">
-                  <a:avLst/>
-                </a:prstGeom>
-                <a:solidFill>
-                  <a:schemeClr val="bg1"/>
-                </a:solidFill>
-                <a:ln w="25400">
-                  <a:prstDash val="sysDash"/>
-                </a:ln>
-              </p:spPr>
-              <p:style>
-                <a:lnRef idx="2">
-                  <a:schemeClr val="accent1">
-                    <a:shade val="50000"/>
-                  </a:schemeClr>
-                </a:lnRef>
-                <a:fillRef idx="1">
-                  <a:schemeClr val="accent1"/>
-                </a:fillRef>
-                <a:effectRef idx="0">
-                  <a:schemeClr val="accent1"/>
-                </a:effectRef>
-                <a:fontRef idx="minor">
-                  <a:schemeClr val="lt1"/>
-                </a:fontRef>
-              </p:style>
-              <p:txBody>
-                <a:bodyPr rtlCol="0" anchor="ctr"/>
-                <a:lstStyle/>
-                <a:p>
-                  <a:pPr algn="ctr"/>
-                  <a:endParaRPr lang="en-US"/>
-                </a:p>
-              </p:txBody>
-            </p:sp>
-            <p:sp>
-              <p:nvSpPr>
-                <p:cNvPr id="70" name="Oval 69"/>
-                <p:cNvSpPr/>
-                <p:nvPr/>
-              </p:nvSpPr>
-              <p:spPr>
-                <a:xfrm>
-                  <a:off x="2966472" y="1718244"/>
-                  <a:ext cx="2548956" cy="2548956"/>
-                </a:xfrm>
-                <a:prstGeom prst="ellipse">
-                  <a:avLst/>
-                </a:prstGeom>
-                <a:blipFill>
-                  <a:blip r:embed="rId2"/>
-                  <a:stretch>
-                    <a:fillRect/>
-                  </a:stretch>
-                </a:blipFill>
-                <a:ln w="25400">
-                  <a:noFill/>
-                  <a:prstDash val="solid"/>
-                </a:ln>
-              </p:spPr>
-              <p:style>
-                <a:lnRef idx="2">
-                  <a:schemeClr val="accent1">
-                    <a:shade val="50000"/>
-                  </a:schemeClr>
-                </a:lnRef>
-                <a:fillRef idx="1">
-                  <a:schemeClr val="accent1"/>
-                </a:fillRef>
-                <a:effectRef idx="0">
-                  <a:schemeClr val="accent1"/>
-                </a:effectRef>
-                <a:fontRef idx="minor">
-                  <a:schemeClr val="lt1"/>
-                </a:fontRef>
-              </p:style>
-              <p:txBody>
-                <a:bodyPr rtlCol="0" anchor="ctr"/>
-                <a:lstStyle/>
-                <a:p>
-                  <a:pPr algn="ctr"/>
-                  <a:endParaRPr lang="en-US"/>
-                </a:p>
-              </p:txBody>
-            </p:sp>
-          </p:grpSp>
-          <p:sp>
-            <p:nvSpPr>
-              <p:cNvPr id="68" name="TextBox 67"/>
-              <p:cNvSpPr txBox="1"/>
-              <p:nvPr/>
-            </p:nvSpPr>
-            <p:spPr>
-              <a:xfrm>
-                <a:off x="2613795" y="6400800"/>
-                <a:ext cx="2150580" cy="369332"/>
-              </a:xfrm>
-              <a:prstGeom prst="rect">
-                <a:avLst/>
-              </a:prstGeom>
-              <a:noFill/>
-            </p:spPr>
-            <p:txBody>
-              <a:bodyPr wrap="square" rtlCol="0">
-                <a:spAutoFit/>
-              </a:bodyPr>
-              <a:lstStyle/>
-              <a:p>
-                <a:pPr algn="ctr"/>
-                <a:r>
-                  <a:rPr lang="en-US" b="1" dirty="0" smtClean="0">
-                    <a:solidFill>
-                      <a:srgbClr val="0070C0"/>
-                    </a:solidFill>
-                  </a:rPr>
-                  <a:t>Cao Thi Phuong Mai</a:t>
-                </a:r>
-                <a:endParaRPr lang="en-US" b="1" dirty="0">
-                  <a:solidFill>
-                    <a:srgbClr val="0070C0"/>
-                  </a:solidFill>
-                </a:endParaRPr>
-              </a:p>
-            </p:txBody>
-          </p:sp>
-        </p:grpSp>
-        <p:sp>
-          <p:nvSpPr>
-            <p:cNvPr id="71" name="Rectangle 70"/>
-            <p:cNvSpPr/>
-            <p:nvPr/>
-          </p:nvSpPr>
-          <p:spPr>
-            <a:xfrm>
-              <a:off x="2438400" y="2091908"/>
-              <a:ext cx="6324600" cy="4689892"/>
-            </a:xfrm>
-            <a:prstGeom prst="rect">
-              <a:avLst/>
-            </a:prstGeom>
-            <a:noFill/>
-            <a:ln w="25400" cmpd="sng">
-              <a:solidFill>
-                <a:srgbClr val="0070C0"/>
-              </a:solidFill>
-              <a:prstDash val="solid"/>
-            </a:ln>
-          </p:spPr>
-          <p:style>
-            <a:lnRef idx="2">
-              <a:schemeClr val="accent1">
-                <a:shade val="50000"/>
-              </a:schemeClr>
-            </a:lnRef>
-            <a:fillRef idx="1">
-              <a:schemeClr val="accent1"/>
-            </a:fillRef>
-            <a:effectRef idx="0">
-              <a:schemeClr val="accent1"/>
-            </a:effectRef>
-            <a:fontRef idx="minor">
-              <a:schemeClr val="lt1"/>
-            </a:fontRef>
-          </p:style>
-          <p:txBody>
-            <a:bodyPr rtlCol="0" anchor="ctr"/>
-            <a:lstStyle/>
-            <a:p>
-              <a:pPr algn="ctr"/>
-              <a:endParaRPr lang="en-US"/>
-            </a:p>
-          </p:txBody>
-        </p:sp>
-      </p:grpSp>
-      <p:sp>
-        <p:nvSpPr>
-          <p:cNvPr id="72" name="Rectangle 71"/>
-          <p:cNvSpPr/>
-          <p:nvPr/>
-        </p:nvSpPr>
-        <p:spPr>
-          <a:xfrm>
-            <a:off x="2743200" y="1380292"/>
-            <a:ext cx="6324600" cy="677108"/>
-          </a:xfrm>
-          <a:prstGeom prst="rect">
-            <a:avLst/>
-          </a:prstGeom>
-        </p:spPr>
-        <p:txBody>
-          <a:bodyPr wrap="square">
-            <a:spAutoFit/>
-          </a:bodyPr>
-          <a:lstStyle/>
-          <a:p>
-            <a:pPr>
-              <a:defRPr/>
-            </a:pPr>
-            <a:r>
-              <a:rPr lang="en-US" b="1" dirty="0">
-                <a:solidFill>
-                  <a:srgbClr val="0070C0"/>
-                </a:solidFill>
-                <a:latin typeface="Muli"/>
-                <a:ea typeface="Muli"/>
-                <a:cs typeface="Muli"/>
-                <a:sym typeface="Arial"/>
-                <a:rtl val="0"/>
-              </a:rPr>
-              <a:t>Team member </a:t>
-            </a:r>
-            <a:r>
-              <a:rPr lang="en-US" b="1" kern="0" dirty="0">
-                <a:solidFill>
-                  <a:srgbClr val="0070C0"/>
-                </a:solidFill>
-              </a:rPr>
-              <a:t>	      </a:t>
-            </a:r>
-          </a:p>
-          <a:p>
-            <a:pPr>
-              <a:defRPr/>
-            </a:pPr>
-            <a:r>
-              <a:rPr lang="ja-JP" altLang="en-US" sz="2000" b="1" kern="0" dirty="0">
-                <a:solidFill>
-                  <a:srgbClr val="0070C0"/>
-                </a:solidFill>
-                <a:latin typeface="News Cycle" panose="02000803000000000000" pitchFamily="2" charset="2"/>
-              </a:rPr>
-              <a:t>チームメンバ</a:t>
-            </a:r>
-            <a:r>
-              <a:rPr lang="ja-JP" altLang="en-US" sz="2000" b="1" kern="0" dirty="0">
-                <a:solidFill>
-                  <a:schemeClr val="bg1"/>
-                </a:solidFill>
-                <a:latin typeface="News Cycle" panose="02000803000000000000" pitchFamily="2" charset="2"/>
-              </a:rPr>
-              <a:t>ー </a:t>
-            </a:r>
-            <a:endParaRPr lang="en-US" sz="2000" b="1" dirty="0">
-              <a:solidFill>
-                <a:schemeClr val="bg1"/>
-              </a:solidFill>
-            </a:endParaRPr>
-          </a:p>
-        </p:txBody>
-      </p:sp>
-      <p:sp>
-        <p:nvSpPr>
-          <p:cNvPr id="73" name="Rectangle 72"/>
-          <p:cNvSpPr/>
-          <p:nvPr/>
-        </p:nvSpPr>
-        <p:spPr>
-          <a:xfrm>
-            <a:off x="609600" y="1379195"/>
-            <a:ext cx="1600200" cy="677108"/>
-          </a:xfrm>
-          <a:prstGeom prst="rect">
-            <a:avLst/>
-          </a:prstGeom>
-        </p:spPr>
-        <p:txBody>
-          <a:bodyPr wrap="square">
-            <a:spAutoFit/>
-          </a:bodyPr>
-          <a:lstStyle/>
-          <a:p>
-            <a:pPr>
-              <a:defRPr/>
-            </a:pPr>
-            <a:r>
-              <a:rPr lang="en-US" b="1" dirty="0">
-                <a:solidFill>
-                  <a:srgbClr val="0070C0"/>
-                </a:solidFill>
-                <a:latin typeface="Muli"/>
-                <a:ea typeface="Muli"/>
-                <a:cs typeface="Muli"/>
-                <a:sym typeface="Arial"/>
-                <a:rtl val="0"/>
-              </a:rPr>
-              <a:t>Supervisor</a:t>
-            </a:r>
-            <a:r>
-              <a:rPr lang="en-US" b="1" kern="0" dirty="0">
-                <a:solidFill>
-                  <a:srgbClr val="0070C0"/>
-                </a:solidFill>
-                <a:latin typeface="Roke1984" pitchFamily="50" charset="0"/>
-              </a:rPr>
-              <a:t> </a:t>
-            </a:r>
-          </a:p>
-          <a:p>
-            <a:pPr>
-              <a:defRPr/>
-            </a:pPr>
-            <a:r>
-              <a:rPr lang="ja-JP" altLang="en-US" sz="2000" b="1" kern="0" dirty="0">
-                <a:solidFill>
-                  <a:srgbClr val="0070C0"/>
-                </a:solidFill>
-              </a:rPr>
-              <a:t>指導教員</a:t>
-            </a:r>
-            <a:endParaRPr lang="en-US" altLang="ja-JP" sz="2000" b="1" kern="0" dirty="0">
-              <a:solidFill>
-                <a:srgbClr val="0070C0"/>
-              </a:solidFill>
-            </a:endParaRPr>
-          </a:p>
-        </p:txBody>
-      </p:sp>
-      <p:grpSp>
-        <p:nvGrpSpPr>
-          <p:cNvPr id="76" name="Group 75"/>
-          <p:cNvGrpSpPr/>
-          <p:nvPr/>
-        </p:nvGrpSpPr>
-        <p:grpSpPr>
-          <a:xfrm>
-            <a:off x="685800" y="2148377"/>
-            <a:ext cx="1524000" cy="1828800"/>
-            <a:chOff x="762000" y="2148377"/>
-            <a:chExt cx="1524000" cy="1828800"/>
-          </a:xfrm>
-        </p:grpSpPr>
-        <p:sp>
-          <p:nvSpPr>
-            <p:cNvPr id="19" name="Rectangle 18"/>
-            <p:cNvSpPr/>
-            <p:nvPr/>
-          </p:nvSpPr>
-          <p:spPr>
-            <a:xfrm>
-              <a:off x="762000" y="2148377"/>
-              <a:ext cx="1524000" cy="1828800"/>
-            </a:xfrm>
-            <a:prstGeom prst="rect">
-              <a:avLst/>
-            </a:prstGeom>
-            <a:noFill/>
-            <a:ln>
-              <a:solidFill>
-                <a:srgbClr val="0070C0"/>
-              </a:solidFill>
-              <a:prstDash val="solid"/>
-            </a:ln>
-          </p:spPr>
-          <p:style>
-            <a:lnRef idx="2">
-              <a:schemeClr val="accent1">
-                <a:shade val="50000"/>
-              </a:schemeClr>
-            </a:lnRef>
-            <a:fillRef idx="1">
-              <a:schemeClr val="accent1"/>
-            </a:fillRef>
-            <a:effectRef idx="0">
-              <a:schemeClr val="accent1"/>
-            </a:effectRef>
-            <a:fontRef idx="minor">
-              <a:schemeClr val="lt1"/>
-            </a:fontRef>
-          </p:style>
-          <p:txBody>
-            <a:bodyPr rtlCol="0" anchor="ctr"/>
-            <a:lstStyle/>
-            <a:p>
-              <a:pPr algn="ctr"/>
-              <a:endParaRPr lang="en-US" u="sng" dirty="0">
-                <a:solidFill>
-                  <a:srgbClr val="0070C0"/>
-                </a:solidFill>
-              </a:endParaRPr>
-            </a:p>
-          </p:txBody>
-        </p:sp>
-        <p:sp>
-          <p:nvSpPr>
-            <p:cNvPr id="74" name="Rectangle 73"/>
-            <p:cNvSpPr/>
-            <p:nvPr/>
-          </p:nvSpPr>
-          <p:spPr>
-            <a:xfrm>
-              <a:off x="838200" y="2224577"/>
-              <a:ext cx="1371600" cy="1676400"/>
-            </a:xfrm>
-            <a:prstGeom prst="rect">
-              <a:avLst/>
-            </a:prstGeom>
-            <a:blipFill>
-              <a:blip r:embed="rId2"/>
-              <a:stretch>
-                <a:fillRect/>
-              </a:stretch>
-            </a:blipFill>
-            <a:ln>
-              <a:noFill/>
-              <a:prstDash val="solid"/>
-            </a:ln>
-          </p:spPr>
-          <p:style>
-            <a:lnRef idx="2">
-              <a:schemeClr val="accent1">
-                <a:shade val="50000"/>
-              </a:schemeClr>
-            </a:lnRef>
-            <a:fillRef idx="1">
-              <a:schemeClr val="accent1"/>
-            </a:fillRef>
-            <a:effectRef idx="0">
-              <a:schemeClr val="accent1"/>
-            </a:effectRef>
-            <a:fontRef idx="minor">
-              <a:schemeClr val="lt1"/>
-            </a:fontRef>
-          </p:style>
-          <p:txBody>
-            <a:bodyPr rtlCol="0" anchor="ctr"/>
-            <a:lstStyle/>
-            <a:p>
-              <a:pPr algn="ctr"/>
-              <a:endParaRPr lang="en-US" u="sng" dirty="0"/>
-            </a:p>
-          </p:txBody>
-        </p:sp>
-      </p:grpSp>
-      <p:sp>
-        <p:nvSpPr>
-          <p:cNvPr id="77" name="TextBox 76"/>
-          <p:cNvSpPr txBox="1"/>
-          <p:nvPr/>
-        </p:nvSpPr>
-        <p:spPr>
-          <a:xfrm>
-            <a:off x="533400" y="4038600"/>
-            <a:ext cx="1828801" cy="369332"/>
-          </a:xfrm>
-          <a:prstGeom prst="rect">
-            <a:avLst/>
-          </a:prstGeom>
-          <a:noFill/>
-          <a:ln>
-            <a:noFill/>
-          </a:ln>
-        </p:spPr>
-        <p:txBody>
-          <a:bodyPr wrap="square" rtlCol="0">
-            <a:spAutoFit/>
-          </a:bodyPr>
-          <a:lstStyle/>
-          <a:p>
-            <a:pPr algn="ctr"/>
-            <a:r>
-              <a:rPr lang="en-US" b="1" dirty="0" smtClean="0">
-                <a:solidFill>
-                  <a:srgbClr val="0070C0"/>
-                </a:solidFill>
-              </a:rPr>
-              <a:t>Nguyen Van Sang</a:t>
-            </a:r>
-            <a:endParaRPr lang="en-US" b="1" dirty="0">
-              <a:solidFill>
-                <a:srgbClr val="0070C0"/>
-              </a:solidFill>
-            </a:endParaRPr>
-          </a:p>
-        </p:txBody>
-      </p:sp>
-      <p:cxnSp>
-        <p:nvCxnSpPr>
-          <p:cNvPr id="81" name="Elbow Connector 80"/>
-          <p:cNvCxnSpPr>
-            <a:stCxn id="19" idx="3"/>
-            <a:endCxn id="71" idx="1"/>
-          </p:cNvCxnSpPr>
-          <p:nvPr/>
-        </p:nvCxnSpPr>
-        <p:spPr>
-          <a:xfrm>
-            <a:off x="2209800" y="3062777"/>
-            <a:ext cx="533400" cy="1374077"/>
-          </a:xfrm>
-          <a:prstGeom prst="bentConnector3">
-            <a:avLst>
-              <a:gd name="adj1" fmla="val 50000"/>
-            </a:avLst>
-          </a:prstGeom>
-          <a:ln w="25400">
-            <a:prstDash val="dash"/>
-          </a:ln>
-        </p:spPr>
-        <p:style>
-          <a:lnRef idx="1">
-            <a:schemeClr val="accent1"/>
-          </a:lnRef>
-          <a:fillRef idx="0">
-            <a:schemeClr val="accent1"/>
-          </a:fillRef>
-          <a:effectRef idx="0">
-            <a:schemeClr val="accent1"/>
-          </a:effectRef>
-          <a:fontRef idx="minor">
-            <a:schemeClr val="tx1"/>
-          </a:fontRef>
-        </p:style>
-      </p:cxnSp>
-      <p:pic>
-        <p:nvPicPr>
-          <p:cNvPr id="86" name="Picture 2" descr="C:\Users\Chinh\Desktop\logo_dandelion3.png"/>
-          <p:cNvPicPr>
-            <a:picLocks noChangeAspect="1" noChangeArrowheads="1"/>
-          </p:cNvPicPr>
-          <p:nvPr/>
-        </p:nvPicPr>
-        <p:blipFill>
-          <a:blip r:embed="rId3" cstate="print">
-            <a:extLst>
-              <a:ext uri="{28A0092B-C50C-407E-A947-70E740481C1C}">
-                <a14:useLocalDpi xmlns:a14="http://schemas.microsoft.com/office/drawing/2010/main" val="0"/>
-              </a:ext>
-            </a:extLst>
-          </a:blip>
-          <a:srcRect/>
-          <a:stretch>
-            <a:fillRect/>
-          </a:stretch>
-        </p:blipFill>
-        <p:spPr bwMode="auto">
-          <a:xfrm>
-            <a:off x="141360" y="25854"/>
-            <a:ext cx="350693" cy="517080"/>
-          </a:xfrm>
-          <a:prstGeom prst="rect">
-            <a:avLst/>
-          </a:prstGeom>
-          <a:noFill/>
-          <a:extLst>
-            <a:ext uri="{909E8E84-426E-40DD-AFC4-6F175D3DCCD1}">
-              <a14:hiddenFill xmlns:a14="http://schemas.microsoft.com/office/drawing/2010/main">
-                <a:solidFill>
-                  <a:srgbClr val="FFFFFF"/>
-                </a:solidFill>
-              </a14:hiddenFill>
-            </a:ext>
-          </a:extLst>
-        </p:spPr>
-      </p:pic>
-    </p:spTree>
-    <p:extLst>
-      <p:ext uri="{BB962C8B-B14F-4D97-AF65-F5344CB8AC3E}">
-        <p14:creationId xmlns:p14="http://schemas.microsoft.com/office/powerpoint/2010/main" val="3993365249"/>
-      </p:ext>
-    </p:extLst>
-  </p:cSld>
-  <p:clrMapOvr>
-    <a:masterClrMapping/>
-  </p:clrMapOvr>
-  <p:timing>
-    <p:tnLst>
-      <p:par>
-        <p:cTn id="1" dur="indefinite" restart="never" nodeType="tmRoot">
-          <p:childTnLst>
-            <p:seq concurrent="1" nextAc="seek">
-              <p:cTn id="2" dur="indefinite" nodeType="mainSeq">
-                <p:childTnLst>
-                  <p:par>
-                    <p:cTn id="3" fill="hold">
-                      <p:stCondLst>
-                        <p:cond delay="indefinite"/>
-                        <p:cond evt="onBegin" delay="0">
-                          <p:tn val="2"/>
-                        </p:cond>
-                      </p:stCondLst>
-                      <p:childTnLst>
-                        <p:par>
-                          <p:cTn id="4" fill="hold">
-                            <p:stCondLst>
-                              <p:cond delay="0"/>
-                            </p:stCondLst>
-                            <p:childTnLst>
-                              <p:par>
-                                <p:cTn id="5" presetID="53" presetClass="entr" presetSubtype="16" fill="hold" nodeType="withEffect">
-                                  <p:stCondLst>
-                                    <p:cond delay="0"/>
-                                  </p:stCondLst>
-                                  <p:childTnLst>
-                                    <p:set>
-                                      <p:cBhvr>
-                                        <p:cTn id="6" dur="1" fill="hold">
-                                          <p:stCondLst>
-                                            <p:cond delay="0"/>
-                                          </p:stCondLst>
-                                        </p:cTn>
-                                        <p:tgtEl>
-                                          <p:spTgt spid="76"/>
-                                        </p:tgtEl>
-                                        <p:attrNameLst>
-                                          <p:attrName>style.visibility</p:attrName>
-                                        </p:attrNameLst>
-                                      </p:cBhvr>
-                                      <p:to>
-                                        <p:strVal val="visible"/>
-                                      </p:to>
-                                    </p:set>
-                                    <p:anim calcmode="lin" valueType="num">
-                                      <p:cBhvr>
-                                        <p:cTn id="7" dur="500" fill="hold"/>
-                                        <p:tgtEl>
-                                          <p:spTgt spid="76"/>
-                                        </p:tgtEl>
-                                        <p:attrNameLst>
-                                          <p:attrName>ppt_w</p:attrName>
-                                        </p:attrNameLst>
-                                      </p:cBhvr>
-                                      <p:tavLst>
-                                        <p:tav tm="0">
-                                          <p:val>
-                                            <p:fltVal val="0"/>
-                                          </p:val>
-                                        </p:tav>
-                                        <p:tav tm="100000">
-                                          <p:val>
-                                            <p:strVal val="#ppt_w"/>
-                                          </p:val>
-                                        </p:tav>
-                                      </p:tavLst>
-                                    </p:anim>
-                                    <p:anim calcmode="lin" valueType="num">
-                                      <p:cBhvr>
-                                        <p:cTn id="8" dur="500" fill="hold"/>
-                                        <p:tgtEl>
-                                          <p:spTgt spid="76"/>
-                                        </p:tgtEl>
-                                        <p:attrNameLst>
-                                          <p:attrName>ppt_h</p:attrName>
-                                        </p:attrNameLst>
-                                      </p:cBhvr>
-                                      <p:tavLst>
-                                        <p:tav tm="0">
-                                          <p:val>
-                                            <p:fltVal val="0"/>
-                                          </p:val>
-                                        </p:tav>
-                                        <p:tav tm="100000">
-                                          <p:val>
-                                            <p:strVal val="#ppt_h"/>
-                                          </p:val>
-                                        </p:tav>
-                                      </p:tavLst>
-                                    </p:anim>
-                                    <p:animEffect transition="in" filter="fade">
-                                      <p:cBhvr>
-                                        <p:cTn id="9" dur="500"/>
-                                        <p:tgtEl>
-                                          <p:spTgt spid="76"/>
-                                        </p:tgtEl>
-                                      </p:cBhvr>
-                                    </p:animEffect>
-                                  </p:childTnLst>
-                                </p:cTn>
-                              </p:par>
-                              <p:par>
-                                <p:cTn id="10" presetID="53" presetClass="entr" presetSubtype="16" fill="hold" grpId="0" nodeType="withEffect">
-                                  <p:stCondLst>
-                                    <p:cond delay="0"/>
-                                  </p:stCondLst>
-                                  <p:childTnLst>
-                                    <p:set>
-                                      <p:cBhvr>
-                                        <p:cTn id="11" dur="1" fill="hold">
-                                          <p:stCondLst>
-                                            <p:cond delay="0"/>
-                                          </p:stCondLst>
-                                        </p:cTn>
-                                        <p:tgtEl>
-                                          <p:spTgt spid="77"/>
-                                        </p:tgtEl>
-                                        <p:attrNameLst>
-                                          <p:attrName>style.visibility</p:attrName>
-                                        </p:attrNameLst>
-                                      </p:cBhvr>
-                                      <p:to>
-                                        <p:strVal val="visible"/>
-                                      </p:to>
-                                    </p:set>
-                                    <p:anim calcmode="lin" valueType="num">
-                                      <p:cBhvr>
-                                        <p:cTn id="12" dur="500" fill="hold"/>
-                                        <p:tgtEl>
-                                          <p:spTgt spid="77"/>
-                                        </p:tgtEl>
-                                        <p:attrNameLst>
-                                          <p:attrName>ppt_w</p:attrName>
-                                        </p:attrNameLst>
-                                      </p:cBhvr>
-                                      <p:tavLst>
-                                        <p:tav tm="0">
-                                          <p:val>
-                                            <p:fltVal val="0"/>
-                                          </p:val>
-                                        </p:tav>
-                                        <p:tav tm="100000">
-                                          <p:val>
-                                            <p:strVal val="#ppt_w"/>
-                                          </p:val>
-                                        </p:tav>
-                                      </p:tavLst>
-                                    </p:anim>
-                                    <p:anim calcmode="lin" valueType="num">
-                                      <p:cBhvr>
-                                        <p:cTn id="13" dur="500" fill="hold"/>
-                                        <p:tgtEl>
-                                          <p:spTgt spid="77"/>
-                                        </p:tgtEl>
-                                        <p:attrNameLst>
-                                          <p:attrName>ppt_h</p:attrName>
-                                        </p:attrNameLst>
-                                      </p:cBhvr>
-                                      <p:tavLst>
-                                        <p:tav tm="0">
-                                          <p:val>
-                                            <p:fltVal val="0"/>
-                                          </p:val>
-                                        </p:tav>
-                                        <p:tav tm="100000">
-                                          <p:val>
-                                            <p:strVal val="#ppt_h"/>
-                                          </p:val>
-                                        </p:tav>
-                                      </p:tavLst>
-                                    </p:anim>
-                                    <p:animEffect transition="in" filter="fade">
-                                      <p:cBhvr>
-                                        <p:cTn id="14" dur="500"/>
-                                        <p:tgtEl>
-                                          <p:spTgt spid="77"/>
-                                        </p:tgtEl>
-                                      </p:cBhvr>
-                                    </p:animEffect>
-                                  </p:childTnLst>
-                                </p:cTn>
-                              </p:par>
-                              <p:par>
-                                <p:cTn id="15" presetID="53" presetClass="entr" presetSubtype="16" fill="hold" grpId="0" nodeType="withEffect">
-                                  <p:stCondLst>
-                                    <p:cond delay="0"/>
-                                  </p:stCondLst>
-                                  <p:childTnLst>
-                                    <p:set>
-                                      <p:cBhvr>
-                                        <p:cTn id="16" dur="1" fill="hold">
-                                          <p:stCondLst>
-                                            <p:cond delay="0"/>
-                                          </p:stCondLst>
-                                        </p:cTn>
-                                        <p:tgtEl>
-                                          <p:spTgt spid="73"/>
-                                        </p:tgtEl>
-                                        <p:attrNameLst>
-                                          <p:attrName>style.visibility</p:attrName>
-                                        </p:attrNameLst>
-                                      </p:cBhvr>
-                                      <p:to>
-                                        <p:strVal val="visible"/>
-                                      </p:to>
-                                    </p:set>
-                                    <p:anim calcmode="lin" valueType="num">
-                                      <p:cBhvr>
-                                        <p:cTn id="17" dur="500" fill="hold"/>
-                                        <p:tgtEl>
-                                          <p:spTgt spid="73"/>
-                                        </p:tgtEl>
-                                        <p:attrNameLst>
-                                          <p:attrName>ppt_w</p:attrName>
-                                        </p:attrNameLst>
-                                      </p:cBhvr>
-                                      <p:tavLst>
-                                        <p:tav tm="0">
-                                          <p:val>
-                                            <p:fltVal val="0"/>
-                                          </p:val>
-                                        </p:tav>
-                                        <p:tav tm="100000">
-                                          <p:val>
-                                            <p:strVal val="#ppt_w"/>
-                                          </p:val>
-                                        </p:tav>
-                                      </p:tavLst>
-                                    </p:anim>
-                                    <p:anim calcmode="lin" valueType="num">
-                                      <p:cBhvr>
-                                        <p:cTn id="18" dur="500" fill="hold"/>
-                                        <p:tgtEl>
-                                          <p:spTgt spid="73"/>
-                                        </p:tgtEl>
-                                        <p:attrNameLst>
-                                          <p:attrName>ppt_h</p:attrName>
-                                        </p:attrNameLst>
-                                      </p:cBhvr>
-                                      <p:tavLst>
-                                        <p:tav tm="0">
-                                          <p:val>
-                                            <p:fltVal val="0"/>
-                                          </p:val>
-                                        </p:tav>
-                                        <p:tav tm="100000">
-                                          <p:val>
-                                            <p:strVal val="#ppt_h"/>
-                                          </p:val>
-                                        </p:tav>
-                                      </p:tavLst>
-                                    </p:anim>
-                                    <p:animEffect transition="in" filter="fade">
-                                      <p:cBhvr>
-                                        <p:cTn id="19" dur="500"/>
-                                        <p:tgtEl>
-                                          <p:spTgt spid="73"/>
-                                        </p:tgtEl>
-                                      </p:cBhvr>
-                                    </p:animEffect>
-                                  </p:childTnLst>
-                                </p:cTn>
-                              </p:par>
-                            </p:childTnLst>
-                          </p:cTn>
-                        </p:par>
-                        <p:par>
-                          <p:cTn id="20" fill="hold">
-                            <p:stCondLst>
-                              <p:cond delay="500"/>
-                            </p:stCondLst>
-                            <p:childTnLst>
-                              <p:par>
-                                <p:cTn id="21" presetID="22" presetClass="entr" presetSubtype="8" fill="hold" nodeType="afterEffect">
-                                  <p:stCondLst>
-                                    <p:cond delay="0"/>
-                                  </p:stCondLst>
-                                  <p:childTnLst>
-                                    <p:set>
-                                      <p:cBhvr>
-                                        <p:cTn id="22" dur="1" fill="hold">
-                                          <p:stCondLst>
-                                            <p:cond delay="0"/>
-                                          </p:stCondLst>
-                                        </p:cTn>
-                                        <p:tgtEl>
-                                          <p:spTgt spid="81"/>
-                                        </p:tgtEl>
-                                        <p:attrNameLst>
-                                          <p:attrName>style.visibility</p:attrName>
-                                        </p:attrNameLst>
-                                      </p:cBhvr>
-                                      <p:to>
-                                        <p:strVal val="visible"/>
-                                      </p:to>
-                                    </p:set>
-                                    <p:animEffect transition="in" filter="wipe(left)">
-                                      <p:cBhvr>
-                                        <p:cTn id="23" dur="500"/>
-                                        <p:tgtEl>
-                                          <p:spTgt spid="81"/>
-                                        </p:tgtEl>
-                                      </p:cBhvr>
-                                    </p:animEffect>
-                                  </p:childTnLst>
-                                </p:cTn>
-                              </p:par>
-                            </p:childTnLst>
-                          </p:cTn>
-                        </p:par>
-                        <p:par>
-                          <p:cTn id="24" fill="hold">
-                            <p:stCondLst>
-                              <p:cond delay="1000"/>
-                            </p:stCondLst>
-                            <p:childTnLst>
-                              <p:par>
-                                <p:cTn id="25" presetID="42" presetClass="entr" presetSubtype="0" fill="hold" nodeType="afterEffect">
-                                  <p:stCondLst>
-                                    <p:cond delay="0"/>
-                                  </p:stCondLst>
-                                  <p:childTnLst>
-                                    <p:set>
-                                      <p:cBhvr>
-                                        <p:cTn id="26" dur="1" fill="hold">
-                                          <p:stCondLst>
-                                            <p:cond delay="0"/>
-                                          </p:stCondLst>
-                                        </p:cTn>
-                                        <p:tgtEl>
-                                          <p:spTgt spid="75"/>
-                                        </p:tgtEl>
-                                        <p:attrNameLst>
-                                          <p:attrName>style.visibility</p:attrName>
-                                        </p:attrNameLst>
-                                      </p:cBhvr>
-                                      <p:to>
-                                        <p:strVal val="visible"/>
-                                      </p:to>
-                                    </p:set>
-                                    <p:animEffect transition="in" filter="fade">
-                                      <p:cBhvr>
-                                        <p:cTn id="27" dur="1000"/>
-                                        <p:tgtEl>
-                                          <p:spTgt spid="75"/>
-                                        </p:tgtEl>
-                                      </p:cBhvr>
-                                    </p:animEffect>
-                                    <p:anim calcmode="lin" valueType="num">
-                                      <p:cBhvr>
-                                        <p:cTn id="28" dur="1000" fill="hold"/>
-                                        <p:tgtEl>
-                                          <p:spTgt spid="75"/>
-                                        </p:tgtEl>
-                                        <p:attrNameLst>
-                                          <p:attrName>ppt_x</p:attrName>
-                                        </p:attrNameLst>
-                                      </p:cBhvr>
-                                      <p:tavLst>
-                                        <p:tav tm="0">
-                                          <p:val>
-                                            <p:strVal val="#ppt_x"/>
-                                          </p:val>
-                                        </p:tav>
-                                        <p:tav tm="100000">
-                                          <p:val>
-                                            <p:strVal val="#ppt_x"/>
-                                          </p:val>
-                                        </p:tav>
-                                      </p:tavLst>
-                                    </p:anim>
-                                    <p:anim calcmode="lin" valueType="num">
-                                      <p:cBhvr>
-                                        <p:cTn id="29" dur="1000" fill="hold"/>
-                                        <p:tgtEl>
-                                          <p:spTgt spid="75"/>
-                                        </p:tgtEl>
-                                        <p:attrNameLst>
-                                          <p:attrName>ppt_y</p:attrName>
-                                        </p:attrNameLst>
-                                      </p:cBhvr>
-                                      <p:tavLst>
-                                        <p:tav tm="0">
-                                          <p:val>
-                                            <p:strVal val="#ppt_y+.1"/>
-                                          </p:val>
-                                        </p:tav>
-                                        <p:tav tm="100000">
-                                          <p:val>
-                                            <p:strVal val="#ppt_y"/>
-                                          </p:val>
-                                        </p:tav>
-                                      </p:tavLst>
-                                    </p:anim>
-                                  </p:childTnLst>
-                                </p:cTn>
-                              </p:par>
-                              <p:par>
-                                <p:cTn id="30" presetID="42" presetClass="entr" presetSubtype="0" fill="hold" grpId="0" nodeType="withEffect">
-                                  <p:stCondLst>
-                                    <p:cond delay="0"/>
-                                  </p:stCondLst>
-                                  <p:childTnLst>
-                                    <p:set>
-                                      <p:cBhvr>
-                                        <p:cTn id="31" dur="1" fill="hold">
-                                          <p:stCondLst>
-                                            <p:cond delay="0"/>
-                                          </p:stCondLst>
-                                        </p:cTn>
-                                        <p:tgtEl>
-                                          <p:spTgt spid="72"/>
-                                        </p:tgtEl>
-                                        <p:attrNameLst>
-                                          <p:attrName>style.visibility</p:attrName>
-                                        </p:attrNameLst>
-                                      </p:cBhvr>
-                                      <p:to>
-                                        <p:strVal val="visible"/>
-                                      </p:to>
-                                    </p:set>
-                                    <p:animEffect transition="in" filter="fade">
-                                      <p:cBhvr>
-                                        <p:cTn id="32" dur="1000"/>
-                                        <p:tgtEl>
-                                          <p:spTgt spid="72"/>
-                                        </p:tgtEl>
-                                      </p:cBhvr>
-                                    </p:animEffect>
-                                    <p:anim calcmode="lin" valueType="num">
-                                      <p:cBhvr>
-                                        <p:cTn id="33" dur="1000" fill="hold"/>
-                                        <p:tgtEl>
-                                          <p:spTgt spid="72"/>
-                                        </p:tgtEl>
-                                        <p:attrNameLst>
-                                          <p:attrName>ppt_x</p:attrName>
-                                        </p:attrNameLst>
-                                      </p:cBhvr>
-                                      <p:tavLst>
-                                        <p:tav tm="0">
-                                          <p:val>
-                                            <p:strVal val="#ppt_x"/>
-                                          </p:val>
-                                        </p:tav>
-                                        <p:tav tm="100000">
-                                          <p:val>
-                                            <p:strVal val="#ppt_x"/>
-                                          </p:val>
-                                        </p:tav>
-                                      </p:tavLst>
-                                    </p:anim>
-                                    <p:anim calcmode="lin" valueType="num">
-                                      <p:cBhvr>
-                                        <p:cTn id="34" dur="1000" fill="hold"/>
-                                        <p:tgtEl>
-                                          <p:spTgt spid="72"/>
-                                        </p:tgtEl>
-                                        <p:attrNameLst>
-                                          <p:attrName>ppt_y</p:attrName>
-                                        </p:attrNameLst>
-                                      </p:cBhvr>
-                                      <p:tavLst>
-                                        <p:tav tm="0">
-                                          <p:val>
-                                            <p:strVal val="#ppt_y+.1"/>
-                                          </p:val>
-                                        </p:tav>
-                                        <p:tav tm="100000">
-                                          <p:val>
-                                            <p:strVal val="#ppt_y"/>
-                                          </p:val>
-                                        </p:tav>
-                                      </p:tavLst>
-                                    </p:anim>
-                                  </p:childTnLst>
-                                </p:cTn>
-                              </p:par>
-                            </p:childTnLst>
-                          </p:cTn>
-                        </p:par>
-                      </p:childTnLst>
-                    </p:cTn>
-                  </p:par>
-                </p:childTnLst>
-              </p:cTn>
-              <p:prevCondLst>
-                <p:cond evt="onPrev" delay="0">
-                  <p:tgtEl>
-                    <p:sldTgt/>
-                  </p:tgtEl>
-                </p:cond>
-              </p:prevCondLst>
-              <p:nextCondLst>
-                <p:cond evt="onNext" delay="0">
-                  <p:tgtEl>
-                    <p:sldTgt/>
-                  </p:tgtEl>
-                </p:cond>
-              </p:nextCondLst>
-            </p:seq>
-          </p:childTnLst>
-        </p:cTn>
-      </p:par>
-    </p:tnLst>
-    <p:bldLst>
-      <p:bldP spid="72" grpId="0"/>
-      <p:bldP spid="73" grpId="0"/>
-      <p:bldP spid="77" grpId="0"/>
-    </p:bldLst>
-  </p:timing>
-</p:sld>
-</file>
-
-<file path=ppt/slides/slide20.xml><?xml version="1.0" encoding="utf-8"?>
+<file path=ppt/slides/slide23.xml><?xml version="1.0" encoding="utf-8"?>
 <p:sld xmlns:a="http://schemas.openxmlformats.org/drawingml/2006/main" xmlns:r="http://schemas.openxmlformats.org/officeDocument/2006/relationships" xmlns:p="http://schemas.openxmlformats.org/presentationml/2006/main">
   <p:cSld>
     <p:spTree>
@@ -17758,7 +18423,7 @@
 </p:sld>
 </file>
 
-<file path=ppt/slides/slide21.xml><?xml version="1.0" encoding="utf-8"?>
+<file path=ppt/slides/slide24.xml><?xml version="1.0" encoding="utf-8"?>
 <p:sld xmlns:a="http://schemas.openxmlformats.org/drawingml/2006/main" xmlns:r="http://schemas.openxmlformats.org/officeDocument/2006/relationships" xmlns:p="http://schemas.openxmlformats.org/presentationml/2006/main">
   <p:cSld>
     <p:spTree>
@@ -18936,7 +19601,7 @@
 </p:sld>
 </file>
 
-<file path=ppt/slides/slide22.xml><?xml version="1.0" encoding="utf-8"?>
+<file path=ppt/slides/slide25.xml><?xml version="1.0" encoding="utf-8"?>
 <p:sld xmlns:a="http://schemas.openxmlformats.org/drawingml/2006/main" xmlns:r="http://schemas.openxmlformats.org/officeDocument/2006/relationships" xmlns:p="http://schemas.openxmlformats.org/presentationml/2006/main">
   <p:cSld>
     <p:spTree>
@@ -20405,7 +21070,7 @@
 </p:sld>
 </file>
 
-<file path=ppt/slides/slide23.xml><?xml version="1.0" encoding="utf-8"?>
+<file path=ppt/slides/slide26.xml><?xml version="1.0" encoding="utf-8"?>
 <p:sld xmlns:a="http://schemas.openxmlformats.org/drawingml/2006/main" xmlns:r="http://schemas.openxmlformats.org/officeDocument/2006/relationships" xmlns:p="http://schemas.openxmlformats.org/presentationml/2006/main">
   <p:cSld>
     <p:spTree>
@@ -21028,7 +21693,7 @@
 </p:sld>
 </file>
 
-<file path=ppt/slides/slide24.xml><?xml version="1.0" encoding="utf-8"?>
+<file path=ppt/slides/slide27.xml><?xml version="1.0" encoding="utf-8"?>
 <p:sld xmlns:a="http://schemas.openxmlformats.org/drawingml/2006/main" xmlns:r="http://schemas.openxmlformats.org/officeDocument/2006/relationships" xmlns:p="http://schemas.openxmlformats.org/presentationml/2006/main">
   <p:cSld>
     <p:spTree>
@@ -21325,7 +21990,7 @@
 </p:sld>
 </file>
 
-<file path=ppt/slides/slide25.xml><?xml version="1.0" encoding="utf-8"?>
+<file path=ppt/slides/slide28.xml><?xml version="1.0" encoding="utf-8"?>
 <p:sld xmlns:a="http://schemas.openxmlformats.org/drawingml/2006/main" xmlns:r="http://schemas.openxmlformats.org/officeDocument/2006/relationships" xmlns:p="http://schemas.openxmlformats.org/presentationml/2006/main">
   <p:cSld>
     <p:spTree>
@@ -22794,7 +23459,7 @@
 </p:sld>
 </file>
 
-<file path=ppt/slides/slide26.xml><?xml version="1.0" encoding="utf-8"?>
+<file path=ppt/slides/slide29.xml><?xml version="1.0" encoding="utf-8"?>
 <p:sld xmlns:a="http://schemas.openxmlformats.org/drawingml/2006/main" xmlns:r="http://schemas.openxmlformats.org/officeDocument/2006/relationships" xmlns:p="http://schemas.openxmlformats.org/presentationml/2006/main">
   <p:cSld>
     <p:spTree>
@@ -23417,510 +24082,7 @@
 </p:sld>
 </file>
 
-<file path=ppt/slides/slide27.xml><?xml version="1.0" encoding="utf-8"?>
-<p:sld xmlns:a="http://schemas.openxmlformats.org/drawingml/2006/main" xmlns:r="http://schemas.openxmlformats.org/officeDocument/2006/relationships" xmlns:p="http://schemas.openxmlformats.org/presentationml/2006/main">
-  <p:cSld>
-    <p:spTree>
-      <p:nvGrpSpPr>
-        <p:cNvPr id="1" name=""/>
-        <p:cNvGrpSpPr/>
-        <p:nvPr/>
-      </p:nvGrpSpPr>
-      <p:grpSpPr>
-        <a:xfrm>
-          <a:off x="0" y="0"/>
-          <a:ext cx="0" cy="0"/>
-          <a:chOff x="0" y="0"/>
-          <a:chExt cx="0" cy="0"/>
-        </a:xfrm>
-      </p:grpSpPr>
-      <p:sp>
-        <p:nvSpPr>
-          <p:cNvPr id="2" name="Title 1"/>
-          <p:cNvSpPr>
-            <a:spLocks noGrp="1"/>
-          </p:cNvSpPr>
-          <p:nvPr>
-            <p:ph type="title"/>
-          </p:nvPr>
-        </p:nvSpPr>
-        <p:spPr>
-          <a:xfrm>
-            <a:off x="685800" y="701675"/>
-            <a:ext cx="8229600" cy="1143000"/>
-          </a:xfrm>
-        </p:spPr>
-        <p:txBody>
-          <a:bodyPr>
-            <a:normAutofit fontScale="90000"/>
-          </a:bodyPr>
-          <a:lstStyle/>
-          <a:p>
-            <a:r>
-              <a:rPr lang="en-US" altLang="ja-JP" sz="3600" b="1" dirty="0">
-                <a:solidFill>
-                  <a:srgbClr val="7030A0"/>
-                </a:solidFill>
-                <a:latin typeface="Times New Roman" panose="02020603050405020304" pitchFamily="18" charset="0"/>
-                <a:ea typeface="SimSun" panose="02010600030101010101" pitchFamily="2" charset="-122"/>
-                <a:cs typeface="Times New Roman" panose="02020603050405020304" pitchFamily="18" charset="0"/>
-              </a:rPr>
-              <a:t>6. </a:t>
-            </a:r>
-            <a:r>
-              <a:rPr lang="ja-JP" altLang="en-US" sz="3600" b="1" dirty="0">
-                <a:solidFill>
-                  <a:srgbClr val="7030A0"/>
-                </a:solidFill>
-                <a:latin typeface="Times New Roman" panose="02020603050405020304" pitchFamily="18" charset="0"/>
-                <a:ea typeface="SimSun" panose="02010600030101010101" pitchFamily="2" charset="-122"/>
-                <a:cs typeface="Times New Roman" panose="02020603050405020304" pitchFamily="18" charset="0"/>
-              </a:rPr>
-              <a:t>プロジェクト結果</a:t>
-            </a:r>
-            <a:r>
-              <a:rPr lang="ja-JP" altLang="en-US" sz="3600" b="1" dirty="0">
-                <a:solidFill>
-                  <a:srgbClr val="7030A0"/>
-                </a:solidFill>
-                <a:latin typeface="Times New Roman" panose="02020603050405020304" pitchFamily="18" charset="0"/>
-                <a:cs typeface="Times New Roman" panose="02020603050405020304" pitchFamily="18" charset="0"/>
-              </a:rPr>
-              <a:t>　</a:t>
-            </a:r>
-            <a:r>
-              <a:rPr lang="en-US" altLang="ja-JP" sz="3600" b="1" dirty="0">
-                <a:solidFill>
-                  <a:srgbClr val="7030A0"/>
-                </a:solidFill>
-                <a:latin typeface="Times New Roman" panose="02020603050405020304" pitchFamily="18" charset="0"/>
-                <a:cs typeface="Times New Roman" panose="02020603050405020304" pitchFamily="18" charset="0"/>
-              </a:rPr>
-              <a:t>–  </a:t>
-            </a:r>
-            <a:r>
-              <a:rPr lang="en-US" altLang="ja-JP" sz="3600" dirty="0">
-                <a:solidFill>
-                  <a:srgbClr val="7030A0"/>
-                </a:solidFill>
-                <a:latin typeface="Times New Roman" panose="02020603050405020304" pitchFamily="18" charset="0"/>
-                <a:cs typeface="Times New Roman" panose="02020603050405020304" pitchFamily="18" charset="0"/>
-              </a:rPr>
-              <a:t>Project </a:t>
-            </a:r>
-            <a:r>
-              <a:rPr lang="en-US" altLang="ja-JP" sz="3600" dirty="0" smtClean="0">
-                <a:solidFill>
-                  <a:srgbClr val="7030A0"/>
-                </a:solidFill>
-                <a:latin typeface="Times New Roman" panose="02020603050405020304" pitchFamily="18" charset="0"/>
-                <a:cs typeface="Times New Roman" panose="02020603050405020304" pitchFamily="18" charset="0"/>
-              </a:rPr>
-              <a:t>Result: Report6</a:t>
-            </a:r>
-            <a:endParaRPr lang="en-US" sz="3600" dirty="0"/>
-          </a:p>
-        </p:txBody>
-      </p:sp>
-      <p:sp>
-        <p:nvSpPr>
-          <p:cNvPr id="3" name="Content Placeholder 2"/>
-          <p:cNvSpPr>
-            <a:spLocks noGrp="1"/>
-          </p:cNvSpPr>
-          <p:nvPr>
-            <p:ph idx="1"/>
-          </p:nvPr>
-        </p:nvSpPr>
-        <p:spPr>
-          <a:xfrm>
-            <a:off x="685800" y="2027237"/>
-            <a:ext cx="8229600" cy="4525963"/>
-          </a:xfrm>
-        </p:spPr>
-        <p:txBody>
-          <a:bodyPr/>
-          <a:lstStyle/>
-          <a:p>
-            <a:pPr marL="0" indent="0">
-              <a:buNone/>
-            </a:pPr>
-            <a:r>
-              <a:rPr lang="en-US" altLang="ja-JP" dirty="0" smtClean="0">
-                <a:solidFill>
-                  <a:srgbClr val="7030A0"/>
-                </a:solidFill>
-                <a:latin typeface="Times New Roman" panose="02020603050405020304" pitchFamily="18" charset="0"/>
-                <a:cs typeface="Times New Roman" panose="02020603050405020304" pitchFamily="18" charset="0"/>
-              </a:rPr>
-              <a:t>6.1 </a:t>
-            </a:r>
-            <a:r>
-              <a:rPr lang="ja-JP" altLang="en-US" b="1" dirty="0" smtClean="0">
-                <a:solidFill>
-                  <a:srgbClr val="7030A0"/>
-                </a:solidFill>
-                <a:latin typeface="SimSun" panose="02010600030101010101" pitchFamily="2" charset="-122"/>
-                <a:ea typeface="SimSun" panose="02010600030101010101" pitchFamily="2" charset="-122"/>
-                <a:cs typeface="Times New Roman" panose="02020603050405020304" pitchFamily="18" charset="0"/>
-              </a:rPr>
-              <a:t>制</a:t>
-            </a:r>
-            <a:r>
-              <a:rPr lang="ja-JP" altLang="en-US" b="1" dirty="0">
-                <a:solidFill>
-                  <a:srgbClr val="7030A0"/>
-                </a:solidFill>
-                <a:latin typeface="SimSun" panose="02010600030101010101" pitchFamily="2" charset="-122"/>
-                <a:ea typeface="SimSun" panose="02010600030101010101" pitchFamily="2" charset="-122"/>
-                <a:cs typeface="Times New Roman" panose="02020603050405020304" pitchFamily="18" charset="0"/>
-              </a:rPr>
-              <a:t>限と期待</a:t>
-            </a:r>
-            <a:r>
-              <a:rPr lang="ja-JP" altLang="en-US" b="1" dirty="0">
-                <a:solidFill>
-                  <a:srgbClr val="7030A0"/>
-                </a:solidFill>
-                <a:latin typeface="Times New Roman" panose="02020603050405020304" pitchFamily="18" charset="0"/>
-                <a:cs typeface="Times New Roman" panose="02020603050405020304" pitchFamily="18" charset="0"/>
-              </a:rPr>
-              <a:t>　</a:t>
-            </a:r>
-            <a:r>
-              <a:rPr lang="en-US" altLang="ja-JP" b="1" dirty="0">
-                <a:solidFill>
-                  <a:srgbClr val="7030A0"/>
-                </a:solidFill>
-                <a:latin typeface="Times New Roman" panose="02020603050405020304" pitchFamily="18" charset="0"/>
-                <a:cs typeface="Times New Roman" panose="02020603050405020304" pitchFamily="18" charset="0"/>
-              </a:rPr>
-              <a:t>–  </a:t>
-            </a:r>
-            <a:r>
-              <a:rPr lang="en-US" dirty="0">
-                <a:solidFill>
-                  <a:srgbClr val="7030A0"/>
-                </a:solidFill>
-                <a:latin typeface="Times New Roman" panose="02020603050405020304" pitchFamily="18" charset="0"/>
-                <a:cs typeface="Times New Roman" panose="02020603050405020304" pitchFamily="18" charset="0"/>
-              </a:rPr>
-              <a:t>Limitation &amp; </a:t>
-            </a:r>
-            <a:r>
-              <a:rPr lang="en-US" dirty="0" smtClean="0">
-                <a:solidFill>
-                  <a:srgbClr val="7030A0"/>
-                </a:solidFill>
-                <a:latin typeface="Times New Roman" panose="02020603050405020304" pitchFamily="18" charset="0"/>
-                <a:cs typeface="Times New Roman" panose="02020603050405020304" pitchFamily="18" charset="0"/>
-              </a:rPr>
-              <a:t>Expectation</a:t>
-            </a:r>
-          </a:p>
-          <a:p>
-            <a:pPr marL="0" indent="0">
-              <a:buNone/>
-            </a:pPr>
-            <a:r>
-              <a:rPr lang="en-US" altLang="ja-JP" b="1" dirty="0" smtClean="0">
-                <a:solidFill>
-                  <a:srgbClr val="7030A0"/>
-                </a:solidFill>
-                <a:latin typeface="SimSun" panose="02010600030101010101" pitchFamily="2" charset="-122"/>
-                <a:ea typeface="SimSun" panose="02010600030101010101" pitchFamily="2" charset="-122"/>
-                <a:cs typeface="Times New Roman" panose="02020603050405020304" pitchFamily="18" charset="0"/>
-              </a:rPr>
-              <a:t>6.2 </a:t>
-            </a:r>
-            <a:r>
-              <a:rPr lang="ja-JP" altLang="en-US" b="1" dirty="0" smtClean="0">
-                <a:solidFill>
-                  <a:srgbClr val="7030A0"/>
-                </a:solidFill>
-                <a:latin typeface="SimSun" panose="02010600030101010101" pitchFamily="2" charset="-122"/>
-                <a:ea typeface="SimSun" panose="02010600030101010101" pitchFamily="2" charset="-122"/>
-                <a:cs typeface="Times New Roman" panose="02020603050405020304" pitchFamily="18" charset="0"/>
-              </a:rPr>
-              <a:t>学</a:t>
-            </a:r>
-            <a:r>
-              <a:rPr lang="ja-JP" altLang="en-US" b="1" dirty="0">
-                <a:solidFill>
-                  <a:srgbClr val="7030A0"/>
-                </a:solidFill>
-                <a:latin typeface="SimSun" panose="02010600030101010101" pitchFamily="2" charset="-122"/>
-                <a:ea typeface="SimSun" panose="02010600030101010101" pitchFamily="2" charset="-122"/>
-                <a:cs typeface="Times New Roman" panose="02020603050405020304" pitchFamily="18" charset="0"/>
-              </a:rPr>
-              <a:t>んだ教訓  </a:t>
-            </a:r>
-            <a:r>
-              <a:rPr lang="en-US" altLang="ja-JP" b="1" dirty="0">
-                <a:solidFill>
-                  <a:srgbClr val="7030A0"/>
-                </a:solidFill>
-                <a:latin typeface="Times New Roman" panose="02020603050405020304" pitchFamily="18" charset="0"/>
-                <a:cs typeface="Times New Roman" panose="02020603050405020304" pitchFamily="18" charset="0"/>
-              </a:rPr>
-              <a:t>- </a:t>
-            </a:r>
-            <a:r>
-              <a:rPr lang="en-US" b="1" dirty="0">
-                <a:solidFill>
-                  <a:srgbClr val="7030A0"/>
-                </a:solidFill>
-                <a:latin typeface="Times New Roman" panose="02020603050405020304" pitchFamily="18" charset="0"/>
-                <a:cs typeface="Times New Roman" panose="02020603050405020304" pitchFamily="18" charset="0"/>
-              </a:rPr>
-              <a:t>Lessons </a:t>
-            </a:r>
-            <a:r>
-              <a:rPr lang="en-US" b="1" dirty="0" smtClean="0">
-                <a:solidFill>
-                  <a:srgbClr val="7030A0"/>
-                </a:solidFill>
-                <a:latin typeface="Times New Roman" panose="02020603050405020304" pitchFamily="18" charset="0"/>
-                <a:cs typeface="Times New Roman" panose="02020603050405020304" pitchFamily="18" charset="0"/>
-              </a:rPr>
-              <a:t>Learn</a:t>
-            </a:r>
-            <a:endParaRPr lang="en-US" dirty="0"/>
-          </a:p>
-        </p:txBody>
-      </p:sp>
-      <p:grpSp>
-        <p:nvGrpSpPr>
-          <p:cNvPr id="4" name="Group 3"/>
-          <p:cNvGrpSpPr/>
-          <p:nvPr/>
-        </p:nvGrpSpPr>
-        <p:grpSpPr>
-          <a:xfrm>
-            <a:off x="29028" y="58059"/>
-            <a:ext cx="3873500" cy="3478034"/>
-            <a:chOff x="1066800" y="1181100"/>
-            <a:chExt cx="3873500" cy="3478034"/>
-          </a:xfrm>
-          <a:noFill/>
-        </p:grpSpPr>
-        <p:sp>
-          <p:nvSpPr>
-            <p:cNvPr id="5" name="TextBox 4"/>
-            <p:cNvSpPr txBox="1"/>
-            <p:nvPr/>
-          </p:nvSpPr>
-          <p:spPr>
-            <a:xfrm>
-              <a:off x="1600200" y="1182410"/>
-              <a:ext cx="3340100" cy="461665"/>
-            </a:xfrm>
-            <a:prstGeom prst="rect">
-              <a:avLst/>
-            </a:prstGeom>
-            <a:grpFill/>
-          </p:spPr>
-          <p:txBody>
-            <a:bodyPr wrap="square" rtlCol="0">
-              <a:spAutoFit/>
-            </a:bodyPr>
-            <a:lstStyle/>
-            <a:p>
-              <a:r>
-                <a:rPr lang="en-US" altLang="ja-JP" sz="2400" b="1" dirty="0">
-                  <a:solidFill>
-                    <a:schemeClr val="bg1"/>
-                  </a:solidFill>
-                  <a:latin typeface="Times New Roman" panose="02020603050405020304" pitchFamily="18" charset="0"/>
-                  <a:cs typeface="Times New Roman" panose="02020603050405020304" pitchFamily="18" charset="0"/>
-                </a:rPr>
-                <a:t>Project Result</a:t>
-              </a:r>
-              <a:endParaRPr lang="en-US" sz="2400" b="1" dirty="0">
-                <a:solidFill>
-                  <a:schemeClr val="bg1"/>
-                </a:solidFill>
-              </a:endParaRPr>
-            </a:p>
-          </p:txBody>
-        </p:sp>
-        <p:sp>
-          <p:nvSpPr>
-            <p:cNvPr id="6" name="TextBox 5"/>
-            <p:cNvSpPr txBox="1"/>
-            <p:nvPr/>
-          </p:nvSpPr>
-          <p:spPr>
-            <a:xfrm>
-              <a:off x="1066800" y="1612146"/>
-              <a:ext cx="533400" cy="3046988"/>
-            </a:xfrm>
-            <a:prstGeom prst="rect">
-              <a:avLst/>
-            </a:prstGeom>
-            <a:grpFill/>
-          </p:spPr>
-          <p:txBody>
-            <a:bodyPr wrap="square" rtlCol="0">
-              <a:spAutoFit/>
-            </a:bodyPr>
-            <a:lstStyle/>
-            <a:p>
-              <a:pPr algn="ctr"/>
-              <a:r>
-                <a:rPr lang="ja-JP" altLang="en-US" sz="2400" b="1" dirty="0">
-                  <a:solidFill>
-                    <a:schemeClr val="bg1"/>
-                  </a:solidFill>
-                  <a:latin typeface="Times New Roman" panose="02020603050405020304" pitchFamily="18" charset="0"/>
-                  <a:ea typeface="SimSun" panose="02010600030101010101" pitchFamily="2" charset="-122"/>
-                  <a:cs typeface="Times New Roman" panose="02020603050405020304" pitchFamily="18" charset="0"/>
-                </a:rPr>
-                <a:t>プロジェクト結果</a:t>
-              </a:r>
-              <a:endParaRPr lang="en-US" sz="2400" b="1" dirty="0">
-                <a:solidFill>
-                  <a:schemeClr val="bg1"/>
-                </a:solidFill>
-              </a:endParaRPr>
-            </a:p>
-          </p:txBody>
-        </p:sp>
-        <p:sp>
-          <p:nvSpPr>
-            <p:cNvPr id="7" name="TextBox 6"/>
-            <p:cNvSpPr txBox="1"/>
-            <p:nvPr/>
-          </p:nvSpPr>
-          <p:spPr>
-            <a:xfrm>
-              <a:off x="1066800" y="1181100"/>
-              <a:ext cx="533400" cy="461665"/>
-            </a:xfrm>
-            <a:prstGeom prst="rect">
-              <a:avLst/>
-            </a:prstGeom>
-            <a:grpFill/>
-          </p:spPr>
-          <p:txBody>
-            <a:bodyPr wrap="square" rtlCol="0">
-              <a:spAutoFit/>
-            </a:bodyPr>
-            <a:lstStyle/>
-            <a:p>
-              <a:pPr algn="ctr"/>
-              <a:r>
-                <a:rPr lang="en-US" sz="2400" b="1" dirty="0">
-                  <a:solidFill>
-                    <a:schemeClr val="bg1"/>
-                  </a:solidFill>
-                </a:rPr>
-                <a:t>6</a:t>
-              </a:r>
-            </a:p>
-          </p:txBody>
-        </p:sp>
-      </p:grpSp>
-    </p:spTree>
-    <p:extLst>
-      <p:ext uri="{BB962C8B-B14F-4D97-AF65-F5344CB8AC3E}">
-        <p14:creationId xmlns:p14="http://schemas.microsoft.com/office/powerpoint/2010/main" val="2245915339"/>
-      </p:ext>
-    </p:extLst>
-  </p:cSld>
-  <p:clrMapOvr>
-    <a:masterClrMapping/>
-  </p:clrMapOvr>
-  <p:timing>
-    <p:tnLst>
-      <p:par>
-        <p:cTn id="1" dur="indefinite" restart="never" nodeType="tmRoot">
-          <p:childTnLst>
-            <p:seq concurrent="1" nextAc="seek">
-              <p:cTn id="2" dur="indefinite" nodeType="mainSeq">
-                <p:childTnLst>
-                  <p:par>
-                    <p:cTn id="3" fill="hold">
-                      <p:stCondLst>
-                        <p:cond delay="indefinite"/>
-                        <p:cond evt="onBegin" delay="0">
-                          <p:tn val="2"/>
-                        </p:cond>
-                      </p:stCondLst>
-                      <p:childTnLst>
-                        <p:par>
-                          <p:cTn id="4" fill="hold">
-                            <p:stCondLst>
-                              <p:cond delay="0"/>
-                            </p:stCondLst>
-                            <p:childTnLst>
-                              <p:par>
-                                <p:cTn id="5" presetID="10" presetClass="entr" presetSubtype="0" fill="hold" nodeType="withEffect">
-                                  <p:stCondLst>
-                                    <p:cond delay="0"/>
-                                  </p:stCondLst>
-                                  <p:childTnLst>
-                                    <p:set>
-                                      <p:cBhvr>
-                                        <p:cTn id="6" dur="1" fill="hold">
-                                          <p:stCondLst>
-                                            <p:cond delay="0"/>
-                                          </p:stCondLst>
-                                        </p:cTn>
-                                        <p:tgtEl>
-                                          <p:spTgt spid="4"/>
-                                        </p:tgtEl>
-                                        <p:attrNameLst>
-                                          <p:attrName>style.visibility</p:attrName>
-                                        </p:attrNameLst>
-                                      </p:cBhvr>
-                                      <p:to>
-                                        <p:strVal val="visible"/>
-                                      </p:to>
-                                    </p:set>
-                                    <p:animEffect transition="in" filter="fade">
-                                      <p:cBhvr>
-                                        <p:cTn id="7" dur="500"/>
-                                        <p:tgtEl>
-                                          <p:spTgt spid="4"/>
-                                        </p:tgtEl>
-                                      </p:cBhvr>
-                                    </p:animEffect>
-                                  </p:childTnLst>
-                                </p:cTn>
-                              </p:par>
-                            </p:childTnLst>
-                          </p:cTn>
-                        </p:par>
-                      </p:childTnLst>
-                    </p:cTn>
-                  </p:par>
-                </p:childTnLst>
-              </p:cTn>
-              <p:prevCondLst>
-                <p:cond evt="onPrev" delay="0">
-                  <p:tgtEl>
-                    <p:sldTgt/>
-                  </p:tgtEl>
-                </p:cond>
-              </p:prevCondLst>
-              <p:nextCondLst>
-                <p:cond evt="onNext" delay="0">
-                  <p:tgtEl>
-                    <p:sldTgt/>
-                  </p:tgtEl>
-                </p:cond>
-              </p:nextCondLst>
-            </p:seq>
-          </p:childTnLst>
-        </p:cTn>
-      </p:par>
-    </p:tnLst>
-  </p:timing>
-</p:sld>
-</file>
-
-<file path=ppt/slides/slide28.xml><?xml version="1.0" encoding="utf-8"?>
+<file path=ppt/slides/slide3.xml><?xml version="1.0" encoding="utf-8"?>
 <p:sld xmlns:a="http://schemas.openxmlformats.org/drawingml/2006/main" xmlns:r="http://schemas.openxmlformats.org/officeDocument/2006/relationships" xmlns:p="http://schemas.openxmlformats.org/presentationml/2006/main">
   <p:cSld>
     <p:spTree>
@@ -25157,7 +25319,7 @@
     </p:spTree>
     <p:extLst>
       <p:ext uri="{BB962C8B-B14F-4D97-AF65-F5344CB8AC3E}">
-        <p14:creationId xmlns:p14="http://schemas.microsoft.com/office/powerpoint/2010/main" val="773249825"/>
+        <p14:creationId xmlns:p14="http://schemas.microsoft.com/office/powerpoint/2010/main" val="179247665"/>
       </p:ext>
     </p:extLst>
   </p:cSld>
@@ -25174,7 +25336,7 @@
 </p:sld>
 </file>
 
-<file path=ppt/slides/slide29.xml><?xml version="1.0" encoding="utf-8"?>
+<file path=ppt/slides/slide30.xml><?xml version="1.0" encoding="utf-8"?>
 <p:sld xmlns:a="http://schemas.openxmlformats.org/drawingml/2006/main" xmlns:r="http://schemas.openxmlformats.org/officeDocument/2006/relationships" xmlns:p="http://schemas.openxmlformats.org/presentationml/2006/main">
   <p:cSld>
     <p:spTree>
@@ -25191,113 +25353,286 @@
           <a:chExt cx="0" cy="0"/>
         </a:xfrm>
       </p:grpSpPr>
-      <p:pic>
-        <p:nvPicPr>
-          <p:cNvPr id="43" name="Picture 2" descr="C:\Users\Chinh\Desktop\Slides\logo_dandelion2.png"/>
-          <p:cNvPicPr>
-            <a:picLocks noChangeAspect="1" noChangeArrowheads="1"/>
-          </p:cNvPicPr>
-          <p:nvPr/>
-        </p:nvPicPr>
-        <p:blipFill>
-          <a:blip r:embed="rId2">
-            <a:extLst>
-              <a:ext uri="{28A0092B-C50C-407E-A947-70E740481C1C}">
-                <a14:useLocalDpi xmlns:a14="http://schemas.microsoft.com/office/drawing/2010/main" val="0"/>
-              </a:ext>
-            </a:extLst>
-          </a:blip>
-          <a:srcRect/>
-          <a:stretch>
-            <a:fillRect/>
-          </a:stretch>
-        </p:blipFill>
-        <p:spPr bwMode="auto">
+      <p:sp>
+        <p:nvSpPr>
+          <p:cNvPr id="2" name="Title 1"/>
+          <p:cNvSpPr>
+            <a:spLocks noGrp="1"/>
+          </p:cNvSpPr>
+          <p:nvPr>
+            <p:ph type="title"/>
+          </p:nvPr>
+        </p:nvSpPr>
+        <p:spPr>
           <a:xfrm>
-            <a:off x="5631873" y="3124200"/>
-            <a:ext cx="2195286" cy="3236848"/>
+            <a:off x="685800" y="701675"/>
+            <a:ext cx="8229600" cy="1143000"/>
           </a:xfrm>
-          <a:prstGeom prst="rect">
-            <a:avLst/>
-          </a:prstGeom>
-          <a:noFill/>
-          <a:extLst>
-            <a:ext uri="{909E8E84-426E-40DD-AFC4-6F175D3DCCD1}">
-              <a14:hiddenFill xmlns:a14="http://schemas.microsoft.com/office/drawing/2010/main">
-                <a:solidFill>
-                  <a:srgbClr val="FFFFFF"/>
-                </a:solidFill>
-              </a14:hiddenFill>
-            </a:ext>
-          </a:extLst>
         </p:spPr>
-      </p:pic>
-      <p:pic>
-        <p:nvPicPr>
-          <p:cNvPr id="44" name="Picture 2" descr="C:\Users\Chinh\Desktop\Slides\logo_dandelion2.png"/>
-          <p:cNvPicPr>
-            <a:picLocks noChangeAspect="1" noChangeArrowheads="1"/>
-          </p:cNvPicPr>
-          <p:nvPr/>
-        </p:nvPicPr>
-        <p:blipFill>
-          <a:blip r:embed="rId3" cstate="print">
-            <a:extLst>
-              <a:ext uri="{28A0092B-C50C-407E-A947-70E740481C1C}">
-                <a14:useLocalDpi xmlns:a14="http://schemas.microsoft.com/office/drawing/2010/main" val="0"/>
-              </a:ext>
-            </a:extLst>
-          </a:blip>
-          <a:srcRect/>
-          <a:stretch>
-            <a:fillRect/>
-          </a:stretch>
-        </p:blipFill>
-        <p:spPr bwMode="auto">
+        <p:txBody>
+          <a:bodyPr>
+            <a:normAutofit fontScale="90000"/>
+          </a:bodyPr>
+          <a:lstStyle/>
+          <a:p>
+            <a:r>
+              <a:rPr lang="en-US" altLang="ja-JP" sz="3600" b="1" dirty="0">
+                <a:solidFill>
+                  <a:srgbClr val="7030A0"/>
+                </a:solidFill>
+                <a:latin typeface="Times New Roman" panose="02020603050405020304" pitchFamily="18" charset="0"/>
+                <a:ea typeface="SimSun" panose="02010600030101010101" pitchFamily="2" charset="-122"/>
+                <a:cs typeface="Times New Roman" panose="02020603050405020304" pitchFamily="18" charset="0"/>
+              </a:rPr>
+              <a:t>6. </a:t>
+            </a:r>
+            <a:r>
+              <a:rPr lang="ja-JP" altLang="en-US" sz="3600" b="1" dirty="0">
+                <a:solidFill>
+                  <a:srgbClr val="7030A0"/>
+                </a:solidFill>
+                <a:latin typeface="Times New Roman" panose="02020603050405020304" pitchFamily="18" charset="0"/>
+                <a:ea typeface="SimSun" panose="02010600030101010101" pitchFamily="2" charset="-122"/>
+                <a:cs typeface="Times New Roman" panose="02020603050405020304" pitchFamily="18" charset="0"/>
+              </a:rPr>
+              <a:t>プロジェクト結果</a:t>
+            </a:r>
+            <a:r>
+              <a:rPr lang="ja-JP" altLang="en-US" sz="3600" b="1" dirty="0">
+                <a:solidFill>
+                  <a:srgbClr val="7030A0"/>
+                </a:solidFill>
+                <a:latin typeface="Times New Roman" panose="02020603050405020304" pitchFamily="18" charset="0"/>
+                <a:cs typeface="Times New Roman" panose="02020603050405020304" pitchFamily="18" charset="0"/>
+              </a:rPr>
+              <a:t>　</a:t>
+            </a:r>
+            <a:r>
+              <a:rPr lang="en-US" altLang="ja-JP" sz="3600" b="1" dirty="0">
+                <a:solidFill>
+                  <a:srgbClr val="7030A0"/>
+                </a:solidFill>
+                <a:latin typeface="Times New Roman" panose="02020603050405020304" pitchFamily="18" charset="0"/>
+                <a:cs typeface="Times New Roman" panose="02020603050405020304" pitchFamily="18" charset="0"/>
+              </a:rPr>
+              <a:t>–  </a:t>
+            </a:r>
+            <a:r>
+              <a:rPr lang="en-US" altLang="ja-JP" sz="3600" dirty="0">
+                <a:solidFill>
+                  <a:srgbClr val="7030A0"/>
+                </a:solidFill>
+                <a:latin typeface="Times New Roman" panose="02020603050405020304" pitchFamily="18" charset="0"/>
+                <a:cs typeface="Times New Roman" panose="02020603050405020304" pitchFamily="18" charset="0"/>
+              </a:rPr>
+              <a:t>Project </a:t>
+            </a:r>
+            <a:r>
+              <a:rPr lang="en-US" altLang="ja-JP" sz="3600" dirty="0" smtClean="0">
+                <a:solidFill>
+                  <a:srgbClr val="7030A0"/>
+                </a:solidFill>
+                <a:latin typeface="Times New Roman" panose="02020603050405020304" pitchFamily="18" charset="0"/>
+                <a:cs typeface="Times New Roman" panose="02020603050405020304" pitchFamily="18" charset="0"/>
+              </a:rPr>
+              <a:t>Result: Report6</a:t>
+            </a:r>
+            <a:endParaRPr lang="en-US" sz="3600" dirty="0"/>
+          </a:p>
+        </p:txBody>
+      </p:sp>
+      <p:sp>
+        <p:nvSpPr>
+          <p:cNvPr id="3" name="Content Placeholder 2"/>
+          <p:cNvSpPr>
+            <a:spLocks noGrp="1"/>
+          </p:cNvSpPr>
+          <p:nvPr>
+            <p:ph idx="1"/>
+          </p:nvPr>
+        </p:nvSpPr>
+        <p:spPr>
           <a:xfrm>
-            <a:off x="8016843" y="5196061"/>
-            <a:ext cx="1127157" cy="1661939"/>
+            <a:off x="685800" y="2027237"/>
+            <a:ext cx="8229600" cy="4525963"/>
           </a:xfrm>
-          <a:prstGeom prst="rect">
-            <a:avLst/>
-          </a:prstGeom>
-          <a:noFill/>
-          <a:extLst>
-            <a:ext uri="{909E8E84-426E-40DD-AFC4-6F175D3DCCD1}">
-              <a14:hiddenFill xmlns:a14="http://schemas.microsoft.com/office/drawing/2010/main">
-                <a:solidFill>
-                  <a:srgbClr val="FFFFFF"/>
-                </a:solidFill>
-              </a14:hiddenFill>
-            </a:ext>
-          </a:extLst>
         </p:spPr>
-      </p:pic>
+        <p:txBody>
+          <a:bodyPr/>
+          <a:lstStyle/>
+          <a:p>
+            <a:pPr marL="0" indent="0">
+              <a:buNone/>
+            </a:pPr>
+            <a:r>
+              <a:rPr lang="en-US" altLang="ja-JP" dirty="0" smtClean="0">
+                <a:solidFill>
+                  <a:srgbClr val="7030A0"/>
+                </a:solidFill>
+                <a:latin typeface="Times New Roman" panose="02020603050405020304" pitchFamily="18" charset="0"/>
+                <a:cs typeface="Times New Roman" panose="02020603050405020304" pitchFamily="18" charset="0"/>
+              </a:rPr>
+              <a:t>6.1 </a:t>
+            </a:r>
+            <a:r>
+              <a:rPr lang="ja-JP" altLang="en-US" b="1" dirty="0" smtClean="0">
+                <a:solidFill>
+                  <a:srgbClr val="7030A0"/>
+                </a:solidFill>
+                <a:latin typeface="SimSun" panose="02010600030101010101" pitchFamily="2" charset="-122"/>
+                <a:ea typeface="SimSun" panose="02010600030101010101" pitchFamily="2" charset="-122"/>
+                <a:cs typeface="Times New Roman" panose="02020603050405020304" pitchFamily="18" charset="0"/>
+              </a:rPr>
+              <a:t>制</a:t>
+            </a:r>
+            <a:r>
+              <a:rPr lang="ja-JP" altLang="en-US" b="1" dirty="0">
+                <a:solidFill>
+                  <a:srgbClr val="7030A0"/>
+                </a:solidFill>
+                <a:latin typeface="SimSun" panose="02010600030101010101" pitchFamily="2" charset="-122"/>
+                <a:ea typeface="SimSun" panose="02010600030101010101" pitchFamily="2" charset="-122"/>
+                <a:cs typeface="Times New Roman" panose="02020603050405020304" pitchFamily="18" charset="0"/>
+              </a:rPr>
+              <a:t>限と期待</a:t>
+            </a:r>
+            <a:r>
+              <a:rPr lang="ja-JP" altLang="en-US" b="1" dirty="0">
+                <a:solidFill>
+                  <a:srgbClr val="7030A0"/>
+                </a:solidFill>
+                <a:latin typeface="Times New Roman" panose="02020603050405020304" pitchFamily="18" charset="0"/>
+                <a:cs typeface="Times New Roman" panose="02020603050405020304" pitchFamily="18" charset="0"/>
+              </a:rPr>
+              <a:t>　</a:t>
+            </a:r>
+            <a:r>
+              <a:rPr lang="en-US" altLang="ja-JP" b="1" dirty="0">
+                <a:solidFill>
+                  <a:srgbClr val="7030A0"/>
+                </a:solidFill>
+                <a:latin typeface="Times New Roman" panose="02020603050405020304" pitchFamily="18" charset="0"/>
+                <a:cs typeface="Times New Roman" panose="02020603050405020304" pitchFamily="18" charset="0"/>
+              </a:rPr>
+              <a:t>–  </a:t>
+            </a:r>
+            <a:r>
+              <a:rPr lang="en-US" dirty="0">
+                <a:solidFill>
+                  <a:srgbClr val="7030A0"/>
+                </a:solidFill>
+                <a:latin typeface="Times New Roman" panose="02020603050405020304" pitchFamily="18" charset="0"/>
+                <a:cs typeface="Times New Roman" panose="02020603050405020304" pitchFamily="18" charset="0"/>
+              </a:rPr>
+              <a:t>Limitation &amp; </a:t>
+            </a:r>
+            <a:r>
+              <a:rPr lang="en-US" dirty="0" smtClean="0">
+                <a:solidFill>
+                  <a:srgbClr val="7030A0"/>
+                </a:solidFill>
+                <a:latin typeface="Times New Roman" panose="02020603050405020304" pitchFamily="18" charset="0"/>
+                <a:cs typeface="Times New Roman" panose="02020603050405020304" pitchFamily="18" charset="0"/>
+              </a:rPr>
+              <a:t>Expectation</a:t>
+            </a:r>
+          </a:p>
+          <a:p>
+            <a:pPr marL="0" indent="0">
+              <a:buNone/>
+            </a:pPr>
+            <a:r>
+              <a:rPr lang="en-US" altLang="ja-JP" b="1" dirty="0" smtClean="0">
+                <a:solidFill>
+                  <a:srgbClr val="7030A0"/>
+                </a:solidFill>
+                <a:latin typeface="SimSun" panose="02010600030101010101" pitchFamily="2" charset="-122"/>
+                <a:ea typeface="SimSun" panose="02010600030101010101" pitchFamily="2" charset="-122"/>
+                <a:cs typeface="Times New Roman" panose="02020603050405020304" pitchFamily="18" charset="0"/>
+              </a:rPr>
+              <a:t>6.2 </a:t>
+            </a:r>
+            <a:r>
+              <a:rPr lang="ja-JP" altLang="en-US" b="1" dirty="0" smtClean="0">
+                <a:solidFill>
+                  <a:srgbClr val="7030A0"/>
+                </a:solidFill>
+                <a:latin typeface="SimSun" panose="02010600030101010101" pitchFamily="2" charset="-122"/>
+                <a:ea typeface="SimSun" panose="02010600030101010101" pitchFamily="2" charset="-122"/>
+                <a:cs typeface="Times New Roman" panose="02020603050405020304" pitchFamily="18" charset="0"/>
+              </a:rPr>
+              <a:t>学</a:t>
+            </a:r>
+            <a:r>
+              <a:rPr lang="ja-JP" altLang="en-US" b="1" dirty="0">
+                <a:solidFill>
+                  <a:srgbClr val="7030A0"/>
+                </a:solidFill>
+                <a:latin typeface="SimSun" panose="02010600030101010101" pitchFamily="2" charset="-122"/>
+                <a:ea typeface="SimSun" panose="02010600030101010101" pitchFamily="2" charset="-122"/>
+                <a:cs typeface="Times New Roman" panose="02020603050405020304" pitchFamily="18" charset="0"/>
+              </a:rPr>
+              <a:t>んだ教訓  </a:t>
+            </a:r>
+            <a:r>
+              <a:rPr lang="en-US" altLang="ja-JP" b="1" dirty="0">
+                <a:solidFill>
+                  <a:srgbClr val="7030A0"/>
+                </a:solidFill>
+                <a:latin typeface="Times New Roman" panose="02020603050405020304" pitchFamily="18" charset="0"/>
+                <a:cs typeface="Times New Roman" panose="02020603050405020304" pitchFamily="18" charset="0"/>
+              </a:rPr>
+              <a:t>- </a:t>
+            </a:r>
+            <a:r>
+              <a:rPr lang="en-US" b="1" dirty="0">
+                <a:solidFill>
+                  <a:srgbClr val="7030A0"/>
+                </a:solidFill>
+                <a:latin typeface="Times New Roman" panose="02020603050405020304" pitchFamily="18" charset="0"/>
+                <a:cs typeface="Times New Roman" panose="02020603050405020304" pitchFamily="18" charset="0"/>
+              </a:rPr>
+              <a:t>Lessons </a:t>
+            </a:r>
+            <a:r>
+              <a:rPr lang="en-US" b="1" dirty="0" smtClean="0">
+                <a:solidFill>
+                  <a:srgbClr val="7030A0"/>
+                </a:solidFill>
+                <a:latin typeface="Times New Roman" panose="02020603050405020304" pitchFamily="18" charset="0"/>
+                <a:cs typeface="Times New Roman" panose="02020603050405020304" pitchFamily="18" charset="0"/>
+              </a:rPr>
+              <a:t>Learn</a:t>
+            </a:r>
+            <a:endParaRPr lang="en-US" dirty="0"/>
+          </a:p>
+        </p:txBody>
+      </p:sp>
       <p:grpSp>
         <p:nvGrpSpPr>
-          <p:cNvPr id="19" name="Group 18"/>
+          <p:cNvPr id="4" name="Group 3"/>
           <p:cNvGrpSpPr/>
           <p:nvPr/>
         </p:nvGrpSpPr>
         <p:grpSpPr>
           <a:xfrm>
-            <a:off x="4521200" y="3800902"/>
-            <a:ext cx="1524000" cy="1272223"/>
+            <a:off x="29028" y="58059"/>
+            <a:ext cx="3873500" cy="3478034"/>
             <a:chOff x="1066800" y="1181100"/>
-            <a:chExt cx="1524000" cy="1272223"/>
+            <a:chExt cx="3873500" cy="3478034"/>
           </a:xfrm>
           <a:noFill/>
         </p:grpSpPr>
         <p:sp>
           <p:nvSpPr>
-            <p:cNvPr id="24" name="TextBox 23"/>
+            <p:cNvPr id="5" name="TextBox 4"/>
             <p:cNvSpPr txBox="1"/>
             <p:nvPr/>
           </p:nvSpPr>
           <p:spPr>
             <a:xfrm>
               <a:off x="1600200" y="1182410"/>
-              <a:ext cx="990600" cy="461665"/>
+              <a:ext cx="3340100" cy="461665"/>
             </a:xfrm>
             <a:prstGeom prst="rect">
               <a:avLst/>
@@ -25311,26 +25646,33 @@
             <a:lstStyle/>
             <a:p>
               <a:r>
-                <a:rPr lang="en-US" sz="2400" b="1" dirty="0">
+                <a:rPr lang="en-US" altLang="ja-JP" sz="2400" b="1" dirty="0">
+                  <a:solidFill>
+                    <a:schemeClr val="bg1"/>
+                  </a:solidFill>
                   <a:latin typeface="Times New Roman" panose="02020603050405020304" pitchFamily="18" charset="0"/>
                   <a:cs typeface="Times New Roman" panose="02020603050405020304" pitchFamily="18" charset="0"/>
                 </a:rPr>
-                <a:t>Demo</a:t>
+                <a:t>Project Result</a:t>
               </a:r>
-              <a:endParaRPr lang="en-US" sz="2400" b="1" dirty="0"/>
+              <a:endParaRPr lang="en-US" sz="2400" b="1" dirty="0">
+                <a:solidFill>
+                  <a:schemeClr val="bg1"/>
+                </a:solidFill>
+              </a:endParaRPr>
             </a:p>
           </p:txBody>
         </p:sp>
         <p:sp>
           <p:nvSpPr>
-            <p:cNvPr id="25" name="TextBox 24"/>
+            <p:cNvPr id="6" name="TextBox 5"/>
             <p:cNvSpPr txBox="1"/>
             <p:nvPr/>
           </p:nvSpPr>
           <p:spPr>
             <a:xfrm>
-              <a:off x="1066800" y="1622326"/>
-              <a:ext cx="533400" cy="830997"/>
+              <a:off x="1066800" y="1612146"/>
+              <a:ext cx="533400" cy="3046988"/>
             </a:xfrm>
             <a:prstGeom prst="rect">
               <a:avLst/>
@@ -25346,19 +25688,26 @@
               <a:pPr algn="ctr"/>
               <a:r>
                 <a:rPr lang="ja-JP" altLang="en-US" sz="2400" b="1" dirty="0">
+                  <a:solidFill>
+                    <a:schemeClr val="bg1"/>
+                  </a:solidFill>
                   <a:latin typeface="Times New Roman" panose="02020603050405020304" pitchFamily="18" charset="0"/>
                   <a:ea typeface="SimSun" panose="02010600030101010101" pitchFamily="2" charset="-122"/>
                   <a:cs typeface="Times New Roman" panose="02020603050405020304" pitchFamily="18" charset="0"/>
                 </a:rPr>
-                <a:t>デモ</a:t>
+                <a:t>プロジェクト結果</a:t>
               </a:r>
-              <a:endParaRPr lang="en-US" sz="2400" b="1" dirty="0"/>
+              <a:endParaRPr lang="en-US" sz="2400" b="1" dirty="0">
+                <a:solidFill>
+                  <a:schemeClr val="bg1"/>
+                </a:solidFill>
+              </a:endParaRPr>
             </a:p>
           </p:txBody>
         </p:sp>
         <p:sp>
           <p:nvSpPr>
-            <p:cNvPr id="26" name="TextBox 25"/>
+            <p:cNvPr id="7" name="TextBox 6"/>
             <p:cNvSpPr txBox="1"/>
             <p:nvPr/>
           </p:nvSpPr>
@@ -25382,142 +25731,10 @@
               <a:r>
                 <a:rPr lang="en-US" sz="2400" b="1" dirty="0">
                   <a:solidFill>
-                    <a:srgbClr val="0070C0"/>
-                  </a:solidFill>
-                </a:rPr>
-                <a:t>7</a:t>
-              </a:r>
-            </a:p>
-          </p:txBody>
-        </p:sp>
-      </p:grpSp>
-      <p:grpSp>
-        <p:nvGrpSpPr>
-          <p:cNvPr id="54" name="Group 53"/>
-          <p:cNvGrpSpPr/>
-          <p:nvPr/>
-        </p:nvGrpSpPr>
-        <p:grpSpPr>
-          <a:xfrm>
-            <a:off x="32657" y="101317"/>
-            <a:ext cx="1524000" cy="1232111"/>
-            <a:chOff x="1066800" y="1181100"/>
-            <a:chExt cx="1524000" cy="1355323"/>
-          </a:xfrm>
-          <a:noFill/>
-        </p:grpSpPr>
-        <p:sp>
-          <p:nvSpPr>
-            <p:cNvPr id="55" name="TextBox 54"/>
-            <p:cNvSpPr txBox="1"/>
-            <p:nvPr/>
-          </p:nvSpPr>
-          <p:spPr>
-            <a:xfrm>
-              <a:off x="1600200" y="1182410"/>
-              <a:ext cx="990600" cy="507832"/>
-            </a:xfrm>
-            <a:prstGeom prst="rect">
-              <a:avLst/>
-            </a:prstGeom>
-            <a:grpFill/>
-          </p:spPr>
-          <p:txBody>
-            <a:bodyPr wrap="square" rtlCol="0">
-              <a:spAutoFit/>
-            </a:bodyPr>
-            <a:lstStyle/>
-            <a:p>
-              <a:r>
-                <a:rPr lang="en-US" sz="2400" b="1" dirty="0">
-                  <a:solidFill>
-                    <a:schemeClr val="bg1"/>
-                  </a:solidFill>
-                  <a:latin typeface="Times New Roman" panose="02020603050405020304" pitchFamily="18" charset="0"/>
-                  <a:cs typeface="Times New Roman" panose="02020603050405020304" pitchFamily="18" charset="0"/>
-                </a:rPr>
-                <a:t>Demo</a:t>
-              </a:r>
-              <a:endParaRPr lang="en-US" sz="2400" b="1" dirty="0">
-                <a:solidFill>
-                  <a:schemeClr val="bg1"/>
-                </a:solidFill>
-              </a:endParaRPr>
-            </a:p>
-          </p:txBody>
-        </p:sp>
-        <p:sp>
-          <p:nvSpPr>
-            <p:cNvPr id="56" name="TextBox 55"/>
-            <p:cNvSpPr txBox="1"/>
-            <p:nvPr/>
-          </p:nvSpPr>
-          <p:spPr>
-            <a:xfrm>
-              <a:off x="1066800" y="1622326"/>
-              <a:ext cx="533400" cy="914097"/>
-            </a:xfrm>
-            <a:prstGeom prst="rect">
-              <a:avLst/>
-            </a:prstGeom>
-            <a:grpFill/>
-          </p:spPr>
-          <p:txBody>
-            <a:bodyPr wrap="square" rtlCol="0">
-              <a:spAutoFit/>
-            </a:bodyPr>
-            <a:lstStyle/>
-            <a:p>
-              <a:pPr algn="ctr"/>
-              <a:r>
-                <a:rPr lang="ja-JP" altLang="en-US" sz="2400" b="1" dirty="0">
-                  <a:solidFill>
-                    <a:schemeClr val="bg1"/>
-                  </a:solidFill>
-                  <a:latin typeface="Times New Roman" panose="02020603050405020304" pitchFamily="18" charset="0"/>
-                  <a:ea typeface="SimSun" panose="02010600030101010101" pitchFamily="2" charset="-122"/>
-                  <a:cs typeface="Times New Roman" panose="02020603050405020304" pitchFamily="18" charset="0"/>
-                </a:rPr>
-                <a:t>デモ</a:t>
-              </a:r>
-              <a:endParaRPr lang="en-US" sz="2400" b="1" dirty="0">
-                <a:solidFill>
-                  <a:schemeClr val="bg1"/>
-                </a:solidFill>
-              </a:endParaRPr>
-            </a:p>
-          </p:txBody>
-        </p:sp>
-        <p:sp>
-          <p:nvSpPr>
-            <p:cNvPr id="57" name="TextBox 56"/>
-            <p:cNvSpPr txBox="1"/>
-            <p:nvPr/>
-          </p:nvSpPr>
-          <p:spPr>
-            <a:xfrm>
-              <a:off x="1066800" y="1181100"/>
-              <a:ext cx="533400" cy="507832"/>
-            </a:xfrm>
-            <a:prstGeom prst="rect">
-              <a:avLst/>
-            </a:prstGeom>
-            <a:grpFill/>
-          </p:spPr>
-          <p:txBody>
-            <a:bodyPr wrap="square" rtlCol="0">
-              <a:spAutoFit/>
-            </a:bodyPr>
-            <a:lstStyle/>
-            <a:p>
-              <a:pPr algn="ctr"/>
-              <a:r>
-                <a:rPr lang="en-US" sz="2400" b="1" dirty="0">
-                  <a:solidFill>
                     <a:schemeClr val="bg1"/>
                   </a:solidFill>
                 </a:rPr>
-                <a:t>7</a:t>
+                <a:t>6</a:t>
               </a:r>
             </a:p>
           </p:txBody>
@@ -25526,7 +25743,7 @@
     </p:spTree>
     <p:extLst>
       <p:ext uri="{BB962C8B-B14F-4D97-AF65-F5344CB8AC3E}">
-        <p14:creationId xmlns:p14="http://schemas.microsoft.com/office/powerpoint/2010/main" val="3963376541"/>
+        <p14:creationId xmlns:p14="http://schemas.microsoft.com/office/powerpoint/2010/main" val="2245915339"/>
       </p:ext>
     </p:extLst>
   </p:cSld>
@@ -25557,125 +25774,20 @@
                             </p:stCondLst>
                             <p:childTnLst>
                               <p:par>
-                                <p:cTn id="5" presetID="0" presetClass="path" presetSubtype="0" accel="50000" decel="50000" fill="hold" nodeType="withEffect">
-                                  <p:stCondLst>
-                                    <p:cond delay="0"/>
-                                  </p:stCondLst>
-                                  <p:childTnLst>
-                                    <p:animMotion origin="layout" path="M -1.94444E-6 2.94798E-6 L -0.49045 -0.53896 " pathEditMode="relative" ptsTypes="AA">
-                                      <p:cBhvr>
-                                        <p:cTn id="6" dur="2000" fill="hold"/>
-                                        <p:tgtEl>
-                                          <p:spTgt spid="19"/>
-                                        </p:tgtEl>
-                                        <p:attrNameLst>
-                                          <p:attrName>ppt_x</p:attrName>
-                                          <p:attrName>ppt_y</p:attrName>
-                                        </p:attrNameLst>
-                                      </p:cBhvr>
-                                    </p:animMotion>
-                                  </p:childTnLst>
-                                </p:cTn>
-                              </p:par>
-                              <p:par>
-                                <p:cTn id="7" presetID="6" presetClass="emph" presetSubtype="0" fill="hold" nodeType="withEffect">
-                                  <p:stCondLst>
-                                    <p:cond delay="0"/>
-                                  </p:stCondLst>
-                                  <p:childTnLst>
-                                    <p:animScale>
-                                      <p:cBhvr>
-                                        <p:cTn id="8" dur="2000" fill="hold"/>
-                                        <p:tgtEl>
-                                          <p:spTgt spid="43"/>
-                                        </p:tgtEl>
-                                      </p:cBhvr>
-                                      <p:by x="50000" y="50000"/>
-                                    </p:animScale>
-                                  </p:childTnLst>
-                                </p:cTn>
-                              </p:par>
-                              <p:par>
-                                <p:cTn id="9" presetID="0" presetClass="path" presetSubtype="0" accel="50000" decel="50000" fill="hold" nodeType="withEffect">
-                                  <p:stCondLst>
-                                    <p:cond delay="0"/>
-                                  </p:stCondLst>
-                                  <p:childTnLst>
-                                    <p:animMotion origin="layout" path="M -0.01927 -0.01991 L 0.20052 0.18634 " pathEditMode="relative" rAng="0" ptsTypes="AA">
-                                      <p:cBhvr>
-                                        <p:cTn id="10" dur="2000" fill="hold"/>
-                                        <p:tgtEl>
-                                          <p:spTgt spid="43"/>
-                                        </p:tgtEl>
-                                        <p:attrNameLst>
-                                          <p:attrName>ppt_x</p:attrName>
-                                          <p:attrName>ppt_y</p:attrName>
-                                        </p:attrNameLst>
-                                      </p:cBhvr>
-                                      <p:rCtr x="10990" y="10301"/>
-                                    </p:animMotion>
-                                  </p:childTnLst>
-                                </p:cTn>
-                              </p:par>
-                            </p:childTnLst>
-                          </p:cTn>
-                        </p:par>
-                        <p:par>
-                          <p:cTn id="11" fill="hold">
-                            <p:stCondLst>
-                              <p:cond delay="2000"/>
-                            </p:stCondLst>
-                            <p:childTnLst>
-                              <p:par>
-                                <p:cTn id="12" presetID="10" presetClass="exit" presetSubtype="0" fill="hold" nodeType="afterEffect">
-                                  <p:stCondLst>
-                                    <p:cond delay="0"/>
-                                  </p:stCondLst>
-                                  <p:childTnLst>
-                                    <p:animEffect transition="out" filter="fade">
-                                      <p:cBhvr>
-                                        <p:cTn id="13" dur="500"/>
-                                        <p:tgtEl>
-                                          <p:spTgt spid="43"/>
-                                        </p:tgtEl>
-                                      </p:cBhvr>
-                                    </p:animEffect>
-                                    <p:set>
-                                      <p:cBhvr>
-                                        <p:cTn id="14" dur="1" fill="hold">
-                                          <p:stCondLst>
-                                            <p:cond delay="499"/>
-                                          </p:stCondLst>
-                                        </p:cTn>
-                                        <p:tgtEl>
-                                          <p:spTgt spid="43"/>
-                                        </p:tgtEl>
-                                        <p:attrNameLst>
-                                          <p:attrName>style.visibility</p:attrName>
-                                        </p:attrNameLst>
-                                      </p:cBhvr>
-                                      <p:to>
-                                        <p:strVal val="hidden"/>
-                                      </p:to>
-                                    </p:set>
-                                  </p:childTnLst>
-                                </p:cTn>
-                              </p:par>
-                              <p:par>
-                                <p:cTn id="15" presetID="10" presetClass="entr" presetSubtype="0" fill="hold" nodeType="withEffect">
+                                <p:cTn id="5" presetID="10" presetClass="entr" presetSubtype="0" fill="hold" nodeType="withEffect">
                                   <p:stCondLst>
                                     <p:cond delay="0"/>
                                   </p:stCondLst>
                                   <p:childTnLst>
                                     <p:set>
                                       <p:cBhvr>
-                                        <p:cTn id="16" dur="1" fill="hold">
+                                        <p:cTn id="6" dur="1" fill="hold">
                                           <p:stCondLst>
                                             <p:cond delay="0"/>
                                           </p:stCondLst>
                                         </p:cTn>
                                         <p:tgtEl>
-                                          <p:spTgt spid="44"/>
+                                          <p:spTgt spid="4"/>
                                         </p:tgtEl>
                                         <p:attrNameLst>
                                           <p:attrName>style.visibility</p:attrName>
@@ -25687,79 +25799,9 @@
                                     </p:set>
                                     <p:animEffect transition="in" filter="fade">
                                       <p:cBhvr>
-                                        <p:cTn id="17" dur="500"/>
+                                        <p:cTn id="7" dur="500"/>
                                         <p:tgtEl>
-                                          <p:spTgt spid="44"/>
-                                        </p:tgtEl>
-                                      </p:cBhvr>
-                                    </p:animEffect>
-                                  </p:childTnLst>
-                                </p:cTn>
-                              </p:par>
-                              <p:par>
-                                <p:cTn id="18" presetID="10" presetClass="exit" presetSubtype="0" fill="hold" nodeType="withEffect">
-                                  <p:stCondLst>
-                                    <p:cond delay="0"/>
-                                  </p:stCondLst>
-                                  <p:childTnLst>
-                                    <p:animEffect transition="out" filter="fade">
-                                      <p:cBhvr>
-                                        <p:cTn id="19" dur="500"/>
-                                        <p:tgtEl>
-                                          <p:spTgt spid="19"/>
-                                        </p:tgtEl>
-                                      </p:cBhvr>
-                                    </p:animEffect>
-                                    <p:set>
-                                      <p:cBhvr>
-                                        <p:cTn id="20" dur="1" fill="hold">
-                                          <p:stCondLst>
-                                            <p:cond delay="499"/>
-                                          </p:stCondLst>
-                                        </p:cTn>
-                                        <p:tgtEl>
-                                          <p:spTgt spid="19"/>
-                                        </p:tgtEl>
-                                        <p:attrNameLst>
-                                          <p:attrName>style.visibility</p:attrName>
-                                        </p:attrNameLst>
-                                      </p:cBhvr>
-                                      <p:to>
-                                        <p:strVal val="hidden"/>
-                                      </p:to>
-                                    </p:set>
-                                  </p:childTnLst>
-                                </p:cTn>
-                              </p:par>
-                              <p:par>
-                                <p:cTn id="21" presetID="10" presetClass="entr" presetSubtype="0" fill="hold" nodeType="withEffect">
-                                  <p:stCondLst>
-                                    <p:cond delay="0"/>
-                                  </p:stCondLst>
-                                  <p:childTnLst>
-                                    <p:set>
-                                      <p:cBhvr>
-                                        <p:cTn id="22" dur="1" fill="hold">
-                                          <p:stCondLst>
-                                            <p:cond delay="0"/>
-                                          </p:stCondLst>
-                                        </p:cTn>
-                                        <p:tgtEl>
-                                          <p:spTgt spid="54"/>
-                                        </p:tgtEl>
-                                        <p:attrNameLst>
-                                          <p:attrName>style.visibility</p:attrName>
-                                        </p:attrNameLst>
-                                      </p:cBhvr>
-                                      <p:to>
-                                        <p:strVal val="visible"/>
-                                      </p:to>
-                                    </p:set>
-                                    <p:animEffect transition="in" filter="fade">
-                                      <p:cBhvr>
-                                        <p:cTn id="23" dur="500"/>
-                                        <p:tgtEl>
-                                          <p:spTgt spid="54"/>
+                                          <p:spTgt spid="4"/>
                                         </p:tgtEl>
                                       </p:cBhvr>
                                     </p:animEffect>
@@ -25797,7 +25839,7 @@
 </p:sld>
 </file>
 
-<file path=ppt/slides/slide3.xml><?xml version="1.0" encoding="utf-8"?>
+<file path=ppt/slides/slide31.xml><?xml version="1.0" encoding="utf-8"?>
 <p:sld xmlns:a="http://schemas.openxmlformats.org/drawingml/2006/main" xmlns:r="http://schemas.openxmlformats.org/officeDocument/2006/relationships" xmlns:p="http://schemas.openxmlformats.org/presentationml/2006/main">
   <p:cSld>
     <p:spTree>
@@ -27034,7 +27076,7 @@
     </p:spTree>
     <p:extLst>
       <p:ext uri="{BB962C8B-B14F-4D97-AF65-F5344CB8AC3E}">
-        <p14:creationId xmlns:p14="http://schemas.microsoft.com/office/powerpoint/2010/main" val="179247665"/>
+        <p14:creationId xmlns:p14="http://schemas.microsoft.com/office/powerpoint/2010/main" val="773249825"/>
       </p:ext>
     </p:extLst>
   </p:cSld>
@@ -27051,7 +27093,630 @@
 </p:sld>
 </file>
 
-<file path=ppt/slides/slide30.xml><?xml version="1.0" encoding="utf-8"?>
+<file path=ppt/slides/slide32.xml><?xml version="1.0" encoding="utf-8"?>
+<p:sld xmlns:a="http://schemas.openxmlformats.org/drawingml/2006/main" xmlns:r="http://schemas.openxmlformats.org/officeDocument/2006/relationships" xmlns:p="http://schemas.openxmlformats.org/presentationml/2006/main">
+  <p:cSld>
+    <p:spTree>
+      <p:nvGrpSpPr>
+        <p:cNvPr id="1" name=""/>
+        <p:cNvGrpSpPr/>
+        <p:nvPr/>
+      </p:nvGrpSpPr>
+      <p:grpSpPr>
+        <a:xfrm>
+          <a:off x="0" y="0"/>
+          <a:ext cx="0" cy="0"/>
+          <a:chOff x="0" y="0"/>
+          <a:chExt cx="0" cy="0"/>
+        </a:xfrm>
+      </p:grpSpPr>
+      <p:pic>
+        <p:nvPicPr>
+          <p:cNvPr id="43" name="Picture 2" descr="C:\Users\Chinh\Desktop\Slides\logo_dandelion2.png"/>
+          <p:cNvPicPr>
+            <a:picLocks noChangeAspect="1" noChangeArrowheads="1"/>
+          </p:cNvPicPr>
+          <p:nvPr/>
+        </p:nvPicPr>
+        <p:blipFill>
+          <a:blip r:embed="rId2">
+            <a:extLst>
+              <a:ext uri="{28A0092B-C50C-407E-A947-70E740481C1C}">
+                <a14:useLocalDpi xmlns:a14="http://schemas.microsoft.com/office/drawing/2010/main" val="0"/>
+              </a:ext>
+            </a:extLst>
+          </a:blip>
+          <a:srcRect/>
+          <a:stretch>
+            <a:fillRect/>
+          </a:stretch>
+        </p:blipFill>
+        <p:spPr bwMode="auto">
+          <a:xfrm>
+            <a:off x="5631873" y="3124200"/>
+            <a:ext cx="2195286" cy="3236848"/>
+          </a:xfrm>
+          <a:prstGeom prst="rect">
+            <a:avLst/>
+          </a:prstGeom>
+          <a:noFill/>
+          <a:extLst>
+            <a:ext uri="{909E8E84-426E-40DD-AFC4-6F175D3DCCD1}">
+              <a14:hiddenFill xmlns:a14="http://schemas.microsoft.com/office/drawing/2010/main">
+                <a:solidFill>
+                  <a:srgbClr val="FFFFFF"/>
+                </a:solidFill>
+              </a14:hiddenFill>
+            </a:ext>
+          </a:extLst>
+        </p:spPr>
+      </p:pic>
+      <p:pic>
+        <p:nvPicPr>
+          <p:cNvPr id="44" name="Picture 2" descr="C:\Users\Chinh\Desktop\Slides\logo_dandelion2.png"/>
+          <p:cNvPicPr>
+            <a:picLocks noChangeAspect="1" noChangeArrowheads="1"/>
+          </p:cNvPicPr>
+          <p:nvPr/>
+        </p:nvPicPr>
+        <p:blipFill>
+          <a:blip r:embed="rId3" cstate="print">
+            <a:extLst>
+              <a:ext uri="{28A0092B-C50C-407E-A947-70E740481C1C}">
+                <a14:useLocalDpi xmlns:a14="http://schemas.microsoft.com/office/drawing/2010/main" val="0"/>
+              </a:ext>
+            </a:extLst>
+          </a:blip>
+          <a:srcRect/>
+          <a:stretch>
+            <a:fillRect/>
+          </a:stretch>
+        </p:blipFill>
+        <p:spPr bwMode="auto">
+          <a:xfrm>
+            <a:off x="8016843" y="5196061"/>
+            <a:ext cx="1127157" cy="1661939"/>
+          </a:xfrm>
+          <a:prstGeom prst="rect">
+            <a:avLst/>
+          </a:prstGeom>
+          <a:noFill/>
+          <a:extLst>
+            <a:ext uri="{909E8E84-426E-40DD-AFC4-6F175D3DCCD1}">
+              <a14:hiddenFill xmlns:a14="http://schemas.microsoft.com/office/drawing/2010/main">
+                <a:solidFill>
+                  <a:srgbClr val="FFFFFF"/>
+                </a:solidFill>
+              </a14:hiddenFill>
+            </a:ext>
+          </a:extLst>
+        </p:spPr>
+      </p:pic>
+      <p:grpSp>
+        <p:nvGrpSpPr>
+          <p:cNvPr id="19" name="Group 18"/>
+          <p:cNvGrpSpPr/>
+          <p:nvPr/>
+        </p:nvGrpSpPr>
+        <p:grpSpPr>
+          <a:xfrm>
+            <a:off x="4521200" y="3800902"/>
+            <a:ext cx="1524000" cy="1272223"/>
+            <a:chOff x="1066800" y="1181100"/>
+            <a:chExt cx="1524000" cy="1272223"/>
+          </a:xfrm>
+          <a:noFill/>
+        </p:grpSpPr>
+        <p:sp>
+          <p:nvSpPr>
+            <p:cNvPr id="24" name="TextBox 23"/>
+            <p:cNvSpPr txBox="1"/>
+            <p:nvPr/>
+          </p:nvSpPr>
+          <p:spPr>
+            <a:xfrm>
+              <a:off x="1600200" y="1182410"/>
+              <a:ext cx="990600" cy="461665"/>
+            </a:xfrm>
+            <a:prstGeom prst="rect">
+              <a:avLst/>
+            </a:prstGeom>
+            <a:grpFill/>
+          </p:spPr>
+          <p:txBody>
+            <a:bodyPr wrap="square" rtlCol="0">
+              <a:spAutoFit/>
+            </a:bodyPr>
+            <a:lstStyle/>
+            <a:p>
+              <a:r>
+                <a:rPr lang="en-US" sz="2400" b="1" dirty="0">
+                  <a:latin typeface="Times New Roman" panose="02020603050405020304" pitchFamily="18" charset="0"/>
+                  <a:cs typeface="Times New Roman" panose="02020603050405020304" pitchFamily="18" charset="0"/>
+                </a:rPr>
+                <a:t>Demo</a:t>
+              </a:r>
+              <a:endParaRPr lang="en-US" sz="2400" b="1" dirty="0"/>
+            </a:p>
+          </p:txBody>
+        </p:sp>
+        <p:sp>
+          <p:nvSpPr>
+            <p:cNvPr id="25" name="TextBox 24"/>
+            <p:cNvSpPr txBox="1"/>
+            <p:nvPr/>
+          </p:nvSpPr>
+          <p:spPr>
+            <a:xfrm>
+              <a:off x="1066800" y="1622326"/>
+              <a:ext cx="533400" cy="830997"/>
+            </a:xfrm>
+            <a:prstGeom prst="rect">
+              <a:avLst/>
+            </a:prstGeom>
+            <a:grpFill/>
+          </p:spPr>
+          <p:txBody>
+            <a:bodyPr wrap="square" rtlCol="0">
+              <a:spAutoFit/>
+            </a:bodyPr>
+            <a:lstStyle/>
+            <a:p>
+              <a:pPr algn="ctr"/>
+              <a:r>
+                <a:rPr lang="ja-JP" altLang="en-US" sz="2400" b="1" dirty="0">
+                  <a:latin typeface="Times New Roman" panose="02020603050405020304" pitchFamily="18" charset="0"/>
+                  <a:ea typeface="SimSun" panose="02010600030101010101" pitchFamily="2" charset="-122"/>
+                  <a:cs typeface="Times New Roman" panose="02020603050405020304" pitchFamily="18" charset="0"/>
+                </a:rPr>
+                <a:t>デモ</a:t>
+              </a:r>
+              <a:endParaRPr lang="en-US" sz="2400" b="1" dirty="0"/>
+            </a:p>
+          </p:txBody>
+        </p:sp>
+        <p:sp>
+          <p:nvSpPr>
+            <p:cNvPr id="26" name="TextBox 25"/>
+            <p:cNvSpPr txBox="1"/>
+            <p:nvPr/>
+          </p:nvSpPr>
+          <p:spPr>
+            <a:xfrm>
+              <a:off x="1066800" y="1181100"/>
+              <a:ext cx="533400" cy="461665"/>
+            </a:xfrm>
+            <a:prstGeom prst="rect">
+              <a:avLst/>
+            </a:prstGeom>
+            <a:grpFill/>
+          </p:spPr>
+          <p:txBody>
+            <a:bodyPr wrap="square" rtlCol="0">
+              <a:spAutoFit/>
+            </a:bodyPr>
+            <a:lstStyle/>
+            <a:p>
+              <a:pPr algn="ctr"/>
+              <a:r>
+                <a:rPr lang="en-US" sz="2400" b="1" dirty="0">
+                  <a:solidFill>
+                    <a:srgbClr val="0070C0"/>
+                  </a:solidFill>
+                </a:rPr>
+                <a:t>7</a:t>
+              </a:r>
+            </a:p>
+          </p:txBody>
+        </p:sp>
+      </p:grpSp>
+      <p:grpSp>
+        <p:nvGrpSpPr>
+          <p:cNvPr id="54" name="Group 53"/>
+          <p:cNvGrpSpPr/>
+          <p:nvPr/>
+        </p:nvGrpSpPr>
+        <p:grpSpPr>
+          <a:xfrm>
+            <a:off x="32657" y="101317"/>
+            <a:ext cx="1524000" cy="1232111"/>
+            <a:chOff x="1066800" y="1181100"/>
+            <a:chExt cx="1524000" cy="1355323"/>
+          </a:xfrm>
+          <a:noFill/>
+        </p:grpSpPr>
+        <p:sp>
+          <p:nvSpPr>
+            <p:cNvPr id="55" name="TextBox 54"/>
+            <p:cNvSpPr txBox="1"/>
+            <p:nvPr/>
+          </p:nvSpPr>
+          <p:spPr>
+            <a:xfrm>
+              <a:off x="1600200" y="1182410"/>
+              <a:ext cx="990600" cy="507832"/>
+            </a:xfrm>
+            <a:prstGeom prst="rect">
+              <a:avLst/>
+            </a:prstGeom>
+            <a:grpFill/>
+          </p:spPr>
+          <p:txBody>
+            <a:bodyPr wrap="square" rtlCol="0">
+              <a:spAutoFit/>
+            </a:bodyPr>
+            <a:lstStyle/>
+            <a:p>
+              <a:r>
+                <a:rPr lang="en-US" sz="2400" b="1" dirty="0">
+                  <a:solidFill>
+                    <a:schemeClr val="bg1"/>
+                  </a:solidFill>
+                  <a:latin typeface="Times New Roman" panose="02020603050405020304" pitchFamily="18" charset="0"/>
+                  <a:cs typeface="Times New Roman" panose="02020603050405020304" pitchFamily="18" charset="0"/>
+                </a:rPr>
+                <a:t>Demo</a:t>
+              </a:r>
+              <a:endParaRPr lang="en-US" sz="2400" b="1" dirty="0">
+                <a:solidFill>
+                  <a:schemeClr val="bg1"/>
+                </a:solidFill>
+              </a:endParaRPr>
+            </a:p>
+          </p:txBody>
+        </p:sp>
+        <p:sp>
+          <p:nvSpPr>
+            <p:cNvPr id="56" name="TextBox 55"/>
+            <p:cNvSpPr txBox="1"/>
+            <p:nvPr/>
+          </p:nvSpPr>
+          <p:spPr>
+            <a:xfrm>
+              <a:off x="1066800" y="1622326"/>
+              <a:ext cx="533400" cy="914097"/>
+            </a:xfrm>
+            <a:prstGeom prst="rect">
+              <a:avLst/>
+            </a:prstGeom>
+            <a:grpFill/>
+          </p:spPr>
+          <p:txBody>
+            <a:bodyPr wrap="square" rtlCol="0">
+              <a:spAutoFit/>
+            </a:bodyPr>
+            <a:lstStyle/>
+            <a:p>
+              <a:pPr algn="ctr"/>
+              <a:r>
+                <a:rPr lang="ja-JP" altLang="en-US" sz="2400" b="1" dirty="0">
+                  <a:solidFill>
+                    <a:schemeClr val="bg1"/>
+                  </a:solidFill>
+                  <a:latin typeface="Times New Roman" panose="02020603050405020304" pitchFamily="18" charset="0"/>
+                  <a:ea typeface="SimSun" panose="02010600030101010101" pitchFamily="2" charset="-122"/>
+                  <a:cs typeface="Times New Roman" panose="02020603050405020304" pitchFamily="18" charset="0"/>
+                </a:rPr>
+                <a:t>デモ</a:t>
+              </a:r>
+              <a:endParaRPr lang="en-US" sz="2400" b="1" dirty="0">
+                <a:solidFill>
+                  <a:schemeClr val="bg1"/>
+                </a:solidFill>
+              </a:endParaRPr>
+            </a:p>
+          </p:txBody>
+        </p:sp>
+        <p:sp>
+          <p:nvSpPr>
+            <p:cNvPr id="57" name="TextBox 56"/>
+            <p:cNvSpPr txBox="1"/>
+            <p:nvPr/>
+          </p:nvSpPr>
+          <p:spPr>
+            <a:xfrm>
+              <a:off x="1066800" y="1181100"/>
+              <a:ext cx="533400" cy="507832"/>
+            </a:xfrm>
+            <a:prstGeom prst="rect">
+              <a:avLst/>
+            </a:prstGeom>
+            <a:grpFill/>
+          </p:spPr>
+          <p:txBody>
+            <a:bodyPr wrap="square" rtlCol="0">
+              <a:spAutoFit/>
+            </a:bodyPr>
+            <a:lstStyle/>
+            <a:p>
+              <a:pPr algn="ctr"/>
+              <a:r>
+                <a:rPr lang="en-US" sz="2400" b="1" dirty="0">
+                  <a:solidFill>
+                    <a:schemeClr val="bg1"/>
+                  </a:solidFill>
+                </a:rPr>
+                <a:t>7</a:t>
+              </a:r>
+            </a:p>
+          </p:txBody>
+        </p:sp>
+      </p:grpSp>
+    </p:spTree>
+    <p:extLst>
+      <p:ext uri="{BB962C8B-B14F-4D97-AF65-F5344CB8AC3E}">
+        <p14:creationId xmlns:p14="http://schemas.microsoft.com/office/powerpoint/2010/main" val="3963376541"/>
+      </p:ext>
+    </p:extLst>
+  </p:cSld>
+  <p:clrMapOvr>
+    <a:masterClrMapping/>
+  </p:clrMapOvr>
+  <p:timing>
+    <p:tnLst>
+      <p:par>
+        <p:cTn id="1" dur="indefinite" restart="never" nodeType="tmRoot">
+          <p:childTnLst>
+            <p:seq concurrent="1" nextAc="seek">
+              <p:cTn id="2" dur="indefinite" nodeType="mainSeq">
+                <p:childTnLst>
+                  <p:par>
+                    <p:cTn id="3" fill="hold">
+                      <p:stCondLst>
+                        <p:cond delay="indefinite"/>
+                        <p:cond evt="onBegin" delay="0">
+                          <p:tn val="2"/>
+                        </p:cond>
+                      </p:stCondLst>
+                      <p:childTnLst>
+                        <p:par>
+                          <p:cTn id="4" fill="hold">
+                            <p:stCondLst>
+                              <p:cond delay="0"/>
+                            </p:stCondLst>
+                            <p:childTnLst>
+                              <p:par>
+                                <p:cTn id="5" presetID="0" presetClass="path" presetSubtype="0" accel="50000" decel="50000" fill="hold" nodeType="withEffect">
+                                  <p:stCondLst>
+                                    <p:cond delay="0"/>
+                                  </p:stCondLst>
+                                  <p:childTnLst>
+                                    <p:animMotion origin="layout" path="M -1.94444E-6 2.94798E-6 L -0.49045 -0.53896 " pathEditMode="relative" ptsTypes="AA">
+                                      <p:cBhvr>
+                                        <p:cTn id="6" dur="2000" fill="hold"/>
+                                        <p:tgtEl>
+                                          <p:spTgt spid="19"/>
+                                        </p:tgtEl>
+                                        <p:attrNameLst>
+                                          <p:attrName>ppt_x</p:attrName>
+                                          <p:attrName>ppt_y</p:attrName>
+                                        </p:attrNameLst>
+                                      </p:cBhvr>
+                                    </p:animMotion>
+                                  </p:childTnLst>
+                                </p:cTn>
+                              </p:par>
+                              <p:par>
+                                <p:cTn id="7" presetID="6" presetClass="emph" presetSubtype="0" fill="hold" nodeType="withEffect">
+                                  <p:stCondLst>
+                                    <p:cond delay="0"/>
+                                  </p:stCondLst>
+                                  <p:childTnLst>
+                                    <p:animScale>
+                                      <p:cBhvr>
+                                        <p:cTn id="8" dur="2000" fill="hold"/>
+                                        <p:tgtEl>
+                                          <p:spTgt spid="43"/>
+                                        </p:tgtEl>
+                                      </p:cBhvr>
+                                      <p:by x="50000" y="50000"/>
+                                    </p:animScale>
+                                  </p:childTnLst>
+                                </p:cTn>
+                              </p:par>
+                              <p:par>
+                                <p:cTn id="9" presetID="0" presetClass="path" presetSubtype="0" accel="50000" decel="50000" fill="hold" nodeType="withEffect">
+                                  <p:stCondLst>
+                                    <p:cond delay="0"/>
+                                  </p:stCondLst>
+                                  <p:childTnLst>
+                                    <p:animMotion origin="layout" path="M -0.01927 -0.01991 L 0.20052 0.18634 " pathEditMode="relative" rAng="0" ptsTypes="AA">
+                                      <p:cBhvr>
+                                        <p:cTn id="10" dur="2000" fill="hold"/>
+                                        <p:tgtEl>
+                                          <p:spTgt spid="43"/>
+                                        </p:tgtEl>
+                                        <p:attrNameLst>
+                                          <p:attrName>ppt_x</p:attrName>
+                                          <p:attrName>ppt_y</p:attrName>
+                                        </p:attrNameLst>
+                                      </p:cBhvr>
+                                      <p:rCtr x="10990" y="10301"/>
+                                    </p:animMotion>
+                                  </p:childTnLst>
+                                </p:cTn>
+                              </p:par>
+                            </p:childTnLst>
+                          </p:cTn>
+                        </p:par>
+                        <p:par>
+                          <p:cTn id="11" fill="hold">
+                            <p:stCondLst>
+                              <p:cond delay="2000"/>
+                            </p:stCondLst>
+                            <p:childTnLst>
+                              <p:par>
+                                <p:cTn id="12" presetID="10" presetClass="exit" presetSubtype="0" fill="hold" nodeType="afterEffect">
+                                  <p:stCondLst>
+                                    <p:cond delay="0"/>
+                                  </p:stCondLst>
+                                  <p:childTnLst>
+                                    <p:animEffect transition="out" filter="fade">
+                                      <p:cBhvr>
+                                        <p:cTn id="13" dur="500"/>
+                                        <p:tgtEl>
+                                          <p:spTgt spid="43"/>
+                                        </p:tgtEl>
+                                      </p:cBhvr>
+                                    </p:animEffect>
+                                    <p:set>
+                                      <p:cBhvr>
+                                        <p:cTn id="14" dur="1" fill="hold">
+                                          <p:stCondLst>
+                                            <p:cond delay="499"/>
+                                          </p:stCondLst>
+                                        </p:cTn>
+                                        <p:tgtEl>
+                                          <p:spTgt spid="43"/>
+                                        </p:tgtEl>
+                                        <p:attrNameLst>
+                                          <p:attrName>style.visibility</p:attrName>
+                                        </p:attrNameLst>
+                                      </p:cBhvr>
+                                      <p:to>
+                                        <p:strVal val="hidden"/>
+                                      </p:to>
+                                    </p:set>
+                                  </p:childTnLst>
+                                </p:cTn>
+                              </p:par>
+                              <p:par>
+                                <p:cTn id="15" presetID="10" presetClass="entr" presetSubtype="0" fill="hold" nodeType="withEffect">
+                                  <p:stCondLst>
+                                    <p:cond delay="0"/>
+                                  </p:stCondLst>
+                                  <p:childTnLst>
+                                    <p:set>
+                                      <p:cBhvr>
+                                        <p:cTn id="16" dur="1" fill="hold">
+                                          <p:stCondLst>
+                                            <p:cond delay="0"/>
+                                          </p:stCondLst>
+                                        </p:cTn>
+                                        <p:tgtEl>
+                                          <p:spTgt spid="44"/>
+                                        </p:tgtEl>
+                                        <p:attrNameLst>
+                                          <p:attrName>style.visibility</p:attrName>
+                                        </p:attrNameLst>
+                                      </p:cBhvr>
+                                      <p:to>
+                                        <p:strVal val="visible"/>
+                                      </p:to>
+                                    </p:set>
+                                    <p:animEffect transition="in" filter="fade">
+                                      <p:cBhvr>
+                                        <p:cTn id="17" dur="500"/>
+                                        <p:tgtEl>
+                                          <p:spTgt spid="44"/>
+                                        </p:tgtEl>
+                                      </p:cBhvr>
+                                    </p:animEffect>
+                                  </p:childTnLst>
+                                </p:cTn>
+                              </p:par>
+                              <p:par>
+                                <p:cTn id="18" presetID="10" presetClass="exit" presetSubtype="0" fill="hold" nodeType="withEffect">
+                                  <p:stCondLst>
+                                    <p:cond delay="0"/>
+                                  </p:stCondLst>
+                                  <p:childTnLst>
+                                    <p:animEffect transition="out" filter="fade">
+                                      <p:cBhvr>
+                                        <p:cTn id="19" dur="500"/>
+                                        <p:tgtEl>
+                                          <p:spTgt spid="19"/>
+                                        </p:tgtEl>
+                                      </p:cBhvr>
+                                    </p:animEffect>
+                                    <p:set>
+                                      <p:cBhvr>
+                                        <p:cTn id="20" dur="1" fill="hold">
+                                          <p:stCondLst>
+                                            <p:cond delay="499"/>
+                                          </p:stCondLst>
+                                        </p:cTn>
+                                        <p:tgtEl>
+                                          <p:spTgt spid="19"/>
+                                        </p:tgtEl>
+                                        <p:attrNameLst>
+                                          <p:attrName>style.visibility</p:attrName>
+                                        </p:attrNameLst>
+                                      </p:cBhvr>
+                                      <p:to>
+                                        <p:strVal val="hidden"/>
+                                      </p:to>
+                                    </p:set>
+                                  </p:childTnLst>
+                                </p:cTn>
+                              </p:par>
+                              <p:par>
+                                <p:cTn id="21" presetID="10" presetClass="entr" presetSubtype="0" fill="hold" nodeType="withEffect">
+                                  <p:stCondLst>
+                                    <p:cond delay="0"/>
+                                  </p:stCondLst>
+                                  <p:childTnLst>
+                                    <p:set>
+                                      <p:cBhvr>
+                                        <p:cTn id="22" dur="1" fill="hold">
+                                          <p:stCondLst>
+                                            <p:cond delay="0"/>
+                                          </p:stCondLst>
+                                        </p:cTn>
+                                        <p:tgtEl>
+                                          <p:spTgt spid="54"/>
+                                        </p:tgtEl>
+                                        <p:attrNameLst>
+                                          <p:attrName>style.visibility</p:attrName>
+                                        </p:attrNameLst>
+                                      </p:cBhvr>
+                                      <p:to>
+                                        <p:strVal val="visible"/>
+                                      </p:to>
+                                    </p:set>
+                                    <p:animEffect transition="in" filter="fade">
+                                      <p:cBhvr>
+                                        <p:cTn id="23" dur="500"/>
+                                        <p:tgtEl>
+                                          <p:spTgt spid="54"/>
+                                        </p:tgtEl>
+                                      </p:cBhvr>
+                                    </p:animEffect>
+                                  </p:childTnLst>
+                                </p:cTn>
+                              </p:par>
+                            </p:childTnLst>
+                          </p:cTn>
+                        </p:par>
+                      </p:childTnLst>
+                    </p:cTn>
+                  </p:par>
+                </p:childTnLst>
+              </p:cTn>
+              <p:prevCondLst>
+                <p:cond evt="onPrev" delay="0">
+                  <p:tgtEl>
+                    <p:sldTgt/>
+                  </p:tgtEl>
+                </p:cond>
+              </p:prevCondLst>
+              <p:nextCondLst>
+                <p:cond evt="onNext" delay="0">
+                  <p:tgtEl>
+                    <p:sldTgt/>
+                  </p:tgtEl>
+                </p:cond>
+              </p:nextCondLst>
+            </p:seq>
+          </p:childTnLst>
+        </p:cTn>
+      </p:par>
+    </p:tnLst>
+  </p:timing>
+</p:sld>
+</file>
+
+<file path=ppt/slides/slide33.xml><?xml version="1.0" encoding="utf-8"?>
 <p:sld xmlns:a="http://schemas.openxmlformats.org/drawingml/2006/main" xmlns:r="http://schemas.openxmlformats.org/officeDocument/2006/relationships" xmlns:p="http://schemas.openxmlformats.org/presentationml/2006/main">
   <p:cSld>
     <p:spTree>
@@ -27364,7 +28029,7 @@
 </p:sld>
 </file>
 
-<file path=ppt/slides/slide31.xml><?xml version="1.0" encoding="utf-8"?>
+<file path=ppt/slides/slide34.xml><?xml version="1.0" encoding="utf-8"?>
 <p:sld xmlns:a="http://schemas.openxmlformats.org/drawingml/2006/main" xmlns:r="http://schemas.openxmlformats.org/officeDocument/2006/relationships" xmlns:p="http://schemas.openxmlformats.org/presentationml/2006/main">
   <p:cSld>
     <p:spTree>
@@ -28618,7 +29283,7 @@
 </p:sld>
 </file>
 
-<file path=ppt/slides/slide32.xml><?xml version="1.0" encoding="utf-8"?>
+<file path=ppt/slides/slide35.xml><?xml version="1.0" encoding="utf-8"?>
 <p:sld xmlns:a="http://schemas.openxmlformats.org/drawingml/2006/main" xmlns:r="http://schemas.openxmlformats.org/officeDocument/2006/relationships" xmlns:p="http://schemas.openxmlformats.org/presentationml/2006/main">
   <p:cSld>
     <p:spTree>
@@ -29259,7 +29924,7 @@
 </p:sld>
 </file>
 
-<file path=ppt/slides/slide33.xml><?xml version="1.0" encoding="utf-8"?>
+<file path=ppt/slides/slide36.xml><?xml version="1.0" encoding="utf-8"?>
 <p:sld xmlns:a="http://schemas.openxmlformats.org/drawingml/2006/main" xmlns:r="http://schemas.openxmlformats.org/officeDocument/2006/relationships" xmlns:p="http://schemas.openxmlformats.org/presentationml/2006/main">
   <p:cSld>
     <p:spTree>

--- a/WIP/Users/AnhDD/DDL_Slide_v1.0.pptx
+++ b/WIP/Users/AnhDD/DDL_Slide_v1.0.pptx
@@ -5,7 +5,7 @@
     <p:sldMasterId id="2147483648" r:id="rId1"/>
   </p:sldMasterIdLst>
   <p:notesMasterIdLst>
-    <p:notesMasterId r:id="rId38"/>
+    <p:notesMasterId r:id="rId37"/>
   </p:notesMasterIdLst>
   <p:sldIdLst>
     <p:sldId id="268" r:id="rId2"/>
@@ -22,28 +22,27 @@
     <p:sldId id="260" r:id="rId13"/>
     <p:sldId id="298" r:id="rId14"/>
     <p:sldId id="305" r:id="rId15"/>
-    <p:sldId id="304" r:id="rId16"/>
-    <p:sldId id="299" r:id="rId17"/>
-    <p:sldId id="300" r:id="rId18"/>
-    <p:sldId id="301" r:id="rId19"/>
-    <p:sldId id="306" r:id="rId20"/>
-    <p:sldId id="302" r:id="rId21"/>
-    <p:sldId id="303" r:id="rId22"/>
-    <p:sldId id="285" r:id="rId23"/>
-    <p:sldId id="286" r:id="rId24"/>
-    <p:sldId id="266" r:id="rId25"/>
-    <p:sldId id="287" r:id="rId26"/>
-    <p:sldId id="288" r:id="rId27"/>
-    <p:sldId id="267" r:id="rId28"/>
-    <p:sldId id="289" r:id="rId29"/>
-    <p:sldId id="290" r:id="rId30"/>
-    <p:sldId id="265" r:id="rId31"/>
-    <p:sldId id="291" r:id="rId32"/>
-    <p:sldId id="292" r:id="rId33"/>
-    <p:sldId id="263" r:id="rId34"/>
-    <p:sldId id="293" r:id="rId35"/>
-    <p:sldId id="294" r:id="rId36"/>
-    <p:sldId id="264" r:id="rId37"/>
+    <p:sldId id="299" r:id="rId16"/>
+    <p:sldId id="300" r:id="rId17"/>
+    <p:sldId id="301" r:id="rId18"/>
+    <p:sldId id="306" r:id="rId19"/>
+    <p:sldId id="302" r:id="rId20"/>
+    <p:sldId id="303" r:id="rId21"/>
+    <p:sldId id="285" r:id="rId22"/>
+    <p:sldId id="286" r:id="rId23"/>
+    <p:sldId id="266" r:id="rId24"/>
+    <p:sldId id="287" r:id="rId25"/>
+    <p:sldId id="288" r:id="rId26"/>
+    <p:sldId id="267" r:id="rId27"/>
+    <p:sldId id="289" r:id="rId28"/>
+    <p:sldId id="290" r:id="rId29"/>
+    <p:sldId id="265" r:id="rId30"/>
+    <p:sldId id="291" r:id="rId31"/>
+    <p:sldId id="292" r:id="rId32"/>
+    <p:sldId id="263" r:id="rId33"/>
+    <p:sldId id="293" r:id="rId34"/>
+    <p:sldId id="294" r:id="rId35"/>
+    <p:sldId id="264" r:id="rId36"/>
   </p:sldIdLst>
   <p:sldSz cx="9144000" cy="6858000" type="screen4x3"/>
   <p:notesSz cx="6858000" cy="9144000"/>
@@ -173,7 +172,6 @@
             <p14:sldId id="260"/>
             <p14:sldId id="298"/>
             <p14:sldId id="305"/>
-            <p14:sldId id="304"/>
             <p14:sldId id="299"/>
             <p14:sldId id="300"/>
             <p14:sldId id="301"/>
@@ -10246,13 +10244,6 @@
               </a:rPr>
               <a:t>Business Process</a:t>
             </a:r>
-            <a:endParaRPr lang="en-US" sz="3000" dirty="0">
-              <a:solidFill>
-                <a:schemeClr val="bg1"/>
-              </a:solidFill>
-              <a:latin typeface="Times New Roman" panose="02020603050405020304" pitchFamily="18" charset="0"/>
-              <a:cs typeface="Times New Roman" panose="02020603050405020304" pitchFamily="18" charset="0"/>
-            </a:endParaRPr>
           </a:p>
         </p:txBody>
       </p:sp>
@@ -10774,132 +10765,6 @@
       </p:grpSpPr>
       <p:sp>
         <p:nvSpPr>
-          <p:cNvPr id="2" name="Title 1"/>
-          <p:cNvSpPr>
-            <a:spLocks noGrp="1"/>
-          </p:cNvSpPr>
-          <p:nvPr>
-            <p:ph type="title"/>
-          </p:nvPr>
-        </p:nvSpPr>
-        <p:spPr>
-          <a:xfrm>
-            <a:off x="457200" y="14524"/>
-            <a:ext cx="8229600" cy="655638"/>
-          </a:xfrm>
-        </p:spPr>
-        <p:txBody>
-          <a:bodyPr>
-            <a:normAutofit/>
-          </a:bodyPr>
-          <a:lstStyle/>
-          <a:p>
-            <a:r>
-              <a:rPr lang="en-US" sz="2800" dirty="0" smtClean="0">
-                <a:solidFill>
-                  <a:schemeClr val="bg1"/>
-                </a:solidFill>
-              </a:rPr>
-              <a:t>Screen Flow</a:t>
-            </a:r>
-            <a:endParaRPr lang="en-US" sz="2800" dirty="0">
-              <a:solidFill>
-                <a:schemeClr val="bg1"/>
-              </a:solidFill>
-            </a:endParaRPr>
-          </a:p>
-        </p:txBody>
-      </p:sp>
-      <p:sp>
-        <p:nvSpPr>
-          <p:cNvPr id="3" name="Content Placeholder 2"/>
-          <p:cNvSpPr>
-            <a:spLocks noGrp="1"/>
-          </p:cNvSpPr>
-          <p:nvPr>
-            <p:ph idx="1"/>
-          </p:nvPr>
-        </p:nvSpPr>
-        <p:spPr/>
-        <p:txBody>
-          <a:bodyPr/>
-          <a:lstStyle/>
-          <a:p>
-            <a:endParaRPr lang="en-US" dirty="0"/>
-          </a:p>
-        </p:txBody>
-      </p:sp>
-      <p:pic>
-        <p:nvPicPr>
-          <p:cNvPr id="6" name="Picture 5"/>
-          <p:cNvPicPr/>
-          <p:nvPr/>
-        </p:nvPicPr>
-        <p:blipFill>
-          <a:blip r:embed="rId2">
-            <a:extLst>
-              <a:ext uri="{28A0092B-C50C-407E-A947-70E740481C1C}">
-                <a14:useLocalDpi xmlns:a14="http://schemas.microsoft.com/office/drawing/2010/main" val="0"/>
-              </a:ext>
-            </a:extLst>
-          </a:blip>
-          <a:stretch>
-            <a:fillRect/>
-          </a:stretch>
-        </p:blipFill>
-        <p:spPr bwMode="auto">
-          <a:xfrm>
-            <a:off x="3276600" y="676275"/>
-            <a:ext cx="3154680" cy="6181725"/>
-          </a:xfrm>
-          <a:prstGeom prst="rect">
-            <a:avLst/>
-          </a:prstGeom>
-          <a:noFill/>
-          <a:ln>
-            <a:noFill/>
-          </a:ln>
-        </p:spPr>
-      </p:pic>
-    </p:spTree>
-    <p:extLst>
-      <p:ext uri="{BB962C8B-B14F-4D97-AF65-F5344CB8AC3E}">
-        <p14:creationId xmlns:p14="http://schemas.microsoft.com/office/powerpoint/2010/main" val="816919225"/>
-      </p:ext>
-    </p:extLst>
-  </p:cSld>
-  <p:clrMapOvr>
-    <a:masterClrMapping/>
-  </p:clrMapOvr>
-  <p:timing>
-    <p:tnLst>
-      <p:par>
-        <p:cTn id="1" dur="indefinite" restart="never" nodeType="tmRoot"/>
-      </p:par>
-    </p:tnLst>
-  </p:timing>
-</p:sld>
-</file>
-
-<file path=ppt/slides/slide16.xml><?xml version="1.0" encoding="utf-8"?>
-<p:sld xmlns:a="http://schemas.openxmlformats.org/drawingml/2006/main" xmlns:r="http://schemas.openxmlformats.org/officeDocument/2006/relationships" xmlns:p="http://schemas.openxmlformats.org/presentationml/2006/main">
-  <p:cSld>
-    <p:spTree>
-      <p:nvGrpSpPr>
-        <p:cNvPr id="1" name=""/>
-        <p:cNvGrpSpPr/>
-        <p:nvPr/>
-      </p:nvGrpSpPr>
-      <p:grpSpPr>
-        <a:xfrm>
-          <a:off x="0" y="0"/>
-          <a:ext cx="0" cy="0"/>
-          <a:chOff x="0" y="0"/>
-          <a:chExt cx="0" cy="0"/>
-        </a:xfrm>
-      </p:grpSpPr>
-      <p:sp>
-        <p:nvSpPr>
           <p:cNvPr id="2" name="Tiêu đề 1"/>
           <p:cNvSpPr>
             <a:spLocks noGrp="1"/>
@@ -11881,7 +11746,7 @@
 </p:sld>
 </file>
 
-<file path=ppt/slides/slide17.xml><?xml version="1.0" encoding="utf-8"?>
+<file path=ppt/slides/slide16.xml><?xml version="1.0" encoding="utf-8"?>
 <p:sld xmlns:a="http://schemas.openxmlformats.org/drawingml/2006/main" xmlns:r="http://schemas.openxmlformats.org/officeDocument/2006/relationships" xmlns:p="http://schemas.openxmlformats.org/presentationml/2006/main">
   <p:cSld>
     <p:spTree>
@@ -12635,7 +12500,7 @@
 </p:sld>
 </file>
 
-<file path=ppt/slides/slide18.xml><?xml version="1.0" encoding="utf-8"?>
+<file path=ppt/slides/slide17.xml><?xml version="1.0" encoding="utf-8"?>
 <p:sld xmlns:a="http://schemas.openxmlformats.org/drawingml/2006/main" xmlns:r="http://schemas.openxmlformats.org/officeDocument/2006/relationships" xmlns:p="http://schemas.openxmlformats.org/presentationml/2006/main">
   <p:cSld>
     <p:spTree>
@@ -13133,7 +12998,7 @@
 </p:sld>
 </file>
 
-<file path=ppt/slides/slide19.xml><?xml version="1.0" encoding="utf-8"?>
+<file path=ppt/slides/slide18.xml><?xml version="1.0" encoding="utf-8"?>
 <p:sld xmlns:a="http://schemas.openxmlformats.org/drawingml/2006/main" xmlns:r="http://schemas.openxmlformats.org/officeDocument/2006/relationships" xmlns:p="http://schemas.openxmlformats.org/presentationml/2006/main">
   <p:cSld>
     <p:spTree>
@@ -13456,6 +13321,328 @@
   <p:clrMapOvr>
     <a:masterClrMapping/>
   </p:clrMapOvr>
+</p:sld>
+</file>
+
+<file path=ppt/slides/slide19.xml><?xml version="1.0" encoding="utf-8"?>
+<p:sld xmlns:a="http://schemas.openxmlformats.org/drawingml/2006/main" xmlns:r="http://schemas.openxmlformats.org/officeDocument/2006/relationships" xmlns:p="http://schemas.openxmlformats.org/presentationml/2006/main">
+  <p:cSld>
+    <p:spTree>
+      <p:nvGrpSpPr>
+        <p:cNvPr id="1" name=""/>
+        <p:cNvGrpSpPr/>
+        <p:nvPr/>
+      </p:nvGrpSpPr>
+      <p:grpSpPr>
+        <a:xfrm>
+          <a:off x="0" y="0"/>
+          <a:ext cx="0" cy="0"/>
+          <a:chOff x="0" y="0"/>
+          <a:chExt cx="0" cy="0"/>
+        </a:xfrm>
+      </p:grpSpPr>
+      <p:sp>
+        <p:nvSpPr>
+          <p:cNvPr id="2" name="Tiêu đề 1"/>
+          <p:cNvSpPr>
+            <a:spLocks noGrp="1"/>
+          </p:cNvSpPr>
+          <p:nvPr>
+            <p:ph type="title"/>
+          </p:nvPr>
+        </p:nvSpPr>
+        <p:spPr>
+          <a:xfrm>
+            <a:off x="609600" y="3412"/>
+            <a:ext cx="7005721" cy="555788"/>
+          </a:xfrm>
+        </p:spPr>
+        <p:txBody>
+          <a:bodyPr>
+            <a:noAutofit/>
+          </a:bodyPr>
+          <a:lstStyle/>
+          <a:p>
+            <a:pPr algn="ctr"/>
+            <a:r>
+              <a:rPr lang="en-US" altLang="ja-JP" sz="2800" dirty="0">
+                <a:solidFill>
+                  <a:schemeClr val="bg1"/>
+                </a:solidFill>
+                <a:latin typeface="Times New Roman" panose="02020603050405020304" pitchFamily="18" charset="0"/>
+                <a:cs typeface="Times New Roman" panose="02020603050405020304" pitchFamily="18" charset="0"/>
+              </a:rPr>
+              <a:t>3.4</a:t>
+            </a:r>
+            <a:r>
+              <a:rPr lang="ja-JP" altLang="en-US" sz="2800" b="1" dirty="0">
+                <a:solidFill>
+                  <a:schemeClr val="bg1"/>
+                </a:solidFill>
+                <a:latin typeface="Times New Roman" panose="02020603050405020304" pitchFamily="18" charset="0"/>
+                <a:ea typeface="SimSun" panose="02010600030101010101" pitchFamily="2" charset="-122"/>
+                <a:cs typeface="Times New Roman" panose="02020603050405020304" pitchFamily="18" charset="0"/>
+              </a:rPr>
+              <a:t>非機能要求 </a:t>
+            </a:r>
+            <a:r>
+              <a:rPr lang="en-US" altLang="ja-JP" sz="2800" dirty="0">
+                <a:solidFill>
+                  <a:schemeClr val="bg1"/>
+                </a:solidFill>
+                <a:latin typeface="Times New Roman" panose="02020603050405020304" pitchFamily="18" charset="0"/>
+                <a:cs typeface="Times New Roman" panose="02020603050405020304" pitchFamily="18" charset="0"/>
+              </a:rPr>
+              <a:t>- Non-functional</a:t>
+            </a:r>
+            <a:r>
+              <a:rPr lang="en-US" sz="2800" dirty="0">
+                <a:solidFill>
+                  <a:schemeClr val="bg1"/>
+                </a:solidFill>
+                <a:latin typeface="Times New Roman" panose="02020603050405020304" pitchFamily="18" charset="0"/>
+                <a:cs typeface="Times New Roman" panose="02020603050405020304" pitchFamily="18" charset="0"/>
+              </a:rPr>
+              <a:t> Requirements</a:t>
+            </a:r>
+          </a:p>
+        </p:txBody>
+      </p:sp>
+      <p:sp>
+        <p:nvSpPr>
+          <p:cNvPr id="4" name="Content Placeholder 2"/>
+          <p:cNvSpPr>
+            <a:spLocks noGrp="1"/>
+          </p:cNvSpPr>
+          <p:nvPr>
+            <p:ph idx="1"/>
+          </p:nvPr>
+        </p:nvSpPr>
+        <p:spPr>
+          <a:xfrm>
+            <a:off x="990600" y="1447800"/>
+            <a:ext cx="7659105" cy="3137616"/>
+          </a:xfrm>
+        </p:spPr>
+        <p:txBody>
+          <a:bodyPr>
+            <a:normAutofit/>
+          </a:bodyPr>
+          <a:lstStyle/>
+          <a:p>
+            <a:pPr marL="34290" indent="0">
+              <a:buNone/>
+            </a:pPr>
+            <a:r>
+              <a:rPr lang="ja-JP" altLang="en-US" sz="2400" b="1" dirty="0">
+                <a:solidFill>
+                  <a:srgbClr val="002060"/>
+                </a:solidFill>
+                <a:latin typeface="SimSun" panose="02010600030101010101" pitchFamily="2" charset="-122"/>
+                <a:ea typeface="SimSun" panose="02010600030101010101" pitchFamily="2" charset="-122"/>
+                <a:cs typeface="Times New Roman" panose="02020603050405020304" pitchFamily="18" charset="0"/>
+              </a:rPr>
+              <a:t>ソフトウェア要求</a:t>
+            </a:r>
+            <a:r>
+              <a:rPr lang="ja-JP" altLang="en-US" sz="2400" b="1" dirty="0">
+                <a:solidFill>
+                  <a:srgbClr val="002060"/>
+                </a:solidFill>
+                <a:latin typeface="Times New Roman" panose="02020603050405020304" pitchFamily="18" charset="0"/>
+                <a:cs typeface="Times New Roman" panose="02020603050405020304" pitchFamily="18" charset="0"/>
+              </a:rPr>
+              <a:t>　</a:t>
+            </a:r>
+            <a:r>
+              <a:rPr lang="en-US" altLang="ja-JP" sz="2400" b="1" dirty="0">
+                <a:solidFill>
+                  <a:srgbClr val="002060"/>
+                </a:solidFill>
+                <a:latin typeface="Times New Roman" panose="02020603050405020304" pitchFamily="18" charset="0"/>
+                <a:cs typeface="Times New Roman" panose="02020603050405020304" pitchFamily="18" charset="0"/>
+              </a:rPr>
+              <a:t>-   </a:t>
+            </a:r>
+            <a:r>
+              <a:rPr lang="en-US" altLang="ja-JP" sz="2400" dirty="0">
+                <a:solidFill>
+                  <a:srgbClr val="002060"/>
+                </a:solidFill>
+                <a:latin typeface="Times New Roman" panose="02020603050405020304" pitchFamily="18" charset="0"/>
+                <a:cs typeface="Times New Roman" panose="02020603050405020304" pitchFamily="18" charset="0"/>
+              </a:rPr>
+              <a:t>Software Requirements</a:t>
+            </a:r>
+          </a:p>
+          <a:p>
+            <a:endParaRPr lang="en-US" altLang="ja-JP" sz="2400" dirty="0"/>
+          </a:p>
+          <a:p>
+            <a:endParaRPr lang="en-US" sz="2400" dirty="0" smtClean="0"/>
+          </a:p>
+          <a:p>
+            <a:endParaRPr lang="en-US" sz="2400" dirty="0"/>
+          </a:p>
+          <a:p>
+            <a:endParaRPr lang="en-US" sz="2400" dirty="0"/>
+          </a:p>
+        </p:txBody>
+      </p:sp>
+      <p:pic>
+        <p:nvPicPr>
+          <p:cNvPr id="5" name="Picture 4"/>
+          <p:cNvPicPr>
+            <a:picLocks noChangeAspect="1"/>
+          </p:cNvPicPr>
+          <p:nvPr/>
+        </p:nvPicPr>
+        <p:blipFill>
+          <a:blip r:embed="rId2">
+            <a:extLst>
+              <a:ext uri="{28A0092B-C50C-407E-A947-70E740481C1C}">
+                <a14:useLocalDpi xmlns:a14="http://schemas.microsoft.com/office/drawing/2010/main" val="0"/>
+              </a:ext>
+            </a:extLst>
+          </a:blip>
+          <a:stretch>
+            <a:fillRect/>
+          </a:stretch>
+        </p:blipFill>
+        <p:spPr>
+          <a:xfrm>
+            <a:off x="2688381" y="2795532"/>
+            <a:ext cx="1235002" cy="1169584"/>
+          </a:xfrm>
+          <a:prstGeom prst="rect">
+            <a:avLst/>
+          </a:prstGeom>
+        </p:spPr>
+      </p:pic>
+      <p:sp>
+        <p:nvSpPr>
+          <p:cNvPr id="8" name="TextBox 7"/>
+          <p:cNvSpPr txBox="1"/>
+          <p:nvPr/>
+        </p:nvSpPr>
+        <p:spPr>
+          <a:xfrm>
+            <a:off x="2927052" y="4003476"/>
+            <a:ext cx="803425" cy="323165"/>
+          </a:xfrm>
+          <a:prstGeom prst="rect">
+            <a:avLst/>
+          </a:prstGeom>
+          <a:noFill/>
+        </p:spPr>
+        <p:txBody>
+          <a:bodyPr wrap="none" rtlCol="0">
+            <a:spAutoFit/>
+          </a:bodyPr>
+          <a:lstStyle/>
+          <a:p>
+            <a:r>
+              <a:rPr lang="en-US" sz="1500">
+                <a:solidFill>
+                  <a:srgbClr val="002060"/>
+                </a:solidFill>
+                <a:latin typeface="Times New Roman" panose="02020603050405020304" pitchFamily="18" charset="0"/>
+                <a:cs typeface="Times New Roman" panose="02020603050405020304" pitchFamily="18" charset="0"/>
+              </a:rPr>
+              <a:t>Chrome</a:t>
+            </a:r>
+            <a:endParaRPr lang="en-US" sz="1500" dirty="0">
+              <a:solidFill>
+                <a:srgbClr val="002060"/>
+              </a:solidFill>
+              <a:latin typeface="Times New Roman" panose="02020603050405020304" pitchFamily="18" charset="0"/>
+              <a:cs typeface="Times New Roman" panose="02020603050405020304" pitchFamily="18" charset="0"/>
+            </a:endParaRPr>
+          </a:p>
+        </p:txBody>
+      </p:sp>
+      <p:sp>
+        <p:nvSpPr>
+          <p:cNvPr id="9" name="TextBox 10"/>
+          <p:cNvSpPr txBox="1"/>
+          <p:nvPr/>
+        </p:nvSpPr>
+        <p:spPr>
+          <a:xfrm>
+            <a:off x="5798224" y="4050566"/>
+            <a:ext cx="750526" cy="323165"/>
+          </a:xfrm>
+          <a:prstGeom prst="rect">
+            <a:avLst/>
+          </a:prstGeom>
+          <a:noFill/>
+        </p:spPr>
+        <p:txBody>
+          <a:bodyPr wrap="none" rtlCol="0">
+            <a:spAutoFit/>
+          </a:bodyPr>
+          <a:lstStyle/>
+          <a:p>
+            <a:r>
+              <a:rPr lang="en-US" sz="1500" dirty="0">
+                <a:solidFill>
+                  <a:srgbClr val="002060"/>
+                </a:solidFill>
+                <a:latin typeface="Times New Roman" panose="02020603050405020304" pitchFamily="18" charset="0"/>
+                <a:cs typeface="Times New Roman" panose="02020603050405020304" pitchFamily="18" charset="0"/>
+              </a:rPr>
+              <a:t>Firefox</a:t>
+            </a:r>
+          </a:p>
+        </p:txBody>
+      </p:sp>
+      <p:pic>
+        <p:nvPicPr>
+          <p:cNvPr id="11" name="Ảnh 10"/>
+          <p:cNvPicPr>
+            <a:picLocks noChangeAspect="1"/>
+          </p:cNvPicPr>
+          <p:nvPr/>
+        </p:nvPicPr>
+        <p:blipFill>
+          <a:blip r:embed="rId3">
+            <a:extLst>
+              <a:ext uri="{28A0092B-C50C-407E-A947-70E740481C1C}">
+                <a14:useLocalDpi xmlns:a14="http://schemas.microsoft.com/office/drawing/2010/main" val="0"/>
+              </a:ext>
+            </a:extLst>
+          </a:blip>
+          <a:stretch>
+            <a:fillRect/>
+          </a:stretch>
+        </p:blipFill>
+        <p:spPr>
+          <a:xfrm>
+            <a:off x="5605005" y="2736620"/>
+            <a:ext cx="1136963" cy="1173959"/>
+          </a:xfrm>
+          <a:prstGeom prst="rect">
+            <a:avLst/>
+          </a:prstGeom>
+        </p:spPr>
+      </p:pic>
+    </p:spTree>
+    <p:extLst>
+      <p:ext uri="{BB962C8B-B14F-4D97-AF65-F5344CB8AC3E}">
+        <p14:creationId xmlns:p14="http://schemas.microsoft.com/office/powerpoint/2010/main" val="4039076518"/>
+      </p:ext>
+    </p:extLst>
+  </p:cSld>
+  <p:clrMapOvr>
+    <a:masterClrMapping/>
+  </p:clrMapOvr>
+  <p:timing>
+    <p:tnLst>
+      <p:par>
+        <p:cTn id="1" dur="indefinite" restart="never" nodeType="tmRoot"/>
+      </p:par>
+    </p:tnLst>
+  </p:timing>
 </p:sld>
 </file>
 
@@ -15670,328 +15857,6 @@
         </p:nvSpPr>
         <p:spPr>
           <a:xfrm>
-            <a:off x="609600" y="3412"/>
-            <a:ext cx="7005721" cy="555788"/>
-          </a:xfrm>
-        </p:spPr>
-        <p:txBody>
-          <a:bodyPr>
-            <a:noAutofit/>
-          </a:bodyPr>
-          <a:lstStyle/>
-          <a:p>
-            <a:pPr algn="ctr"/>
-            <a:r>
-              <a:rPr lang="en-US" altLang="ja-JP" sz="2800" dirty="0">
-                <a:solidFill>
-                  <a:schemeClr val="bg1"/>
-                </a:solidFill>
-                <a:latin typeface="Times New Roman" panose="02020603050405020304" pitchFamily="18" charset="0"/>
-                <a:cs typeface="Times New Roman" panose="02020603050405020304" pitchFamily="18" charset="0"/>
-              </a:rPr>
-              <a:t>3.4</a:t>
-            </a:r>
-            <a:r>
-              <a:rPr lang="ja-JP" altLang="en-US" sz="2800" b="1" dirty="0">
-                <a:solidFill>
-                  <a:schemeClr val="bg1"/>
-                </a:solidFill>
-                <a:latin typeface="Times New Roman" panose="02020603050405020304" pitchFamily="18" charset="0"/>
-                <a:ea typeface="SimSun" panose="02010600030101010101" pitchFamily="2" charset="-122"/>
-                <a:cs typeface="Times New Roman" panose="02020603050405020304" pitchFamily="18" charset="0"/>
-              </a:rPr>
-              <a:t>非機能要求 </a:t>
-            </a:r>
-            <a:r>
-              <a:rPr lang="en-US" altLang="ja-JP" sz="2800" dirty="0">
-                <a:solidFill>
-                  <a:schemeClr val="bg1"/>
-                </a:solidFill>
-                <a:latin typeface="Times New Roman" panose="02020603050405020304" pitchFamily="18" charset="0"/>
-                <a:cs typeface="Times New Roman" panose="02020603050405020304" pitchFamily="18" charset="0"/>
-              </a:rPr>
-              <a:t>- Non-functional</a:t>
-            </a:r>
-            <a:r>
-              <a:rPr lang="en-US" sz="2800" dirty="0">
-                <a:solidFill>
-                  <a:schemeClr val="bg1"/>
-                </a:solidFill>
-                <a:latin typeface="Times New Roman" panose="02020603050405020304" pitchFamily="18" charset="0"/>
-                <a:cs typeface="Times New Roman" panose="02020603050405020304" pitchFamily="18" charset="0"/>
-              </a:rPr>
-              <a:t> Requirements</a:t>
-            </a:r>
-          </a:p>
-        </p:txBody>
-      </p:sp>
-      <p:sp>
-        <p:nvSpPr>
-          <p:cNvPr id="4" name="Content Placeholder 2"/>
-          <p:cNvSpPr>
-            <a:spLocks noGrp="1"/>
-          </p:cNvSpPr>
-          <p:nvPr>
-            <p:ph idx="1"/>
-          </p:nvPr>
-        </p:nvSpPr>
-        <p:spPr>
-          <a:xfrm>
-            <a:off x="990600" y="1447800"/>
-            <a:ext cx="7659105" cy="3137616"/>
-          </a:xfrm>
-        </p:spPr>
-        <p:txBody>
-          <a:bodyPr>
-            <a:normAutofit/>
-          </a:bodyPr>
-          <a:lstStyle/>
-          <a:p>
-            <a:pPr marL="34290" indent="0">
-              <a:buNone/>
-            </a:pPr>
-            <a:r>
-              <a:rPr lang="ja-JP" altLang="en-US" sz="2400" b="1" dirty="0">
-                <a:solidFill>
-                  <a:srgbClr val="002060"/>
-                </a:solidFill>
-                <a:latin typeface="SimSun" panose="02010600030101010101" pitchFamily="2" charset="-122"/>
-                <a:ea typeface="SimSun" panose="02010600030101010101" pitchFamily="2" charset="-122"/>
-                <a:cs typeface="Times New Roman" panose="02020603050405020304" pitchFamily="18" charset="0"/>
-              </a:rPr>
-              <a:t>ソフトウェア要求</a:t>
-            </a:r>
-            <a:r>
-              <a:rPr lang="ja-JP" altLang="en-US" sz="2400" b="1" dirty="0">
-                <a:solidFill>
-                  <a:srgbClr val="002060"/>
-                </a:solidFill>
-                <a:latin typeface="Times New Roman" panose="02020603050405020304" pitchFamily="18" charset="0"/>
-                <a:cs typeface="Times New Roman" panose="02020603050405020304" pitchFamily="18" charset="0"/>
-              </a:rPr>
-              <a:t>　</a:t>
-            </a:r>
-            <a:r>
-              <a:rPr lang="en-US" altLang="ja-JP" sz="2400" b="1" dirty="0">
-                <a:solidFill>
-                  <a:srgbClr val="002060"/>
-                </a:solidFill>
-                <a:latin typeface="Times New Roman" panose="02020603050405020304" pitchFamily="18" charset="0"/>
-                <a:cs typeface="Times New Roman" panose="02020603050405020304" pitchFamily="18" charset="0"/>
-              </a:rPr>
-              <a:t>-   </a:t>
-            </a:r>
-            <a:r>
-              <a:rPr lang="en-US" altLang="ja-JP" sz="2400" dirty="0">
-                <a:solidFill>
-                  <a:srgbClr val="002060"/>
-                </a:solidFill>
-                <a:latin typeface="Times New Roman" panose="02020603050405020304" pitchFamily="18" charset="0"/>
-                <a:cs typeface="Times New Roman" panose="02020603050405020304" pitchFamily="18" charset="0"/>
-              </a:rPr>
-              <a:t>Software Requirements</a:t>
-            </a:r>
-          </a:p>
-          <a:p>
-            <a:endParaRPr lang="en-US" altLang="ja-JP" sz="2400" dirty="0"/>
-          </a:p>
-          <a:p>
-            <a:endParaRPr lang="en-US" sz="2400" dirty="0" smtClean="0"/>
-          </a:p>
-          <a:p>
-            <a:endParaRPr lang="en-US" sz="2400" dirty="0"/>
-          </a:p>
-          <a:p>
-            <a:endParaRPr lang="en-US" sz="2400" dirty="0"/>
-          </a:p>
-        </p:txBody>
-      </p:sp>
-      <p:pic>
-        <p:nvPicPr>
-          <p:cNvPr id="5" name="Picture 4"/>
-          <p:cNvPicPr>
-            <a:picLocks noChangeAspect="1"/>
-          </p:cNvPicPr>
-          <p:nvPr/>
-        </p:nvPicPr>
-        <p:blipFill>
-          <a:blip r:embed="rId2">
-            <a:extLst>
-              <a:ext uri="{28A0092B-C50C-407E-A947-70E740481C1C}">
-                <a14:useLocalDpi xmlns:a14="http://schemas.microsoft.com/office/drawing/2010/main" val="0"/>
-              </a:ext>
-            </a:extLst>
-          </a:blip>
-          <a:stretch>
-            <a:fillRect/>
-          </a:stretch>
-        </p:blipFill>
-        <p:spPr>
-          <a:xfrm>
-            <a:off x="2688381" y="2795532"/>
-            <a:ext cx="1235002" cy="1169584"/>
-          </a:xfrm>
-          <a:prstGeom prst="rect">
-            <a:avLst/>
-          </a:prstGeom>
-        </p:spPr>
-      </p:pic>
-      <p:sp>
-        <p:nvSpPr>
-          <p:cNvPr id="8" name="TextBox 7"/>
-          <p:cNvSpPr txBox="1"/>
-          <p:nvPr/>
-        </p:nvSpPr>
-        <p:spPr>
-          <a:xfrm>
-            <a:off x="2927052" y="4003476"/>
-            <a:ext cx="803425" cy="323165"/>
-          </a:xfrm>
-          <a:prstGeom prst="rect">
-            <a:avLst/>
-          </a:prstGeom>
-          <a:noFill/>
-        </p:spPr>
-        <p:txBody>
-          <a:bodyPr wrap="none" rtlCol="0">
-            <a:spAutoFit/>
-          </a:bodyPr>
-          <a:lstStyle/>
-          <a:p>
-            <a:r>
-              <a:rPr lang="en-US" sz="1500">
-                <a:solidFill>
-                  <a:srgbClr val="002060"/>
-                </a:solidFill>
-                <a:latin typeface="Times New Roman" panose="02020603050405020304" pitchFamily="18" charset="0"/>
-                <a:cs typeface="Times New Roman" panose="02020603050405020304" pitchFamily="18" charset="0"/>
-              </a:rPr>
-              <a:t>Chrome</a:t>
-            </a:r>
-            <a:endParaRPr lang="en-US" sz="1500" dirty="0">
-              <a:solidFill>
-                <a:srgbClr val="002060"/>
-              </a:solidFill>
-              <a:latin typeface="Times New Roman" panose="02020603050405020304" pitchFamily="18" charset="0"/>
-              <a:cs typeface="Times New Roman" panose="02020603050405020304" pitchFamily="18" charset="0"/>
-            </a:endParaRPr>
-          </a:p>
-        </p:txBody>
-      </p:sp>
-      <p:sp>
-        <p:nvSpPr>
-          <p:cNvPr id="9" name="TextBox 10"/>
-          <p:cNvSpPr txBox="1"/>
-          <p:nvPr/>
-        </p:nvSpPr>
-        <p:spPr>
-          <a:xfrm>
-            <a:off x="5798224" y="4050566"/>
-            <a:ext cx="750526" cy="323165"/>
-          </a:xfrm>
-          <a:prstGeom prst="rect">
-            <a:avLst/>
-          </a:prstGeom>
-          <a:noFill/>
-        </p:spPr>
-        <p:txBody>
-          <a:bodyPr wrap="none" rtlCol="0">
-            <a:spAutoFit/>
-          </a:bodyPr>
-          <a:lstStyle/>
-          <a:p>
-            <a:r>
-              <a:rPr lang="en-US" sz="1500" dirty="0">
-                <a:solidFill>
-                  <a:srgbClr val="002060"/>
-                </a:solidFill>
-                <a:latin typeface="Times New Roman" panose="02020603050405020304" pitchFamily="18" charset="0"/>
-                <a:cs typeface="Times New Roman" panose="02020603050405020304" pitchFamily="18" charset="0"/>
-              </a:rPr>
-              <a:t>Firefox</a:t>
-            </a:r>
-          </a:p>
-        </p:txBody>
-      </p:sp>
-      <p:pic>
-        <p:nvPicPr>
-          <p:cNvPr id="11" name="Ảnh 10"/>
-          <p:cNvPicPr>
-            <a:picLocks noChangeAspect="1"/>
-          </p:cNvPicPr>
-          <p:nvPr/>
-        </p:nvPicPr>
-        <p:blipFill>
-          <a:blip r:embed="rId3">
-            <a:extLst>
-              <a:ext uri="{28A0092B-C50C-407E-A947-70E740481C1C}">
-                <a14:useLocalDpi xmlns:a14="http://schemas.microsoft.com/office/drawing/2010/main" val="0"/>
-              </a:ext>
-            </a:extLst>
-          </a:blip>
-          <a:stretch>
-            <a:fillRect/>
-          </a:stretch>
-        </p:blipFill>
-        <p:spPr>
-          <a:xfrm>
-            <a:off x="5605005" y="2736620"/>
-            <a:ext cx="1136963" cy="1173959"/>
-          </a:xfrm>
-          <a:prstGeom prst="rect">
-            <a:avLst/>
-          </a:prstGeom>
-        </p:spPr>
-      </p:pic>
-    </p:spTree>
-    <p:extLst>
-      <p:ext uri="{BB962C8B-B14F-4D97-AF65-F5344CB8AC3E}">
-        <p14:creationId xmlns:p14="http://schemas.microsoft.com/office/powerpoint/2010/main" val="4039076518"/>
-      </p:ext>
-    </p:extLst>
-  </p:cSld>
-  <p:clrMapOvr>
-    <a:masterClrMapping/>
-  </p:clrMapOvr>
-  <p:timing>
-    <p:tnLst>
-      <p:par>
-        <p:cTn id="1" dur="indefinite" restart="never" nodeType="tmRoot"/>
-      </p:par>
-    </p:tnLst>
-  </p:timing>
-</p:sld>
-</file>
-
-<file path=ppt/slides/slide21.xml><?xml version="1.0" encoding="utf-8"?>
-<p:sld xmlns:a="http://schemas.openxmlformats.org/drawingml/2006/main" xmlns:r="http://schemas.openxmlformats.org/officeDocument/2006/relationships" xmlns:p="http://schemas.openxmlformats.org/presentationml/2006/main">
-  <p:cSld>
-    <p:spTree>
-      <p:nvGrpSpPr>
-        <p:cNvPr id="1" name=""/>
-        <p:cNvGrpSpPr/>
-        <p:nvPr/>
-      </p:nvGrpSpPr>
-      <p:grpSpPr>
-        <a:xfrm>
-          <a:off x="0" y="0"/>
-          <a:ext cx="0" cy="0"/>
-          <a:chOff x="0" y="0"/>
-          <a:chExt cx="0" cy="0"/>
-        </a:xfrm>
-      </p:grpSpPr>
-      <p:sp>
-        <p:nvSpPr>
-          <p:cNvPr id="2" name="Tiêu đề 1"/>
-          <p:cNvSpPr>
-            <a:spLocks noGrp="1"/>
-          </p:cNvSpPr>
-          <p:nvPr>
-            <p:ph type="title"/>
-          </p:nvPr>
-        </p:nvSpPr>
-        <p:spPr>
-          <a:xfrm>
             <a:off x="228600" y="57064"/>
             <a:ext cx="7843304" cy="546129"/>
           </a:xfrm>
@@ -16128,17 +15993,7 @@
                 <a:latin typeface="Times New Roman" panose="02020603050405020304" pitchFamily="18" charset="0"/>
                 <a:cs typeface="Times New Roman" panose="02020603050405020304" pitchFamily="18" charset="0"/>
               </a:rPr>
-              <a:t>Laptop , Smartphone </a:t>
-            </a:r>
-            <a:r>
-              <a:rPr lang="en-US" altLang="ja-JP" sz="2400" dirty="0" smtClean="0">
-                <a:solidFill>
-                  <a:srgbClr val="002060"/>
-                </a:solidFill>
-                <a:latin typeface="Times New Roman" panose="02020603050405020304" pitchFamily="18" charset="0"/>
-                <a:cs typeface="Times New Roman" panose="02020603050405020304" pitchFamily="18" charset="0"/>
-              </a:rPr>
-              <a:t>with </a:t>
+              <a:t>Laptop , Smartphone with </a:t>
             </a:r>
             <a:r>
               <a:rPr lang="en-US" altLang="ja-JP" sz="2400" dirty="0">
@@ -16304,7 +16159,7 @@
 </p:sld>
 </file>
 
-<file path=ppt/slides/slide22.xml><?xml version="1.0" encoding="utf-8"?>
+<file path=ppt/slides/slide21.xml><?xml version="1.0" encoding="utf-8"?>
 <p:sld xmlns:a="http://schemas.openxmlformats.org/drawingml/2006/main" xmlns:r="http://schemas.openxmlformats.org/officeDocument/2006/relationships" xmlns:p="http://schemas.openxmlformats.org/presentationml/2006/main">
   <p:cSld>
     <p:spTree>
@@ -17800,7 +17655,7 @@
 </p:sld>
 </file>
 
-<file path=ppt/slides/slide23.xml><?xml version="1.0" encoding="utf-8"?>
+<file path=ppt/slides/slide22.xml><?xml version="1.0" encoding="utf-8"?>
 <p:sld xmlns:a="http://schemas.openxmlformats.org/drawingml/2006/main" xmlns:r="http://schemas.openxmlformats.org/officeDocument/2006/relationships" xmlns:p="http://schemas.openxmlformats.org/presentationml/2006/main">
   <p:cSld>
     <p:spTree>
@@ -18423,7 +18278,7 @@
 </p:sld>
 </file>
 
-<file path=ppt/slides/slide24.xml><?xml version="1.0" encoding="utf-8"?>
+<file path=ppt/slides/slide23.xml><?xml version="1.0" encoding="utf-8"?>
 <p:sld xmlns:a="http://schemas.openxmlformats.org/drawingml/2006/main" xmlns:r="http://schemas.openxmlformats.org/officeDocument/2006/relationships" xmlns:p="http://schemas.openxmlformats.org/presentationml/2006/main">
   <p:cSld>
     <p:spTree>
@@ -19601,7 +19456,7 @@
 </p:sld>
 </file>
 
-<file path=ppt/slides/slide25.xml><?xml version="1.0" encoding="utf-8"?>
+<file path=ppt/slides/slide24.xml><?xml version="1.0" encoding="utf-8"?>
 <p:sld xmlns:a="http://schemas.openxmlformats.org/drawingml/2006/main" xmlns:r="http://schemas.openxmlformats.org/officeDocument/2006/relationships" xmlns:p="http://schemas.openxmlformats.org/presentationml/2006/main">
   <p:cSld>
     <p:spTree>
@@ -21070,7 +20925,7 @@
 </p:sld>
 </file>
 
-<file path=ppt/slides/slide26.xml><?xml version="1.0" encoding="utf-8"?>
+<file path=ppt/slides/slide25.xml><?xml version="1.0" encoding="utf-8"?>
 <p:sld xmlns:a="http://schemas.openxmlformats.org/drawingml/2006/main" xmlns:r="http://schemas.openxmlformats.org/officeDocument/2006/relationships" xmlns:p="http://schemas.openxmlformats.org/presentationml/2006/main">
   <p:cSld>
     <p:spTree>
@@ -21693,7 +21548,7 @@
 </p:sld>
 </file>
 
-<file path=ppt/slides/slide27.xml><?xml version="1.0" encoding="utf-8"?>
+<file path=ppt/slides/slide26.xml><?xml version="1.0" encoding="utf-8"?>
 <p:sld xmlns:a="http://schemas.openxmlformats.org/drawingml/2006/main" xmlns:r="http://schemas.openxmlformats.org/officeDocument/2006/relationships" xmlns:p="http://schemas.openxmlformats.org/presentationml/2006/main">
   <p:cSld>
     <p:spTree>
@@ -21990,7 +21845,7 @@
 </p:sld>
 </file>
 
-<file path=ppt/slides/slide28.xml><?xml version="1.0" encoding="utf-8"?>
+<file path=ppt/slides/slide27.xml><?xml version="1.0" encoding="utf-8"?>
 <p:sld xmlns:a="http://schemas.openxmlformats.org/drawingml/2006/main" xmlns:r="http://schemas.openxmlformats.org/officeDocument/2006/relationships" xmlns:p="http://schemas.openxmlformats.org/presentationml/2006/main">
   <p:cSld>
     <p:spTree>
@@ -23459,7 +23314,7 @@
 </p:sld>
 </file>
 
-<file path=ppt/slides/slide29.xml><?xml version="1.0" encoding="utf-8"?>
+<file path=ppt/slides/slide28.xml><?xml version="1.0" encoding="utf-8"?>
 <p:sld xmlns:a="http://schemas.openxmlformats.org/drawingml/2006/main" xmlns:r="http://schemas.openxmlformats.org/officeDocument/2006/relationships" xmlns:p="http://schemas.openxmlformats.org/presentationml/2006/main">
   <p:cSld>
     <p:spTree>
@@ -24045,6 +23900,509 @@
                                         <p:cTn id="23" dur="500"/>
                                         <p:tgtEl>
                                           <p:spTgt spid="58"/>
+                                        </p:tgtEl>
+                                      </p:cBhvr>
+                                    </p:animEffect>
+                                  </p:childTnLst>
+                                </p:cTn>
+                              </p:par>
+                            </p:childTnLst>
+                          </p:cTn>
+                        </p:par>
+                      </p:childTnLst>
+                    </p:cTn>
+                  </p:par>
+                </p:childTnLst>
+              </p:cTn>
+              <p:prevCondLst>
+                <p:cond evt="onPrev" delay="0">
+                  <p:tgtEl>
+                    <p:sldTgt/>
+                  </p:tgtEl>
+                </p:cond>
+              </p:prevCondLst>
+              <p:nextCondLst>
+                <p:cond evt="onNext" delay="0">
+                  <p:tgtEl>
+                    <p:sldTgt/>
+                  </p:tgtEl>
+                </p:cond>
+              </p:nextCondLst>
+            </p:seq>
+          </p:childTnLst>
+        </p:cTn>
+      </p:par>
+    </p:tnLst>
+  </p:timing>
+</p:sld>
+</file>
+
+<file path=ppt/slides/slide29.xml><?xml version="1.0" encoding="utf-8"?>
+<p:sld xmlns:a="http://schemas.openxmlformats.org/drawingml/2006/main" xmlns:r="http://schemas.openxmlformats.org/officeDocument/2006/relationships" xmlns:p="http://schemas.openxmlformats.org/presentationml/2006/main">
+  <p:cSld>
+    <p:spTree>
+      <p:nvGrpSpPr>
+        <p:cNvPr id="1" name=""/>
+        <p:cNvGrpSpPr/>
+        <p:nvPr/>
+      </p:nvGrpSpPr>
+      <p:grpSpPr>
+        <a:xfrm>
+          <a:off x="0" y="0"/>
+          <a:ext cx="0" cy="0"/>
+          <a:chOff x="0" y="0"/>
+          <a:chExt cx="0" cy="0"/>
+        </a:xfrm>
+      </p:grpSpPr>
+      <p:sp>
+        <p:nvSpPr>
+          <p:cNvPr id="2" name="Title 1"/>
+          <p:cNvSpPr>
+            <a:spLocks noGrp="1"/>
+          </p:cNvSpPr>
+          <p:nvPr>
+            <p:ph type="title"/>
+          </p:nvPr>
+        </p:nvSpPr>
+        <p:spPr>
+          <a:xfrm>
+            <a:off x="685800" y="701675"/>
+            <a:ext cx="8229600" cy="1143000"/>
+          </a:xfrm>
+        </p:spPr>
+        <p:txBody>
+          <a:bodyPr>
+            <a:normAutofit fontScale="90000"/>
+          </a:bodyPr>
+          <a:lstStyle/>
+          <a:p>
+            <a:r>
+              <a:rPr lang="en-US" altLang="ja-JP" sz="3600" b="1" dirty="0">
+                <a:solidFill>
+                  <a:srgbClr val="7030A0"/>
+                </a:solidFill>
+                <a:latin typeface="Times New Roman" panose="02020603050405020304" pitchFamily="18" charset="0"/>
+                <a:ea typeface="SimSun" panose="02010600030101010101" pitchFamily="2" charset="-122"/>
+                <a:cs typeface="Times New Roman" panose="02020603050405020304" pitchFamily="18" charset="0"/>
+              </a:rPr>
+              <a:t>6. </a:t>
+            </a:r>
+            <a:r>
+              <a:rPr lang="ja-JP" altLang="en-US" sz="3600" b="1" dirty="0">
+                <a:solidFill>
+                  <a:srgbClr val="7030A0"/>
+                </a:solidFill>
+                <a:latin typeface="Times New Roman" panose="02020603050405020304" pitchFamily="18" charset="0"/>
+                <a:ea typeface="SimSun" panose="02010600030101010101" pitchFamily="2" charset="-122"/>
+                <a:cs typeface="Times New Roman" panose="02020603050405020304" pitchFamily="18" charset="0"/>
+              </a:rPr>
+              <a:t>プロジェクト結果</a:t>
+            </a:r>
+            <a:r>
+              <a:rPr lang="ja-JP" altLang="en-US" sz="3600" b="1" dirty="0">
+                <a:solidFill>
+                  <a:srgbClr val="7030A0"/>
+                </a:solidFill>
+                <a:latin typeface="Times New Roman" panose="02020603050405020304" pitchFamily="18" charset="0"/>
+                <a:cs typeface="Times New Roman" panose="02020603050405020304" pitchFamily="18" charset="0"/>
+              </a:rPr>
+              <a:t>　</a:t>
+            </a:r>
+            <a:r>
+              <a:rPr lang="en-US" altLang="ja-JP" sz="3600" b="1" dirty="0">
+                <a:solidFill>
+                  <a:srgbClr val="7030A0"/>
+                </a:solidFill>
+                <a:latin typeface="Times New Roman" panose="02020603050405020304" pitchFamily="18" charset="0"/>
+                <a:cs typeface="Times New Roman" panose="02020603050405020304" pitchFamily="18" charset="0"/>
+              </a:rPr>
+              <a:t>–  </a:t>
+            </a:r>
+            <a:r>
+              <a:rPr lang="en-US" altLang="ja-JP" sz="3600" dirty="0">
+                <a:solidFill>
+                  <a:srgbClr val="7030A0"/>
+                </a:solidFill>
+                <a:latin typeface="Times New Roman" panose="02020603050405020304" pitchFamily="18" charset="0"/>
+                <a:cs typeface="Times New Roman" panose="02020603050405020304" pitchFamily="18" charset="0"/>
+              </a:rPr>
+              <a:t>Project </a:t>
+            </a:r>
+            <a:r>
+              <a:rPr lang="en-US" altLang="ja-JP" sz="3600" dirty="0" smtClean="0">
+                <a:solidFill>
+                  <a:srgbClr val="7030A0"/>
+                </a:solidFill>
+                <a:latin typeface="Times New Roman" panose="02020603050405020304" pitchFamily="18" charset="0"/>
+                <a:cs typeface="Times New Roman" panose="02020603050405020304" pitchFamily="18" charset="0"/>
+              </a:rPr>
+              <a:t>Result: Report6</a:t>
+            </a:r>
+            <a:endParaRPr lang="en-US" sz="3600" dirty="0"/>
+          </a:p>
+        </p:txBody>
+      </p:sp>
+      <p:sp>
+        <p:nvSpPr>
+          <p:cNvPr id="3" name="Content Placeholder 2"/>
+          <p:cNvSpPr>
+            <a:spLocks noGrp="1"/>
+          </p:cNvSpPr>
+          <p:nvPr>
+            <p:ph idx="1"/>
+          </p:nvPr>
+        </p:nvSpPr>
+        <p:spPr>
+          <a:xfrm>
+            <a:off x="685800" y="2027237"/>
+            <a:ext cx="8229600" cy="4525963"/>
+          </a:xfrm>
+        </p:spPr>
+        <p:txBody>
+          <a:bodyPr/>
+          <a:lstStyle/>
+          <a:p>
+            <a:pPr marL="0" indent="0">
+              <a:buNone/>
+            </a:pPr>
+            <a:r>
+              <a:rPr lang="en-US" altLang="ja-JP" dirty="0" smtClean="0">
+                <a:solidFill>
+                  <a:srgbClr val="7030A0"/>
+                </a:solidFill>
+                <a:latin typeface="Times New Roman" panose="02020603050405020304" pitchFamily="18" charset="0"/>
+                <a:cs typeface="Times New Roman" panose="02020603050405020304" pitchFamily="18" charset="0"/>
+              </a:rPr>
+              <a:t>6.1 </a:t>
+            </a:r>
+            <a:r>
+              <a:rPr lang="ja-JP" altLang="en-US" b="1" dirty="0" smtClean="0">
+                <a:solidFill>
+                  <a:srgbClr val="7030A0"/>
+                </a:solidFill>
+                <a:latin typeface="SimSun" panose="02010600030101010101" pitchFamily="2" charset="-122"/>
+                <a:ea typeface="SimSun" panose="02010600030101010101" pitchFamily="2" charset="-122"/>
+                <a:cs typeface="Times New Roman" panose="02020603050405020304" pitchFamily="18" charset="0"/>
+              </a:rPr>
+              <a:t>制</a:t>
+            </a:r>
+            <a:r>
+              <a:rPr lang="ja-JP" altLang="en-US" b="1" dirty="0">
+                <a:solidFill>
+                  <a:srgbClr val="7030A0"/>
+                </a:solidFill>
+                <a:latin typeface="SimSun" panose="02010600030101010101" pitchFamily="2" charset="-122"/>
+                <a:ea typeface="SimSun" panose="02010600030101010101" pitchFamily="2" charset="-122"/>
+                <a:cs typeface="Times New Roman" panose="02020603050405020304" pitchFamily="18" charset="0"/>
+              </a:rPr>
+              <a:t>限と期待</a:t>
+            </a:r>
+            <a:r>
+              <a:rPr lang="ja-JP" altLang="en-US" b="1" dirty="0">
+                <a:solidFill>
+                  <a:srgbClr val="7030A0"/>
+                </a:solidFill>
+                <a:latin typeface="Times New Roman" panose="02020603050405020304" pitchFamily="18" charset="0"/>
+                <a:cs typeface="Times New Roman" panose="02020603050405020304" pitchFamily="18" charset="0"/>
+              </a:rPr>
+              <a:t>　</a:t>
+            </a:r>
+            <a:r>
+              <a:rPr lang="en-US" altLang="ja-JP" b="1" dirty="0">
+                <a:solidFill>
+                  <a:srgbClr val="7030A0"/>
+                </a:solidFill>
+                <a:latin typeface="Times New Roman" panose="02020603050405020304" pitchFamily="18" charset="0"/>
+                <a:cs typeface="Times New Roman" panose="02020603050405020304" pitchFamily="18" charset="0"/>
+              </a:rPr>
+              <a:t>–  </a:t>
+            </a:r>
+            <a:r>
+              <a:rPr lang="en-US" dirty="0">
+                <a:solidFill>
+                  <a:srgbClr val="7030A0"/>
+                </a:solidFill>
+                <a:latin typeface="Times New Roman" panose="02020603050405020304" pitchFamily="18" charset="0"/>
+                <a:cs typeface="Times New Roman" panose="02020603050405020304" pitchFamily="18" charset="0"/>
+              </a:rPr>
+              <a:t>Limitation &amp; </a:t>
+            </a:r>
+            <a:r>
+              <a:rPr lang="en-US" dirty="0" smtClean="0">
+                <a:solidFill>
+                  <a:srgbClr val="7030A0"/>
+                </a:solidFill>
+                <a:latin typeface="Times New Roman" panose="02020603050405020304" pitchFamily="18" charset="0"/>
+                <a:cs typeface="Times New Roman" panose="02020603050405020304" pitchFamily="18" charset="0"/>
+              </a:rPr>
+              <a:t>Expectation</a:t>
+            </a:r>
+          </a:p>
+          <a:p>
+            <a:pPr marL="0" indent="0">
+              <a:buNone/>
+            </a:pPr>
+            <a:r>
+              <a:rPr lang="en-US" altLang="ja-JP" b="1" dirty="0" smtClean="0">
+                <a:solidFill>
+                  <a:srgbClr val="7030A0"/>
+                </a:solidFill>
+                <a:latin typeface="SimSun" panose="02010600030101010101" pitchFamily="2" charset="-122"/>
+                <a:ea typeface="SimSun" panose="02010600030101010101" pitchFamily="2" charset="-122"/>
+                <a:cs typeface="Times New Roman" panose="02020603050405020304" pitchFamily="18" charset="0"/>
+              </a:rPr>
+              <a:t>6.2 </a:t>
+            </a:r>
+            <a:r>
+              <a:rPr lang="ja-JP" altLang="en-US" b="1" dirty="0" smtClean="0">
+                <a:solidFill>
+                  <a:srgbClr val="7030A0"/>
+                </a:solidFill>
+                <a:latin typeface="SimSun" panose="02010600030101010101" pitchFamily="2" charset="-122"/>
+                <a:ea typeface="SimSun" panose="02010600030101010101" pitchFamily="2" charset="-122"/>
+                <a:cs typeface="Times New Roman" panose="02020603050405020304" pitchFamily="18" charset="0"/>
+              </a:rPr>
+              <a:t>学</a:t>
+            </a:r>
+            <a:r>
+              <a:rPr lang="ja-JP" altLang="en-US" b="1" dirty="0">
+                <a:solidFill>
+                  <a:srgbClr val="7030A0"/>
+                </a:solidFill>
+                <a:latin typeface="SimSun" panose="02010600030101010101" pitchFamily="2" charset="-122"/>
+                <a:ea typeface="SimSun" panose="02010600030101010101" pitchFamily="2" charset="-122"/>
+                <a:cs typeface="Times New Roman" panose="02020603050405020304" pitchFamily="18" charset="0"/>
+              </a:rPr>
+              <a:t>んだ教訓  </a:t>
+            </a:r>
+            <a:r>
+              <a:rPr lang="en-US" altLang="ja-JP" b="1" dirty="0">
+                <a:solidFill>
+                  <a:srgbClr val="7030A0"/>
+                </a:solidFill>
+                <a:latin typeface="Times New Roman" panose="02020603050405020304" pitchFamily="18" charset="0"/>
+                <a:cs typeface="Times New Roman" panose="02020603050405020304" pitchFamily="18" charset="0"/>
+              </a:rPr>
+              <a:t>- </a:t>
+            </a:r>
+            <a:r>
+              <a:rPr lang="en-US" b="1" dirty="0">
+                <a:solidFill>
+                  <a:srgbClr val="7030A0"/>
+                </a:solidFill>
+                <a:latin typeface="Times New Roman" panose="02020603050405020304" pitchFamily="18" charset="0"/>
+                <a:cs typeface="Times New Roman" panose="02020603050405020304" pitchFamily="18" charset="0"/>
+              </a:rPr>
+              <a:t>Lessons </a:t>
+            </a:r>
+            <a:r>
+              <a:rPr lang="en-US" b="1" dirty="0" smtClean="0">
+                <a:solidFill>
+                  <a:srgbClr val="7030A0"/>
+                </a:solidFill>
+                <a:latin typeface="Times New Roman" panose="02020603050405020304" pitchFamily="18" charset="0"/>
+                <a:cs typeface="Times New Roman" panose="02020603050405020304" pitchFamily="18" charset="0"/>
+              </a:rPr>
+              <a:t>Learn</a:t>
+            </a:r>
+            <a:endParaRPr lang="en-US" dirty="0"/>
+          </a:p>
+        </p:txBody>
+      </p:sp>
+      <p:grpSp>
+        <p:nvGrpSpPr>
+          <p:cNvPr id="4" name="Group 3"/>
+          <p:cNvGrpSpPr/>
+          <p:nvPr/>
+        </p:nvGrpSpPr>
+        <p:grpSpPr>
+          <a:xfrm>
+            <a:off x="29028" y="58059"/>
+            <a:ext cx="3873500" cy="3478034"/>
+            <a:chOff x="1066800" y="1181100"/>
+            <a:chExt cx="3873500" cy="3478034"/>
+          </a:xfrm>
+          <a:noFill/>
+        </p:grpSpPr>
+        <p:sp>
+          <p:nvSpPr>
+            <p:cNvPr id="5" name="TextBox 4"/>
+            <p:cNvSpPr txBox="1"/>
+            <p:nvPr/>
+          </p:nvSpPr>
+          <p:spPr>
+            <a:xfrm>
+              <a:off x="1600200" y="1182410"/>
+              <a:ext cx="3340100" cy="461665"/>
+            </a:xfrm>
+            <a:prstGeom prst="rect">
+              <a:avLst/>
+            </a:prstGeom>
+            <a:grpFill/>
+          </p:spPr>
+          <p:txBody>
+            <a:bodyPr wrap="square" rtlCol="0">
+              <a:spAutoFit/>
+            </a:bodyPr>
+            <a:lstStyle/>
+            <a:p>
+              <a:r>
+                <a:rPr lang="en-US" altLang="ja-JP" sz="2400" b="1" dirty="0">
+                  <a:solidFill>
+                    <a:schemeClr val="bg1"/>
+                  </a:solidFill>
+                  <a:latin typeface="Times New Roman" panose="02020603050405020304" pitchFamily="18" charset="0"/>
+                  <a:cs typeface="Times New Roman" panose="02020603050405020304" pitchFamily="18" charset="0"/>
+                </a:rPr>
+                <a:t>Project Result</a:t>
+              </a:r>
+              <a:endParaRPr lang="en-US" sz="2400" b="1" dirty="0">
+                <a:solidFill>
+                  <a:schemeClr val="bg1"/>
+                </a:solidFill>
+              </a:endParaRPr>
+            </a:p>
+          </p:txBody>
+        </p:sp>
+        <p:sp>
+          <p:nvSpPr>
+            <p:cNvPr id="6" name="TextBox 5"/>
+            <p:cNvSpPr txBox="1"/>
+            <p:nvPr/>
+          </p:nvSpPr>
+          <p:spPr>
+            <a:xfrm>
+              <a:off x="1066800" y="1612146"/>
+              <a:ext cx="533400" cy="3046988"/>
+            </a:xfrm>
+            <a:prstGeom prst="rect">
+              <a:avLst/>
+            </a:prstGeom>
+            <a:grpFill/>
+          </p:spPr>
+          <p:txBody>
+            <a:bodyPr wrap="square" rtlCol="0">
+              <a:spAutoFit/>
+            </a:bodyPr>
+            <a:lstStyle/>
+            <a:p>
+              <a:pPr algn="ctr"/>
+              <a:r>
+                <a:rPr lang="ja-JP" altLang="en-US" sz="2400" b="1" dirty="0">
+                  <a:solidFill>
+                    <a:schemeClr val="bg1"/>
+                  </a:solidFill>
+                  <a:latin typeface="Times New Roman" panose="02020603050405020304" pitchFamily="18" charset="0"/>
+                  <a:ea typeface="SimSun" panose="02010600030101010101" pitchFamily="2" charset="-122"/>
+                  <a:cs typeface="Times New Roman" panose="02020603050405020304" pitchFamily="18" charset="0"/>
+                </a:rPr>
+                <a:t>プロジェクト結果</a:t>
+              </a:r>
+              <a:endParaRPr lang="en-US" sz="2400" b="1" dirty="0">
+                <a:solidFill>
+                  <a:schemeClr val="bg1"/>
+                </a:solidFill>
+              </a:endParaRPr>
+            </a:p>
+          </p:txBody>
+        </p:sp>
+        <p:sp>
+          <p:nvSpPr>
+            <p:cNvPr id="7" name="TextBox 6"/>
+            <p:cNvSpPr txBox="1"/>
+            <p:nvPr/>
+          </p:nvSpPr>
+          <p:spPr>
+            <a:xfrm>
+              <a:off x="1066800" y="1181100"/>
+              <a:ext cx="533400" cy="461665"/>
+            </a:xfrm>
+            <a:prstGeom prst="rect">
+              <a:avLst/>
+            </a:prstGeom>
+            <a:grpFill/>
+          </p:spPr>
+          <p:txBody>
+            <a:bodyPr wrap="square" rtlCol="0">
+              <a:spAutoFit/>
+            </a:bodyPr>
+            <a:lstStyle/>
+            <a:p>
+              <a:pPr algn="ctr"/>
+              <a:r>
+                <a:rPr lang="en-US" sz="2400" b="1" dirty="0">
+                  <a:solidFill>
+                    <a:schemeClr val="bg1"/>
+                  </a:solidFill>
+                </a:rPr>
+                <a:t>6</a:t>
+              </a:r>
+            </a:p>
+          </p:txBody>
+        </p:sp>
+      </p:grpSp>
+    </p:spTree>
+    <p:extLst>
+      <p:ext uri="{BB962C8B-B14F-4D97-AF65-F5344CB8AC3E}">
+        <p14:creationId xmlns:p14="http://schemas.microsoft.com/office/powerpoint/2010/main" val="2245915339"/>
+      </p:ext>
+    </p:extLst>
+  </p:cSld>
+  <p:clrMapOvr>
+    <a:masterClrMapping/>
+  </p:clrMapOvr>
+  <p:timing>
+    <p:tnLst>
+      <p:par>
+        <p:cTn id="1" dur="indefinite" restart="never" nodeType="tmRoot">
+          <p:childTnLst>
+            <p:seq concurrent="1" nextAc="seek">
+              <p:cTn id="2" dur="indefinite" nodeType="mainSeq">
+                <p:childTnLst>
+                  <p:par>
+                    <p:cTn id="3" fill="hold">
+                      <p:stCondLst>
+                        <p:cond delay="indefinite"/>
+                        <p:cond evt="onBegin" delay="0">
+                          <p:tn val="2"/>
+                        </p:cond>
+                      </p:stCondLst>
+                      <p:childTnLst>
+                        <p:par>
+                          <p:cTn id="4" fill="hold">
+                            <p:stCondLst>
+                              <p:cond delay="0"/>
+                            </p:stCondLst>
+                            <p:childTnLst>
+                              <p:par>
+                                <p:cTn id="5" presetID="10" presetClass="entr" presetSubtype="0" fill="hold" nodeType="withEffect">
+                                  <p:stCondLst>
+                                    <p:cond delay="0"/>
+                                  </p:stCondLst>
+                                  <p:childTnLst>
+                                    <p:set>
+                                      <p:cBhvr>
+                                        <p:cTn id="6" dur="1" fill="hold">
+                                          <p:stCondLst>
+                                            <p:cond delay="0"/>
+                                          </p:stCondLst>
+                                        </p:cTn>
+                                        <p:tgtEl>
+                                          <p:spTgt spid="4"/>
+                                        </p:tgtEl>
+                                        <p:attrNameLst>
+                                          <p:attrName>style.visibility</p:attrName>
+                                        </p:attrNameLst>
+                                      </p:cBhvr>
+                                      <p:to>
+                                        <p:strVal val="visible"/>
+                                      </p:to>
+                                    </p:set>
+                                    <p:animEffect transition="in" filter="fade">
+                                      <p:cBhvr>
+                                        <p:cTn id="7" dur="500"/>
+                                        <p:tgtEl>
+                                          <p:spTgt spid="4"/>
                                         </p:tgtEl>
                                       </p:cBhvr>
                                     </p:animEffect>
@@ -25353,509 +25711,6 @@
           <a:chExt cx="0" cy="0"/>
         </a:xfrm>
       </p:grpSpPr>
-      <p:sp>
-        <p:nvSpPr>
-          <p:cNvPr id="2" name="Title 1"/>
-          <p:cNvSpPr>
-            <a:spLocks noGrp="1"/>
-          </p:cNvSpPr>
-          <p:nvPr>
-            <p:ph type="title"/>
-          </p:nvPr>
-        </p:nvSpPr>
-        <p:spPr>
-          <a:xfrm>
-            <a:off x="685800" y="701675"/>
-            <a:ext cx="8229600" cy="1143000"/>
-          </a:xfrm>
-        </p:spPr>
-        <p:txBody>
-          <a:bodyPr>
-            <a:normAutofit fontScale="90000"/>
-          </a:bodyPr>
-          <a:lstStyle/>
-          <a:p>
-            <a:r>
-              <a:rPr lang="en-US" altLang="ja-JP" sz="3600" b="1" dirty="0">
-                <a:solidFill>
-                  <a:srgbClr val="7030A0"/>
-                </a:solidFill>
-                <a:latin typeface="Times New Roman" panose="02020603050405020304" pitchFamily="18" charset="0"/>
-                <a:ea typeface="SimSun" panose="02010600030101010101" pitchFamily="2" charset="-122"/>
-                <a:cs typeface="Times New Roman" panose="02020603050405020304" pitchFamily="18" charset="0"/>
-              </a:rPr>
-              <a:t>6. </a:t>
-            </a:r>
-            <a:r>
-              <a:rPr lang="ja-JP" altLang="en-US" sz="3600" b="1" dirty="0">
-                <a:solidFill>
-                  <a:srgbClr val="7030A0"/>
-                </a:solidFill>
-                <a:latin typeface="Times New Roman" panose="02020603050405020304" pitchFamily="18" charset="0"/>
-                <a:ea typeface="SimSun" panose="02010600030101010101" pitchFamily="2" charset="-122"/>
-                <a:cs typeface="Times New Roman" panose="02020603050405020304" pitchFamily="18" charset="0"/>
-              </a:rPr>
-              <a:t>プロジェクト結果</a:t>
-            </a:r>
-            <a:r>
-              <a:rPr lang="ja-JP" altLang="en-US" sz="3600" b="1" dirty="0">
-                <a:solidFill>
-                  <a:srgbClr val="7030A0"/>
-                </a:solidFill>
-                <a:latin typeface="Times New Roman" panose="02020603050405020304" pitchFamily="18" charset="0"/>
-                <a:cs typeface="Times New Roman" panose="02020603050405020304" pitchFamily="18" charset="0"/>
-              </a:rPr>
-              <a:t>　</a:t>
-            </a:r>
-            <a:r>
-              <a:rPr lang="en-US" altLang="ja-JP" sz="3600" b="1" dirty="0">
-                <a:solidFill>
-                  <a:srgbClr val="7030A0"/>
-                </a:solidFill>
-                <a:latin typeface="Times New Roman" panose="02020603050405020304" pitchFamily="18" charset="0"/>
-                <a:cs typeface="Times New Roman" panose="02020603050405020304" pitchFamily="18" charset="0"/>
-              </a:rPr>
-              <a:t>–  </a:t>
-            </a:r>
-            <a:r>
-              <a:rPr lang="en-US" altLang="ja-JP" sz="3600" dirty="0">
-                <a:solidFill>
-                  <a:srgbClr val="7030A0"/>
-                </a:solidFill>
-                <a:latin typeface="Times New Roman" panose="02020603050405020304" pitchFamily="18" charset="0"/>
-                <a:cs typeface="Times New Roman" panose="02020603050405020304" pitchFamily="18" charset="0"/>
-              </a:rPr>
-              <a:t>Project </a:t>
-            </a:r>
-            <a:r>
-              <a:rPr lang="en-US" altLang="ja-JP" sz="3600" dirty="0" smtClean="0">
-                <a:solidFill>
-                  <a:srgbClr val="7030A0"/>
-                </a:solidFill>
-                <a:latin typeface="Times New Roman" panose="02020603050405020304" pitchFamily="18" charset="0"/>
-                <a:cs typeface="Times New Roman" panose="02020603050405020304" pitchFamily="18" charset="0"/>
-              </a:rPr>
-              <a:t>Result: Report6</a:t>
-            </a:r>
-            <a:endParaRPr lang="en-US" sz="3600" dirty="0"/>
-          </a:p>
-        </p:txBody>
-      </p:sp>
-      <p:sp>
-        <p:nvSpPr>
-          <p:cNvPr id="3" name="Content Placeholder 2"/>
-          <p:cNvSpPr>
-            <a:spLocks noGrp="1"/>
-          </p:cNvSpPr>
-          <p:nvPr>
-            <p:ph idx="1"/>
-          </p:nvPr>
-        </p:nvSpPr>
-        <p:spPr>
-          <a:xfrm>
-            <a:off x="685800" y="2027237"/>
-            <a:ext cx="8229600" cy="4525963"/>
-          </a:xfrm>
-        </p:spPr>
-        <p:txBody>
-          <a:bodyPr/>
-          <a:lstStyle/>
-          <a:p>
-            <a:pPr marL="0" indent="0">
-              <a:buNone/>
-            </a:pPr>
-            <a:r>
-              <a:rPr lang="en-US" altLang="ja-JP" dirty="0" smtClean="0">
-                <a:solidFill>
-                  <a:srgbClr val="7030A0"/>
-                </a:solidFill>
-                <a:latin typeface="Times New Roman" panose="02020603050405020304" pitchFamily="18" charset="0"/>
-                <a:cs typeface="Times New Roman" panose="02020603050405020304" pitchFamily="18" charset="0"/>
-              </a:rPr>
-              <a:t>6.1 </a:t>
-            </a:r>
-            <a:r>
-              <a:rPr lang="ja-JP" altLang="en-US" b="1" dirty="0" smtClean="0">
-                <a:solidFill>
-                  <a:srgbClr val="7030A0"/>
-                </a:solidFill>
-                <a:latin typeface="SimSun" panose="02010600030101010101" pitchFamily="2" charset="-122"/>
-                <a:ea typeface="SimSun" panose="02010600030101010101" pitchFamily="2" charset="-122"/>
-                <a:cs typeface="Times New Roman" panose="02020603050405020304" pitchFamily="18" charset="0"/>
-              </a:rPr>
-              <a:t>制</a:t>
-            </a:r>
-            <a:r>
-              <a:rPr lang="ja-JP" altLang="en-US" b="1" dirty="0">
-                <a:solidFill>
-                  <a:srgbClr val="7030A0"/>
-                </a:solidFill>
-                <a:latin typeface="SimSun" panose="02010600030101010101" pitchFamily="2" charset="-122"/>
-                <a:ea typeface="SimSun" panose="02010600030101010101" pitchFamily="2" charset="-122"/>
-                <a:cs typeface="Times New Roman" panose="02020603050405020304" pitchFamily="18" charset="0"/>
-              </a:rPr>
-              <a:t>限と期待</a:t>
-            </a:r>
-            <a:r>
-              <a:rPr lang="ja-JP" altLang="en-US" b="1" dirty="0">
-                <a:solidFill>
-                  <a:srgbClr val="7030A0"/>
-                </a:solidFill>
-                <a:latin typeface="Times New Roman" panose="02020603050405020304" pitchFamily="18" charset="0"/>
-                <a:cs typeface="Times New Roman" panose="02020603050405020304" pitchFamily="18" charset="0"/>
-              </a:rPr>
-              <a:t>　</a:t>
-            </a:r>
-            <a:r>
-              <a:rPr lang="en-US" altLang="ja-JP" b="1" dirty="0">
-                <a:solidFill>
-                  <a:srgbClr val="7030A0"/>
-                </a:solidFill>
-                <a:latin typeface="Times New Roman" panose="02020603050405020304" pitchFamily="18" charset="0"/>
-                <a:cs typeface="Times New Roman" panose="02020603050405020304" pitchFamily="18" charset="0"/>
-              </a:rPr>
-              <a:t>–  </a:t>
-            </a:r>
-            <a:r>
-              <a:rPr lang="en-US" dirty="0">
-                <a:solidFill>
-                  <a:srgbClr val="7030A0"/>
-                </a:solidFill>
-                <a:latin typeface="Times New Roman" panose="02020603050405020304" pitchFamily="18" charset="0"/>
-                <a:cs typeface="Times New Roman" panose="02020603050405020304" pitchFamily="18" charset="0"/>
-              </a:rPr>
-              <a:t>Limitation &amp; </a:t>
-            </a:r>
-            <a:r>
-              <a:rPr lang="en-US" dirty="0" smtClean="0">
-                <a:solidFill>
-                  <a:srgbClr val="7030A0"/>
-                </a:solidFill>
-                <a:latin typeface="Times New Roman" panose="02020603050405020304" pitchFamily="18" charset="0"/>
-                <a:cs typeface="Times New Roman" panose="02020603050405020304" pitchFamily="18" charset="0"/>
-              </a:rPr>
-              <a:t>Expectation</a:t>
-            </a:r>
-          </a:p>
-          <a:p>
-            <a:pPr marL="0" indent="0">
-              <a:buNone/>
-            </a:pPr>
-            <a:r>
-              <a:rPr lang="en-US" altLang="ja-JP" b="1" dirty="0" smtClean="0">
-                <a:solidFill>
-                  <a:srgbClr val="7030A0"/>
-                </a:solidFill>
-                <a:latin typeface="SimSun" panose="02010600030101010101" pitchFamily="2" charset="-122"/>
-                <a:ea typeface="SimSun" panose="02010600030101010101" pitchFamily="2" charset="-122"/>
-                <a:cs typeface="Times New Roman" panose="02020603050405020304" pitchFamily="18" charset="0"/>
-              </a:rPr>
-              <a:t>6.2 </a:t>
-            </a:r>
-            <a:r>
-              <a:rPr lang="ja-JP" altLang="en-US" b="1" dirty="0" smtClean="0">
-                <a:solidFill>
-                  <a:srgbClr val="7030A0"/>
-                </a:solidFill>
-                <a:latin typeface="SimSun" panose="02010600030101010101" pitchFamily="2" charset="-122"/>
-                <a:ea typeface="SimSun" panose="02010600030101010101" pitchFamily="2" charset="-122"/>
-                <a:cs typeface="Times New Roman" panose="02020603050405020304" pitchFamily="18" charset="0"/>
-              </a:rPr>
-              <a:t>学</a:t>
-            </a:r>
-            <a:r>
-              <a:rPr lang="ja-JP" altLang="en-US" b="1" dirty="0">
-                <a:solidFill>
-                  <a:srgbClr val="7030A0"/>
-                </a:solidFill>
-                <a:latin typeface="SimSun" panose="02010600030101010101" pitchFamily="2" charset="-122"/>
-                <a:ea typeface="SimSun" panose="02010600030101010101" pitchFamily="2" charset="-122"/>
-                <a:cs typeface="Times New Roman" panose="02020603050405020304" pitchFamily="18" charset="0"/>
-              </a:rPr>
-              <a:t>んだ教訓  </a:t>
-            </a:r>
-            <a:r>
-              <a:rPr lang="en-US" altLang="ja-JP" b="1" dirty="0">
-                <a:solidFill>
-                  <a:srgbClr val="7030A0"/>
-                </a:solidFill>
-                <a:latin typeface="Times New Roman" panose="02020603050405020304" pitchFamily="18" charset="0"/>
-                <a:cs typeface="Times New Roman" panose="02020603050405020304" pitchFamily="18" charset="0"/>
-              </a:rPr>
-              <a:t>- </a:t>
-            </a:r>
-            <a:r>
-              <a:rPr lang="en-US" b="1" dirty="0">
-                <a:solidFill>
-                  <a:srgbClr val="7030A0"/>
-                </a:solidFill>
-                <a:latin typeface="Times New Roman" panose="02020603050405020304" pitchFamily="18" charset="0"/>
-                <a:cs typeface="Times New Roman" panose="02020603050405020304" pitchFamily="18" charset="0"/>
-              </a:rPr>
-              <a:t>Lessons </a:t>
-            </a:r>
-            <a:r>
-              <a:rPr lang="en-US" b="1" dirty="0" smtClean="0">
-                <a:solidFill>
-                  <a:srgbClr val="7030A0"/>
-                </a:solidFill>
-                <a:latin typeface="Times New Roman" panose="02020603050405020304" pitchFamily="18" charset="0"/>
-                <a:cs typeface="Times New Roman" panose="02020603050405020304" pitchFamily="18" charset="0"/>
-              </a:rPr>
-              <a:t>Learn</a:t>
-            </a:r>
-            <a:endParaRPr lang="en-US" dirty="0"/>
-          </a:p>
-        </p:txBody>
-      </p:sp>
-      <p:grpSp>
-        <p:nvGrpSpPr>
-          <p:cNvPr id="4" name="Group 3"/>
-          <p:cNvGrpSpPr/>
-          <p:nvPr/>
-        </p:nvGrpSpPr>
-        <p:grpSpPr>
-          <a:xfrm>
-            <a:off x="29028" y="58059"/>
-            <a:ext cx="3873500" cy="3478034"/>
-            <a:chOff x="1066800" y="1181100"/>
-            <a:chExt cx="3873500" cy="3478034"/>
-          </a:xfrm>
-          <a:noFill/>
-        </p:grpSpPr>
-        <p:sp>
-          <p:nvSpPr>
-            <p:cNvPr id="5" name="TextBox 4"/>
-            <p:cNvSpPr txBox="1"/>
-            <p:nvPr/>
-          </p:nvSpPr>
-          <p:spPr>
-            <a:xfrm>
-              <a:off x="1600200" y="1182410"/>
-              <a:ext cx="3340100" cy="461665"/>
-            </a:xfrm>
-            <a:prstGeom prst="rect">
-              <a:avLst/>
-            </a:prstGeom>
-            <a:grpFill/>
-          </p:spPr>
-          <p:txBody>
-            <a:bodyPr wrap="square" rtlCol="0">
-              <a:spAutoFit/>
-            </a:bodyPr>
-            <a:lstStyle/>
-            <a:p>
-              <a:r>
-                <a:rPr lang="en-US" altLang="ja-JP" sz="2400" b="1" dirty="0">
-                  <a:solidFill>
-                    <a:schemeClr val="bg1"/>
-                  </a:solidFill>
-                  <a:latin typeface="Times New Roman" panose="02020603050405020304" pitchFamily="18" charset="0"/>
-                  <a:cs typeface="Times New Roman" panose="02020603050405020304" pitchFamily="18" charset="0"/>
-                </a:rPr>
-                <a:t>Project Result</a:t>
-              </a:r>
-              <a:endParaRPr lang="en-US" sz="2400" b="1" dirty="0">
-                <a:solidFill>
-                  <a:schemeClr val="bg1"/>
-                </a:solidFill>
-              </a:endParaRPr>
-            </a:p>
-          </p:txBody>
-        </p:sp>
-        <p:sp>
-          <p:nvSpPr>
-            <p:cNvPr id="6" name="TextBox 5"/>
-            <p:cNvSpPr txBox="1"/>
-            <p:nvPr/>
-          </p:nvSpPr>
-          <p:spPr>
-            <a:xfrm>
-              <a:off x="1066800" y="1612146"/>
-              <a:ext cx="533400" cy="3046988"/>
-            </a:xfrm>
-            <a:prstGeom prst="rect">
-              <a:avLst/>
-            </a:prstGeom>
-            <a:grpFill/>
-          </p:spPr>
-          <p:txBody>
-            <a:bodyPr wrap="square" rtlCol="0">
-              <a:spAutoFit/>
-            </a:bodyPr>
-            <a:lstStyle/>
-            <a:p>
-              <a:pPr algn="ctr"/>
-              <a:r>
-                <a:rPr lang="ja-JP" altLang="en-US" sz="2400" b="1" dirty="0">
-                  <a:solidFill>
-                    <a:schemeClr val="bg1"/>
-                  </a:solidFill>
-                  <a:latin typeface="Times New Roman" panose="02020603050405020304" pitchFamily="18" charset="0"/>
-                  <a:ea typeface="SimSun" panose="02010600030101010101" pitchFamily="2" charset="-122"/>
-                  <a:cs typeface="Times New Roman" panose="02020603050405020304" pitchFamily="18" charset="0"/>
-                </a:rPr>
-                <a:t>プロジェクト結果</a:t>
-              </a:r>
-              <a:endParaRPr lang="en-US" sz="2400" b="1" dirty="0">
-                <a:solidFill>
-                  <a:schemeClr val="bg1"/>
-                </a:solidFill>
-              </a:endParaRPr>
-            </a:p>
-          </p:txBody>
-        </p:sp>
-        <p:sp>
-          <p:nvSpPr>
-            <p:cNvPr id="7" name="TextBox 6"/>
-            <p:cNvSpPr txBox="1"/>
-            <p:nvPr/>
-          </p:nvSpPr>
-          <p:spPr>
-            <a:xfrm>
-              <a:off x="1066800" y="1181100"/>
-              <a:ext cx="533400" cy="461665"/>
-            </a:xfrm>
-            <a:prstGeom prst="rect">
-              <a:avLst/>
-            </a:prstGeom>
-            <a:grpFill/>
-          </p:spPr>
-          <p:txBody>
-            <a:bodyPr wrap="square" rtlCol="0">
-              <a:spAutoFit/>
-            </a:bodyPr>
-            <a:lstStyle/>
-            <a:p>
-              <a:pPr algn="ctr"/>
-              <a:r>
-                <a:rPr lang="en-US" sz="2400" b="1" dirty="0">
-                  <a:solidFill>
-                    <a:schemeClr val="bg1"/>
-                  </a:solidFill>
-                </a:rPr>
-                <a:t>6</a:t>
-              </a:r>
-            </a:p>
-          </p:txBody>
-        </p:sp>
-      </p:grpSp>
-    </p:spTree>
-    <p:extLst>
-      <p:ext uri="{BB962C8B-B14F-4D97-AF65-F5344CB8AC3E}">
-        <p14:creationId xmlns:p14="http://schemas.microsoft.com/office/powerpoint/2010/main" val="2245915339"/>
-      </p:ext>
-    </p:extLst>
-  </p:cSld>
-  <p:clrMapOvr>
-    <a:masterClrMapping/>
-  </p:clrMapOvr>
-  <p:timing>
-    <p:tnLst>
-      <p:par>
-        <p:cTn id="1" dur="indefinite" restart="never" nodeType="tmRoot">
-          <p:childTnLst>
-            <p:seq concurrent="1" nextAc="seek">
-              <p:cTn id="2" dur="indefinite" nodeType="mainSeq">
-                <p:childTnLst>
-                  <p:par>
-                    <p:cTn id="3" fill="hold">
-                      <p:stCondLst>
-                        <p:cond delay="indefinite"/>
-                        <p:cond evt="onBegin" delay="0">
-                          <p:tn val="2"/>
-                        </p:cond>
-                      </p:stCondLst>
-                      <p:childTnLst>
-                        <p:par>
-                          <p:cTn id="4" fill="hold">
-                            <p:stCondLst>
-                              <p:cond delay="0"/>
-                            </p:stCondLst>
-                            <p:childTnLst>
-                              <p:par>
-                                <p:cTn id="5" presetID="10" presetClass="entr" presetSubtype="0" fill="hold" nodeType="withEffect">
-                                  <p:stCondLst>
-                                    <p:cond delay="0"/>
-                                  </p:stCondLst>
-                                  <p:childTnLst>
-                                    <p:set>
-                                      <p:cBhvr>
-                                        <p:cTn id="6" dur="1" fill="hold">
-                                          <p:stCondLst>
-                                            <p:cond delay="0"/>
-                                          </p:stCondLst>
-                                        </p:cTn>
-                                        <p:tgtEl>
-                                          <p:spTgt spid="4"/>
-                                        </p:tgtEl>
-                                        <p:attrNameLst>
-                                          <p:attrName>style.visibility</p:attrName>
-                                        </p:attrNameLst>
-                                      </p:cBhvr>
-                                      <p:to>
-                                        <p:strVal val="visible"/>
-                                      </p:to>
-                                    </p:set>
-                                    <p:animEffect transition="in" filter="fade">
-                                      <p:cBhvr>
-                                        <p:cTn id="7" dur="500"/>
-                                        <p:tgtEl>
-                                          <p:spTgt spid="4"/>
-                                        </p:tgtEl>
-                                      </p:cBhvr>
-                                    </p:animEffect>
-                                  </p:childTnLst>
-                                </p:cTn>
-                              </p:par>
-                            </p:childTnLst>
-                          </p:cTn>
-                        </p:par>
-                      </p:childTnLst>
-                    </p:cTn>
-                  </p:par>
-                </p:childTnLst>
-              </p:cTn>
-              <p:prevCondLst>
-                <p:cond evt="onPrev" delay="0">
-                  <p:tgtEl>
-                    <p:sldTgt/>
-                  </p:tgtEl>
-                </p:cond>
-              </p:prevCondLst>
-              <p:nextCondLst>
-                <p:cond evt="onNext" delay="0">
-                  <p:tgtEl>
-                    <p:sldTgt/>
-                  </p:tgtEl>
-                </p:cond>
-              </p:nextCondLst>
-            </p:seq>
-          </p:childTnLst>
-        </p:cTn>
-      </p:par>
-    </p:tnLst>
-  </p:timing>
-</p:sld>
-</file>
-
-<file path=ppt/slides/slide31.xml><?xml version="1.0" encoding="utf-8"?>
-<p:sld xmlns:a="http://schemas.openxmlformats.org/drawingml/2006/main" xmlns:r="http://schemas.openxmlformats.org/officeDocument/2006/relationships" xmlns:p="http://schemas.openxmlformats.org/presentationml/2006/main">
-  <p:cSld>
-    <p:spTree>
-      <p:nvGrpSpPr>
-        <p:cNvPr id="1" name=""/>
-        <p:cNvGrpSpPr/>
-        <p:nvPr/>
-      </p:nvGrpSpPr>
-      <p:grpSpPr>
-        <a:xfrm>
-          <a:off x="0" y="0"/>
-          <a:ext cx="0" cy="0"/>
-          <a:chOff x="0" y="0"/>
-          <a:chExt cx="0" cy="0"/>
-        </a:xfrm>
-      </p:grpSpPr>
       <p:pic>
         <p:nvPicPr>
           <p:cNvPr id="3076" name="Picture 4" descr="C:\Users\Chinh\Desktop\Slides\1.png"/>
@@ -27093,7 +26948,7 @@
 </p:sld>
 </file>
 
-<file path=ppt/slides/slide32.xml><?xml version="1.0" encoding="utf-8"?>
+<file path=ppt/slides/slide31.xml><?xml version="1.0" encoding="utf-8"?>
 <p:sld xmlns:a="http://schemas.openxmlformats.org/drawingml/2006/main" xmlns:r="http://schemas.openxmlformats.org/officeDocument/2006/relationships" xmlns:p="http://schemas.openxmlformats.org/presentationml/2006/main">
   <p:cSld>
     <p:spTree>
@@ -27716,7 +27571,7 @@
 </p:sld>
 </file>
 
-<file path=ppt/slides/slide33.xml><?xml version="1.0" encoding="utf-8"?>
+<file path=ppt/slides/slide32.xml><?xml version="1.0" encoding="utf-8"?>
 <p:sld xmlns:a="http://schemas.openxmlformats.org/drawingml/2006/main" xmlns:r="http://schemas.openxmlformats.org/officeDocument/2006/relationships" xmlns:p="http://schemas.openxmlformats.org/presentationml/2006/main">
   <p:cSld>
     <p:spTree>
@@ -28029,7 +27884,7 @@
 </p:sld>
 </file>
 
-<file path=ppt/slides/slide34.xml><?xml version="1.0" encoding="utf-8"?>
+<file path=ppt/slides/slide33.xml><?xml version="1.0" encoding="utf-8"?>
 <p:sld xmlns:a="http://schemas.openxmlformats.org/drawingml/2006/main" xmlns:r="http://schemas.openxmlformats.org/officeDocument/2006/relationships" xmlns:p="http://schemas.openxmlformats.org/presentationml/2006/main">
   <p:cSld>
     <p:spTree>
@@ -29283,7 +29138,7 @@
 </p:sld>
 </file>
 
-<file path=ppt/slides/slide35.xml><?xml version="1.0" encoding="utf-8"?>
+<file path=ppt/slides/slide34.xml><?xml version="1.0" encoding="utf-8"?>
 <p:sld xmlns:a="http://schemas.openxmlformats.org/drawingml/2006/main" xmlns:r="http://schemas.openxmlformats.org/officeDocument/2006/relationships" xmlns:p="http://schemas.openxmlformats.org/presentationml/2006/main">
   <p:cSld>
     <p:spTree>
@@ -29924,7 +29779,7 @@
 </p:sld>
 </file>
 
-<file path=ppt/slides/slide36.xml><?xml version="1.0" encoding="utf-8"?>
+<file path=ppt/slides/slide35.xml><?xml version="1.0" encoding="utf-8"?>
 <p:sld xmlns:a="http://schemas.openxmlformats.org/drawingml/2006/main" xmlns:r="http://schemas.openxmlformats.org/officeDocument/2006/relationships" xmlns:p="http://schemas.openxmlformats.org/presentationml/2006/main">
   <p:cSld>
     <p:spTree>
